--- a/Capstone Project 1/Capstone Project 1 Presentation.pptx
+++ b/Capstone Project 1/Capstone Project 1 Presentation.pptx
@@ -22,6 +22,26 @@
     <p:sldId id="270" r:id="rId16"/>
     <p:sldId id="271" r:id="rId17"/>
     <p:sldId id="272" r:id="rId18"/>
+    <p:sldId id="273" r:id="rId19"/>
+    <p:sldId id="274" r:id="rId20"/>
+    <p:sldId id="275" r:id="rId21"/>
+    <p:sldId id="276" r:id="rId22"/>
+    <p:sldId id="277" r:id="rId23"/>
+    <p:sldId id="278" r:id="rId24"/>
+    <p:sldId id="279" r:id="rId25"/>
+    <p:sldId id="280" r:id="rId26"/>
+    <p:sldId id="281" r:id="rId27"/>
+    <p:sldId id="282" r:id="rId28"/>
+    <p:sldId id="283" r:id="rId29"/>
+    <p:sldId id="284" r:id="rId30"/>
+    <p:sldId id="285" r:id="rId31"/>
+    <p:sldId id="286" r:id="rId32"/>
+    <p:sldId id="287" r:id="rId33"/>
+    <p:sldId id="288" r:id="rId34"/>
+    <p:sldId id="289" r:id="rId35"/>
+    <p:sldId id="290" r:id="rId36"/>
+    <p:sldId id="291" r:id="rId37"/>
+    <p:sldId id="292" r:id="rId38"/>
   </p:sldIdLst>
   <p:sldSz cx="12192000" cy="6858000"/>
   <p:notesSz cx="6858000" cy="9144000"/>
@@ -267,7 +287,7 @@
           <a:p>
             <a:fld id="{48A87A34-81AB-432B-8DAE-1953F412C126}" type="datetimeFigureOut">
               <a:rPr lang="en-US" dirty="0"/>
-              <a:t>4/25/2020</a:t>
+              <a:t>5/8/2020</a:t>
             </a:fld>
             <a:endParaRPr lang="en-US" dirty="0"/>
           </a:p>
@@ -473,7 +493,7 @@
           <a:p>
             <a:fld id="{48A87A34-81AB-432B-8DAE-1953F412C126}" type="datetimeFigureOut">
               <a:rPr lang="en-US" dirty="0"/>
-              <a:t>4/25/2020</a:t>
+              <a:t>5/8/2020</a:t>
             </a:fld>
             <a:endParaRPr lang="en-US" dirty="0"/>
           </a:p>
@@ -683,7 +703,7 @@
           <a:p>
             <a:fld id="{48A87A34-81AB-432B-8DAE-1953F412C126}" type="datetimeFigureOut">
               <a:rPr lang="en-US" dirty="0"/>
-              <a:t>4/25/2020</a:t>
+              <a:t>5/8/2020</a:t>
             </a:fld>
             <a:endParaRPr lang="en-US" dirty="0"/>
           </a:p>
@@ -879,7 +899,7 @@
           <a:p>
             <a:fld id="{48A87A34-81AB-432B-8DAE-1953F412C126}" type="datetimeFigureOut">
               <a:rPr lang="en-US" dirty="0"/>
-              <a:t>4/25/2020</a:t>
+              <a:t>5/8/2020</a:t>
             </a:fld>
             <a:endParaRPr lang="en-US" dirty="0"/>
           </a:p>
@@ -1153,7 +1173,7 @@
           <a:p>
             <a:fld id="{48A87A34-81AB-432B-8DAE-1953F412C126}" type="datetimeFigureOut">
               <a:rPr lang="en-US" dirty="0"/>
-              <a:t>4/25/2020</a:t>
+              <a:t>5/8/2020</a:t>
             </a:fld>
             <a:endParaRPr lang="en-US" dirty="0"/>
           </a:p>
@@ -1416,7 +1436,7 @@
           <a:p>
             <a:fld id="{48A87A34-81AB-432B-8DAE-1953F412C126}" type="datetimeFigureOut">
               <a:rPr lang="en-US" dirty="0"/>
-              <a:t>4/25/2020</a:t>
+              <a:t>5/8/2020</a:t>
             </a:fld>
             <a:endParaRPr lang="en-US" dirty="0"/>
           </a:p>
@@ -1827,7 +1847,7 @@
           <a:p>
             <a:fld id="{48A87A34-81AB-432B-8DAE-1953F412C126}" type="datetimeFigureOut">
               <a:rPr lang="en-US" dirty="0"/>
-              <a:t>4/25/2020</a:t>
+              <a:t>5/8/2020</a:t>
             </a:fld>
             <a:endParaRPr lang="en-US" dirty="0"/>
           </a:p>
@@ -1971,7 +1991,7 @@
           <a:p>
             <a:fld id="{48A87A34-81AB-432B-8DAE-1953F412C126}" type="datetimeFigureOut">
               <a:rPr lang="en-US" dirty="0"/>
-              <a:t>4/25/2020</a:t>
+              <a:t>5/8/2020</a:t>
             </a:fld>
             <a:endParaRPr lang="en-US" dirty="0"/>
           </a:p>
@@ -2092,7 +2112,7 @@
           <a:p>
             <a:fld id="{48A87A34-81AB-432B-8DAE-1953F412C126}" type="datetimeFigureOut">
               <a:rPr lang="en-US" dirty="0"/>
-              <a:t>4/25/2020</a:t>
+              <a:t>5/8/2020</a:t>
             </a:fld>
             <a:endParaRPr lang="en-US" dirty="0"/>
           </a:p>
@@ -2338,7 +2358,7 @@
           <a:p>
             <a:fld id="{48A87A34-81AB-432B-8DAE-1953F412C126}" type="datetimeFigureOut">
               <a:rPr lang="en-US" dirty="0"/>
-              <a:t>4/25/2020</a:t>
+              <a:t>5/8/2020</a:t>
             </a:fld>
             <a:endParaRPr lang="en-US" dirty="0"/>
           </a:p>
@@ -2779,7 +2799,7 @@
             <a:fld id="{48A87A34-81AB-432B-8DAE-1953F412C126}" type="datetimeFigureOut">
               <a:rPr lang="en-US" dirty="0"/>
               <a:pPr/>
-              <a:t>4/25/2020</a:t>
+              <a:t>5/8/2020</a:t>
             </a:fld>
             <a:endParaRPr lang="en-US" dirty="0"/>
           </a:p>
@@ -3102,7 +3122,7 @@
             <a:fld id="{48A87A34-81AB-432B-8DAE-1953F412C126}" type="datetimeFigureOut">
               <a:rPr lang="en-US" dirty="0"/>
               <a:pPr/>
-              <a:t>4/25/2020</a:t>
+              <a:t>5/8/2020</a:t>
             </a:fld>
             <a:endParaRPr lang="en-US" dirty="0"/>
           </a:p>
@@ -4425,6 +4445,255 @@
 </p:sld>
 </file>
 
+<file path=ppt/slides/slide18.xml><?xml version="1.0" encoding="utf-8"?>
+<p:sld xmlns:a="http://schemas.openxmlformats.org/drawingml/2006/main" xmlns:r="http://schemas.openxmlformats.org/officeDocument/2006/relationships" xmlns:p="http://schemas.openxmlformats.org/presentationml/2006/main">
+  <p:cSld>
+    <p:spTree>
+      <p:nvGrpSpPr>
+        <p:cNvPr id="1" name=""/>
+        <p:cNvGrpSpPr/>
+        <p:nvPr/>
+      </p:nvGrpSpPr>
+      <p:grpSpPr>
+        <a:xfrm>
+          <a:off x="0" y="0"/>
+          <a:ext cx="0" cy="0"/>
+          <a:chOff x="0" y="0"/>
+          <a:chExt cx="0" cy="0"/>
+        </a:xfrm>
+      </p:grpSpPr>
+      <p:sp>
+        <p:nvSpPr>
+          <p:cNvPr id="2" name="Title 1">
+            <a:extLst>
+              <a:ext uri="{FF2B5EF4-FFF2-40B4-BE49-F238E27FC236}">
+                <a16:creationId xmlns:a16="http://schemas.microsoft.com/office/drawing/2014/main" id="{0136E4A6-EAA6-4642-AF89-21FB3E7489E3}"/>
+              </a:ext>
+            </a:extLst>
+          </p:cNvPr>
+          <p:cNvSpPr>
+            <a:spLocks noGrp="1"/>
+          </p:cNvSpPr>
+          <p:nvPr>
+            <p:ph type="title"/>
+          </p:nvPr>
+        </p:nvSpPr>
+        <p:spPr/>
+        <p:txBody>
+          <a:bodyPr>
+            <a:noAutofit/>
+          </a:bodyPr>
+          <a:lstStyle/>
+          <a:p>
+            <a:r>
+              <a:rPr lang="en-US" dirty="0"/>
+              <a:t>In-Depth Analysis to create NLP Prediction Model</a:t>
+            </a:r>
+          </a:p>
+        </p:txBody>
+      </p:sp>
+      <p:sp>
+        <p:nvSpPr>
+          <p:cNvPr id="3" name="Content Placeholder 2">
+            <a:extLst>
+              <a:ext uri="{FF2B5EF4-FFF2-40B4-BE49-F238E27FC236}">
+                <a16:creationId xmlns:a16="http://schemas.microsoft.com/office/drawing/2014/main" id="{383EA80E-E8B1-4B66-BAEF-A7E9D6C3C7AF}"/>
+              </a:ext>
+            </a:extLst>
+          </p:cNvPr>
+          <p:cNvSpPr>
+            <a:spLocks noGrp="1"/>
+          </p:cNvSpPr>
+          <p:nvPr>
+            <p:ph idx="1"/>
+          </p:nvPr>
+        </p:nvSpPr>
+        <p:spPr>
+          <a:xfrm>
+            <a:off x="1451579" y="1853754"/>
+            <a:ext cx="9603275" cy="3450613"/>
+          </a:xfrm>
+        </p:spPr>
+        <p:txBody>
+          <a:bodyPr>
+            <a:noAutofit/>
+          </a:bodyPr>
+          <a:lstStyle/>
+          <a:p>
+            <a:r>
+              <a:rPr lang="en-US" sz="2100" dirty="0"/>
+              <a:t>Utilized multi-label classification in NLP to create prediction model</a:t>
+            </a:r>
+          </a:p>
+          <a:p>
+            <a:pPr lvl="1"/>
+            <a:r>
+              <a:rPr lang="en-US" sz="2100" dirty="0"/>
+              <a:t>Text data and target variable needed to be converted into features and formats respectively. </a:t>
+            </a:r>
+          </a:p>
+          <a:p>
+            <a:pPr lvl="2"/>
+            <a:r>
+              <a:rPr lang="en-US" sz="2100" dirty="0"/>
+              <a:t>Text Data:  </a:t>
+            </a:r>
+            <a:r>
+              <a:rPr lang="en-US" sz="2100" dirty="0" err="1"/>
+              <a:t>clean_reason</a:t>
+            </a:r>
+            <a:r>
+              <a:rPr lang="en-US" sz="2100" dirty="0"/>
+              <a:t> column of df_final.csv</a:t>
+            </a:r>
+          </a:p>
+          <a:p>
+            <a:pPr lvl="2"/>
+            <a:r>
+              <a:rPr lang="en-US" sz="2100" dirty="0"/>
+              <a:t>Target Variable: type column of df_final.csv</a:t>
+            </a:r>
+          </a:p>
+          <a:p>
+            <a:pPr lvl="1"/>
+            <a:r>
+              <a:rPr lang="en-US" sz="2100" dirty="0"/>
+              <a:t>Ensured model’s performance with k-fold cross validation</a:t>
+            </a:r>
+          </a:p>
+          <a:p>
+            <a:pPr lvl="2"/>
+            <a:r>
+              <a:rPr lang="en-US" sz="2100" dirty="0"/>
+              <a:t>Resampling technique that evaluates machine learning models on limited data</a:t>
+            </a:r>
+          </a:p>
+          <a:p>
+            <a:pPr lvl="2"/>
+            <a:r>
+              <a:rPr lang="en-US" sz="2100" dirty="0"/>
+              <a:t>Used over simple train/test split due to generally having less biased or less optimistic estimate of model’s performance</a:t>
+            </a:r>
+          </a:p>
+        </p:txBody>
+      </p:sp>
+    </p:spTree>
+    <p:extLst>
+      <p:ext uri="{BB962C8B-B14F-4D97-AF65-F5344CB8AC3E}">
+        <p14:creationId xmlns:p14="http://schemas.microsoft.com/office/powerpoint/2010/main" val="2473804065"/>
+      </p:ext>
+    </p:extLst>
+  </p:cSld>
+  <p:clrMapOvr>
+    <a:masterClrMapping/>
+  </p:clrMapOvr>
+</p:sld>
+</file>
+
+<file path=ppt/slides/slide19.xml><?xml version="1.0" encoding="utf-8"?>
+<p:sld xmlns:a="http://schemas.openxmlformats.org/drawingml/2006/main" xmlns:r="http://schemas.openxmlformats.org/officeDocument/2006/relationships" xmlns:p="http://schemas.openxmlformats.org/presentationml/2006/main">
+  <p:cSld>
+    <p:spTree>
+      <p:nvGrpSpPr>
+        <p:cNvPr id="1" name=""/>
+        <p:cNvGrpSpPr/>
+        <p:nvPr/>
+      </p:nvGrpSpPr>
+      <p:grpSpPr>
+        <a:xfrm>
+          <a:off x="0" y="0"/>
+          <a:ext cx="0" cy="0"/>
+          <a:chOff x="0" y="0"/>
+          <a:chExt cx="0" cy="0"/>
+        </a:xfrm>
+      </p:grpSpPr>
+      <p:sp>
+        <p:nvSpPr>
+          <p:cNvPr id="2" name="Title 1">
+            <a:extLst>
+              <a:ext uri="{FF2B5EF4-FFF2-40B4-BE49-F238E27FC236}">
+                <a16:creationId xmlns:a16="http://schemas.microsoft.com/office/drawing/2014/main" id="{79263A11-B997-4EB4-868C-D928F2A1F5EA}"/>
+              </a:ext>
+            </a:extLst>
+          </p:cNvPr>
+          <p:cNvSpPr>
+            <a:spLocks noGrp="1"/>
+          </p:cNvSpPr>
+          <p:nvPr>
+            <p:ph type="title"/>
+          </p:nvPr>
+        </p:nvSpPr>
+        <p:spPr/>
+        <p:txBody>
+          <a:bodyPr>
+            <a:normAutofit/>
+          </a:bodyPr>
+          <a:lstStyle/>
+          <a:p>
+            <a:r>
+              <a:rPr lang="en-US" sz="3600" dirty="0"/>
+              <a:t>K-Fold Cross Validation</a:t>
+            </a:r>
+          </a:p>
+        </p:txBody>
+      </p:sp>
+      <p:sp>
+        <p:nvSpPr>
+          <p:cNvPr id="3" name="Content Placeholder 2">
+            <a:extLst>
+              <a:ext uri="{FF2B5EF4-FFF2-40B4-BE49-F238E27FC236}">
+                <a16:creationId xmlns:a16="http://schemas.microsoft.com/office/drawing/2014/main" id="{46BB843F-6996-4020-864C-D93E9F92E686}"/>
+              </a:ext>
+            </a:extLst>
+          </p:cNvPr>
+          <p:cNvSpPr>
+            <a:spLocks noGrp="1"/>
+          </p:cNvSpPr>
+          <p:nvPr>
+            <p:ph idx="1"/>
+          </p:nvPr>
+        </p:nvSpPr>
+        <p:spPr/>
+        <p:txBody>
+          <a:bodyPr>
+            <a:noAutofit/>
+          </a:bodyPr>
+          <a:lstStyle/>
+          <a:p>
+            <a:r>
+              <a:rPr lang="en-US" sz="3000" dirty="0"/>
+              <a:t>Works by randomly dividing the set of the data’s observations into approximately equal-sized k groups, or folds</a:t>
+            </a:r>
+          </a:p>
+          <a:p>
+            <a:pPr lvl="1"/>
+            <a:r>
+              <a:rPr lang="en-US" sz="3000" dirty="0"/>
+              <a:t>First fold treated as the validation (test) set </a:t>
+            </a:r>
+          </a:p>
+          <a:p>
+            <a:pPr lvl="1"/>
+            <a:r>
+              <a:rPr lang="en-US" sz="3000" dirty="0"/>
+              <a:t>Method fitted on the remaining k − 1 folds (training set)</a:t>
+            </a:r>
+          </a:p>
+        </p:txBody>
+      </p:sp>
+    </p:spTree>
+    <p:extLst>
+      <p:ext uri="{BB962C8B-B14F-4D97-AF65-F5344CB8AC3E}">
+        <p14:creationId xmlns:p14="http://schemas.microsoft.com/office/powerpoint/2010/main" val="3118203851"/>
+      </p:ext>
+    </p:extLst>
+  </p:cSld>
+  <p:clrMapOvr>
+    <a:masterClrMapping/>
+  </p:clrMapOvr>
+</p:sld>
+</file>
+
 <file path=ppt/slides/slide2.xml><?xml version="1.0" encoding="utf-8"?>
 <p:sld xmlns:a="http://schemas.openxmlformats.org/drawingml/2006/main" xmlns:r="http://schemas.openxmlformats.org/officeDocument/2006/relationships" xmlns:p="http://schemas.openxmlformats.org/presentationml/2006/main">
   <p:cSld>
@@ -4518,6 +4787,4422 @@
     <p:extLst>
       <p:ext uri="{BB962C8B-B14F-4D97-AF65-F5344CB8AC3E}">
         <p14:creationId xmlns:p14="http://schemas.microsoft.com/office/powerpoint/2010/main" val="2760430296"/>
+      </p:ext>
+    </p:extLst>
+  </p:cSld>
+  <p:clrMapOvr>
+    <a:masterClrMapping/>
+  </p:clrMapOvr>
+</p:sld>
+</file>
+
+<file path=ppt/slides/slide20.xml><?xml version="1.0" encoding="utf-8"?>
+<p:sld xmlns:a="http://schemas.openxmlformats.org/drawingml/2006/main" xmlns:r="http://schemas.openxmlformats.org/officeDocument/2006/relationships" xmlns:p="http://schemas.openxmlformats.org/presentationml/2006/main">
+  <p:cSld>
+    <p:spTree>
+      <p:nvGrpSpPr>
+        <p:cNvPr id="1" name=""/>
+        <p:cNvGrpSpPr/>
+        <p:nvPr/>
+      </p:nvGrpSpPr>
+      <p:grpSpPr>
+        <a:xfrm>
+          <a:off x="0" y="0"/>
+          <a:ext cx="0" cy="0"/>
+          <a:chOff x="0" y="0"/>
+          <a:chExt cx="0" cy="0"/>
+        </a:xfrm>
+      </p:grpSpPr>
+      <p:sp>
+        <p:nvSpPr>
+          <p:cNvPr id="2" name="Title 1">
+            <a:extLst>
+              <a:ext uri="{FF2B5EF4-FFF2-40B4-BE49-F238E27FC236}">
+                <a16:creationId xmlns:a16="http://schemas.microsoft.com/office/drawing/2014/main" id="{CAD3FD33-9F38-4D4A-A9A0-781E135FF6E8}"/>
+              </a:ext>
+            </a:extLst>
+          </p:cNvPr>
+          <p:cNvSpPr>
+            <a:spLocks noGrp="1"/>
+          </p:cNvSpPr>
+          <p:nvPr>
+            <p:ph type="title"/>
+          </p:nvPr>
+        </p:nvSpPr>
+        <p:spPr/>
+        <p:txBody>
+          <a:bodyPr/>
+          <a:lstStyle/>
+          <a:p>
+            <a:r>
+              <a:rPr lang="en-US" dirty="0"/>
+              <a:t>Preparing </a:t>
+            </a:r>
+            <a:r>
+              <a:rPr lang="en-US" dirty="0" err="1"/>
+              <a:t>df_final</a:t>
+            </a:r>
+            <a:r>
+              <a:rPr lang="en-US" dirty="0"/>
+              <a:t> dataset for k-fold cross validation</a:t>
+            </a:r>
+          </a:p>
+        </p:txBody>
+      </p:sp>
+      <p:sp>
+        <p:nvSpPr>
+          <p:cNvPr id="6" name="Content Placeholder 5">
+            <a:extLst>
+              <a:ext uri="{FF2B5EF4-FFF2-40B4-BE49-F238E27FC236}">
+                <a16:creationId xmlns:a16="http://schemas.microsoft.com/office/drawing/2014/main" id="{D26EB6FD-B661-4ADD-A144-3A13F8506C5E}"/>
+              </a:ext>
+            </a:extLst>
+          </p:cNvPr>
+          <p:cNvSpPr>
+            <a:spLocks noGrp="1"/>
+          </p:cNvSpPr>
+          <p:nvPr>
+            <p:ph idx="1"/>
+          </p:nvPr>
+        </p:nvSpPr>
+        <p:spPr>
+          <a:xfrm>
+            <a:off x="974035" y="2015732"/>
+            <a:ext cx="10080819" cy="3450613"/>
+          </a:xfrm>
+        </p:spPr>
+        <p:txBody>
+          <a:bodyPr>
+            <a:normAutofit/>
+          </a:bodyPr>
+          <a:lstStyle/>
+          <a:p>
+            <a:pPr marL="0" marR="0" indent="0">
+              <a:lnSpc>
+                <a:spcPct val="107000"/>
+              </a:lnSpc>
+              <a:spcBef>
+                <a:spcPts val="1200"/>
+              </a:spcBef>
+              <a:spcAft>
+                <a:spcPts val="800"/>
+              </a:spcAft>
+              <a:buNone/>
+            </a:pPr>
+            <a:r>
+              <a:rPr lang="en-US" sz="2800" dirty="0">
+                <a:latin typeface="Consolas" panose="020B0609020204030204" pitchFamily="49" charset="0"/>
+                <a:ea typeface="Calibri" panose="020F0502020204030204" pitchFamily="34" charset="0"/>
+                <a:cs typeface="Times New Roman" panose="02020603050405020304" pitchFamily="18" charset="0"/>
+              </a:rPr>
+              <a:t>data = </a:t>
+            </a:r>
+            <a:r>
+              <a:rPr lang="en-US" sz="2800" dirty="0" err="1">
+                <a:latin typeface="Consolas" panose="020B0609020204030204" pitchFamily="49" charset="0"/>
+                <a:ea typeface="Calibri" panose="020F0502020204030204" pitchFamily="34" charset="0"/>
+                <a:cs typeface="Times New Roman" panose="02020603050405020304" pitchFamily="18" charset="0"/>
+              </a:rPr>
+              <a:t>df_final</a:t>
+            </a:r>
+            <a:r>
+              <a:rPr lang="en-US" sz="2800" dirty="0">
+                <a:latin typeface="Consolas" panose="020B0609020204030204" pitchFamily="49" charset="0"/>
+                <a:ea typeface="Calibri" panose="020F0502020204030204" pitchFamily="34" charset="0"/>
+                <a:cs typeface="Times New Roman" panose="02020603050405020304" pitchFamily="18" charset="0"/>
+              </a:rPr>
+              <a:t>[[</a:t>
+            </a:r>
+            <a:r>
+              <a:rPr lang="en-US" sz="2800" dirty="0">
+                <a:solidFill>
+                  <a:srgbClr val="4070A0"/>
+                </a:solidFill>
+                <a:latin typeface="Consolas" panose="020B0609020204030204" pitchFamily="49" charset="0"/>
+                <a:ea typeface="Calibri" panose="020F0502020204030204" pitchFamily="34" charset="0"/>
+                <a:cs typeface="Times New Roman" panose="02020603050405020304" pitchFamily="18" charset="0"/>
+              </a:rPr>
+              <a:t>'</a:t>
+            </a:r>
+            <a:r>
+              <a:rPr lang="en-US" sz="2800" dirty="0" err="1">
+                <a:solidFill>
+                  <a:srgbClr val="4070A0"/>
+                </a:solidFill>
+                <a:latin typeface="Consolas" panose="020B0609020204030204" pitchFamily="49" charset="0"/>
+                <a:ea typeface="Calibri" panose="020F0502020204030204" pitchFamily="34" charset="0"/>
+                <a:cs typeface="Times New Roman" panose="02020603050405020304" pitchFamily="18" charset="0"/>
+              </a:rPr>
+              <a:t>clean_reason</a:t>
+            </a:r>
+            <a:r>
+              <a:rPr lang="en-US" sz="2800" dirty="0">
+                <a:solidFill>
+                  <a:srgbClr val="4070A0"/>
+                </a:solidFill>
+                <a:latin typeface="Consolas" panose="020B0609020204030204" pitchFamily="49" charset="0"/>
+                <a:ea typeface="Calibri" panose="020F0502020204030204" pitchFamily="34" charset="0"/>
+                <a:cs typeface="Times New Roman" panose="02020603050405020304" pitchFamily="18" charset="0"/>
+              </a:rPr>
+              <a:t>'</a:t>
+            </a:r>
+            <a:r>
+              <a:rPr lang="en-US" sz="2800" dirty="0">
+                <a:latin typeface="Consolas" panose="020B0609020204030204" pitchFamily="49" charset="0"/>
+                <a:ea typeface="Calibri" panose="020F0502020204030204" pitchFamily="34" charset="0"/>
+                <a:cs typeface="Times New Roman" panose="02020603050405020304" pitchFamily="18" charset="0"/>
+              </a:rPr>
+              <a:t>, </a:t>
+            </a:r>
+            <a:r>
+              <a:rPr lang="en-US" sz="2800" dirty="0">
+                <a:solidFill>
+                  <a:srgbClr val="4070A0"/>
+                </a:solidFill>
+                <a:latin typeface="Consolas" panose="020B0609020204030204" pitchFamily="49" charset="0"/>
+                <a:ea typeface="Calibri" panose="020F0502020204030204" pitchFamily="34" charset="0"/>
+                <a:cs typeface="Times New Roman" panose="02020603050405020304" pitchFamily="18" charset="0"/>
+              </a:rPr>
+              <a:t>'type'</a:t>
+            </a:r>
+            <a:r>
+              <a:rPr lang="en-US" sz="2800" dirty="0">
+                <a:latin typeface="Consolas" panose="020B0609020204030204" pitchFamily="49" charset="0"/>
+                <a:ea typeface="Calibri" panose="020F0502020204030204" pitchFamily="34" charset="0"/>
+                <a:cs typeface="Times New Roman" panose="02020603050405020304" pitchFamily="18" charset="0"/>
+              </a:rPr>
+              <a:t>]].copy()</a:t>
+            </a:r>
+            <a:br>
+              <a:rPr lang="en-US" sz="2800" dirty="0">
+                <a:latin typeface="Calibri" panose="020F0502020204030204" pitchFamily="34" charset="0"/>
+                <a:ea typeface="Calibri" panose="020F0502020204030204" pitchFamily="34" charset="0"/>
+                <a:cs typeface="Times New Roman" panose="02020603050405020304" pitchFamily="18" charset="0"/>
+              </a:rPr>
+            </a:br>
+            <a:r>
+              <a:rPr lang="en-US" sz="2800" dirty="0">
+                <a:latin typeface="Consolas" panose="020B0609020204030204" pitchFamily="49" charset="0"/>
+                <a:ea typeface="Calibri" panose="020F0502020204030204" pitchFamily="34" charset="0"/>
+                <a:cs typeface="Times New Roman" panose="02020603050405020304" pitchFamily="18" charset="0"/>
+              </a:rPr>
+              <a:t>data = </a:t>
+            </a:r>
+            <a:r>
+              <a:rPr lang="en-US" sz="2800" dirty="0" err="1">
+                <a:latin typeface="Consolas" panose="020B0609020204030204" pitchFamily="49" charset="0"/>
+                <a:ea typeface="Calibri" panose="020F0502020204030204" pitchFamily="34" charset="0"/>
+                <a:cs typeface="Times New Roman" panose="02020603050405020304" pitchFamily="18" charset="0"/>
+              </a:rPr>
+              <a:t>data.rename</a:t>
+            </a:r>
+            <a:r>
+              <a:rPr lang="en-US" sz="2800" dirty="0">
+                <a:latin typeface="Consolas" panose="020B0609020204030204" pitchFamily="49" charset="0"/>
+                <a:ea typeface="Calibri" panose="020F0502020204030204" pitchFamily="34" charset="0"/>
+                <a:cs typeface="Times New Roman" panose="02020603050405020304" pitchFamily="18" charset="0"/>
+              </a:rPr>
+              <a:t>(columns={</a:t>
+            </a:r>
+            <a:r>
+              <a:rPr lang="en-US" sz="2800" dirty="0">
+                <a:solidFill>
+                  <a:srgbClr val="4070A0"/>
+                </a:solidFill>
+                <a:latin typeface="Consolas" panose="020B0609020204030204" pitchFamily="49" charset="0"/>
+                <a:ea typeface="Calibri" panose="020F0502020204030204" pitchFamily="34" charset="0"/>
+                <a:cs typeface="Times New Roman" panose="02020603050405020304" pitchFamily="18" charset="0"/>
+              </a:rPr>
+              <a:t>'</a:t>
+            </a:r>
+            <a:r>
+              <a:rPr lang="en-US" sz="2800" dirty="0" err="1">
+                <a:solidFill>
+                  <a:srgbClr val="4070A0"/>
+                </a:solidFill>
+                <a:latin typeface="Consolas" panose="020B0609020204030204" pitchFamily="49" charset="0"/>
+                <a:ea typeface="Calibri" panose="020F0502020204030204" pitchFamily="34" charset="0"/>
+                <a:cs typeface="Times New Roman" panose="02020603050405020304" pitchFamily="18" charset="0"/>
+              </a:rPr>
+              <a:t>clean_reason</a:t>
+            </a:r>
+            <a:r>
+              <a:rPr lang="en-US" sz="2800" dirty="0">
+                <a:solidFill>
+                  <a:srgbClr val="4070A0"/>
+                </a:solidFill>
+                <a:latin typeface="Consolas" panose="020B0609020204030204" pitchFamily="49" charset="0"/>
+                <a:ea typeface="Calibri" panose="020F0502020204030204" pitchFamily="34" charset="0"/>
+                <a:cs typeface="Times New Roman" panose="02020603050405020304" pitchFamily="18" charset="0"/>
+              </a:rPr>
+              <a:t>'</a:t>
+            </a:r>
+            <a:r>
+              <a:rPr lang="en-US" sz="2800" dirty="0">
+                <a:latin typeface="Consolas" panose="020B0609020204030204" pitchFamily="49" charset="0"/>
+                <a:ea typeface="Calibri" panose="020F0502020204030204" pitchFamily="34" charset="0"/>
+                <a:cs typeface="Times New Roman" panose="02020603050405020304" pitchFamily="18" charset="0"/>
+              </a:rPr>
+              <a:t>: </a:t>
+            </a:r>
+            <a:r>
+              <a:rPr lang="en-US" sz="2800" dirty="0">
+                <a:solidFill>
+                  <a:srgbClr val="4070A0"/>
+                </a:solidFill>
+                <a:latin typeface="Consolas" panose="020B0609020204030204" pitchFamily="49" charset="0"/>
+                <a:ea typeface="Calibri" panose="020F0502020204030204" pitchFamily="34" charset="0"/>
+                <a:cs typeface="Times New Roman" panose="02020603050405020304" pitchFamily="18" charset="0"/>
+              </a:rPr>
+              <a:t>'text'</a:t>
+            </a:r>
+            <a:r>
+              <a:rPr lang="en-US" sz="2800" dirty="0">
+                <a:latin typeface="Consolas" panose="020B0609020204030204" pitchFamily="49" charset="0"/>
+                <a:ea typeface="Calibri" panose="020F0502020204030204" pitchFamily="34" charset="0"/>
+                <a:cs typeface="Times New Roman" panose="02020603050405020304" pitchFamily="18" charset="0"/>
+              </a:rPr>
+              <a:t>, </a:t>
+            </a:r>
+            <a:r>
+              <a:rPr lang="en-US" sz="2800" dirty="0">
+                <a:solidFill>
+                  <a:srgbClr val="4070A0"/>
+                </a:solidFill>
+                <a:latin typeface="Consolas" panose="020B0609020204030204" pitchFamily="49" charset="0"/>
+                <a:ea typeface="Calibri" panose="020F0502020204030204" pitchFamily="34" charset="0"/>
+                <a:cs typeface="Times New Roman" panose="02020603050405020304" pitchFamily="18" charset="0"/>
+              </a:rPr>
+              <a:t>'type'</a:t>
+            </a:r>
+            <a:r>
+              <a:rPr lang="en-US" sz="2800" dirty="0">
+                <a:latin typeface="Consolas" panose="020B0609020204030204" pitchFamily="49" charset="0"/>
+                <a:ea typeface="Calibri" panose="020F0502020204030204" pitchFamily="34" charset="0"/>
+                <a:cs typeface="Times New Roman" panose="02020603050405020304" pitchFamily="18" charset="0"/>
+              </a:rPr>
+              <a:t>: </a:t>
+            </a:r>
+            <a:r>
+              <a:rPr lang="en-US" sz="2800" dirty="0">
+                <a:solidFill>
+                  <a:srgbClr val="4070A0"/>
+                </a:solidFill>
+                <a:latin typeface="Consolas" panose="020B0609020204030204" pitchFamily="49" charset="0"/>
+                <a:ea typeface="Calibri" panose="020F0502020204030204" pitchFamily="34" charset="0"/>
+                <a:cs typeface="Times New Roman" panose="02020603050405020304" pitchFamily="18" charset="0"/>
+              </a:rPr>
+              <a:t>'class'</a:t>
+            </a:r>
+            <a:r>
+              <a:rPr lang="en-US" sz="2800" dirty="0">
+                <a:latin typeface="Consolas" panose="020B0609020204030204" pitchFamily="49" charset="0"/>
+                <a:ea typeface="Calibri" panose="020F0502020204030204" pitchFamily="34" charset="0"/>
+                <a:cs typeface="Times New Roman" panose="02020603050405020304" pitchFamily="18" charset="0"/>
+              </a:rPr>
+              <a:t>}) </a:t>
+            </a:r>
+            <a:r>
+              <a:rPr lang="en-US" sz="2800" i="1" dirty="0">
+                <a:solidFill>
+                  <a:srgbClr val="60A0B0"/>
+                </a:solidFill>
+                <a:latin typeface="Consolas" panose="020B0609020204030204" pitchFamily="49" charset="0"/>
+                <a:ea typeface="Calibri" panose="020F0502020204030204" pitchFamily="34" charset="0"/>
+                <a:cs typeface="Times New Roman" panose="02020603050405020304" pitchFamily="18" charset="0"/>
+              </a:rPr>
+              <a:t>#rename the columns in data</a:t>
+            </a:r>
+            <a:br>
+              <a:rPr lang="en-US" sz="2800" dirty="0">
+                <a:latin typeface="Calibri" panose="020F0502020204030204" pitchFamily="34" charset="0"/>
+                <a:ea typeface="Calibri" panose="020F0502020204030204" pitchFamily="34" charset="0"/>
+                <a:cs typeface="Times New Roman" panose="02020603050405020304" pitchFamily="18" charset="0"/>
+              </a:rPr>
+            </a:br>
+            <a:r>
+              <a:rPr lang="en-US" sz="2800" dirty="0" err="1">
+                <a:latin typeface="Consolas" panose="020B0609020204030204" pitchFamily="49" charset="0"/>
+                <a:ea typeface="Calibri" panose="020F0502020204030204" pitchFamily="34" charset="0"/>
+                <a:cs typeface="Times New Roman" panose="02020603050405020304" pitchFamily="18" charset="0"/>
+              </a:rPr>
+              <a:t>data</a:t>
+            </a:r>
+            <a:r>
+              <a:rPr lang="en-US" sz="2800" dirty="0">
+                <a:latin typeface="Consolas" panose="020B0609020204030204" pitchFamily="49" charset="0"/>
+                <a:ea typeface="Calibri" panose="020F0502020204030204" pitchFamily="34" charset="0"/>
+                <a:cs typeface="Times New Roman" panose="02020603050405020304" pitchFamily="18" charset="0"/>
+              </a:rPr>
+              <a:t> = </a:t>
+            </a:r>
+            <a:r>
+              <a:rPr lang="en-US" sz="2800" dirty="0" err="1">
+                <a:latin typeface="Consolas" panose="020B0609020204030204" pitchFamily="49" charset="0"/>
+                <a:ea typeface="Calibri" panose="020F0502020204030204" pitchFamily="34" charset="0"/>
+                <a:cs typeface="Times New Roman" panose="02020603050405020304" pitchFamily="18" charset="0"/>
+              </a:rPr>
+              <a:t>data.reindex</a:t>
+            </a:r>
+            <a:r>
+              <a:rPr lang="en-US" sz="2800" dirty="0">
+                <a:latin typeface="Consolas" panose="020B0609020204030204" pitchFamily="49" charset="0"/>
+                <a:ea typeface="Calibri" panose="020F0502020204030204" pitchFamily="34" charset="0"/>
+                <a:cs typeface="Times New Roman" panose="02020603050405020304" pitchFamily="18" charset="0"/>
+              </a:rPr>
+              <a:t>(</a:t>
+            </a:r>
+            <a:r>
+              <a:rPr lang="en-US" sz="2800" dirty="0" err="1">
+                <a:latin typeface="Consolas" panose="020B0609020204030204" pitchFamily="49" charset="0"/>
+                <a:ea typeface="Calibri" panose="020F0502020204030204" pitchFamily="34" charset="0"/>
+                <a:cs typeface="Times New Roman" panose="02020603050405020304" pitchFamily="18" charset="0"/>
+              </a:rPr>
+              <a:t>np.random.permutation</a:t>
+            </a:r>
+            <a:r>
+              <a:rPr lang="en-US" sz="2800" dirty="0">
+                <a:latin typeface="Consolas" panose="020B0609020204030204" pitchFamily="49" charset="0"/>
+                <a:ea typeface="Calibri" panose="020F0502020204030204" pitchFamily="34" charset="0"/>
+                <a:cs typeface="Times New Roman" panose="02020603050405020304" pitchFamily="18" charset="0"/>
+              </a:rPr>
+              <a:t>(</a:t>
+            </a:r>
+            <a:r>
+              <a:rPr lang="en-US" sz="2800" dirty="0" err="1">
+                <a:latin typeface="Consolas" panose="020B0609020204030204" pitchFamily="49" charset="0"/>
+                <a:ea typeface="Calibri" panose="020F0502020204030204" pitchFamily="34" charset="0"/>
+                <a:cs typeface="Times New Roman" panose="02020603050405020304" pitchFamily="18" charset="0"/>
+              </a:rPr>
+              <a:t>data.index</a:t>
+            </a:r>
+            <a:r>
+              <a:rPr lang="en-US" sz="2800" dirty="0">
+                <a:latin typeface="Consolas" panose="020B0609020204030204" pitchFamily="49" charset="0"/>
+                <a:ea typeface="Calibri" panose="020F0502020204030204" pitchFamily="34" charset="0"/>
+                <a:cs typeface="Times New Roman" panose="02020603050405020304" pitchFamily="18" charset="0"/>
+              </a:rPr>
+              <a:t>))</a:t>
+            </a:r>
+            <a:endParaRPr lang="en-US" sz="2800" dirty="0">
+              <a:latin typeface="Calibri" panose="020F0502020204030204" pitchFamily="34" charset="0"/>
+              <a:ea typeface="Calibri" panose="020F0502020204030204" pitchFamily="34" charset="0"/>
+              <a:cs typeface="Times New Roman" panose="02020603050405020304" pitchFamily="18" charset="0"/>
+            </a:endParaRPr>
+          </a:p>
+          <a:p>
+            <a:endParaRPr lang="en-US" dirty="0"/>
+          </a:p>
+        </p:txBody>
+      </p:sp>
+    </p:spTree>
+    <p:extLst>
+      <p:ext uri="{BB962C8B-B14F-4D97-AF65-F5344CB8AC3E}">
+        <p14:creationId xmlns:p14="http://schemas.microsoft.com/office/powerpoint/2010/main" val="248995585"/>
+      </p:ext>
+    </p:extLst>
+  </p:cSld>
+  <p:clrMapOvr>
+    <a:masterClrMapping/>
+  </p:clrMapOvr>
+</p:sld>
+</file>
+
+<file path=ppt/slides/slide21.xml><?xml version="1.0" encoding="utf-8"?>
+<p:sld xmlns:a="http://schemas.openxmlformats.org/drawingml/2006/main" xmlns:r="http://schemas.openxmlformats.org/officeDocument/2006/relationships" xmlns:p="http://schemas.openxmlformats.org/presentationml/2006/main">
+  <p:cSld>
+    <p:spTree>
+      <p:nvGrpSpPr>
+        <p:cNvPr id="1" name=""/>
+        <p:cNvGrpSpPr/>
+        <p:nvPr/>
+      </p:nvGrpSpPr>
+      <p:grpSpPr>
+        <a:xfrm>
+          <a:off x="0" y="0"/>
+          <a:ext cx="0" cy="0"/>
+          <a:chOff x="0" y="0"/>
+          <a:chExt cx="0" cy="0"/>
+        </a:xfrm>
+      </p:grpSpPr>
+      <p:sp>
+        <p:nvSpPr>
+          <p:cNvPr id="2" name="Title 1">
+            <a:extLst>
+              <a:ext uri="{FF2B5EF4-FFF2-40B4-BE49-F238E27FC236}">
+                <a16:creationId xmlns:a16="http://schemas.microsoft.com/office/drawing/2014/main" id="{5E89918A-DD54-41FE-B997-8AB058EC1043}"/>
+              </a:ext>
+            </a:extLst>
+          </p:cNvPr>
+          <p:cNvSpPr>
+            <a:spLocks noGrp="1"/>
+          </p:cNvSpPr>
+          <p:nvPr>
+            <p:ph type="title"/>
+          </p:nvPr>
+        </p:nvSpPr>
+        <p:spPr/>
+        <p:txBody>
+          <a:bodyPr>
+            <a:noAutofit/>
+          </a:bodyPr>
+          <a:lstStyle/>
+          <a:p>
+            <a:r>
+              <a:rPr lang="en-US" sz="3600" dirty="0"/>
+              <a:t>Extracting Features and Classifying the Corpus</a:t>
+            </a:r>
+          </a:p>
+        </p:txBody>
+      </p:sp>
+      <p:sp>
+        <p:nvSpPr>
+          <p:cNvPr id="3" name="Content Placeholder 2">
+            <a:extLst>
+              <a:ext uri="{FF2B5EF4-FFF2-40B4-BE49-F238E27FC236}">
+                <a16:creationId xmlns:a16="http://schemas.microsoft.com/office/drawing/2014/main" id="{D244E3E2-4CF3-467D-BE1E-2506E35E0B4C}"/>
+              </a:ext>
+            </a:extLst>
+          </p:cNvPr>
+          <p:cNvSpPr>
+            <a:spLocks noGrp="1"/>
+          </p:cNvSpPr>
+          <p:nvPr>
+            <p:ph idx="1"/>
+          </p:nvPr>
+        </p:nvSpPr>
+        <p:spPr>
+          <a:xfrm>
+            <a:off x="966697" y="2132050"/>
+            <a:ext cx="11030238" cy="3450613"/>
+          </a:xfrm>
+        </p:spPr>
+        <p:txBody>
+          <a:bodyPr>
+            <a:noAutofit/>
+          </a:bodyPr>
+          <a:lstStyle/>
+          <a:p>
+            <a:pPr marL="0" indent="0">
+              <a:buNone/>
+            </a:pPr>
+            <a:r>
+              <a:rPr lang="en-US" sz="2800" dirty="0">
+                <a:latin typeface="Consolas" panose="020B0609020204030204" pitchFamily="49" charset="0"/>
+                <a:ea typeface="Calibri" panose="020F0502020204030204" pitchFamily="34" charset="0"/>
+                <a:cs typeface="Times New Roman" panose="02020603050405020304" pitchFamily="18" charset="0"/>
+              </a:rPr>
+              <a:t>pipeline = Pipeline([</a:t>
+            </a:r>
+            <a:br>
+              <a:rPr lang="en-US" sz="2800" dirty="0">
+                <a:latin typeface="Calibri" panose="020F0502020204030204" pitchFamily="34" charset="0"/>
+                <a:ea typeface="Calibri" panose="020F0502020204030204" pitchFamily="34" charset="0"/>
+                <a:cs typeface="Times New Roman" panose="02020603050405020304" pitchFamily="18" charset="0"/>
+              </a:rPr>
+            </a:br>
+            <a:r>
+              <a:rPr lang="en-US" sz="2800" dirty="0">
+                <a:latin typeface="Consolas" panose="020B0609020204030204" pitchFamily="49" charset="0"/>
+                <a:ea typeface="Calibri" panose="020F0502020204030204" pitchFamily="34" charset="0"/>
+                <a:cs typeface="Times New Roman" panose="02020603050405020304" pitchFamily="18" charset="0"/>
+              </a:rPr>
+              <a:t>  (</a:t>
+            </a:r>
+            <a:r>
+              <a:rPr lang="en-US" sz="2800" dirty="0">
+                <a:solidFill>
+                  <a:srgbClr val="4070A0"/>
+                </a:solidFill>
+                <a:latin typeface="Consolas" panose="020B0609020204030204" pitchFamily="49" charset="0"/>
+                <a:ea typeface="Calibri" panose="020F0502020204030204" pitchFamily="34" charset="0"/>
+                <a:cs typeface="Times New Roman" panose="02020603050405020304" pitchFamily="18" charset="0"/>
+              </a:rPr>
+              <a:t>'vectorizer'</a:t>
+            </a:r>
+            <a:r>
+              <a:rPr lang="en-US" sz="2800" dirty="0">
+                <a:latin typeface="Consolas" panose="020B0609020204030204" pitchFamily="49" charset="0"/>
+                <a:ea typeface="Calibri" panose="020F0502020204030204" pitchFamily="34" charset="0"/>
+                <a:cs typeface="Times New Roman" panose="02020603050405020304" pitchFamily="18" charset="0"/>
+              </a:rPr>
+              <a:t>,  </a:t>
+            </a:r>
+            <a:r>
+              <a:rPr lang="en-US" sz="2800" dirty="0" err="1">
+                <a:latin typeface="Consolas" panose="020B0609020204030204" pitchFamily="49" charset="0"/>
+                <a:ea typeface="Calibri" panose="020F0502020204030204" pitchFamily="34" charset="0"/>
+                <a:cs typeface="Times New Roman" panose="02020603050405020304" pitchFamily="18" charset="0"/>
+              </a:rPr>
+              <a:t>CountVectorizer</a:t>
+            </a:r>
+            <a:r>
+              <a:rPr lang="en-US" sz="2800" dirty="0">
+                <a:latin typeface="Consolas" panose="020B0609020204030204" pitchFamily="49" charset="0"/>
+                <a:ea typeface="Calibri" panose="020F0502020204030204" pitchFamily="34" charset="0"/>
+                <a:cs typeface="Times New Roman" panose="02020603050405020304" pitchFamily="18" charset="0"/>
+              </a:rPr>
+              <a:t>(</a:t>
+            </a:r>
+            <a:r>
+              <a:rPr lang="en-US" sz="2800" dirty="0" err="1">
+                <a:latin typeface="Consolas" panose="020B0609020204030204" pitchFamily="49" charset="0"/>
+                <a:ea typeface="Calibri" panose="020F0502020204030204" pitchFamily="34" charset="0"/>
+                <a:cs typeface="Times New Roman" panose="02020603050405020304" pitchFamily="18" charset="0"/>
+              </a:rPr>
+              <a:t>ngram_range</a:t>
+            </a:r>
+            <a:r>
+              <a:rPr lang="en-US" sz="2800" dirty="0">
+                <a:latin typeface="Consolas" panose="020B0609020204030204" pitchFamily="49" charset="0"/>
+                <a:ea typeface="Calibri" panose="020F0502020204030204" pitchFamily="34" charset="0"/>
+                <a:cs typeface="Times New Roman" panose="02020603050405020304" pitchFamily="18" charset="0"/>
+              </a:rPr>
+              <a:t>=(</a:t>
+            </a:r>
+            <a:r>
+              <a:rPr lang="en-US" sz="2800" dirty="0">
+                <a:solidFill>
+                  <a:srgbClr val="40A070"/>
+                </a:solidFill>
+                <a:latin typeface="Consolas" panose="020B0609020204030204" pitchFamily="49" charset="0"/>
+                <a:ea typeface="Calibri" panose="020F0502020204030204" pitchFamily="34" charset="0"/>
+                <a:cs typeface="Times New Roman" panose="02020603050405020304" pitchFamily="18" charset="0"/>
+              </a:rPr>
+              <a:t>1</a:t>
+            </a:r>
+            <a:r>
+              <a:rPr lang="en-US" sz="2800" dirty="0">
+                <a:latin typeface="Consolas" panose="020B0609020204030204" pitchFamily="49" charset="0"/>
+                <a:ea typeface="Calibri" panose="020F0502020204030204" pitchFamily="34" charset="0"/>
+                <a:cs typeface="Times New Roman" panose="02020603050405020304" pitchFamily="18" charset="0"/>
+              </a:rPr>
+              <a:t>, </a:t>
+            </a:r>
+            <a:r>
+              <a:rPr lang="en-US" sz="2800" dirty="0">
+                <a:solidFill>
+                  <a:srgbClr val="40A070"/>
+                </a:solidFill>
+                <a:latin typeface="Consolas" panose="020B0609020204030204" pitchFamily="49" charset="0"/>
+                <a:ea typeface="Calibri" panose="020F0502020204030204" pitchFamily="34" charset="0"/>
+                <a:cs typeface="Times New Roman" panose="02020603050405020304" pitchFamily="18" charset="0"/>
+              </a:rPr>
+              <a:t>2</a:t>
+            </a:r>
+            <a:r>
+              <a:rPr lang="en-US" sz="2800" dirty="0">
+                <a:latin typeface="Consolas" panose="020B0609020204030204" pitchFamily="49" charset="0"/>
+                <a:ea typeface="Calibri" panose="020F0502020204030204" pitchFamily="34" charset="0"/>
+                <a:cs typeface="Times New Roman" panose="02020603050405020304" pitchFamily="18" charset="0"/>
+              </a:rPr>
+              <a:t>))), </a:t>
+            </a:r>
+            <a:r>
+              <a:rPr lang="en-US" sz="2800" i="1" dirty="0">
+                <a:solidFill>
+                  <a:srgbClr val="60A0B0"/>
+                </a:solidFill>
+                <a:latin typeface="Consolas" panose="020B0609020204030204" pitchFamily="49" charset="0"/>
+                <a:ea typeface="Calibri" panose="020F0502020204030204" pitchFamily="34" charset="0"/>
+                <a:cs typeface="Times New Roman" panose="02020603050405020304" pitchFamily="18" charset="0"/>
+              </a:rPr>
+              <a:t>#extract more features from the text by implementing bigram (2-grams) counts</a:t>
+            </a:r>
+            <a:br>
+              <a:rPr lang="en-US" sz="2800" dirty="0">
+                <a:latin typeface="Calibri" panose="020F0502020204030204" pitchFamily="34" charset="0"/>
+                <a:ea typeface="Calibri" panose="020F0502020204030204" pitchFamily="34" charset="0"/>
+                <a:cs typeface="Times New Roman" panose="02020603050405020304" pitchFamily="18" charset="0"/>
+              </a:rPr>
+            </a:br>
+            <a:r>
+              <a:rPr lang="en-US" sz="2800" dirty="0">
+                <a:latin typeface="Consolas" panose="020B0609020204030204" pitchFamily="49" charset="0"/>
+                <a:ea typeface="Calibri" panose="020F0502020204030204" pitchFamily="34" charset="0"/>
+                <a:cs typeface="Times New Roman" panose="02020603050405020304" pitchFamily="18" charset="0"/>
+              </a:rPr>
+              <a:t>  (</a:t>
+            </a:r>
+            <a:r>
+              <a:rPr lang="en-US" sz="2800" dirty="0">
+                <a:solidFill>
+                  <a:srgbClr val="4070A0"/>
+                </a:solidFill>
+                <a:latin typeface="Consolas" panose="020B0609020204030204" pitchFamily="49" charset="0"/>
+                <a:ea typeface="Calibri" panose="020F0502020204030204" pitchFamily="34" charset="0"/>
+                <a:cs typeface="Times New Roman" panose="02020603050405020304" pitchFamily="18" charset="0"/>
+              </a:rPr>
+              <a:t>'classifier'</a:t>
+            </a:r>
+            <a:r>
+              <a:rPr lang="en-US" sz="2800" dirty="0">
+                <a:latin typeface="Consolas" panose="020B0609020204030204" pitchFamily="49" charset="0"/>
+                <a:ea typeface="Calibri" panose="020F0502020204030204" pitchFamily="34" charset="0"/>
+                <a:cs typeface="Times New Roman" panose="02020603050405020304" pitchFamily="18" charset="0"/>
+              </a:rPr>
+              <a:t>,  </a:t>
+            </a:r>
+            <a:r>
+              <a:rPr lang="en-US" sz="2800" dirty="0" err="1">
+                <a:latin typeface="Consolas" panose="020B0609020204030204" pitchFamily="49" charset="0"/>
+                <a:ea typeface="Calibri" panose="020F0502020204030204" pitchFamily="34" charset="0"/>
+                <a:cs typeface="Times New Roman" panose="02020603050405020304" pitchFamily="18" charset="0"/>
+              </a:rPr>
+              <a:t>MultinomialNB</a:t>
+            </a:r>
+            <a:r>
+              <a:rPr lang="en-US" sz="2800" dirty="0">
+                <a:latin typeface="Consolas" panose="020B0609020204030204" pitchFamily="49" charset="0"/>
+                <a:ea typeface="Calibri" panose="020F0502020204030204" pitchFamily="34" charset="0"/>
+                <a:cs typeface="Times New Roman" panose="02020603050405020304" pitchFamily="18" charset="0"/>
+              </a:rPr>
+              <a:t>())])</a:t>
+            </a:r>
+            <a:endParaRPr lang="en-US" sz="2800" dirty="0"/>
+          </a:p>
+        </p:txBody>
+      </p:sp>
+    </p:spTree>
+    <p:extLst>
+      <p:ext uri="{BB962C8B-B14F-4D97-AF65-F5344CB8AC3E}">
+        <p14:creationId xmlns:p14="http://schemas.microsoft.com/office/powerpoint/2010/main" val="1312419995"/>
+      </p:ext>
+    </p:extLst>
+  </p:cSld>
+  <p:clrMapOvr>
+    <a:masterClrMapping/>
+  </p:clrMapOvr>
+</p:sld>
+</file>
+
+<file path=ppt/slides/slide22.xml><?xml version="1.0" encoding="utf-8"?>
+<p:sld xmlns:a="http://schemas.openxmlformats.org/drawingml/2006/main" xmlns:r="http://schemas.openxmlformats.org/officeDocument/2006/relationships" xmlns:p="http://schemas.openxmlformats.org/presentationml/2006/main">
+  <p:cSld>
+    <p:spTree>
+      <p:nvGrpSpPr>
+        <p:cNvPr id="1" name=""/>
+        <p:cNvGrpSpPr/>
+        <p:nvPr/>
+      </p:nvGrpSpPr>
+      <p:grpSpPr>
+        <a:xfrm>
+          <a:off x="0" y="0"/>
+          <a:ext cx="0" cy="0"/>
+          <a:chOff x="0" y="0"/>
+          <a:chExt cx="0" cy="0"/>
+        </a:xfrm>
+      </p:grpSpPr>
+      <p:sp>
+        <p:nvSpPr>
+          <p:cNvPr id="2" name="Title 1">
+            <a:extLst>
+              <a:ext uri="{FF2B5EF4-FFF2-40B4-BE49-F238E27FC236}">
+                <a16:creationId xmlns:a16="http://schemas.microsoft.com/office/drawing/2014/main" id="{761025D5-C168-4D39-9C80-CE2655090035}"/>
+              </a:ext>
+            </a:extLst>
+          </p:cNvPr>
+          <p:cNvSpPr>
+            <a:spLocks noGrp="1"/>
+          </p:cNvSpPr>
+          <p:nvPr>
+            <p:ph type="title"/>
+          </p:nvPr>
+        </p:nvSpPr>
+        <p:spPr>
+          <a:xfrm>
+            <a:off x="1451578" y="1221962"/>
+            <a:ext cx="9603275" cy="1049235"/>
+          </a:xfrm>
+        </p:spPr>
+        <p:txBody>
+          <a:bodyPr>
+            <a:normAutofit/>
+          </a:bodyPr>
+          <a:lstStyle/>
+          <a:p>
+            <a:r>
+              <a:rPr lang="en-US" sz="3600" dirty="0"/>
+              <a:t>Performing k-fold cross-validation</a:t>
+            </a:r>
+          </a:p>
+        </p:txBody>
+      </p:sp>
+      <p:sp>
+        <p:nvSpPr>
+          <p:cNvPr id="3" name="Content Placeholder 2">
+            <a:extLst>
+              <a:ext uri="{FF2B5EF4-FFF2-40B4-BE49-F238E27FC236}">
+                <a16:creationId xmlns:a16="http://schemas.microsoft.com/office/drawing/2014/main" id="{9FCBD97E-CAC3-458C-83D7-062939A65D10}"/>
+              </a:ext>
+            </a:extLst>
+          </p:cNvPr>
+          <p:cNvSpPr>
+            <a:spLocks noGrp="1"/>
+          </p:cNvSpPr>
+          <p:nvPr>
+            <p:ph idx="1"/>
+          </p:nvPr>
+        </p:nvSpPr>
+        <p:spPr>
+          <a:xfrm>
+            <a:off x="1212575" y="1876584"/>
+            <a:ext cx="10577774" cy="3450613"/>
+          </a:xfrm>
+        </p:spPr>
+        <p:txBody>
+          <a:bodyPr>
+            <a:noAutofit/>
+          </a:bodyPr>
+          <a:lstStyle/>
+          <a:p>
+            <a:pPr marL="0" indent="0">
+              <a:buNone/>
+            </a:pPr>
+            <a:r>
+              <a:rPr lang="en-US" sz="1500" dirty="0" err="1">
+                <a:latin typeface="Consolas" panose="020B0609020204030204" pitchFamily="49" charset="0"/>
+                <a:ea typeface="Calibri" panose="020F0502020204030204" pitchFamily="34" charset="0"/>
+                <a:cs typeface="Times New Roman" panose="02020603050405020304" pitchFamily="18" charset="0"/>
+              </a:rPr>
+              <a:t>k_fold</a:t>
+            </a:r>
+            <a:r>
+              <a:rPr lang="en-US" sz="1500" dirty="0">
+                <a:latin typeface="Consolas" panose="020B0609020204030204" pitchFamily="49" charset="0"/>
+                <a:ea typeface="Calibri" panose="020F0502020204030204" pitchFamily="34" charset="0"/>
+                <a:cs typeface="Times New Roman" panose="02020603050405020304" pitchFamily="18" charset="0"/>
+              </a:rPr>
+              <a:t> = </a:t>
+            </a:r>
+            <a:r>
+              <a:rPr lang="en-US" sz="1500" dirty="0" err="1">
+                <a:latin typeface="Consolas" panose="020B0609020204030204" pitchFamily="49" charset="0"/>
+                <a:ea typeface="Calibri" panose="020F0502020204030204" pitchFamily="34" charset="0"/>
+                <a:cs typeface="Times New Roman" panose="02020603050405020304" pitchFamily="18" charset="0"/>
+              </a:rPr>
+              <a:t>KFold</a:t>
+            </a:r>
+            <a:r>
+              <a:rPr lang="en-US" sz="1500" dirty="0">
+                <a:latin typeface="Consolas" panose="020B0609020204030204" pitchFamily="49" charset="0"/>
+                <a:ea typeface="Calibri" panose="020F0502020204030204" pitchFamily="34" charset="0"/>
+                <a:cs typeface="Times New Roman" panose="02020603050405020304" pitchFamily="18" charset="0"/>
+              </a:rPr>
+              <a:t>(</a:t>
+            </a:r>
+            <a:r>
+              <a:rPr lang="en-US" sz="1500" dirty="0" err="1">
+                <a:latin typeface="Consolas" panose="020B0609020204030204" pitchFamily="49" charset="0"/>
+                <a:ea typeface="Calibri" panose="020F0502020204030204" pitchFamily="34" charset="0"/>
+                <a:cs typeface="Times New Roman" panose="02020603050405020304" pitchFamily="18" charset="0"/>
+              </a:rPr>
+              <a:t>n_splits</a:t>
+            </a:r>
+            <a:r>
+              <a:rPr lang="en-US" sz="1500" dirty="0">
+                <a:latin typeface="Consolas" panose="020B0609020204030204" pitchFamily="49" charset="0"/>
+                <a:ea typeface="Calibri" panose="020F0502020204030204" pitchFamily="34" charset="0"/>
+                <a:cs typeface="Times New Roman" panose="02020603050405020304" pitchFamily="18" charset="0"/>
+              </a:rPr>
+              <a:t>=</a:t>
+            </a:r>
+            <a:r>
+              <a:rPr lang="en-US" sz="1500" dirty="0">
+                <a:solidFill>
+                  <a:srgbClr val="40A070"/>
+                </a:solidFill>
+                <a:latin typeface="Consolas" panose="020B0609020204030204" pitchFamily="49" charset="0"/>
+                <a:ea typeface="Calibri" panose="020F0502020204030204" pitchFamily="34" charset="0"/>
+                <a:cs typeface="Times New Roman" panose="02020603050405020304" pitchFamily="18" charset="0"/>
+              </a:rPr>
+              <a:t>10</a:t>
+            </a:r>
+            <a:r>
+              <a:rPr lang="en-US" sz="1500" dirty="0">
+                <a:latin typeface="Consolas" panose="020B0609020204030204" pitchFamily="49" charset="0"/>
+                <a:ea typeface="Calibri" panose="020F0502020204030204" pitchFamily="34" charset="0"/>
+                <a:cs typeface="Times New Roman" panose="02020603050405020304" pitchFamily="18" charset="0"/>
+              </a:rPr>
+              <a:t>, shuffle=</a:t>
+            </a:r>
+            <a:r>
+              <a:rPr lang="en-US" sz="1500" dirty="0">
+                <a:solidFill>
+                  <a:srgbClr val="007020"/>
+                </a:solidFill>
+                <a:latin typeface="Consolas" panose="020B0609020204030204" pitchFamily="49" charset="0"/>
+                <a:ea typeface="Calibri" panose="020F0502020204030204" pitchFamily="34" charset="0"/>
+                <a:cs typeface="Times New Roman" panose="02020603050405020304" pitchFamily="18" charset="0"/>
+              </a:rPr>
+              <a:t>False</a:t>
+            </a:r>
+            <a:r>
+              <a:rPr lang="en-US" sz="1500" dirty="0">
+                <a:latin typeface="Consolas" panose="020B0609020204030204" pitchFamily="49" charset="0"/>
+                <a:ea typeface="Calibri" panose="020F0502020204030204" pitchFamily="34" charset="0"/>
+                <a:cs typeface="Times New Roman" panose="02020603050405020304" pitchFamily="18" charset="0"/>
+              </a:rPr>
+              <a:t>, </a:t>
+            </a:r>
+            <a:r>
+              <a:rPr lang="en-US" sz="1500" dirty="0" err="1">
+                <a:latin typeface="Consolas" panose="020B0609020204030204" pitchFamily="49" charset="0"/>
+                <a:ea typeface="Calibri" panose="020F0502020204030204" pitchFamily="34" charset="0"/>
+                <a:cs typeface="Times New Roman" panose="02020603050405020304" pitchFamily="18" charset="0"/>
+              </a:rPr>
+              <a:t>random_state</a:t>
+            </a:r>
+            <a:r>
+              <a:rPr lang="en-US" sz="1500" dirty="0">
+                <a:latin typeface="Consolas" panose="020B0609020204030204" pitchFamily="49" charset="0"/>
+                <a:ea typeface="Calibri" panose="020F0502020204030204" pitchFamily="34" charset="0"/>
+                <a:cs typeface="Times New Roman" panose="02020603050405020304" pitchFamily="18" charset="0"/>
+              </a:rPr>
+              <a:t>=</a:t>
+            </a:r>
+            <a:r>
+              <a:rPr lang="en-US" sz="1500" dirty="0">
+                <a:solidFill>
+                  <a:srgbClr val="007020"/>
+                </a:solidFill>
+                <a:latin typeface="Consolas" panose="020B0609020204030204" pitchFamily="49" charset="0"/>
+                <a:ea typeface="Calibri" panose="020F0502020204030204" pitchFamily="34" charset="0"/>
+                <a:cs typeface="Times New Roman" panose="02020603050405020304" pitchFamily="18" charset="0"/>
+              </a:rPr>
+              <a:t>None</a:t>
+            </a:r>
+            <a:r>
+              <a:rPr lang="en-US" sz="1500" dirty="0">
+                <a:latin typeface="Consolas" panose="020B0609020204030204" pitchFamily="49" charset="0"/>
+                <a:ea typeface="Calibri" panose="020F0502020204030204" pitchFamily="34" charset="0"/>
+                <a:cs typeface="Times New Roman" panose="02020603050405020304" pitchFamily="18" charset="0"/>
+              </a:rPr>
+              <a:t>) </a:t>
+            </a:r>
+            <a:r>
+              <a:rPr lang="en-US" sz="1500" i="1" dirty="0">
+                <a:solidFill>
+                  <a:srgbClr val="60A0B0"/>
+                </a:solidFill>
+                <a:latin typeface="Consolas" panose="020B0609020204030204" pitchFamily="49" charset="0"/>
+                <a:ea typeface="Calibri" panose="020F0502020204030204" pitchFamily="34" charset="0"/>
+                <a:cs typeface="Times New Roman" panose="02020603050405020304" pitchFamily="18" charset="0"/>
+              </a:rPr>
+              <a:t>#set 10 folds to the cross-validation</a:t>
+            </a:r>
+            <a:br>
+              <a:rPr lang="en-US" sz="1500" dirty="0">
+                <a:latin typeface="Calibri" panose="020F0502020204030204" pitchFamily="34" charset="0"/>
+                <a:ea typeface="Calibri" panose="020F0502020204030204" pitchFamily="34" charset="0"/>
+                <a:cs typeface="Times New Roman" panose="02020603050405020304" pitchFamily="18" charset="0"/>
+              </a:rPr>
+            </a:br>
+            <a:r>
+              <a:rPr lang="en-US" sz="1500" dirty="0">
+                <a:latin typeface="Consolas" panose="020B0609020204030204" pitchFamily="49" charset="0"/>
+                <a:ea typeface="Calibri" panose="020F0502020204030204" pitchFamily="34" charset="0"/>
+                <a:cs typeface="Times New Roman" panose="02020603050405020304" pitchFamily="18" charset="0"/>
+              </a:rPr>
+              <a:t>scores = []</a:t>
+            </a:r>
+            <a:br>
+              <a:rPr lang="en-US" sz="1500" dirty="0">
+                <a:latin typeface="Calibri" panose="020F0502020204030204" pitchFamily="34" charset="0"/>
+                <a:ea typeface="Calibri" panose="020F0502020204030204" pitchFamily="34" charset="0"/>
+                <a:cs typeface="Times New Roman" panose="02020603050405020304" pitchFamily="18" charset="0"/>
+              </a:rPr>
+            </a:br>
+            <a:r>
+              <a:rPr lang="en-US" sz="1500" b="1" dirty="0">
+                <a:solidFill>
+                  <a:srgbClr val="007020"/>
+                </a:solidFill>
+                <a:latin typeface="Consolas" panose="020B0609020204030204" pitchFamily="49" charset="0"/>
+                <a:ea typeface="Calibri" panose="020F0502020204030204" pitchFamily="34" charset="0"/>
+                <a:cs typeface="Times New Roman" panose="02020603050405020304" pitchFamily="18" charset="0"/>
+              </a:rPr>
+              <a:t>for</a:t>
+            </a:r>
+            <a:r>
+              <a:rPr lang="en-US" sz="1500" dirty="0">
+                <a:latin typeface="Consolas" panose="020B0609020204030204" pitchFamily="49" charset="0"/>
+                <a:ea typeface="Calibri" panose="020F0502020204030204" pitchFamily="34" charset="0"/>
+                <a:cs typeface="Times New Roman" panose="02020603050405020304" pitchFamily="18" charset="0"/>
+              </a:rPr>
+              <a:t> </a:t>
+            </a:r>
+            <a:r>
+              <a:rPr lang="en-US" sz="1500" dirty="0" err="1">
+                <a:latin typeface="Consolas" panose="020B0609020204030204" pitchFamily="49" charset="0"/>
+                <a:ea typeface="Calibri" panose="020F0502020204030204" pitchFamily="34" charset="0"/>
+                <a:cs typeface="Times New Roman" panose="02020603050405020304" pitchFamily="18" charset="0"/>
+              </a:rPr>
+              <a:t>train_indices</a:t>
+            </a:r>
+            <a:r>
+              <a:rPr lang="en-US" sz="1500" dirty="0">
+                <a:latin typeface="Consolas" panose="020B0609020204030204" pitchFamily="49" charset="0"/>
+                <a:ea typeface="Calibri" panose="020F0502020204030204" pitchFamily="34" charset="0"/>
+                <a:cs typeface="Times New Roman" panose="02020603050405020304" pitchFamily="18" charset="0"/>
+              </a:rPr>
+              <a:t>, </a:t>
+            </a:r>
+            <a:r>
+              <a:rPr lang="en-US" sz="1500" dirty="0" err="1">
+                <a:latin typeface="Consolas" panose="020B0609020204030204" pitchFamily="49" charset="0"/>
+                <a:ea typeface="Calibri" panose="020F0502020204030204" pitchFamily="34" charset="0"/>
+                <a:cs typeface="Times New Roman" panose="02020603050405020304" pitchFamily="18" charset="0"/>
+              </a:rPr>
+              <a:t>test_indices</a:t>
+            </a:r>
+            <a:r>
+              <a:rPr lang="en-US" sz="1500" dirty="0">
+                <a:latin typeface="Consolas" panose="020B0609020204030204" pitchFamily="49" charset="0"/>
+                <a:ea typeface="Calibri" panose="020F0502020204030204" pitchFamily="34" charset="0"/>
+                <a:cs typeface="Times New Roman" panose="02020603050405020304" pitchFamily="18" charset="0"/>
+              </a:rPr>
+              <a:t> in </a:t>
+            </a:r>
+            <a:r>
+              <a:rPr lang="en-US" sz="1500" dirty="0" err="1">
+                <a:latin typeface="Consolas" panose="020B0609020204030204" pitchFamily="49" charset="0"/>
+                <a:ea typeface="Calibri" panose="020F0502020204030204" pitchFamily="34" charset="0"/>
+                <a:cs typeface="Times New Roman" panose="02020603050405020304" pitchFamily="18" charset="0"/>
+              </a:rPr>
+              <a:t>k_fold.split</a:t>
+            </a:r>
+            <a:r>
+              <a:rPr lang="en-US" sz="1500" dirty="0">
+                <a:latin typeface="Consolas" panose="020B0609020204030204" pitchFamily="49" charset="0"/>
+                <a:ea typeface="Calibri" panose="020F0502020204030204" pitchFamily="34" charset="0"/>
+                <a:cs typeface="Times New Roman" panose="02020603050405020304" pitchFamily="18" charset="0"/>
+              </a:rPr>
+              <a:t>(data):</a:t>
+            </a:r>
+            <a:br>
+              <a:rPr lang="en-US" sz="1500" dirty="0">
+                <a:latin typeface="Calibri" panose="020F0502020204030204" pitchFamily="34" charset="0"/>
+                <a:ea typeface="Calibri" panose="020F0502020204030204" pitchFamily="34" charset="0"/>
+                <a:cs typeface="Times New Roman" panose="02020603050405020304" pitchFamily="18" charset="0"/>
+              </a:rPr>
+            </a:br>
+            <a:r>
+              <a:rPr lang="en-US" sz="1500" dirty="0">
+                <a:latin typeface="Consolas" panose="020B0609020204030204" pitchFamily="49" charset="0"/>
+                <a:ea typeface="Calibri" panose="020F0502020204030204" pitchFamily="34" charset="0"/>
+                <a:cs typeface="Times New Roman" panose="02020603050405020304" pitchFamily="18" charset="0"/>
+              </a:rPr>
+              <a:t>  </a:t>
+            </a:r>
+            <a:r>
+              <a:rPr lang="en-US" sz="1500" dirty="0" err="1">
+                <a:latin typeface="Consolas" panose="020B0609020204030204" pitchFamily="49" charset="0"/>
+                <a:ea typeface="Calibri" panose="020F0502020204030204" pitchFamily="34" charset="0"/>
+                <a:cs typeface="Times New Roman" panose="02020603050405020304" pitchFamily="18" charset="0"/>
+              </a:rPr>
+              <a:t>train_text</a:t>
+            </a:r>
+            <a:r>
+              <a:rPr lang="en-US" sz="1500" dirty="0">
+                <a:latin typeface="Consolas" panose="020B0609020204030204" pitchFamily="49" charset="0"/>
+                <a:ea typeface="Calibri" panose="020F0502020204030204" pitchFamily="34" charset="0"/>
+                <a:cs typeface="Times New Roman" panose="02020603050405020304" pitchFamily="18" charset="0"/>
+              </a:rPr>
+              <a:t> = </a:t>
+            </a:r>
+            <a:r>
+              <a:rPr lang="en-US" sz="1500" dirty="0" err="1">
+                <a:latin typeface="Consolas" panose="020B0609020204030204" pitchFamily="49" charset="0"/>
+                <a:ea typeface="Calibri" panose="020F0502020204030204" pitchFamily="34" charset="0"/>
+                <a:cs typeface="Times New Roman" panose="02020603050405020304" pitchFamily="18" charset="0"/>
+              </a:rPr>
+              <a:t>np.asarray</a:t>
+            </a:r>
+            <a:r>
+              <a:rPr lang="en-US" sz="1500" dirty="0">
+                <a:latin typeface="Consolas" panose="020B0609020204030204" pitchFamily="49" charset="0"/>
+                <a:ea typeface="Calibri" panose="020F0502020204030204" pitchFamily="34" charset="0"/>
+                <a:cs typeface="Times New Roman" panose="02020603050405020304" pitchFamily="18" charset="0"/>
+              </a:rPr>
+              <a:t>(</a:t>
+            </a:r>
+            <a:r>
+              <a:rPr lang="en-US" sz="1500" dirty="0" err="1">
+                <a:latin typeface="Consolas" panose="020B0609020204030204" pitchFamily="49" charset="0"/>
+                <a:ea typeface="Calibri" panose="020F0502020204030204" pitchFamily="34" charset="0"/>
+                <a:cs typeface="Times New Roman" panose="02020603050405020304" pitchFamily="18" charset="0"/>
+              </a:rPr>
+              <a:t>data.iloc</a:t>
+            </a:r>
+            <a:r>
+              <a:rPr lang="en-US" sz="1500" dirty="0">
+                <a:latin typeface="Consolas" panose="020B0609020204030204" pitchFamily="49" charset="0"/>
+                <a:ea typeface="Calibri" panose="020F0502020204030204" pitchFamily="34" charset="0"/>
+                <a:cs typeface="Times New Roman" panose="02020603050405020304" pitchFamily="18" charset="0"/>
+              </a:rPr>
+              <a:t>[</a:t>
+            </a:r>
+            <a:r>
+              <a:rPr lang="en-US" sz="1500" dirty="0" err="1">
+                <a:latin typeface="Consolas" panose="020B0609020204030204" pitchFamily="49" charset="0"/>
+                <a:ea typeface="Calibri" panose="020F0502020204030204" pitchFamily="34" charset="0"/>
+                <a:cs typeface="Times New Roman" panose="02020603050405020304" pitchFamily="18" charset="0"/>
+              </a:rPr>
+              <a:t>train_indices</a:t>
+            </a:r>
+            <a:r>
+              <a:rPr lang="en-US" sz="1500" dirty="0">
+                <a:latin typeface="Consolas" panose="020B0609020204030204" pitchFamily="49" charset="0"/>
+                <a:ea typeface="Calibri" panose="020F0502020204030204" pitchFamily="34" charset="0"/>
+                <a:cs typeface="Times New Roman" panose="02020603050405020304" pitchFamily="18" charset="0"/>
+              </a:rPr>
+              <a:t>][</a:t>
+            </a:r>
+            <a:r>
+              <a:rPr lang="en-US" sz="1500" dirty="0">
+                <a:solidFill>
+                  <a:srgbClr val="4070A0"/>
+                </a:solidFill>
+                <a:latin typeface="Consolas" panose="020B0609020204030204" pitchFamily="49" charset="0"/>
+                <a:ea typeface="Calibri" panose="020F0502020204030204" pitchFamily="34" charset="0"/>
+                <a:cs typeface="Times New Roman" panose="02020603050405020304" pitchFamily="18" charset="0"/>
+              </a:rPr>
+              <a:t>'text'</a:t>
+            </a:r>
+            <a:r>
+              <a:rPr lang="en-US" sz="1500" dirty="0">
+                <a:latin typeface="Consolas" panose="020B0609020204030204" pitchFamily="49" charset="0"/>
+                <a:ea typeface="Calibri" panose="020F0502020204030204" pitchFamily="34" charset="0"/>
+                <a:cs typeface="Times New Roman" panose="02020603050405020304" pitchFamily="18" charset="0"/>
+              </a:rPr>
+              <a:t>])</a:t>
+            </a:r>
+            <a:br>
+              <a:rPr lang="en-US" sz="1500" dirty="0">
+                <a:latin typeface="Calibri" panose="020F0502020204030204" pitchFamily="34" charset="0"/>
+                <a:ea typeface="Calibri" panose="020F0502020204030204" pitchFamily="34" charset="0"/>
+                <a:cs typeface="Times New Roman" panose="02020603050405020304" pitchFamily="18" charset="0"/>
+              </a:rPr>
+            </a:br>
+            <a:r>
+              <a:rPr lang="en-US" sz="1500" dirty="0">
+                <a:latin typeface="Consolas" panose="020B0609020204030204" pitchFamily="49" charset="0"/>
+                <a:ea typeface="Calibri" panose="020F0502020204030204" pitchFamily="34" charset="0"/>
+                <a:cs typeface="Times New Roman" panose="02020603050405020304" pitchFamily="18" charset="0"/>
+              </a:rPr>
+              <a:t>  </a:t>
+            </a:r>
+            <a:r>
+              <a:rPr lang="en-US" sz="1500" dirty="0" err="1">
+                <a:latin typeface="Consolas" panose="020B0609020204030204" pitchFamily="49" charset="0"/>
+                <a:ea typeface="Calibri" panose="020F0502020204030204" pitchFamily="34" charset="0"/>
+                <a:cs typeface="Times New Roman" panose="02020603050405020304" pitchFamily="18" charset="0"/>
+              </a:rPr>
+              <a:t>train_y</a:t>
+            </a:r>
+            <a:r>
+              <a:rPr lang="en-US" sz="1500" dirty="0">
+                <a:latin typeface="Consolas" panose="020B0609020204030204" pitchFamily="49" charset="0"/>
+                <a:ea typeface="Calibri" panose="020F0502020204030204" pitchFamily="34" charset="0"/>
+                <a:cs typeface="Times New Roman" panose="02020603050405020304" pitchFamily="18" charset="0"/>
+              </a:rPr>
+              <a:t>    = </a:t>
+            </a:r>
+            <a:r>
+              <a:rPr lang="en-US" sz="1500" dirty="0" err="1">
+                <a:latin typeface="Consolas" panose="020B0609020204030204" pitchFamily="49" charset="0"/>
+                <a:ea typeface="Calibri" panose="020F0502020204030204" pitchFamily="34" charset="0"/>
+                <a:cs typeface="Times New Roman" panose="02020603050405020304" pitchFamily="18" charset="0"/>
+              </a:rPr>
+              <a:t>np.asarray</a:t>
+            </a:r>
+            <a:r>
+              <a:rPr lang="en-US" sz="1500" dirty="0">
+                <a:latin typeface="Consolas" panose="020B0609020204030204" pitchFamily="49" charset="0"/>
+                <a:ea typeface="Calibri" panose="020F0502020204030204" pitchFamily="34" charset="0"/>
+                <a:cs typeface="Times New Roman" panose="02020603050405020304" pitchFamily="18" charset="0"/>
+              </a:rPr>
+              <a:t>(</a:t>
+            </a:r>
+            <a:r>
+              <a:rPr lang="en-US" sz="1500" dirty="0" err="1">
+                <a:latin typeface="Consolas" panose="020B0609020204030204" pitchFamily="49" charset="0"/>
+                <a:ea typeface="Calibri" panose="020F0502020204030204" pitchFamily="34" charset="0"/>
+                <a:cs typeface="Times New Roman" panose="02020603050405020304" pitchFamily="18" charset="0"/>
+              </a:rPr>
+              <a:t>data.iloc</a:t>
+            </a:r>
+            <a:r>
+              <a:rPr lang="en-US" sz="1500" dirty="0">
+                <a:latin typeface="Consolas" panose="020B0609020204030204" pitchFamily="49" charset="0"/>
+                <a:ea typeface="Calibri" panose="020F0502020204030204" pitchFamily="34" charset="0"/>
+                <a:cs typeface="Times New Roman" panose="02020603050405020304" pitchFamily="18" charset="0"/>
+              </a:rPr>
+              <a:t>[</a:t>
+            </a:r>
+            <a:r>
+              <a:rPr lang="en-US" sz="1500" dirty="0" err="1">
+                <a:latin typeface="Consolas" panose="020B0609020204030204" pitchFamily="49" charset="0"/>
+                <a:ea typeface="Calibri" panose="020F0502020204030204" pitchFamily="34" charset="0"/>
+                <a:cs typeface="Times New Roman" panose="02020603050405020304" pitchFamily="18" charset="0"/>
+              </a:rPr>
+              <a:t>train_indices</a:t>
+            </a:r>
+            <a:r>
+              <a:rPr lang="en-US" sz="1500" dirty="0">
+                <a:latin typeface="Consolas" panose="020B0609020204030204" pitchFamily="49" charset="0"/>
+                <a:ea typeface="Calibri" panose="020F0502020204030204" pitchFamily="34" charset="0"/>
+                <a:cs typeface="Times New Roman" panose="02020603050405020304" pitchFamily="18" charset="0"/>
+              </a:rPr>
+              <a:t>][</a:t>
+            </a:r>
+            <a:r>
+              <a:rPr lang="en-US" sz="1500" dirty="0">
+                <a:solidFill>
+                  <a:srgbClr val="4070A0"/>
+                </a:solidFill>
+                <a:latin typeface="Consolas" panose="020B0609020204030204" pitchFamily="49" charset="0"/>
+                <a:ea typeface="Calibri" panose="020F0502020204030204" pitchFamily="34" charset="0"/>
+                <a:cs typeface="Times New Roman" panose="02020603050405020304" pitchFamily="18" charset="0"/>
+              </a:rPr>
+              <a:t>'class'</a:t>
+            </a:r>
+            <a:r>
+              <a:rPr lang="en-US" sz="1500" dirty="0">
+                <a:latin typeface="Consolas" panose="020B0609020204030204" pitchFamily="49" charset="0"/>
+                <a:ea typeface="Calibri" panose="020F0502020204030204" pitchFamily="34" charset="0"/>
+                <a:cs typeface="Times New Roman" panose="02020603050405020304" pitchFamily="18" charset="0"/>
+              </a:rPr>
+              <a:t>])</a:t>
+            </a:r>
+            <a:br>
+              <a:rPr lang="en-US" sz="1500" dirty="0">
+                <a:latin typeface="Calibri" panose="020F0502020204030204" pitchFamily="34" charset="0"/>
+                <a:ea typeface="Calibri" panose="020F0502020204030204" pitchFamily="34" charset="0"/>
+                <a:cs typeface="Times New Roman" panose="02020603050405020304" pitchFamily="18" charset="0"/>
+              </a:rPr>
+            </a:br>
+            <a:br>
+              <a:rPr lang="en-US" sz="1500" dirty="0">
+                <a:latin typeface="Calibri" panose="020F0502020204030204" pitchFamily="34" charset="0"/>
+                <a:ea typeface="Calibri" panose="020F0502020204030204" pitchFamily="34" charset="0"/>
+                <a:cs typeface="Times New Roman" panose="02020603050405020304" pitchFamily="18" charset="0"/>
+              </a:rPr>
+            </a:br>
+            <a:r>
+              <a:rPr lang="en-US" sz="1500" dirty="0">
+                <a:latin typeface="Consolas" panose="020B0609020204030204" pitchFamily="49" charset="0"/>
+                <a:ea typeface="Calibri" panose="020F0502020204030204" pitchFamily="34" charset="0"/>
+                <a:cs typeface="Times New Roman" panose="02020603050405020304" pitchFamily="18" charset="0"/>
+              </a:rPr>
+              <a:t>  </a:t>
+            </a:r>
+            <a:r>
+              <a:rPr lang="en-US" sz="1500" dirty="0" err="1">
+                <a:latin typeface="Consolas" panose="020B0609020204030204" pitchFamily="49" charset="0"/>
+                <a:ea typeface="Calibri" panose="020F0502020204030204" pitchFamily="34" charset="0"/>
+                <a:cs typeface="Times New Roman" panose="02020603050405020304" pitchFamily="18" charset="0"/>
+              </a:rPr>
+              <a:t>test_text</a:t>
+            </a:r>
+            <a:r>
+              <a:rPr lang="en-US" sz="1500" dirty="0">
+                <a:latin typeface="Consolas" panose="020B0609020204030204" pitchFamily="49" charset="0"/>
+                <a:ea typeface="Calibri" panose="020F0502020204030204" pitchFamily="34" charset="0"/>
+                <a:cs typeface="Times New Roman" panose="02020603050405020304" pitchFamily="18" charset="0"/>
+              </a:rPr>
+              <a:t>  = </a:t>
+            </a:r>
+            <a:r>
+              <a:rPr lang="en-US" sz="1500" dirty="0" err="1">
+                <a:latin typeface="Consolas" panose="020B0609020204030204" pitchFamily="49" charset="0"/>
+                <a:ea typeface="Calibri" panose="020F0502020204030204" pitchFamily="34" charset="0"/>
+                <a:cs typeface="Times New Roman" panose="02020603050405020304" pitchFamily="18" charset="0"/>
+              </a:rPr>
+              <a:t>np.asarray</a:t>
+            </a:r>
+            <a:r>
+              <a:rPr lang="en-US" sz="1500" dirty="0">
+                <a:latin typeface="Consolas" panose="020B0609020204030204" pitchFamily="49" charset="0"/>
+                <a:ea typeface="Calibri" panose="020F0502020204030204" pitchFamily="34" charset="0"/>
+                <a:cs typeface="Times New Roman" panose="02020603050405020304" pitchFamily="18" charset="0"/>
+              </a:rPr>
+              <a:t>(</a:t>
+            </a:r>
+            <a:r>
+              <a:rPr lang="en-US" sz="1500" dirty="0" err="1">
+                <a:latin typeface="Consolas" panose="020B0609020204030204" pitchFamily="49" charset="0"/>
+                <a:ea typeface="Calibri" panose="020F0502020204030204" pitchFamily="34" charset="0"/>
+                <a:cs typeface="Times New Roman" panose="02020603050405020304" pitchFamily="18" charset="0"/>
+              </a:rPr>
+              <a:t>data.iloc</a:t>
+            </a:r>
+            <a:r>
+              <a:rPr lang="en-US" sz="1500" dirty="0">
+                <a:latin typeface="Consolas" panose="020B0609020204030204" pitchFamily="49" charset="0"/>
+                <a:ea typeface="Calibri" panose="020F0502020204030204" pitchFamily="34" charset="0"/>
+                <a:cs typeface="Times New Roman" panose="02020603050405020304" pitchFamily="18" charset="0"/>
+              </a:rPr>
+              <a:t>[</a:t>
+            </a:r>
+            <a:r>
+              <a:rPr lang="en-US" sz="1500" dirty="0" err="1">
+                <a:latin typeface="Consolas" panose="020B0609020204030204" pitchFamily="49" charset="0"/>
+                <a:ea typeface="Calibri" panose="020F0502020204030204" pitchFamily="34" charset="0"/>
+                <a:cs typeface="Times New Roman" panose="02020603050405020304" pitchFamily="18" charset="0"/>
+              </a:rPr>
+              <a:t>test_indices</a:t>
+            </a:r>
+            <a:r>
+              <a:rPr lang="en-US" sz="1500" dirty="0">
+                <a:latin typeface="Consolas" panose="020B0609020204030204" pitchFamily="49" charset="0"/>
+                <a:ea typeface="Calibri" panose="020F0502020204030204" pitchFamily="34" charset="0"/>
+                <a:cs typeface="Times New Roman" panose="02020603050405020304" pitchFamily="18" charset="0"/>
+              </a:rPr>
+              <a:t>][</a:t>
+            </a:r>
+            <a:r>
+              <a:rPr lang="en-US" sz="1500" dirty="0">
+                <a:solidFill>
+                  <a:srgbClr val="4070A0"/>
+                </a:solidFill>
+                <a:latin typeface="Consolas" panose="020B0609020204030204" pitchFamily="49" charset="0"/>
+                <a:ea typeface="Calibri" panose="020F0502020204030204" pitchFamily="34" charset="0"/>
+                <a:cs typeface="Times New Roman" panose="02020603050405020304" pitchFamily="18" charset="0"/>
+              </a:rPr>
+              <a:t>'text'</a:t>
+            </a:r>
+            <a:r>
+              <a:rPr lang="en-US" sz="1500" dirty="0">
+                <a:latin typeface="Consolas" panose="020B0609020204030204" pitchFamily="49" charset="0"/>
+                <a:ea typeface="Calibri" panose="020F0502020204030204" pitchFamily="34" charset="0"/>
+                <a:cs typeface="Times New Roman" panose="02020603050405020304" pitchFamily="18" charset="0"/>
+              </a:rPr>
+              <a:t>])</a:t>
+            </a:r>
+            <a:br>
+              <a:rPr lang="en-US" sz="1500" dirty="0">
+                <a:latin typeface="Calibri" panose="020F0502020204030204" pitchFamily="34" charset="0"/>
+                <a:ea typeface="Calibri" panose="020F0502020204030204" pitchFamily="34" charset="0"/>
+                <a:cs typeface="Times New Roman" panose="02020603050405020304" pitchFamily="18" charset="0"/>
+              </a:rPr>
+            </a:br>
+            <a:r>
+              <a:rPr lang="en-US" sz="1500" dirty="0">
+                <a:latin typeface="Consolas" panose="020B0609020204030204" pitchFamily="49" charset="0"/>
+                <a:ea typeface="Calibri" panose="020F0502020204030204" pitchFamily="34" charset="0"/>
+                <a:cs typeface="Times New Roman" panose="02020603050405020304" pitchFamily="18" charset="0"/>
+              </a:rPr>
+              <a:t>  </a:t>
+            </a:r>
+            <a:r>
+              <a:rPr lang="en-US" sz="1500" dirty="0" err="1">
+                <a:latin typeface="Consolas" panose="020B0609020204030204" pitchFamily="49" charset="0"/>
+                <a:ea typeface="Calibri" panose="020F0502020204030204" pitchFamily="34" charset="0"/>
+                <a:cs typeface="Times New Roman" panose="02020603050405020304" pitchFamily="18" charset="0"/>
+              </a:rPr>
+              <a:t>test_y</a:t>
+            </a:r>
+            <a:r>
+              <a:rPr lang="en-US" sz="1500" dirty="0">
+                <a:latin typeface="Consolas" panose="020B0609020204030204" pitchFamily="49" charset="0"/>
+                <a:ea typeface="Calibri" panose="020F0502020204030204" pitchFamily="34" charset="0"/>
+                <a:cs typeface="Times New Roman" panose="02020603050405020304" pitchFamily="18" charset="0"/>
+              </a:rPr>
+              <a:t>     = </a:t>
+            </a:r>
+            <a:r>
+              <a:rPr lang="en-US" sz="1500" dirty="0" err="1">
+                <a:latin typeface="Consolas" panose="020B0609020204030204" pitchFamily="49" charset="0"/>
+                <a:ea typeface="Calibri" panose="020F0502020204030204" pitchFamily="34" charset="0"/>
+                <a:cs typeface="Times New Roman" panose="02020603050405020304" pitchFamily="18" charset="0"/>
+              </a:rPr>
+              <a:t>np.asarray</a:t>
+            </a:r>
+            <a:r>
+              <a:rPr lang="en-US" sz="1500" dirty="0">
+                <a:latin typeface="Consolas" panose="020B0609020204030204" pitchFamily="49" charset="0"/>
+                <a:ea typeface="Calibri" panose="020F0502020204030204" pitchFamily="34" charset="0"/>
+                <a:cs typeface="Times New Roman" panose="02020603050405020304" pitchFamily="18" charset="0"/>
+              </a:rPr>
+              <a:t>(</a:t>
+            </a:r>
+            <a:r>
+              <a:rPr lang="en-US" sz="1500" dirty="0" err="1">
+                <a:latin typeface="Consolas" panose="020B0609020204030204" pitchFamily="49" charset="0"/>
+                <a:ea typeface="Calibri" panose="020F0502020204030204" pitchFamily="34" charset="0"/>
+                <a:cs typeface="Times New Roman" panose="02020603050405020304" pitchFamily="18" charset="0"/>
+              </a:rPr>
+              <a:t>data.iloc</a:t>
+            </a:r>
+            <a:r>
+              <a:rPr lang="en-US" sz="1500" dirty="0">
+                <a:latin typeface="Consolas" panose="020B0609020204030204" pitchFamily="49" charset="0"/>
+                <a:ea typeface="Calibri" panose="020F0502020204030204" pitchFamily="34" charset="0"/>
+                <a:cs typeface="Times New Roman" panose="02020603050405020304" pitchFamily="18" charset="0"/>
+              </a:rPr>
+              <a:t>[</a:t>
+            </a:r>
+            <a:r>
+              <a:rPr lang="en-US" sz="1500" dirty="0" err="1">
+                <a:latin typeface="Consolas" panose="020B0609020204030204" pitchFamily="49" charset="0"/>
+                <a:ea typeface="Calibri" panose="020F0502020204030204" pitchFamily="34" charset="0"/>
+                <a:cs typeface="Times New Roman" panose="02020603050405020304" pitchFamily="18" charset="0"/>
+              </a:rPr>
+              <a:t>test_indices</a:t>
+            </a:r>
+            <a:r>
+              <a:rPr lang="en-US" sz="1500" dirty="0">
+                <a:latin typeface="Consolas" panose="020B0609020204030204" pitchFamily="49" charset="0"/>
+                <a:ea typeface="Calibri" panose="020F0502020204030204" pitchFamily="34" charset="0"/>
+                <a:cs typeface="Times New Roman" panose="02020603050405020304" pitchFamily="18" charset="0"/>
+              </a:rPr>
+              <a:t>][</a:t>
+            </a:r>
+            <a:r>
+              <a:rPr lang="en-US" sz="1500" dirty="0">
+                <a:solidFill>
+                  <a:srgbClr val="4070A0"/>
+                </a:solidFill>
+                <a:latin typeface="Consolas" panose="020B0609020204030204" pitchFamily="49" charset="0"/>
+                <a:ea typeface="Calibri" panose="020F0502020204030204" pitchFamily="34" charset="0"/>
+                <a:cs typeface="Times New Roman" panose="02020603050405020304" pitchFamily="18" charset="0"/>
+              </a:rPr>
+              <a:t>'class'</a:t>
+            </a:r>
+            <a:r>
+              <a:rPr lang="en-US" sz="1500" dirty="0">
+                <a:latin typeface="Consolas" panose="020B0609020204030204" pitchFamily="49" charset="0"/>
+                <a:ea typeface="Calibri" panose="020F0502020204030204" pitchFamily="34" charset="0"/>
+                <a:cs typeface="Times New Roman" panose="02020603050405020304" pitchFamily="18" charset="0"/>
+              </a:rPr>
+              <a:t>])</a:t>
+            </a:r>
+            <a:br>
+              <a:rPr lang="en-US" sz="1500" dirty="0">
+                <a:latin typeface="Calibri" panose="020F0502020204030204" pitchFamily="34" charset="0"/>
+                <a:ea typeface="Calibri" panose="020F0502020204030204" pitchFamily="34" charset="0"/>
+                <a:cs typeface="Times New Roman" panose="02020603050405020304" pitchFamily="18" charset="0"/>
+              </a:rPr>
+            </a:br>
+            <a:br>
+              <a:rPr lang="en-US" sz="1500" dirty="0">
+                <a:latin typeface="Calibri" panose="020F0502020204030204" pitchFamily="34" charset="0"/>
+                <a:ea typeface="Calibri" panose="020F0502020204030204" pitchFamily="34" charset="0"/>
+                <a:cs typeface="Times New Roman" panose="02020603050405020304" pitchFamily="18" charset="0"/>
+              </a:rPr>
+            </a:br>
+            <a:r>
+              <a:rPr lang="en-US" sz="1500" dirty="0">
+                <a:latin typeface="Consolas" panose="020B0609020204030204" pitchFamily="49" charset="0"/>
+                <a:ea typeface="Calibri" panose="020F0502020204030204" pitchFamily="34" charset="0"/>
+                <a:cs typeface="Times New Roman" panose="02020603050405020304" pitchFamily="18" charset="0"/>
+              </a:rPr>
+              <a:t>  </a:t>
+            </a:r>
+            <a:r>
+              <a:rPr lang="en-US" sz="1500" dirty="0" err="1">
+                <a:latin typeface="Consolas" panose="020B0609020204030204" pitchFamily="49" charset="0"/>
+                <a:ea typeface="Calibri" panose="020F0502020204030204" pitchFamily="34" charset="0"/>
+                <a:cs typeface="Times New Roman" panose="02020603050405020304" pitchFamily="18" charset="0"/>
+              </a:rPr>
+              <a:t>pipeline.fit</a:t>
+            </a:r>
+            <a:r>
+              <a:rPr lang="en-US" sz="1500" dirty="0">
+                <a:latin typeface="Consolas" panose="020B0609020204030204" pitchFamily="49" charset="0"/>
+                <a:ea typeface="Calibri" panose="020F0502020204030204" pitchFamily="34" charset="0"/>
+                <a:cs typeface="Times New Roman" panose="02020603050405020304" pitchFamily="18" charset="0"/>
+              </a:rPr>
+              <a:t>(</a:t>
+            </a:r>
+            <a:r>
+              <a:rPr lang="en-US" sz="1500" dirty="0" err="1">
+                <a:latin typeface="Consolas" panose="020B0609020204030204" pitchFamily="49" charset="0"/>
+                <a:ea typeface="Calibri" panose="020F0502020204030204" pitchFamily="34" charset="0"/>
+                <a:cs typeface="Times New Roman" panose="02020603050405020304" pitchFamily="18" charset="0"/>
+              </a:rPr>
+              <a:t>train_text</a:t>
+            </a:r>
+            <a:r>
+              <a:rPr lang="en-US" sz="1500" dirty="0">
+                <a:latin typeface="Consolas" panose="020B0609020204030204" pitchFamily="49" charset="0"/>
+                <a:ea typeface="Calibri" panose="020F0502020204030204" pitchFamily="34" charset="0"/>
+                <a:cs typeface="Times New Roman" panose="02020603050405020304" pitchFamily="18" charset="0"/>
+              </a:rPr>
+              <a:t>, </a:t>
+            </a:r>
+            <a:r>
+              <a:rPr lang="en-US" sz="1500" dirty="0" err="1">
+                <a:latin typeface="Consolas" panose="020B0609020204030204" pitchFamily="49" charset="0"/>
+                <a:ea typeface="Calibri" panose="020F0502020204030204" pitchFamily="34" charset="0"/>
+                <a:cs typeface="Times New Roman" panose="02020603050405020304" pitchFamily="18" charset="0"/>
+              </a:rPr>
+              <a:t>train_y</a:t>
+            </a:r>
+            <a:r>
+              <a:rPr lang="en-US" sz="1500" dirty="0">
+                <a:latin typeface="Consolas" panose="020B0609020204030204" pitchFamily="49" charset="0"/>
+                <a:ea typeface="Calibri" panose="020F0502020204030204" pitchFamily="34" charset="0"/>
+                <a:cs typeface="Times New Roman" panose="02020603050405020304" pitchFamily="18" charset="0"/>
+              </a:rPr>
+              <a:t>)</a:t>
+            </a:r>
+            <a:br>
+              <a:rPr lang="en-US" sz="1500" dirty="0">
+                <a:latin typeface="Calibri" panose="020F0502020204030204" pitchFamily="34" charset="0"/>
+                <a:ea typeface="Calibri" panose="020F0502020204030204" pitchFamily="34" charset="0"/>
+                <a:cs typeface="Times New Roman" panose="02020603050405020304" pitchFamily="18" charset="0"/>
+              </a:rPr>
+            </a:br>
+            <a:r>
+              <a:rPr lang="en-US" sz="1500" dirty="0">
+                <a:latin typeface="Consolas" panose="020B0609020204030204" pitchFamily="49" charset="0"/>
+                <a:ea typeface="Calibri" panose="020F0502020204030204" pitchFamily="34" charset="0"/>
+                <a:cs typeface="Times New Roman" panose="02020603050405020304" pitchFamily="18" charset="0"/>
+              </a:rPr>
+              <a:t>  score = </a:t>
+            </a:r>
+            <a:r>
+              <a:rPr lang="en-US" sz="1500" dirty="0" err="1">
+                <a:latin typeface="Consolas" panose="020B0609020204030204" pitchFamily="49" charset="0"/>
+                <a:ea typeface="Calibri" panose="020F0502020204030204" pitchFamily="34" charset="0"/>
+                <a:cs typeface="Times New Roman" panose="02020603050405020304" pitchFamily="18" charset="0"/>
+              </a:rPr>
+              <a:t>pipeline.score</a:t>
+            </a:r>
+            <a:r>
+              <a:rPr lang="en-US" sz="1500" dirty="0">
+                <a:latin typeface="Consolas" panose="020B0609020204030204" pitchFamily="49" charset="0"/>
+                <a:ea typeface="Calibri" panose="020F0502020204030204" pitchFamily="34" charset="0"/>
+                <a:cs typeface="Times New Roman" panose="02020603050405020304" pitchFamily="18" charset="0"/>
+              </a:rPr>
+              <a:t>(</a:t>
+            </a:r>
+            <a:r>
+              <a:rPr lang="en-US" sz="1500" dirty="0" err="1">
+                <a:latin typeface="Consolas" panose="020B0609020204030204" pitchFamily="49" charset="0"/>
+                <a:ea typeface="Calibri" panose="020F0502020204030204" pitchFamily="34" charset="0"/>
+                <a:cs typeface="Times New Roman" panose="02020603050405020304" pitchFamily="18" charset="0"/>
+              </a:rPr>
+              <a:t>test_text</a:t>
+            </a:r>
+            <a:r>
+              <a:rPr lang="en-US" sz="1500" dirty="0">
+                <a:latin typeface="Consolas" panose="020B0609020204030204" pitchFamily="49" charset="0"/>
+                <a:ea typeface="Calibri" panose="020F0502020204030204" pitchFamily="34" charset="0"/>
+                <a:cs typeface="Times New Roman" panose="02020603050405020304" pitchFamily="18" charset="0"/>
+              </a:rPr>
+              <a:t>, </a:t>
+            </a:r>
+            <a:r>
+              <a:rPr lang="en-US" sz="1500" dirty="0" err="1">
+                <a:latin typeface="Consolas" panose="020B0609020204030204" pitchFamily="49" charset="0"/>
+                <a:ea typeface="Calibri" panose="020F0502020204030204" pitchFamily="34" charset="0"/>
+                <a:cs typeface="Times New Roman" panose="02020603050405020304" pitchFamily="18" charset="0"/>
+              </a:rPr>
+              <a:t>test_y</a:t>
+            </a:r>
+            <a:r>
+              <a:rPr lang="en-US" sz="1500" dirty="0">
+                <a:latin typeface="Consolas" panose="020B0609020204030204" pitchFamily="49" charset="0"/>
+                <a:ea typeface="Calibri" panose="020F0502020204030204" pitchFamily="34" charset="0"/>
+                <a:cs typeface="Times New Roman" panose="02020603050405020304" pitchFamily="18" charset="0"/>
+              </a:rPr>
+              <a:t>)</a:t>
+            </a:r>
+            <a:br>
+              <a:rPr lang="en-US" sz="1500" dirty="0">
+                <a:latin typeface="Calibri" panose="020F0502020204030204" pitchFamily="34" charset="0"/>
+                <a:ea typeface="Calibri" panose="020F0502020204030204" pitchFamily="34" charset="0"/>
+                <a:cs typeface="Times New Roman" panose="02020603050405020304" pitchFamily="18" charset="0"/>
+              </a:rPr>
+            </a:br>
+            <a:r>
+              <a:rPr lang="en-US" sz="1500" dirty="0">
+                <a:latin typeface="Consolas" panose="020B0609020204030204" pitchFamily="49" charset="0"/>
+                <a:ea typeface="Calibri" panose="020F0502020204030204" pitchFamily="34" charset="0"/>
+                <a:cs typeface="Times New Roman" panose="02020603050405020304" pitchFamily="18" charset="0"/>
+              </a:rPr>
+              <a:t>  </a:t>
+            </a:r>
+            <a:r>
+              <a:rPr lang="en-US" sz="1500" dirty="0" err="1">
+                <a:latin typeface="Consolas" panose="020B0609020204030204" pitchFamily="49" charset="0"/>
+                <a:ea typeface="Calibri" panose="020F0502020204030204" pitchFamily="34" charset="0"/>
+                <a:cs typeface="Times New Roman" panose="02020603050405020304" pitchFamily="18" charset="0"/>
+              </a:rPr>
+              <a:t>scores.append</a:t>
+            </a:r>
+            <a:r>
+              <a:rPr lang="en-US" sz="1500" dirty="0">
+                <a:latin typeface="Consolas" panose="020B0609020204030204" pitchFamily="49" charset="0"/>
+                <a:ea typeface="Calibri" panose="020F0502020204030204" pitchFamily="34" charset="0"/>
+                <a:cs typeface="Times New Roman" panose="02020603050405020304" pitchFamily="18" charset="0"/>
+              </a:rPr>
+              <a:t>(score)</a:t>
+            </a:r>
+            <a:br>
+              <a:rPr lang="en-US" sz="1500" dirty="0">
+                <a:latin typeface="Calibri" panose="020F0502020204030204" pitchFamily="34" charset="0"/>
+                <a:ea typeface="Calibri" panose="020F0502020204030204" pitchFamily="34" charset="0"/>
+                <a:cs typeface="Times New Roman" panose="02020603050405020304" pitchFamily="18" charset="0"/>
+              </a:rPr>
+            </a:br>
+            <a:br>
+              <a:rPr lang="en-US" sz="1500" dirty="0">
+                <a:latin typeface="Calibri" panose="020F0502020204030204" pitchFamily="34" charset="0"/>
+                <a:ea typeface="Calibri" panose="020F0502020204030204" pitchFamily="34" charset="0"/>
+                <a:cs typeface="Times New Roman" panose="02020603050405020304" pitchFamily="18" charset="0"/>
+              </a:rPr>
+            </a:br>
+            <a:r>
+              <a:rPr lang="en-US" sz="1500" dirty="0">
+                <a:latin typeface="Consolas" panose="020B0609020204030204" pitchFamily="49" charset="0"/>
+                <a:ea typeface="Calibri" panose="020F0502020204030204" pitchFamily="34" charset="0"/>
+                <a:cs typeface="Times New Roman" panose="02020603050405020304" pitchFamily="18" charset="0"/>
+              </a:rPr>
+              <a:t>score = </a:t>
+            </a:r>
+            <a:r>
+              <a:rPr lang="en-US" sz="1500" dirty="0">
+                <a:solidFill>
+                  <a:srgbClr val="902000"/>
+                </a:solidFill>
+                <a:latin typeface="Consolas" panose="020B0609020204030204" pitchFamily="49" charset="0"/>
+                <a:ea typeface="Calibri" panose="020F0502020204030204" pitchFamily="34" charset="0"/>
+                <a:cs typeface="Times New Roman" panose="02020603050405020304" pitchFamily="18" charset="0"/>
+              </a:rPr>
+              <a:t>sum</a:t>
+            </a:r>
+            <a:r>
+              <a:rPr lang="en-US" sz="1500" dirty="0">
+                <a:latin typeface="Consolas" panose="020B0609020204030204" pitchFamily="49" charset="0"/>
+                <a:ea typeface="Calibri" panose="020F0502020204030204" pitchFamily="34" charset="0"/>
+                <a:cs typeface="Times New Roman" panose="02020603050405020304" pitchFamily="18" charset="0"/>
+              </a:rPr>
+              <a:t>(scores) / </a:t>
+            </a:r>
+            <a:r>
+              <a:rPr lang="en-US" sz="1500" dirty="0" err="1">
+                <a:solidFill>
+                  <a:srgbClr val="902000"/>
+                </a:solidFill>
+                <a:latin typeface="Consolas" panose="020B0609020204030204" pitchFamily="49" charset="0"/>
+                <a:ea typeface="Calibri" panose="020F0502020204030204" pitchFamily="34" charset="0"/>
+                <a:cs typeface="Times New Roman" panose="02020603050405020304" pitchFamily="18" charset="0"/>
+              </a:rPr>
+              <a:t>len</a:t>
+            </a:r>
+            <a:r>
+              <a:rPr lang="en-US" sz="1500" dirty="0">
+                <a:latin typeface="Consolas" panose="020B0609020204030204" pitchFamily="49" charset="0"/>
+                <a:ea typeface="Calibri" panose="020F0502020204030204" pitchFamily="34" charset="0"/>
+                <a:cs typeface="Times New Roman" panose="02020603050405020304" pitchFamily="18" charset="0"/>
+              </a:rPr>
+              <a:t>(scores)</a:t>
+            </a:r>
+            <a:endParaRPr lang="en-US" sz="1500" dirty="0"/>
+          </a:p>
+        </p:txBody>
+      </p:sp>
+    </p:spTree>
+    <p:extLst>
+      <p:ext uri="{BB962C8B-B14F-4D97-AF65-F5344CB8AC3E}">
+        <p14:creationId xmlns:p14="http://schemas.microsoft.com/office/powerpoint/2010/main" val="2932475639"/>
+      </p:ext>
+    </p:extLst>
+  </p:cSld>
+  <p:clrMapOvr>
+    <a:masterClrMapping/>
+  </p:clrMapOvr>
+</p:sld>
+</file>
+
+<file path=ppt/slides/slide23.xml><?xml version="1.0" encoding="utf-8"?>
+<p:sld xmlns:a="http://schemas.openxmlformats.org/drawingml/2006/main" xmlns:r="http://schemas.openxmlformats.org/officeDocument/2006/relationships" xmlns:p="http://schemas.openxmlformats.org/presentationml/2006/main">
+  <p:cSld>
+    <p:spTree>
+      <p:nvGrpSpPr>
+        <p:cNvPr id="1" name=""/>
+        <p:cNvGrpSpPr/>
+        <p:nvPr/>
+      </p:nvGrpSpPr>
+      <p:grpSpPr>
+        <a:xfrm>
+          <a:off x="0" y="0"/>
+          <a:ext cx="0" cy="0"/>
+          <a:chOff x="0" y="0"/>
+          <a:chExt cx="0" cy="0"/>
+        </a:xfrm>
+      </p:grpSpPr>
+      <p:sp>
+        <p:nvSpPr>
+          <p:cNvPr id="2" name="Title 1">
+            <a:extLst>
+              <a:ext uri="{FF2B5EF4-FFF2-40B4-BE49-F238E27FC236}">
+                <a16:creationId xmlns:a16="http://schemas.microsoft.com/office/drawing/2014/main" id="{F710B9D4-02FD-4E4C-ABD4-F1AED36A4E81}"/>
+              </a:ext>
+            </a:extLst>
+          </p:cNvPr>
+          <p:cNvSpPr>
+            <a:spLocks noGrp="1"/>
+          </p:cNvSpPr>
+          <p:nvPr>
+            <p:ph type="title"/>
+          </p:nvPr>
+        </p:nvSpPr>
+        <p:spPr/>
+        <p:txBody>
+          <a:bodyPr>
+            <a:noAutofit/>
+          </a:bodyPr>
+          <a:lstStyle/>
+          <a:p>
+            <a:r>
+              <a:rPr lang="en-US" sz="3600" dirty="0"/>
+              <a:t>Evaluating Accuracy of K-Fold Cross Validation</a:t>
+            </a:r>
+          </a:p>
+        </p:txBody>
+      </p:sp>
+      <p:sp>
+        <p:nvSpPr>
+          <p:cNvPr id="3" name="Content Placeholder 2">
+            <a:extLst>
+              <a:ext uri="{FF2B5EF4-FFF2-40B4-BE49-F238E27FC236}">
+                <a16:creationId xmlns:a16="http://schemas.microsoft.com/office/drawing/2014/main" id="{B1FD69A4-9D4F-41AD-BE2A-F6B34F734713}"/>
+              </a:ext>
+            </a:extLst>
+          </p:cNvPr>
+          <p:cNvSpPr>
+            <a:spLocks noGrp="1"/>
+          </p:cNvSpPr>
+          <p:nvPr>
+            <p:ph idx="1"/>
+          </p:nvPr>
+        </p:nvSpPr>
+        <p:spPr>
+          <a:xfrm>
+            <a:off x="1224249" y="2015732"/>
+            <a:ext cx="10057934" cy="3619755"/>
+          </a:xfrm>
+        </p:spPr>
+        <p:txBody>
+          <a:bodyPr numCol="1">
+            <a:normAutofit fontScale="85000" lnSpcReduction="20000"/>
+          </a:bodyPr>
+          <a:lstStyle/>
+          <a:p>
+            <a:pPr marL="0" marR="0" indent="0" latinLnBrk="1">
+              <a:spcBef>
+                <a:spcPts val="900"/>
+              </a:spcBef>
+              <a:spcAft>
+                <a:spcPts val="900"/>
+              </a:spcAft>
+              <a:buNone/>
+            </a:pPr>
+            <a:r>
+              <a:rPr lang="en-US" sz="2800" dirty="0">
+                <a:latin typeface="Consolas" panose="020B0609020204030204" pitchFamily="49" charset="0"/>
+                <a:ea typeface="Calibri" panose="020F0502020204030204" pitchFamily="34" charset="0"/>
+                <a:cs typeface="Times New Roman" panose="02020603050405020304" pitchFamily="18" charset="0"/>
+              </a:rPr>
+              <a:t>score</a:t>
+            </a:r>
+          </a:p>
+          <a:p>
+            <a:pPr marL="0" marR="0" indent="0" latinLnBrk="1">
+              <a:spcBef>
+                <a:spcPts val="900"/>
+              </a:spcBef>
+              <a:spcAft>
+                <a:spcPts val="900"/>
+              </a:spcAft>
+              <a:buNone/>
+            </a:pPr>
+            <a:r>
+              <a:rPr lang="en-US" sz="2800" dirty="0">
+                <a:latin typeface="Consolas" panose="020B0609020204030204" pitchFamily="49" charset="0"/>
+                <a:ea typeface="Calibri" panose="020F0502020204030204" pitchFamily="34" charset="0"/>
+                <a:cs typeface="Times New Roman" panose="02020603050405020304" pitchFamily="18" charset="0"/>
+              </a:rPr>
+              <a:t>0.94851247432078</a:t>
+            </a:r>
+          </a:p>
+          <a:p>
+            <a:pPr latinLnBrk="1">
+              <a:spcBef>
+                <a:spcPts val="900"/>
+              </a:spcBef>
+              <a:spcAft>
+                <a:spcPts val="900"/>
+              </a:spcAft>
+            </a:pPr>
+            <a:r>
+              <a:rPr lang="en-US" sz="2800" dirty="0"/>
+              <a:t>Score method in the k-fold cross validation calculates the mean accuracies of each fold which are then averaged together for a mean accuracy of the entire k-fold cross validation set.</a:t>
+            </a:r>
+          </a:p>
+          <a:p>
+            <a:pPr latinLnBrk="1">
+              <a:spcBef>
+                <a:spcPts val="900"/>
+              </a:spcBef>
+              <a:spcAft>
+                <a:spcPts val="900"/>
+              </a:spcAft>
+            </a:pPr>
+            <a:r>
+              <a:rPr lang="en-US" sz="2800" dirty="0"/>
+              <a:t>The calculated score indicates the train and test sets created from the k-fold cross validation are about 95% accurate overall.</a:t>
+            </a:r>
+          </a:p>
+          <a:p>
+            <a:endParaRPr lang="en-US" dirty="0"/>
+          </a:p>
+        </p:txBody>
+      </p:sp>
+    </p:spTree>
+    <p:extLst>
+      <p:ext uri="{BB962C8B-B14F-4D97-AF65-F5344CB8AC3E}">
+        <p14:creationId xmlns:p14="http://schemas.microsoft.com/office/powerpoint/2010/main" val="4143215178"/>
+      </p:ext>
+    </p:extLst>
+  </p:cSld>
+  <p:clrMapOvr>
+    <a:masterClrMapping/>
+  </p:clrMapOvr>
+</p:sld>
+</file>
+
+<file path=ppt/slides/slide24.xml><?xml version="1.0" encoding="utf-8"?>
+<p:sld xmlns:a="http://schemas.openxmlformats.org/drawingml/2006/main" xmlns:r="http://schemas.openxmlformats.org/officeDocument/2006/relationships" xmlns:p="http://schemas.openxmlformats.org/presentationml/2006/main">
+  <p:cSld>
+    <p:spTree>
+      <p:nvGrpSpPr>
+        <p:cNvPr id="1" name=""/>
+        <p:cNvGrpSpPr/>
+        <p:nvPr/>
+      </p:nvGrpSpPr>
+      <p:grpSpPr>
+        <a:xfrm>
+          <a:off x="0" y="0"/>
+          <a:ext cx="0" cy="0"/>
+          <a:chOff x="0" y="0"/>
+          <a:chExt cx="0" cy="0"/>
+        </a:xfrm>
+      </p:grpSpPr>
+      <p:sp>
+        <p:nvSpPr>
+          <p:cNvPr id="2" name="Title 1">
+            <a:extLst>
+              <a:ext uri="{FF2B5EF4-FFF2-40B4-BE49-F238E27FC236}">
+                <a16:creationId xmlns:a16="http://schemas.microsoft.com/office/drawing/2014/main" id="{493F74AD-5BB0-451E-B23F-DFFA7E1BDB23}"/>
+              </a:ext>
+            </a:extLst>
+          </p:cNvPr>
+          <p:cNvSpPr>
+            <a:spLocks noGrp="1"/>
+          </p:cNvSpPr>
+          <p:nvPr>
+            <p:ph type="title"/>
+          </p:nvPr>
+        </p:nvSpPr>
+        <p:spPr/>
+        <p:txBody>
+          <a:bodyPr>
+            <a:normAutofit/>
+          </a:bodyPr>
+          <a:lstStyle/>
+          <a:p>
+            <a:r>
+              <a:rPr lang="en-US" dirty="0"/>
+              <a:t>train and test sets of the Corpus were converted into TF-IDF features</a:t>
+            </a:r>
+          </a:p>
+        </p:txBody>
+      </p:sp>
+      <p:sp>
+        <p:nvSpPr>
+          <p:cNvPr id="3" name="Content Placeholder 2">
+            <a:extLst>
+              <a:ext uri="{FF2B5EF4-FFF2-40B4-BE49-F238E27FC236}">
+                <a16:creationId xmlns:a16="http://schemas.microsoft.com/office/drawing/2014/main" id="{B7358FF9-207D-4FA8-8757-2C38F5C9F32C}"/>
+              </a:ext>
+            </a:extLst>
+          </p:cNvPr>
+          <p:cNvSpPr>
+            <a:spLocks noGrp="1"/>
+          </p:cNvSpPr>
+          <p:nvPr>
+            <p:ph idx="1"/>
+          </p:nvPr>
+        </p:nvSpPr>
+        <p:spPr>
+          <a:xfrm>
+            <a:off x="1018993" y="2135002"/>
+            <a:ext cx="10468445" cy="3450613"/>
+          </a:xfrm>
+        </p:spPr>
+        <p:txBody>
+          <a:bodyPr>
+            <a:noAutofit/>
+          </a:bodyPr>
+          <a:lstStyle/>
+          <a:p>
+            <a:pPr marL="0" marR="0" indent="0" latinLnBrk="1">
+              <a:spcBef>
+                <a:spcPts val="900"/>
+              </a:spcBef>
+              <a:spcAft>
+                <a:spcPts val="900"/>
+              </a:spcAft>
+              <a:buNone/>
+            </a:pPr>
+            <a:r>
+              <a:rPr lang="en-US" sz="2200" i="1" dirty="0">
+                <a:solidFill>
+                  <a:srgbClr val="60A0B0"/>
+                </a:solidFill>
+                <a:latin typeface="Consolas" panose="020B0609020204030204" pitchFamily="49" charset="0"/>
+                <a:ea typeface="Calibri" panose="020F0502020204030204" pitchFamily="34" charset="0"/>
+                <a:cs typeface="Times New Roman" panose="02020603050405020304" pitchFamily="18" charset="0"/>
+              </a:rPr>
+              <a:t>#Using TF-IDF to extract features from the cleaned version of the reason data</a:t>
+            </a:r>
+            <a:br>
+              <a:rPr lang="en-US" sz="2200" dirty="0">
+                <a:latin typeface="Consolas" panose="020B0609020204030204" pitchFamily="49" charset="0"/>
+                <a:ea typeface="Calibri" panose="020F0502020204030204" pitchFamily="34" charset="0"/>
+                <a:cs typeface="Times New Roman" panose="02020603050405020304" pitchFamily="18" charset="0"/>
+              </a:rPr>
+            </a:br>
+            <a:r>
+              <a:rPr lang="en-US" sz="2200" dirty="0" err="1">
+                <a:latin typeface="Consolas" panose="020B0609020204030204" pitchFamily="49" charset="0"/>
+                <a:ea typeface="Calibri" panose="020F0502020204030204" pitchFamily="34" charset="0"/>
+                <a:cs typeface="Times New Roman" panose="02020603050405020304" pitchFamily="18" charset="0"/>
+              </a:rPr>
+              <a:t>tfidf_vectorizer</a:t>
+            </a:r>
+            <a:r>
+              <a:rPr lang="en-US" sz="2200" dirty="0">
+                <a:latin typeface="Consolas" panose="020B0609020204030204" pitchFamily="49" charset="0"/>
+                <a:ea typeface="Calibri" panose="020F0502020204030204" pitchFamily="34" charset="0"/>
+                <a:cs typeface="Times New Roman" panose="02020603050405020304" pitchFamily="18" charset="0"/>
+              </a:rPr>
+              <a:t> = </a:t>
+            </a:r>
+            <a:r>
+              <a:rPr lang="en-US" sz="2200" dirty="0" err="1">
+                <a:latin typeface="Consolas" panose="020B0609020204030204" pitchFamily="49" charset="0"/>
+                <a:ea typeface="Calibri" panose="020F0502020204030204" pitchFamily="34" charset="0"/>
+                <a:cs typeface="Times New Roman" panose="02020603050405020304" pitchFamily="18" charset="0"/>
+              </a:rPr>
+              <a:t>TfidfVectorizer</a:t>
+            </a:r>
+            <a:r>
+              <a:rPr lang="en-US" sz="2200" dirty="0">
+                <a:latin typeface="Consolas" panose="020B0609020204030204" pitchFamily="49" charset="0"/>
+                <a:ea typeface="Calibri" panose="020F0502020204030204" pitchFamily="34" charset="0"/>
+                <a:cs typeface="Times New Roman" panose="02020603050405020304" pitchFamily="18" charset="0"/>
+              </a:rPr>
+              <a:t>(</a:t>
+            </a:r>
+            <a:r>
+              <a:rPr lang="en-US" sz="2200" dirty="0" err="1">
+                <a:latin typeface="Consolas" panose="020B0609020204030204" pitchFamily="49" charset="0"/>
+                <a:ea typeface="Calibri" panose="020F0502020204030204" pitchFamily="34" charset="0"/>
+                <a:cs typeface="Times New Roman" panose="02020603050405020304" pitchFamily="18" charset="0"/>
+              </a:rPr>
+              <a:t>max_df</a:t>
+            </a:r>
+            <a:r>
+              <a:rPr lang="en-US" sz="2200" dirty="0">
+                <a:latin typeface="Consolas" panose="020B0609020204030204" pitchFamily="49" charset="0"/>
+                <a:ea typeface="Calibri" panose="020F0502020204030204" pitchFamily="34" charset="0"/>
+                <a:cs typeface="Times New Roman" panose="02020603050405020304" pitchFamily="18" charset="0"/>
+              </a:rPr>
+              <a:t>=</a:t>
+            </a:r>
+            <a:r>
+              <a:rPr lang="en-US" sz="2200" dirty="0">
+                <a:solidFill>
+                  <a:srgbClr val="40A070"/>
+                </a:solidFill>
+                <a:latin typeface="Consolas" panose="020B0609020204030204" pitchFamily="49" charset="0"/>
+                <a:ea typeface="Calibri" panose="020F0502020204030204" pitchFamily="34" charset="0"/>
+                <a:cs typeface="Times New Roman" panose="02020603050405020304" pitchFamily="18" charset="0"/>
+              </a:rPr>
+              <a:t>0.8</a:t>
+            </a:r>
+            <a:r>
+              <a:rPr lang="en-US" sz="2200" dirty="0">
+                <a:latin typeface="Consolas" panose="020B0609020204030204" pitchFamily="49" charset="0"/>
+                <a:ea typeface="Calibri" panose="020F0502020204030204" pitchFamily="34" charset="0"/>
+                <a:cs typeface="Times New Roman" panose="02020603050405020304" pitchFamily="18" charset="0"/>
+              </a:rPr>
+              <a:t>, </a:t>
+            </a:r>
+            <a:r>
+              <a:rPr lang="en-US" sz="2200" dirty="0" err="1">
+                <a:latin typeface="Consolas" panose="020B0609020204030204" pitchFamily="49" charset="0"/>
+                <a:ea typeface="Calibri" panose="020F0502020204030204" pitchFamily="34" charset="0"/>
+                <a:cs typeface="Times New Roman" panose="02020603050405020304" pitchFamily="18" charset="0"/>
+              </a:rPr>
+              <a:t>max_features</a:t>
+            </a:r>
+            <a:r>
+              <a:rPr lang="en-US" sz="2200" dirty="0">
+                <a:latin typeface="Consolas" panose="020B0609020204030204" pitchFamily="49" charset="0"/>
+                <a:ea typeface="Calibri" panose="020F0502020204030204" pitchFamily="34" charset="0"/>
+                <a:cs typeface="Times New Roman" panose="02020603050405020304" pitchFamily="18" charset="0"/>
+              </a:rPr>
+              <a:t>=</a:t>
+            </a:r>
+            <a:r>
+              <a:rPr lang="en-US" sz="2200" dirty="0">
+                <a:solidFill>
+                  <a:srgbClr val="40A070"/>
+                </a:solidFill>
+                <a:latin typeface="Consolas" panose="020B0609020204030204" pitchFamily="49" charset="0"/>
+                <a:ea typeface="Calibri" panose="020F0502020204030204" pitchFamily="34" charset="0"/>
+                <a:cs typeface="Times New Roman" panose="02020603050405020304" pitchFamily="18" charset="0"/>
+              </a:rPr>
+              <a:t>10000</a:t>
+            </a:r>
+            <a:r>
+              <a:rPr lang="en-US" sz="2200" dirty="0">
+                <a:latin typeface="Consolas" panose="020B0609020204030204" pitchFamily="49" charset="0"/>
+                <a:ea typeface="Calibri" panose="020F0502020204030204" pitchFamily="34" charset="0"/>
+                <a:cs typeface="Times New Roman" panose="02020603050405020304" pitchFamily="18" charset="0"/>
+              </a:rPr>
+              <a:t>) </a:t>
+            </a:r>
+            <a:r>
+              <a:rPr lang="en-US" sz="2200" i="1" dirty="0">
+                <a:solidFill>
+                  <a:srgbClr val="60A0B0"/>
+                </a:solidFill>
+                <a:latin typeface="Consolas" panose="020B0609020204030204" pitchFamily="49" charset="0"/>
+                <a:ea typeface="Calibri" panose="020F0502020204030204" pitchFamily="34" charset="0"/>
+                <a:cs typeface="Times New Roman" panose="02020603050405020304" pitchFamily="18" charset="0"/>
+              </a:rPr>
+              <a:t># set 10,000 most frequent words in the data as features</a:t>
+            </a:r>
+            <a:endParaRPr lang="en-US" sz="2200" dirty="0">
+              <a:latin typeface="Consolas" panose="020B0609020204030204" pitchFamily="49" charset="0"/>
+              <a:ea typeface="Calibri" panose="020F0502020204030204" pitchFamily="34" charset="0"/>
+              <a:cs typeface="Times New Roman" panose="02020603050405020304" pitchFamily="18" charset="0"/>
+            </a:endParaRPr>
+          </a:p>
+          <a:p>
+            <a:pPr marL="0" indent="0">
+              <a:buNone/>
+            </a:pPr>
+            <a:r>
+              <a:rPr lang="en-US" sz="2200" i="1" dirty="0">
+                <a:solidFill>
+                  <a:srgbClr val="60A0B0"/>
+                </a:solidFill>
+                <a:latin typeface="Consolas" panose="020B0609020204030204" pitchFamily="49" charset="0"/>
+                <a:ea typeface="Calibri" panose="020F0502020204030204" pitchFamily="34" charset="0"/>
+                <a:cs typeface="Times New Roman" panose="02020603050405020304" pitchFamily="18" charset="0"/>
+              </a:rPr>
+              <a:t>#Create TF-IDF features</a:t>
+            </a:r>
+            <a:br>
+              <a:rPr lang="en-US" sz="2200" dirty="0">
+                <a:latin typeface="Calibri" panose="020F0502020204030204" pitchFamily="34" charset="0"/>
+                <a:ea typeface="Calibri" panose="020F0502020204030204" pitchFamily="34" charset="0"/>
+                <a:cs typeface="Times New Roman" panose="02020603050405020304" pitchFamily="18" charset="0"/>
+              </a:rPr>
+            </a:br>
+            <a:r>
+              <a:rPr lang="en-US" sz="2200" dirty="0" err="1">
+                <a:latin typeface="Consolas" panose="020B0609020204030204" pitchFamily="49" charset="0"/>
+                <a:ea typeface="Calibri" panose="020F0502020204030204" pitchFamily="34" charset="0"/>
+                <a:cs typeface="Times New Roman" panose="02020603050405020304" pitchFamily="18" charset="0"/>
+              </a:rPr>
+              <a:t>xtrain_tfidf</a:t>
+            </a:r>
+            <a:r>
+              <a:rPr lang="en-US" sz="2200" dirty="0">
+                <a:latin typeface="Consolas" panose="020B0609020204030204" pitchFamily="49" charset="0"/>
+                <a:ea typeface="Calibri" panose="020F0502020204030204" pitchFamily="34" charset="0"/>
+                <a:cs typeface="Times New Roman" panose="02020603050405020304" pitchFamily="18" charset="0"/>
+              </a:rPr>
+              <a:t> = </a:t>
+            </a:r>
+            <a:r>
+              <a:rPr lang="en-US" sz="2200" dirty="0" err="1">
+                <a:latin typeface="Consolas" panose="020B0609020204030204" pitchFamily="49" charset="0"/>
+                <a:ea typeface="Calibri" panose="020F0502020204030204" pitchFamily="34" charset="0"/>
+                <a:cs typeface="Times New Roman" panose="02020603050405020304" pitchFamily="18" charset="0"/>
+              </a:rPr>
+              <a:t>tfidf_vectorizer.fit_transform</a:t>
+            </a:r>
+            <a:r>
+              <a:rPr lang="en-US" sz="2200" dirty="0">
+                <a:latin typeface="Consolas" panose="020B0609020204030204" pitchFamily="49" charset="0"/>
+                <a:ea typeface="Calibri" panose="020F0502020204030204" pitchFamily="34" charset="0"/>
+                <a:cs typeface="Times New Roman" panose="02020603050405020304" pitchFamily="18" charset="0"/>
+              </a:rPr>
+              <a:t>(</a:t>
+            </a:r>
+            <a:r>
+              <a:rPr lang="en-US" sz="2200" dirty="0" err="1">
+                <a:latin typeface="Consolas" panose="020B0609020204030204" pitchFamily="49" charset="0"/>
+                <a:ea typeface="Calibri" panose="020F0502020204030204" pitchFamily="34" charset="0"/>
+                <a:cs typeface="Times New Roman" panose="02020603050405020304" pitchFamily="18" charset="0"/>
+              </a:rPr>
+              <a:t>train_text</a:t>
+            </a:r>
+            <a:r>
+              <a:rPr lang="en-US" sz="2200" dirty="0">
+                <a:latin typeface="Consolas" panose="020B0609020204030204" pitchFamily="49" charset="0"/>
+                <a:ea typeface="Calibri" panose="020F0502020204030204" pitchFamily="34" charset="0"/>
+                <a:cs typeface="Times New Roman" panose="02020603050405020304" pitchFamily="18" charset="0"/>
+              </a:rPr>
+              <a:t>)</a:t>
+            </a:r>
+            <a:br>
+              <a:rPr lang="en-US" sz="2200" dirty="0">
+                <a:latin typeface="Calibri" panose="020F0502020204030204" pitchFamily="34" charset="0"/>
+                <a:ea typeface="Calibri" panose="020F0502020204030204" pitchFamily="34" charset="0"/>
+                <a:cs typeface="Times New Roman" panose="02020603050405020304" pitchFamily="18" charset="0"/>
+              </a:rPr>
+            </a:br>
+            <a:r>
+              <a:rPr lang="en-US" sz="2200" dirty="0" err="1">
+                <a:latin typeface="Consolas" panose="020B0609020204030204" pitchFamily="49" charset="0"/>
+                <a:ea typeface="Calibri" panose="020F0502020204030204" pitchFamily="34" charset="0"/>
+                <a:cs typeface="Times New Roman" panose="02020603050405020304" pitchFamily="18" charset="0"/>
+              </a:rPr>
+              <a:t>xval_tfidf</a:t>
+            </a:r>
+            <a:r>
+              <a:rPr lang="en-US" sz="2200" dirty="0">
+                <a:latin typeface="Consolas" panose="020B0609020204030204" pitchFamily="49" charset="0"/>
+                <a:ea typeface="Calibri" panose="020F0502020204030204" pitchFamily="34" charset="0"/>
+                <a:cs typeface="Times New Roman" panose="02020603050405020304" pitchFamily="18" charset="0"/>
+              </a:rPr>
+              <a:t> = </a:t>
+            </a:r>
+            <a:r>
+              <a:rPr lang="en-US" sz="2200" dirty="0" err="1">
+                <a:latin typeface="Consolas" panose="020B0609020204030204" pitchFamily="49" charset="0"/>
+                <a:ea typeface="Calibri" panose="020F0502020204030204" pitchFamily="34" charset="0"/>
+                <a:cs typeface="Times New Roman" panose="02020603050405020304" pitchFamily="18" charset="0"/>
+              </a:rPr>
+              <a:t>tfidf_vectorizer.transform</a:t>
+            </a:r>
+            <a:r>
+              <a:rPr lang="en-US" sz="2200" dirty="0">
+                <a:latin typeface="Consolas" panose="020B0609020204030204" pitchFamily="49" charset="0"/>
+                <a:ea typeface="Calibri" panose="020F0502020204030204" pitchFamily="34" charset="0"/>
+                <a:cs typeface="Times New Roman" panose="02020603050405020304" pitchFamily="18" charset="0"/>
+              </a:rPr>
+              <a:t>(</a:t>
+            </a:r>
+            <a:r>
+              <a:rPr lang="en-US" sz="2200" dirty="0" err="1">
+                <a:latin typeface="Consolas" panose="020B0609020204030204" pitchFamily="49" charset="0"/>
+                <a:ea typeface="Calibri" panose="020F0502020204030204" pitchFamily="34" charset="0"/>
+                <a:cs typeface="Times New Roman" panose="02020603050405020304" pitchFamily="18" charset="0"/>
+              </a:rPr>
+              <a:t>test_text</a:t>
+            </a:r>
+            <a:r>
+              <a:rPr lang="en-US" sz="2200" dirty="0">
+                <a:latin typeface="Consolas" panose="020B0609020204030204" pitchFamily="49" charset="0"/>
+                <a:ea typeface="Calibri" panose="020F0502020204030204" pitchFamily="34" charset="0"/>
+                <a:cs typeface="Times New Roman" panose="02020603050405020304" pitchFamily="18" charset="0"/>
+              </a:rPr>
+              <a:t>)</a:t>
+            </a:r>
+            <a:endParaRPr lang="en-US" sz="2200" dirty="0"/>
+          </a:p>
+        </p:txBody>
+      </p:sp>
+    </p:spTree>
+    <p:extLst>
+      <p:ext uri="{BB962C8B-B14F-4D97-AF65-F5344CB8AC3E}">
+        <p14:creationId xmlns:p14="http://schemas.microsoft.com/office/powerpoint/2010/main" val="1110837188"/>
+      </p:ext>
+    </p:extLst>
+  </p:cSld>
+  <p:clrMapOvr>
+    <a:masterClrMapping/>
+  </p:clrMapOvr>
+</p:sld>
+</file>
+
+<file path=ppt/slides/slide25.xml><?xml version="1.0" encoding="utf-8"?>
+<p:sld xmlns:a="http://schemas.openxmlformats.org/drawingml/2006/main" xmlns:r="http://schemas.openxmlformats.org/officeDocument/2006/relationships" xmlns:p="http://schemas.openxmlformats.org/presentationml/2006/main">
+  <p:cSld>
+    <p:spTree>
+      <p:nvGrpSpPr>
+        <p:cNvPr id="1" name=""/>
+        <p:cNvGrpSpPr/>
+        <p:nvPr/>
+      </p:nvGrpSpPr>
+      <p:grpSpPr>
+        <a:xfrm>
+          <a:off x="0" y="0"/>
+          <a:ext cx="0" cy="0"/>
+          <a:chOff x="0" y="0"/>
+          <a:chExt cx="0" cy="0"/>
+        </a:xfrm>
+      </p:grpSpPr>
+      <p:sp>
+        <p:nvSpPr>
+          <p:cNvPr id="2" name="Title 1">
+            <a:extLst>
+              <a:ext uri="{FF2B5EF4-FFF2-40B4-BE49-F238E27FC236}">
+                <a16:creationId xmlns:a16="http://schemas.microsoft.com/office/drawing/2014/main" id="{6C8732D1-D496-4CF4-9D5E-DE5E7DB7AC36}"/>
+              </a:ext>
+            </a:extLst>
+          </p:cNvPr>
+          <p:cNvSpPr>
+            <a:spLocks noGrp="1"/>
+          </p:cNvSpPr>
+          <p:nvPr>
+            <p:ph type="title"/>
+          </p:nvPr>
+        </p:nvSpPr>
+        <p:spPr>
+          <a:xfrm>
+            <a:off x="1451579" y="665371"/>
+            <a:ext cx="9603275" cy="1049235"/>
+          </a:xfrm>
+        </p:spPr>
+        <p:txBody>
+          <a:bodyPr>
+            <a:noAutofit/>
+          </a:bodyPr>
+          <a:lstStyle/>
+          <a:p>
+            <a:r>
+              <a:rPr lang="en-US" sz="2800" dirty="0"/>
+              <a:t>Formatting train and test sets of target variable Via one-hot encoding by </a:t>
+            </a:r>
+            <a:r>
+              <a:rPr lang="en-US" sz="2800" dirty="0" err="1"/>
+              <a:t>sklearn’s</a:t>
+            </a:r>
+            <a:r>
+              <a:rPr lang="en-US" sz="2800" dirty="0"/>
+              <a:t> </a:t>
+            </a:r>
+            <a:r>
+              <a:rPr lang="en-US" sz="2800" dirty="0" err="1"/>
+              <a:t>MultiLabelBinarizer</a:t>
+            </a:r>
+            <a:r>
+              <a:rPr lang="en-US" sz="2800" dirty="0"/>
+              <a:t> function</a:t>
+            </a:r>
+          </a:p>
+        </p:txBody>
+      </p:sp>
+      <p:sp>
+        <p:nvSpPr>
+          <p:cNvPr id="3" name="Content Placeholder 2">
+            <a:extLst>
+              <a:ext uri="{FF2B5EF4-FFF2-40B4-BE49-F238E27FC236}">
+                <a16:creationId xmlns:a16="http://schemas.microsoft.com/office/drawing/2014/main" id="{3283A9EC-9B46-46DC-82F9-B589AD7F8BDE}"/>
+              </a:ext>
+            </a:extLst>
+          </p:cNvPr>
+          <p:cNvSpPr>
+            <a:spLocks noGrp="1"/>
+          </p:cNvSpPr>
+          <p:nvPr>
+            <p:ph idx="1"/>
+          </p:nvPr>
+        </p:nvSpPr>
+        <p:spPr>
+          <a:xfrm>
+            <a:off x="732029" y="2015732"/>
+            <a:ext cx="11042374" cy="3758903"/>
+          </a:xfrm>
+        </p:spPr>
+        <p:txBody>
+          <a:bodyPr>
+            <a:normAutofit/>
+          </a:bodyPr>
+          <a:lstStyle/>
+          <a:p>
+            <a:pPr marL="0" marR="0" indent="0">
+              <a:lnSpc>
+                <a:spcPct val="107000"/>
+              </a:lnSpc>
+              <a:spcBef>
+                <a:spcPts val="1200"/>
+              </a:spcBef>
+              <a:spcAft>
+                <a:spcPts val="0"/>
+              </a:spcAft>
+              <a:buNone/>
+            </a:pPr>
+            <a:r>
+              <a:rPr lang="en-US" sz="2400" i="1" dirty="0">
+                <a:solidFill>
+                  <a:srgbClr val="60A0B0"/>
+                </a:solidFill>
+                <a:latin typeface="Consolas" panose="020B0609020204030204" pitchFamily="49" charset="0"/>
+                <a:ea typeface="Calibri" panose="020F0502020204030204" pitchFamily="34" charset="0"/>
+                <a:cs typeface="Times New Roman" panose="02020603050405020304" pitchFamily="18" charset="0"/>
+              </a:rPr>
+              <a:t>#Convert </a:t>
+            </a:r>
+            <a:r>
+              <a:rPr lang="en-US" sz="2400" i="1" dirty="0" err="1">
+                <a:solidFill>
+                  <a:srgbClr val="60A0B0"/>
+                </a:solidFill>
+                <a:latin typeface="Consolas" panose="020B0609020204030204" pitchFamily="49" charset="0"/>
+                <a:ea typeface="Calibri" panose="020F0502020204030204" pitchFamily="34" charset="0"/>
+                <a:cs typeface="Times New Roman" panose="02020603050405020304" pitchFamily="18" charset="0"/>
+              </a:rPr>
+              <a:t>train_y</a:t>
+            </a:r>
+            <a:r>
+              <a:rPr lang="en-US" sz="2400" i="1" dirty="0">
+                <a:solidFill>
+                  <a:srgbClr val="60A0B0"/>
+                </a:solidFill>
+                <a:latin typeface="Consolas" panose="020B0609020204030204" pitchFamily="49" charset="0"/>
+                <a:ea typeface="Calibri" panose="020F0502020204030204" pitchFamily="34" charset="0"/>
+                <a:cs typeface="Times New Roman" panose="02020603050405020304" pitchFamily="18" charset="0"/>
+              </a:rPr>
+              <a:t> and </a:t>
+            </a:r>
+            <a:r>
+              <a:rPr lang="en-US" sz="2400" i="1" dirty="0" err="1">
+                <a:solidFill>
+                  <a:srgbClr val="60A0B0"/>
+                </a:solidFill>
+                <a:latin typeface="Consolas" panose="020B0609020204030204" pitchFamily="49" charset="0"/>
+                <a:ea typeface="Calibri" panose="020F0502020204030204" pitchFamily="34" charset="0"/>
+                <a:cs typeface="Times New Roman" panose="02020603050405020304" pitchFamily="18" charset="0"/>
+              </a:rPr>
+              <a:t>test_y</a:t>
+            </a:r>
+            <a:r>
+              <a:rPr lang="en-US" sz="2400" i="1" dirty="0">
+                <a:solidFill>
+                  <a:srgbClr val="60A0B0"/>
+                </a:solidFill>
+                <a:latin typeface="Consolas" panose="020B0609020204030204" pitchFamily="49" charset="0"/>
+                <a:ea typeface="Calibri" panose="020F0502020204030204" pitchFamily="34" charset="0"/>
+                <a:cs typeface="Times New Roman" panose="02020603050405020304" pitchFamily="18" charset="0"/>
+              </a:rPr>
+              <a:t> into datasets</a:t>
+            </a:r>
+            <a:br>
+              <a:rPr lang="en-US" sz="2400" dirty="0">
+                <a:latin typeface="Calibri" panose="020F0502020204030204" pitchFamily="34" charset="0"/>
+                <a:ea typeface="Calibri" panose="020F0502020204030204" pitchFamily="34" charset="0"/>
+                <a:cs typeface="Times New Roman" panose="02020603050405020304" pitchFamily="18" charset="0"/>
+              </a:rPr>
+            </a:br>
+            <a:r>
+              <a:rPr lang="en-US" sz="2400" dirty="0" err="1">
+                <a:latin typeface="Consolas" panose="020B0609020204030204" pitchFamily="49" charset="0"/>
+                <a:ea typeface="Calibri" panose="020F0502020204030204" pitchFamily="34" charset="0"/>
+                <a:cs typeface="Times New Roman" panose="02020603050405020304" pitchFamily="18" charset="0"/>
+              </a:rPr>
+              <a:t>df_train_y</a:t>
+            </a:r>
+            <a:r>
+              <a:rPr lang="en-US" sz="2400" dirty="0">
+                <a:latin typeface="Consolas" panose="020B0609020204030204" pitchFamily="49" charset="0"/>
+                <a:ea typeface="Calibri" panose="020F0502020204030204" pitchFamily="34" charset="0"/>
+                <a:cs typeface="Times New Roman" panose="02020603050405020304" pitchFamily="18" charset="0"/>
+              </a:rPr>
+              <a:t>=</a:t>
+            </a:r>
+            <a:r>
+              <a:rPr lang="en-US" sz="2400" dirty="0" err="1">
+                <a:latin typeface="Consolas" panose="020B0609020204030204" pitchFamily="49" charset="0"/>
+                <a:ea typeface="Calibri" panose="020F0502020204030204" pitchFamily="34" charset="0"/>
+                <a:cs typeface="Times New Roman" panose="02020603050405020304" pitchFamily="18" charset="0"/>
+              </a:rPr>
+              <a:t>pd.DataFrame</a:t>
+            </a:r>
+            <a:r>
+              <a:rPr lang="en-US" sz="2400" dirty="0">
+                <a:latin typeface="Consolas" panose="020B0609020204030204" pitchFamily="49" charset="0"/>
+                <a:ea typeface="Calibri" panose="020F0502020204030204" pitchFamily="34" charset="0"/>
+                <a:cs typeface="Times New Roman" panose="02020603050405020304" pitchFamily="18" charset="0"/>
+              </a:rPr>
+              <a:t>(</a:t>
+            </a:r>
+            <a:r>
+              <a:rPr lang="en-US" sz="2400" dirty="0" err="1">
+                <a:latin typeface="Consolas" panose="020B0609020204030204" pitchFamily="49" charset="0"/>
+                <a:ea typeface="Calibri" panose="020F0502020204030204" pitchFamily="34" charset="0"/>
+                <a:cs typeface="Times New Roman" panose="02020603050405020304" pitchFamily="18" charset="0"/>
+              </a:rPr>
+              <a:t>train_y</a:t>
+            </a:r>
+            <a:r>
+              <a:rPr lang="en-US" sz="2400" dirty="0">
+                <a:latin typeface="Consolas" panose="020B0609020204030204" pitchFamily="49" charset="0"/>
+                <a:ea typeface="Calibri" panose="020F0502020204030204" pitchFamily="34" charset="0"/>
+                <a:cs typeface="Times New Roman" panose="02020603050405020304" pitchFamily="18" charset="0"/>
+              </a:rPr>
+              <a:t>, columns=[</a:t>
+            </a:r>
+            <a:r>
+              <a:rPr lang="en-US" sz="2400" dirty="0">
+                <a:solidFill>
+                  <a:srgbClr val="4070A0"/>
+                </a:solidFill>
+                <a:latin typeface="Consolas" panose="020B0609020204030204" pitchFamily="49" charset="0"/>
+                <a:ea typeface="Calibri" panose="020F0502020204030204" pitchFamily="34" charset="0"/>
+                <a:cs typeface="Times New Roman" panose="02020603050405020304" pitchFamily="18" charset="0"/>
+              </a:rPr>
+              <a:t>'</a:t>
+            </a:r>
+            <a:r>
+              <a:rPr lang="en-US" sz="2400" dirty="0" err="1">
+                <a:solidFill>
+                  <a:srgbClr val="4070A0"/>
+                </a:solidFill>
+                <a:latin typeface="Consolas" panose="020B0609020204030204" pitchFamily="49" charset="0"/>
+                <a:ea typeface="Calibri" panose="020F0502020204030204" pitchFamily="34" charset="0"/>
+                <a:cs typeface="Times New Roman" panose="02020603050405020304" pitchFamily="18" charset="0"/>
+              </a:rPr>
+              <a:t>new_type</a:t>
+            </a:r>
+            <a:r>
+              <a:rPr lang="en-US" sz="2400" dirty="0">
+                <a:solidFill>
+                  <a:srgbClr val="4070A0"/>
+                </a:solidFill>
+                <a:latin typeface="Consolas" panose="020B0609020204030204" pitchFamily="49" charset="0"/>
+                <a:ea typeface="Calibri" panose="020F0502020204030204" pitchFamily="34" charset="0"/>
+                <a:cs typeface="Times New Roman" panose="02020603050405020304" pitchFamily="18" charset="0"/>
+              </a:rPr>
+              <a:t>'</a:t>
+            </a:r>
+            <a:r>
+              <a:rPr lang="en-US" sz="2400" dirty="0">
+                <a:latin typeface="Consolas" panose="020B0609020204030204" pitchFamily="49" charset="0"/>
+                <a:ea typeface="Calibri" panose="020F0502020204030204" pitchFamily="34" charset="0"/>
+                <a:cs typeface="Times New Roman" panose="02020603050405020304" pitchFamily="18" charset="0"/>
+              </a:rPr>
+              <a:t>]) </a:t>
+            </a:r>
+            <a:br>
+              <a:rPr lang="en-US" sz="2400" dirty="0">
+                <a:latin typeface="Calibri" panose="020F0502020204030204" pitchFamily="34" charset="0"/>
+                <a:ea typeface="Calibri" panose="020F0502020204030204" pitchFamily="34" charset="0"/>
+                <a:cs typeface="Times New Roman" panose="02020603050405020304" pitchFamily="18" charset="0"/>
+              </a:rPr>
+            </a:br>
+            <a:r>
+              <a:rPr lang="en-US" sz="2400" dirty="0" err="1">
+                <a:latin typeface="Consolas" panose="020B0609020204030204" pitchFamily="49" charset="0"/>
+                <a:ea typeface="Calibri" panose="020F0502020204030204" pitchFamily="34" charset="0"/>
+                <a:cs typeface="Times New Roman" panose="02020603050405020304" pitchFamily="18" charset="0"/>
+              </a:rPr>
+              <a:t>df_test_y</a:t>
+            </a:r>
+            <a:r>
+              <a:rPr lang="en-US" sz="2400" dirty="0">
+                <a:latin typeface="Consolas" panose="020B0609020204030204" pitchFamily="49" charset="0"/>
+                <a:ea typeface="Calibri" panose="020F0502020204030204" pitchFamily="34" charset="0"/>
+                <a:cs typeface="Times New Roman" panose="02020603050405020304" pitchFamily="18" charset="0"/>
+              </a:rPr>
+              <a:t>=</a:t>
+            </a:r>
+            <a:r>
+              <a:rPr lang="en-US" sz="2400" dirty="0" err="1">
+                <a:latin typeface="Consolas" panose="020B0609020204030204" pitchFamily="49" charset="0"/>
+                <a:ea typeface="Calibri" panose="020F0502020204030204" pitchFamily="34" charset="0"/>
+                <a:cs typeface="Times New Roman" panose="02020603050405020304" pitchFamily="18" charset="0"/>
+              </a:rPr>
+              <a:t>pd.DataFrame</a:t>
+            </a:r>
+            <a:r>
+              <a:rPr lang="en-US" sz="2400" dirty="0">
+                <a:latin typeface="Consolas" panose="020B0609020204030204" pitchFamily="49" charset="0"/>
+                <a:ea typeface="Calibri" panose="020F0502020204030204" pitchFamily="34" charset="0"/>
+                <a:cs typeface="Times New Roman" panose="02020603050405020304" pitchFamily="18" charset="0"/>
+              </a:rPr>
+              <a:t>(</a:t>
+            </a:r>
+            <a:r>
+              <a:rPr lang="en-US" sz="2400" dirty="0" err="1">
+                <a:latin typeface="Consolas" panose="020B0609020204030204" pitchFamily="49" charset="0"/>
+                <a:ea typeface="Calibri" panose="020F0502020204030204" pitchFamily="34" charset="0"/>
+                <a:cs typeface="Times New Roman" panose="02020603050405020304" pitchFamily="18" charset="0"/>
+              </a:rPr>
+              <a:t>test_y</a:t>
+            </a:r>
+            <a:r>
+              <a:rPr lang="en-US" sz="2400" dirty="0">
+                <a:latin typeface="Consolas" panose="020B0609020204030204" pitchFamily="49" charset="0"/>
+                <a:ea typeface="Calibri" panose="020F0502020204030204" pitchFamily="34" charset="0"/>
+                <a:cs typeface="Times New Roman" panose="02020603050405020304" pitchFamily="18" charset="0"/>
+              </a:rPr>
+              <a:t>, columns=[</a:t>
+            </a:r>
+            <a:r>
+              <a:rPr lang="en-US" sz="2400" dirty="0">
+                <a:solidFill>
+                  <a:srgbClr val="4070A0"/>
+                </a:solidFill>
+                <a:latin typeface="Consolas" panose="020B0609020204030204" pitchFamily="49" charset="0"/>
+                <a:ea typeface="Calibri" panose="020F0502020204030204" pitchFamily="34" charset="0"/>
+                <a:cs typeface="Times New Roman" panose="02020603050405020304" pitchFamily="18" charset="0"/>
+              </a:rPr>
+              <a:t>'</a:t>
+            </a:r>
+            <a:r>
+              <a:rPr lang="en-US" sz="2400" dirty="0" err="1">
+                <a:solidFill>
+                  <a:srgbClr val="4070A0"/>
+                </a:solidFill>
+                <a:latin typeface="Consolas" panose="020B0609020204030204" pitchFamily="49" charset="0"/>
+                <a:ea typeface="Calibri" panose="020F0502020204030204" pitchFamily="34" charset="0"/>
+                <a:cs typeface="Times New Roman" panose="02020603050405020304" pitchFamily="18" charset="0"/>
+              </a:rPr>
+              <a:t>new_type</a:t>
+            </a:r>
+            <a:r>
+              <a:rPr lang="en-US" sz="2400" dirty="0">
+                <a:solidFill>
+                  <a:srgbClr val="4070A0"/>
+                </a:solidFill>
+                <a:latin typeface="Consolas" panose="020B0609020204030204" pitchFamily="49" charset="0"/>
+                <a:ea typeface="Calibri" panose="020F0502020204030204" pitchFamily="34" charset="0"/>
+                <a:cs typeface="Times New Roman" panose="02020603050405020304" pitchFamily="18" charset="0"/>
+              </a:rPr>
+              <a:t>'</a:t>
+            </a:r>
+            <a:r>
+              <a:rPr lang="en-US" sz="2400" dirty="0">
+                <a:latin typeface="Consolas" panose="020B0609020204030204" pitchFamily="49" charset="0"/>
+                <a:ea typeface="Calibri" panose="020F0502020204030204" pitchFamily="34" charset="0"/>
+                <a:cs typeface="Times New Roman" panose="02020603050405020304" pitchFamily="18" charset="0"/>
+              </a:rPr>
+              <a:t>])</a:t>
+            </a:r>
+            <a:br>
+              <a:rPr lang="en-US" sz="2400" dirty="0">
+                <a:latin typeface="Calibri" panose="020F0502020204030204" pitchFamily="34" charset="0"/>
+                <a:ea typeface="Calibri" panose="020F0502020204030204" pitchFamily="34" charset="0"/>
+                <a:cs typeface="Times New Roman" panose="02020603050405020304" pitchFamily="18" charset="0"/>
+              </a:rPr>
+            </a:br>
+            <a:br>
+              <a:rPr lang="en-US" sz="2400" dirty="0">
+                <a:latin typeface="Calibri" panose="020F0502020204030204" pitchFamily="34" charset="0"/>
+                <a:ea typeface="Calibri" panose="020F0502020204030204" pitchFamily="34" charset="0"/>
+                <a:cs typeface="Times New Roman" panose="02020603050405020304" pitchFamily="18" charset="0"/>
+              </a:rPr>
+            </a:br>
+            <a:r>
+              <a:rPr lang="en-US" sz="2400" i="1" dirty="0">
+                <a:solidFill>
+                  <a:srgbClr val="60A0B0"/>
+                </a:solidFill>
+                <a:latin typeface="Consolas" panose="020B0609020204030204" pitchFamily="49" charset="0"/>
+                <a:ea typeface="Calibri" panose="020F0502020204030204" pitchFamily="34" charset="0"/>
+                <a:cs typeface="Times New Roman" panose="02020603050405020304" pitchFamily="18" charset="0"/>
+              </a:rPr>
+              <a:t>#Converting values in </a:t>
+            </a:r>
+            <a:r>
+              <a:rPr lang="en-US" sz="2400" i="1" dirty="0" err="1">
+                <a:solidFill>
+                  <a:srgbClr val="60A0B0"/>
+                </a:solidFill>
+                <a:latin typeface="Consolas" panose="020B0609020204030204" pitchFamily="49" charset="0"/>
+                <a:ea typeface="Calibri" panose="020F0502020204030204" pitchFamily="34" charset="0"/>
+                <a:cs typeface="Times New Roman" panose="02020603050405020304" pitchFamily="18" charset="0"/>
+              </a:rPr>
+              <a:t>df_train_y</a:t>
+            </a:r>
+            <a:r>
+              <a:rPr lang="en-US" sz="2400" i="1" dirty="0">
+                <a:solidFill>
+                  <a:srgbClr val="60A0B0"/>
+                </a:solidFill>
+                <a:latin typeface="Consolas" panose="020B0609020204030204" pitchFamily="49" charset="0"/>
+                <a:ea typeface="Calibri" panose="020F0502020204030204" pitchFamily="34" charset="0"/>
+                <a:cs typeface="Times New Roman" panose="02020603050405020304" pitchFamily="18" charset="0"/>
+              </a:rPr>
+              <a:t> and </a:t>
+            </a:r>
+            <a:r>
+              <a:rPr lang="en-US" sz="2400" i="1" dirty="0" err="1">
+                <a:solidFill>
+                  <a:srgbClr val="60A0B0"/>
+                </a:solidFill>
+                <a:latin typeface="Consolas" panose="020B0609020204030204" pitchFamily="49" charset="0"/>
+                <a:ea typeface="Calibri" panose="020F0502020204030204" pitchFamily="34" charset="0"/>
+                <a:cs typeface="Times New Roman" panose="02020603050405020304" pitchFamily="18" charset="0"/>
+              </a:rPr>
+              <a:t>df_test_y</a:t>
+            </a:r>
+            <a:r>
+              <a:rPr lang="en-US" sz="2400" i="1" dirty="0">
+                <a:solidFill>
+                  <a:srgbClr val="60A0B0"/>
+                </a:solidFill>
+                <a:latin typeface="Consolas" panose="020B0609020204030204" pitchFamily="49" charset="0"/>
+                <a:ea typeface="Calibri" panose="020F0502020204030204" pitchFamily="34" charset="0"/>
+                <a:cs typeface="Times New Roman" panose="02020603050405020304" pitchFamily="18" charset="0"/>
+              </a:rPr>
+              <a:t> into lists with ',' replacing '/'</a:t>
+            </a:r>
+            <a:br>
+              <a:rPr lang="en-US" sz="2400" dirty="0">
+                <a:latin typeface="Calibri" panose="020F0502020204030204" pitchFamily="34" charset="0"/>
+                <a:ea typeface="Calibri" panose="020F0502020204030204" pitchFamily="34" charset="0"/>
+                <a:cs typeface="Times New Roman" panose="02020603050405020304" pitchFamily="18" charset="0"/>
+              </a:rPr>
+            </a:br>
+            <a:r>
+              <a:rPr lang="en-US" sz="2400" dirty="0" err="1">
+                <a:latin typeface="Consolas" panose="020B0609020204030204" pitchFamily="49" charset="0"/>
+                <a:ea typeface="Calibri" panose="020F0502020204030204" pitchFamily="34" charset="0"/>
+                <a:cs typeface="Times New Roman" panose="02020603050405020304" pitchFamily="18" charset="0"/>
+              </a:rPr>
+              <a:t>df_train_y</a:t>
+            </a:r>
+            <a:r>
+              <a:rPr lang="en-US" sz="2400" dirty="0">
+                <a:latin typeface="Consolas" panose="020B0609020204030204" pitchFamily="49" charset="0"/>
+                <a:ea typeface="Calibri" panose="020F0502020204030204" pitchFamily="34" charset="0"/>
+                <a:cs typeface="Times New Roman" panose="02020603050405020304" pitchFamily="18" charset="0"/>
+              </a:rPr>
+              <a:t>[</a:t>
+            </a:r>
+            <a:r>
+              <a:rPr lang="en-US" sz="2400" dirty="0">
+                <a:solidFill>
+                  <a:srgbClr val="4070A0"/>
+                </a:solidFill>
+                <a:latin typeface="Consolas" panose="020B0609020204030204" pitchFamily="49" charset="0"/>
+                <a:ea typeface="Calibri" panose="020F0502020204030204" pitchFamily="34" charset="0"/>
+                <a:cs typeface="Times New Roman" panose="02020603050405020304" pitchFamily="18" charset="0"/>
+              </a:rPr>
+              <a:t>'</a:t>
+            </a:r>
+            <a:r>
+              <a:rPr lang="en-US" sz="2400" dirty="0" err="1">
+                <a:solidFill>
+                  <a:srgbClr val="4070A0"/>
+                </a:solidFill>
+                <a:latin typeface="Consolas" panose="020B0609020204030204" pitchFamily="49" charset="0"/>
+                <a:ea typeface="Calibri" panose="020F0502020204030204" pitchFamily="34" charset="0"/>
+                <a:cs typeface="Times New Roman" panose="02020603050405020304" pitchFamily="18" charset="0"/>
+              </a:rPr>
+              <a:t>new_type</a:t>
+            </a:r>
+            <a:r>
+              <a:rPr lang="en-US" sz="2400" dirty="0">
+                <a:solidFill>
+                  <a:srgbClr val="4070A0"/>
+                </a:solidFill>
+                <a:latin typeface="Consolas" panose="020B0609020204030204" pitchFamily="49" charset="0"/>
+                <a:ea typeface="Calibri" panose="020F0502020204030204" pitchFamily="34" charset="0"/>
+                <a:cs typeface="Times New Roman" panose="02020603050405020304" pitchFamily="18" charset="0"/>
+              </a:rPr>
+              <a:t>'</a:t>
+            </a:r>
+            <a:r>
+              <a:rPr lang="en-US" sz="2400" dirty="0">
+                <a:latin typeface="Consolas" panose="020B0609020204030204" pitchFamily="49" charset="0"/>
+                <a:ea typeface="Calibri" panose="020F0502020204030204" pitchFamily="34" charset="0"/>
+                <a:cs typeface="Times New Roman" panose="02020603050405020304" pitchFamily="18" charset="0"/>
+              </a:rPr>
+              <a:t>] = </a:t>
+            </a:r>
+            <a:r>
+              <a:rPr lang="en-US" sz="2400" dirty="0" err="1">
+                <a:latin typeface="Consolas" panose="020B0609020204030204" pitchFamily="49" charset="0"/>
+                <a:ea typeface="Calibri" panose="020F0502020204030204" pitchFamily="34" charset="0"/>
+                <a:cs typeface="Times New Roman" panose="02020603050405020304" pitchFamily="18" charset="0"/>
+              </a:rPr>
+              <a:t>df_train_y</a:t>
+            </a:r>
+            <a:r>
+              <a:rPr lang="en-US" sz="2400" dirty="0">
+                <a:latin typeface="Consolas" panose="020B0609020204030204" pitchFamily="49" charset="0"/>
+                <a:ea typeface="Calibri" panose="020F0502020204030204" pitchFamily="34" charset="0"/>
+                <a:cs typeface="Times New Roman" panose="02020603050405020304" pitchFamily="18" charset="0"/>
+              </a:rPr>
+              <a:t>[</a:t>
+            </a:r>
+            <a:r>
+              <a:rPr lang="en-US" sz="2400" dirty="0">
+                <a:solidFill>
+                  <a:srgbClr val="4070A0"/>
+                </a:solidFill>
+                <a:latin typeface="Consolas" panose="020B0609020204030204" pitchFamily="49" charset="0"/>
+                <a:ea typeface="Calibri" panose="020F0502020204030204" pitchFamily="34" charset="0"/>
+                <a:cs typeface="Times New Roman" panose="02020603050405020304" pitchFamily="18" charset="0"/>
+              </a:rPr>
+              <a:t>'</a:t>
+            </a:r>
+            <a:r>
+              <a:rPr lang="en-US" sz="2400" dirty="0" err="1">
+                <a:solidFill>
+                  <a:srgbClr val="4070A0"/>
+                </a:solidFill>
+                <a:latin typeface="Consolas" panose="020B0609020204030204" pitchFamily="49" charset="0"/>
+                <a:ea typeface="Calibri" panose="020F0502020204030204" pitchFamily="34" charset="0"/>
+                <a:cs typeface="Times New Roman" panose="02020603050405020304" pitchFamily="18" charset="0"/>
+              </a:rPr>
+              <a:t>new_type</a:t>
+            </a:r>
+            <a:r>
+              <a:rPr lang="en-US" sz="2400" dirty="0">
+                <a:solidFill>
+                  <a:srgbClr val="4070A0"/>
+                </a:solidFill>
+                <a:latin typeface="Consolas" panose="020B0609020204030204" pitchFamily="49" charset="0"/>
+                <a:ea typeface="Calibri" panose="020F0502020204030204" pitchFamily="34" charset="0"/>
+                <a:cs typeface="Times New Roman" panose="02020603050405020304" pitchFamily="18" charset="0"/>
+              </a:rPr>
+              <a:t>'</a:t>
+            </a:r>
+            <a:r>
+              <a:rPr lang="en-US" sz="2400" dirty="0">
+                <a:latin typeface="Consolas" panose="020B0609020204030204" pitchFamily="49" charset="0"/>
+                <a:ea typeface="Calibri" panose="020F0502020204030204" pitchFamily="34" charset="0"/>
+                <a:cs typeface="Times New Roman" panose="02020603050405020304" pitchFamily="18" charset="0"/>
+              </a:rPr>
+              <a:t>].</a:t>
+            </a:r>
+            <a:r>
+              <a:rPr lang="en-US" sz="2400" dirty="0" err="1">
+                <a:solidFill>
+                  <a:srgbClr val="902000"/>
+                </a:solidFill>
+                <a:latin typeface="Consolas" panose="020B0609020204030204" pitchFamily="49" charset="0"/>
+                <a:ea typeface="Calibri" panose="020F0502020204030204" pitchFamily="34" charset="0"/>
+                <a:cs typeface="Times New Roman" panose="02020603050405020304" pitchFamily="18" charset="0"/>
+              </a:rPr>
+              <a:t>str</a:t>
+            </a:r>
+            <a:r>
+              <a:rPr lang="en-US" sz="2400" dirty="0" err="1">
+                <a:latin typeface="Consolas" panose="020B0609020204030204" pitchFamily="49" charset="0"/>
+                <a:ea typeface="Calibri" panose="020F0502020204030204" pitchFamily="34" charset="0"/>
+                <a:cs typeface="Times New Roman" panose="02020603050405020304" pitchFamily="18" charset="0"/>
+              </a:rPr>
+              <a:t>.split</a:t>
+            </a:r>
+            <a:r>
+              <a:rPr lang="en-US" sz="2400" dirty="0">
+                <a:latin typeface="Consolas" panose="020B0609020204030204" pitchFamily="49" charset="0"/>
+                <a:ea typeface="Calibri" panose="020F0502020204030204" pitchFamily="34" charset="0"/>
+                <a:cs typeface="Times New Roman" panose="02020603050405020304" pitchFamily="18" charset="0"/>
+              </a:rPr>
+              <a:t>(</a:t>
+            </a:r>
+            <a:r>
+              <a:rPr lang="en-US" sz="2400" dirty="0">
+                <a:solidFill>
+                  <a:srgbClr val="4070A0"/>
+                </a:solidFill>
+                <a:latin typeface="Consolas" panose="020B0609020204030204" pitchFamily="49" charset="0"/>
+                <a:ea typeface="Calibri" panose="020F0502020204030204" pitchFamily="34" charset="0"/>
+                <a:cs typeface="Times New Roman" panose="02020603050405020304" pitchFamily="18" charset="0"/>
+              </a:rPr>
+              <a:t>' / '</a:t>
+            </a:r>
+            <a:r>
+              <a:rPr lang="en-US" sz="2400" dirty="0">
+                <a:latin typeface="Consolas" panose="020B0609020204030204" pitchFamily="49" charset="0"/>
+                <a:ea typeface="Calibri" panose="020F0502020204030204" pitchFamily="34" charset="0"/>
+                <a:cs typeface="Times New Roman" panose="02020603050405020304" pitchFamily="18" charset="0"/>
+              </a:rPr>
+              <a:t>) </a:t>
+            </a:r>
+            <a:br>
+              <a:rPr lang="en-US" sz="2400" dirty="0">
+                <a:latin typeface="Calibri" panose="020F0502020204030204" pitchFamily="34" charset="0"/>
+                <a:ea typeface="Calibri" panose="020F0502020204030204" pitchFamily="34" charset="0"/>
+                <a:cs typeface="Times New Roman" panose="02020603050405020304" pitchFamily="18" charset="0"/>
+              </a:rPr>
+            </a:br>
+            <a:r>
+              <a:rPr lang="en-US" sz="2400" dirty="0" err="1">
+                <a:latin typeface="Consolas" panose="020B0609020204030204" pitchFamily="49" charset="0"/>
+                <a:ea typeface="Calibri" panose="020F0502020204030204" pitchFamily="34" charset="0"/>
+                <a:cs typeface="Times New Roman" panose="02020603050405020304" pitchFamily="18" charset="0"/>
+              </a:rPr>
+              <a:t>df_test_y</a:t>
+            </a:r>
+            <a:r>
+              <a:rPr lang="en-US" sz="2400" dirty="0">
+                <a:latin typeface="Consolas" panose="020B0609020204030204" pitchFamily="49" charset="0"/>
+                <a:ea typeface="Calibri" panose="020F0502020204030204" pitchFamily="34" charset="0"/>
+                <a:cs typeface="Times New Roman" panose="02020603050405020304" pitchFamily="18" charset="0"/>
+              </a:rPr>
+              <a:t>[</a:t>
+            </a:r>
+            <a:r>
+              <a:rPr lang="en-US" sz="2400" dirty="0">
+                <a:solidFill>
+                  <a:srgbClr val="4070A0"/>
+                </a:solidFill>
+                <a:latin typeface="Consolas" panose="020B0609020204030204" pitchFamily="49" charset="0"/>
+                <a:ea typeface="Calibri" panose="020F0502020204030204" pitchFamily="34" charset="0"/>
+                <a:cs typeface="Times New Roman" panose="02020603050405020304" pitchFamily="18" charset="0"/>
+              </a:rPr>
+              <a:t>'</a:t>
+            </a:r>
+            <a:r>
+              <a:rPr lang="en-US" sz="2400" dirty="0" err="1">
+                <a:solidFill>
+                  <a:srgbClr val="4070A0"/>
+                </a:solidFill>
+                <a:latin typeface="Consolas" panose="020B0609020204030204" pitchFamily="49" charset="0"/>
+                <a:ea typeface="Calibri" panose="020F0502020204030204" pitchFamily="34" charset="0"/>
+                <a:cs typeface="Times New Roman" panose="02020603050405020304" pitchFamily="18" charset="0"/>
+              </a:rPr>
+              <a:t>new_type</a:t>
+            </a:r>
+            <a:r>
+              <a:rPr lang="en-US" sz="2400" dirty="0">
+                <a:solidFill>
+                  <a:srgbClr val="4070A0"/>
+                </a:solidFill>
+                <a:latin typeface="Consolas" panose="020B0609020204030204" pitchFamily="49" charset="0"/>
+                <a:ea typeface="Calibri" panose="020F0502020204030204" pitchFamily="34" charset="0"/>
+                <a:cs typeface="Times New Roman" panose="02020603050405020304" pitchFamily="18" charset="0"/>
+              </a:rPr>
+              <a:t>'</a:t>
+            </a:r>
+            <a:r>
+              <a:rPr lang="en-US" sz="2400" dirty="0">
+                <a:latin typeface="Consolas" panose="020B0609020204030204" pitchFamily="49" charset="0"/>
+                <a:ea typeface="Calibri" panose="020F0502020204030204" pitchFamily="34" charset="0"/>
+                <a:cs typeface="Times New Roman" panose="02020603050405020304" pitchFamily="18" charset="0"/>
+              </a:rPr>
+              <a:t>] = </a:t>
+            </a:r>
+            <a:r>
+              <a:rPr lang="en-US" sz="2400" dirty="0" err="1">
+                <a:latin typeface="Consolas" panose="020B0609020204030204" pitchFamily="49" charset="0"/>
+                <a:ea typeface="Calibri" panose="020F0502020204030204" pitchFamily="34" charset="0"/>
+                <a:cs typeface="Times New Roman" panose="02020603050405020304" pitchFamily="18" charset="0"/>
+              </a:rPr>
+              <a:t>df_test_y</a:t>
+            </a:r>
+            <a:r>
+              <a:rPr lang="en-US" sz="2400" dirty="0">
+                <a:latin typeface="Consolas" panose="020B0609020204030204" pitchFamily="49" charset="0"/>
+                <a:ea typeface="Calibri" panose="020F0502020204030204" pitchFamily="34" charset="0"/>
+                <a:cs typeface="Times New Roman" panose="02020603050405020304" pitchFamily="18" charset="0"/>
+              </a:rPr>
+              <a:t>[</a:t>
+            </a:r>
+            <a:r>
+              <a:rPr lang="en-US" sz="2400" dirty="0">
+                <a:solidFill>
+                  <a:srgbClr val="4070A0"/>
+                </a:solidFill>
+                <a:latin typeface="Consolas" panose="020B0609020204030204" pitchFamily="49" charset="0"/>
+                <a:ea typeface="Calibri" panose="020F0502020204030204" pitchFamily="34" charset="0"/>
+                <a:cs typeface="Times New Roman" panose="02020603050405020304" pitchFamily="18" charset="0"/>
+              </a:rPr>
+              <a:t>'</a:t>
+            </a:r>
+            <a:r>
+              <a:rPr lang="en-US" sz="2400" dirty="0" err="1">
+                <a:solidFill>
+                  <a:srgbClr val="4070A0"/>
+                </a:solidFill>
+                <a:latin typeface="Consolas" panose="020B0609020204030204" pitchFamily="49" charset="0"/>
+                <a:ea typeface="Calibri" panose="020F0502020204030204" pitchFamily="34" charset="0"/>
+                <a:cs typeface="Times New Roman" panose="02020603050405020304" pitchFamily="18" charset="0"/>
+              </a:rPr>
+              <a:t>new_type</a:t>
+            </a:r>
+            <a:r>
+              <a:rPr lang="en-US" sz="2400" dirty="0">
+                <a:solidFill>
+                  <a:srgbClr val="4070A0"/>
+                </a:solidFill>
+                <a:latin typeface="Consolas" panose="020B0609020204030204" pitchFamily="49" charset="0"/>
+                <a:ea typeface="Calibri" panose="020F0502020204030204" pitchFamily="34" charset="0"/>
+                <a:cs typeface="Times New Roman" panose="02020603050405020304" pitchFamily="18" charset="0"/>
+              </a:rPr>
+              <a:t>'</a:t>
+            </a:r>
+            <a:r>
+              <a:rPr lang="en-US" sz="2400" dirty="0">
+                <a:latin typeface="Consolas" panose="020B0609020204030204" pitchFamily="49" charset="0"/>
+                <a:ea typeface="Calibri" panose="020F0502020204030204" pitchFamily="34" charset="0"/>
+                <a:cs typeface="Times New Roman" panose="02020603050405020304" pitchFamily="18" charset="0"/>
+              </a:rPr>
+              <a:t>].</a:t>
+            </a:r>
+            <a:r>
+              <a:rPr lang="en-US" sz="2400" dirty="0" err="1">
+                <a:solidFill>
+                  <a:srgbClr val="902000"/>
+                </a:solidFill>
+                <a:latin typeface="Consolas" panose="020B0609020204030204" pitchFamily="49" charset="0"/>
+                <a:ea typeface="Calibri" panose="020F0502020204030204" pitchFamily="34" charset="0"/>
+                <a:cs typeface="Times New Roman" panose="02020603050405020304" pitchFamily="18" charset="0"/>
+              </a:rPr>
+              <a:t>str</a:t>
+            </a:r>
+            <a:r>
+              <a:rPr lang="en-US" sz="2400" dirty="0" err="1">
+                <a:latin typeface="Consolas" panose="020B0609020204030204" pitchFamily="49" charset="0"/>
+                <a:ea typeface="Calibri" panose="020F0502020204030204" pitchFamily="34" charset="0"/>
+                <a:cs typeface="Times New Roman" panose="02020603050405020304" pitchFamily="18" charset="0"/>
+              </a:rPr>
+              <a:t>.split</a:t>
+            </a:r>
+            <a:r>
+              <a:rPr lang="en-US" sz="2400" dirty="0">
+                <a:latin typeface="Consolas" panose="020B0609020204030204" pitchFamily="49" charset="0"/>
+                <a:ea typeface="Calibri" panose="020F0502020204030204" pitchFamily="34" charset="0"/>
+                <a:cs typeface="Times New Roman" panose="02020603050405020304" pitchFamily="18" charset="0"/>
+              </a:rPr>
+              <a:t>(</a:t>
+            </a:r>
+            <a:r>
+              <a:rPr lang="en-US" sz="2400" dirty="0">
+                <a:solidFill>
+                  <a:srgbClr val="4070A0"/>
+                </a:solidFill>
+                <a:latin typeface="Consolas" panose="020B0609020204030204" pitchFamily="49" charset="0"/>
+                <a:ea typeface="Calibri" panose="020F0502020204030204" pitchFamily="34" charset="0"/>
+                <a:cs typeface="Times New Roman" panose="02020603050405020304" pitchFamily="18" charset="0"/>
+              </a:rPr>
+              <a:t>' / '</a:t>
+            </a:r>
+            <a:r>
+              <a:rPr lang="en-US" sz="2400" dirty="0">
+                <a:latin typeface="Consolas" panose="020B0609020204030204" pitchFamily="49" charset="0"/>
+                <a:ea typeface="Calibri" panose="020F0502020204030204" pitchFamily="34" charset="0"/>
+                <a:cs typeface="Times New Roman" panose="02020603050405020304" pitchFamily="18" charset="0"/>
+              </a:rPr>
+              <a:t>)</a:t>
+            </a:r>
+            <a:endParaRPr lang="en-US" sz="2400" dirty="0">
+              <a:latin typeface="Calibri" panose="020F0502020204030204" pitchFamily="34" charset="0"/>
+              <a:ea typeface="Calibri" panose="020F0502020204030204" pitchFamily="34" charset="0"/>
+              <a:cs typeface="Times New Roman" panose="02020603050405020304" pitchFamily="18" charset="0"/>
+            </a:endParaRPr>
+          </a:p>
+          <a:p>
+            <a:endParaRPr lang="en-US" dirty="0"/>
+          </a:p>
+        </p:txBody>
+      </p:sp>
+    </p:spTree>
+    <p:extLst>
+      <p:ext uri="{BB962C8B-B14F-4D97-AF65-F5344CB8AC3E}">
+        <p14:creationId xmlns:p14="http://schemas.microsoft.com/office/powerpoint/2010/main" val="896620357"/>
+      </p:ext>
+    </p:extLst>
+  </p:cSld>
+  <p:clrMapOvr>
+    <a:masterClrMapping/>
+  </p:clrMapOvr>
+</p:sld>
+</file>
+
+<file path=ppt/slides/slide26.xml><?xml version="1.0" encoding="utf-8"?>
+<p:sld xmlns:a="http://schemas.openxmlformats.org/drawingml/2006/main" xmlns:r="http://schemas.openxmlformats.org/officeDocument/2006/relationships" xmlns:p="http://schemas.openxmlformats.org/presentationml/2006/main">
+  <p:cSld>
+    <p:spTree>
+      <p:nvGrpSpPr>
+        <p:cNvPr id="1" name=""/>
+        <p:cNvGrpSpPr/>
+        <p:nvPr/>
+      </p:nvGrpSpPr>
+      <p:grpSpPr>
+        <a:xfrm>
+          <a:off x="0" y="0"/>
+          <a:ext cx="0" cy="0"/>
+          <a:chOff x="0" y="0"/>
+          <a:chExt cx="0" cy="0"/>
+        </a:xfrm>
+      </p:grpSpPr>
+      <p:sp>
+        <p:nvSpPr>
+          <p:cNvPr id="2" name="Title 1">
+            <a:extLst>
+              <a:ext uri="{FF2B5EF4-FFF2-40B4-BE49-F238E27FC236}">
+                <a16:creationId xmlns:a16="http://schemas.microsoft.com/office/drawing/2014/main" id="{C6BB28FD-E317-498C-A52F-6F7748B62C3A}"/>
+              </a:ext>
+            </a:extLst>
+          </p:cNvPr>
+          <p:cNvSpPr>
+            <a:spLocks noGrp="1"/>
+          </p:cNvSpPr>
+          <p:nvPr>
+            <p:ph type="title"/>
+          </p:nvPr>
+        </p:nvSpPr>
+        <p:spPr>
+          <a:xfrm>
+            <a:off x="1451579" y="575919"/>
+            <a:ext cx="9603275" cy="1049235"/>
+          </a:xfrm>
+        </p:spPr>
+        <p:txBody>
+          <a:bodyPr>
+            <a:noAutofit/>
+          </a:bodyPr>
+          <a:lstStyle/>
+          <a:p>
+            <a:r>
+              <a:rPr lang="en-US" sz="2800" dirty="0"/>
+              <a:t>Formatting train and test sets of target variable Via one-hot encoding by </a:t>
+            </a:r>
+            <a:r>
+              <a:rPr lang="en-US" sz="2800" dirty="0" err="1"/>
+              <a:t>sklearn’s</a:t>
+            </a:r>
+            <a:r>
+              <a:rPr lang="en-US" sz="2800" dirty="0"/>
+              <a:t> </a:t>
+            </a:r>
+            <a:r>
+              <a:rPr lang="en-US" sz="2800" dirty="0" err="1"/>
+              <a:t>MultiLabelBinarizer</a:t>
+            </a:r>
+            <a:r>
+              <a:rPr lang="en-US" sz="2800" dirty="0"/>
+              <a:t> function</a:t>
+            </a:r>
+          </a:p>
+        </p:txBody>
+      </p:sp>
+      <p:sp>
+        <p:nvSpPr>
+          <p:cNvPr id="3" name="Content Placeholder 2">
+            <a:extLst>
+              <a:ext uri="{FF2B5EF4-FFF2-40B4-BE49-F238E27FC236}">
+                <a16:creationId xmlns:a16="http://schemas.microsoft.com/office/drawing/2014/main" id="{4F86F893-3163-45AC-9C11-945AC6F78D54}"/>
+              </a:ext>
+            </a:extLst>
+          </p:cNvPr>
+          <p:cNvSpPr>
+            <a:spLocks noGrp="1"/>
+          </p:cNvSpPr>
+          <p:nvPr>
+            <p:ph idx="1"/>
+          </p:nvPr>
+        </p:nvSpPr>
+        <p:spPr>
+          <a:xfrm>
+            <a:off x="1451579" y="2015732"/>
+            <a:ext cx="9603275" cy="3788720"/>
+          </a:xfrm>
+        </p:spPr>
+        <p:txBody>
+          <a:bodyPr>
+            <a:normAutofit fontScale="92500" lnSpcReduction="10000"/>
+          </a:bodyPr>
+          <a:lstStyle/>
+          <a:p>
+            <a:pPr marL="0" marR="0" indent="0" latinLnBrk="1">
+              <a:spcBef>
+                <a:spcPts val="900"/>
+              </a:spcBef>
+              <a:spcAft>
+                <a:spcPts val="900"/>
+              </a:spcAft>
+              <a:buNone/>
+            </a:pPr>
+            <a:r>
+              <a:rPr lang="en-US" sz="2200" i="1" dirty="0">
+                <a:solidFill>
+                  <a:srgbClr val="60A0B0"/>
+                </a:solidFill>
+                <a:latin typeface="Consolas" panose="020B0609020204030204" pitchFamily="49" charset="0"/>
+                <a:ea typeface="Calibri" panose="020F0502020204030204" pitchFamily="34" charset="0"/>
+                <a:cs typeface="Times New Roman" panose="02020603050405020304" pitchFamily="18" charset="0"/>
+              </a:rPr>
+              <a:t>#One hot encode the target variable, i.e., type by using </a:t>
+            </a:r>
+            <a:r>
+              <a:rPr lang="en-US" sz="2200" i="1" dirty="0" err="1">
+                <a:solidFill>
+                  <a:srgbClr val="60A0B0"/>
+                </a:solidFill>
+                <a:latin typeface="Consolas" panose="020B0609020204030204" pitchFamily="49" charset="0"/>
+                <a:ea typeface="Calibri" panose="020F0502020204030204" pitchFamily="34" charset="0"/>
+                <a:cs typeface="Times New Roman" panose="02020603050405020304" pitchFamily="18" charset="0"/>
+              </a:rPr>
+              <a:t>sklearn’s</a:t>
+            </a:r>
+            <a:r>
+              <a:rPr lang="en-US" sz="2200" i="1" dirty="0">
+                <a:solidFill>
+                  <a:srgbClr val="60A0B0"/>
+                </a:solidFill>
+                <a:latin typeface="Consolas" panose="020B0609020204030204" pitchFamily="49" charset="0"/>
+                <a:ea typeface="Calibri" panose="020F0502020204030204" pitchFamily="34" charset="0"/>
+                <a:cs typeface="Times New Roman" panose="02020603050405020304" pitchFamily="18" charset="0"/>
+              </a:rPr>
+              <a:t> </a:t>
+            </a:r>
+            <a:r>
+              <a:rPr lang="en-US" sz="2200" i="1" dirty="0" err="1">
+                <a:solidFill>
+                  <a:srgbClr val="60A0B0"/>
+                </a:solidFill>
+                <a:latin typeface="Consolas" panose="020B0609020204030204" pitchFamily="49" charset="0"/>
+                <a:ea typeface="Calibri" panose="020F0502020204030204" pitchFamily="34" charset="0"/>
+                <a:cs typeface="Times New Roman" panose="02020603050405020304" pitchFamily="18" charset="0"/>
+              </a:rPr>
+              <a:t>MultiLabelBinarizer</a:t>
+            </a:r>
+            <a:r>
+              <a:rPr lang="en-US" sz="2200" i="1" dirty="0">
+                <a:solidFill>
+                  <a:srgbClr val="60A0B0"/>
+                </a:solidFill>
+                <a:latin typeface="Consolas" panose="020B0609020204030204" pitchFamily="49" charset="0"/>
+                <a:ea typeface="Calibri" panose="020F0502020204030204" pitchFamily="34" charset="0"/>
+                <a:cs typeface="Times New Roman" panose="02020603050405020304" pitchFamily="18" charset="0"/>
+              </a:rPr>
+              <a:t>( )</a:t>
+            </a:r>
+            <a:br>
+              <a:rPr lang="en-US" sz="2200" dirty="0">
+                <a:latin typeface="Consolas" panose="020B0609020204030204" pitchFamily="49" charset="0"/>
+                <a:ea typeface="Calibri" panose="020F0502020204030204" pitchFamily="34" charset="0"/>
+                <a:cs typeface="Times New Roman" panose="02020603050405020304" pitchFamily="18" charset="0"/>
+              </a:rPr>
+            </a:br>
+            <a:r>
+              <a:rPr lang="en-US" sz="2200" dirty="0" err="1">
+                <a:latin typeface="Consolas" panose="020B0609020204030204" pitchFamily="49" charset="0"/>
+                <a:ea typeface="Calibri" panose="020F0502020204030204" pitchFamily="34" charset="0"/>
+                <a:cs typeface="Times New Roman" panose="02020603050405020304" pitchFamily="18" charset="0"/>
+              </a:rPr>
+              <a:t>multilabel_binarizer</a:t>
+            </a:r>
+            <a:r>
+              <a:rPr lang="en-US" sz="2200" dirty="0">
+                <a:latin typeface="Consolas" panose="020B0609020204030204" pitchFamily="49" charset="0"/>
+                <a:ea typeface="Calibri" panose="020F0502020204030204" pitchFamily="34" charset="0"/>
+                <a:cs typeface="Times New Roman" panose="02020603050405020304" pitchFamily="18" charset="0"/>
+              </a:rPr>
+              <a:t> = </a:t>
+            </a:r>
+            <a:r>
+              <a:rPr lang="en-US" sz="2200" dirty="0" err="1">
+                <a:latin typeface="Consolas" panose="020B0609020204030204" pitchFamily="49" charset="0"/>
+                <a:ea typeface="Calibri" panose="020F0502020204030204" pitchFamily="34" charset="0"/>
+                <a:cs typeface="Times New Roman" panose="02020603050405020304" pitchFamily="18" charset="0"/>
+              </a:rPr>
+              <a:t>MultiLabelBinarizer</a:t>
+            </a:r>
+            <a:r>
+              <a:rPr lang="en-US" sz="2200" dirty="0">
+                <a:latin typeface="Consolas" panose="020B0609020204030204" pitchFamily="49" charset="0"/>
+                <a:ea typeface="Calibri" panose="020F0502020204030204" pitchFamily="34" charset="0"/>
+                <a:cs typeface="Times New Roman" panose="02020603050405020304" pitchFamily="18" charset="0"/>
+              </a:rPr>
+              <a:t>()</a:t>
+            </a:r>
+            <a:br>
+              <a:rPr lang="en-US" sz="2200" dirty="0">
+                <a:latin typeface="Consolas" panose="020B0609020204030204" pitchFamily="49" charset="0"/>
+                <a:ea typeface="Calibri" panose="020F0502020204030204" pitchFamily="34" charset="0"/>
+                <a:cs typeface="Times New Roman" panose="02020603050405020304" pitchFamily="18" charset="0"/>
+              </a:rPr>
+            </a:br>
+            <a:r>
+              <a:rPr lang="en-US" sz="2200" dirty="0" err="1">
+                <a:latin typeface="Consolas" panose="020B0609020204030204" pitchFamily="49" charset="0"/>
+                <a:ea typeface="Calibri" panose="020F0502020204030204" pitchFamily="34" charset="0"/>
+                <a:cs typeface="Times New Roman" panose="02020603050405020304" pitchFamily="18" charset="0"/>
+              </a:rPr>
+              <a:t>multilabel_binarizer.fit</a:t>
+            </a:r>
+            <a:r>
+              <a:rPr lang="en-US" sz="2200" dirty="0">
+                <a:latin typeface="Consolas" panose="020B0609020204030204" pitchFamily="49" charset="0"/>
+                <a:ea typeface="Calibri" panose="020F0502020204030204" pitchFamily="34" charset="0"/>
+                <a:cs typeface="Times New Roman" panose="02020603050405020304" pitchFamily="18" charset="0"/>
+              </a:rPr>
+              <a:t>(</a:t>
+            </a:r>
+            <a:r>
+              <a:rPr lang="en-US" sz="2200" dirty="0" err="1">
+                <a:latin typeface="Consolas" panose="020B0609020204030204" pitchFamily="49" charset="0"/>
+                <a:ea typeface="Calibri" panose="020F0502020204030204" pitchFamily="34" charset="0"/>
+                <a:cs typeface="Times New Roman" panose="02020603050405020304" pitchFamily="18" charset="0"/>
+              </a:rPr>
+              <a:t>df_train_y</a:t>
+            </a:r>
+            <a:r>
+              <a:rPr lang="en-US" sz="2200" dirty="0">
+                <a:latin typeface="Consolas" panose="020B0609020204030204" pitchFamily="49" charset="0"/>
+                <a:ea typeface="Calibri" panose="020F0502020204030204" pitchFamily="34" charset="0"/>
+                <a:cs typeface="Times New Roman" panose="02020603050405020304" pitchFamily="18" charset="0"/>
+              </a:rPr>
+              <a:t>[</a:t>
+            </a:r>
+            <a:r>
+              <a:rPr lang="en-US" sz="2200" dirty="0">
+                <a:solidFill>
+                  <a:srgbClr val="4070A0"/>
+                </a:solidFill>
+                <a:latin typeface="Consolas" panose="020B0609020204030204" pitchFamily="49" charset="0"/>
+                <a:ea typeface="Calibri" panose="020F0502020204030204" pitchFamily="34" charset="0"/>
+                <a:cs typeface="Times New Roman" panose="02020603050405020304" pitchFamily="18" charset="0"/>
+              </a:rPr>
+              <a:t>'</a:t>
+            </a:r>
+            <a:r>
+              <a:rPr lang="en-US" sz="2200" dirty="0" err="1">
+                <a:solidFill>
+                  <a:srgbClr val="4070A0"/>
+                </a:solidFill>
+                <a:latin typeface="Consolas" panose="020B0609020204030204" pitchFamily="49" charset="0"/>
+                <a:ea typeface="Calibri" panose="020F0502020204030204" pitchFamily="34" charset="0"/>
+                <a:cs typeface="Times New Roman" panose="02020603050405020304" pitchFamily="18" charset="0"/>
+              </a:rPr>
+              <a:t>new_type</a:t>
+            </a:r>
+            <a:r>
+              <a:rPr lang="en-US" sz="2200" dirty="0">
+                <a:solidFill>
+                  <a:srgbClr val="4070A0"/>
+                </a:solidFill>
+                <a:latin typeface="Consolas" panose="020B0609020204030204" pitchFamily="49" charset="0"/>
+                <a:ea typeface="Calibri" panose="020F0502020204030204" pitchFamily="34" charset="0"/>
+                <a:cs typeface="Times New Roman" panose="02020603050405020304" pitchFamily="18" charset="0"/>
+              </a:rPr>
+              <a:t>'</a:t>
+            </a:r>
+            <a:r>
+              <a:rPr lang="en-US" sz="2200" dirty="0">
+                <a:latin typeface="Consolas" panose="020B0609020204030204" pitchFamily="49" charset="0"/>
+                <a:ea typeface="Calibri" panose="020F0502020204030204" pitchFamily="34" charset="0"/>
+                <a:cs typeface="Times New Roman" panose="02020603050405020304" pitchFamily="18" charset="0"/>
+              </a:rPr>
+              <a:t>])</a:t>
+            </a:r>
+            <a:br>
+              <a:rPr lang="en-US" sz="2200" dirty="0">
+                <a:latin typeface="Consolas" panose="020B0609020204030204" pitchFamily="49" charset="0"/>
+                <a:ea typeface="Calibri" panose="020F0502020204030204" pitchFamily="34" charset="0"/>
+                <a:cs typeface="Times New Roman" panose="02020603050405020304" pitchFamily="18" charset="0"/>
+              </a:rPr>
+            </a:br>
+            <a:r>
+              <a:rPr lang="en-US" sz="2200" dirty="0" err="1">
+                <a:latin typeface="Consolas" panose="020B0609020204030204" pitchFamily="49" charset="0"/>
+                <a:ea typeface="Calibri" panose="020F0502020204030204" pitchFamily="34" charset="0"/>
+                <a:cs typeface="Times New Roman" panose="02020603050405020304" pitchFamily="18" charset="0"/>
+              </a:rPr>
+              <a:t>multilabel_binarizer.fit</a:t>
+            </a:r>
+            <a:r>
+              <a:rPr lang="en-US" sz="2200" dirty="0">
+                <a:latin typeface="Consolas" panose="020B0609020204030204" pitchFamily="49" charset="0"/>
+                <a:ea typeface="Calibri" panose="020F0502020204030204" pitchFamily="34" charset="0"/>
+                <a:cs typeface="Times New Roman" panose="02020603050405020304" pitchFamily="18" charset="0"/>
+              </a:rPr>
+              <a:t>(</a:t>
+            </a:r>
+            <a:r>
+              <a:rPr lang="en-US" sz="2200" dirty="0" err="1">
+                <a:latin typeface="Consolas" panose="020B0609020204030204" pitchFamily="49" charset="0"/>
+                <a:ea typeface="Calibri" panose="020F0502020204030204" pitchFamily="34" charset="0"/>
+                <a:cs typeface="Times New Roman" panose="02020603050405020304" pitchFamily="18" charset="0"/>
+              </a:rPr>
+              <a:t>df_test_y</a:t>
+            </a:r>
+            <a:r>
+              <a:rPr lang="en-US" sz="2200" dirty="0">
+                <a:latin typeface="Consolas" panose="020B0609020204030204" pitchFamily="49" charset="0"/>
+                <a:ea typeface="Calibri" panose="020F0502020204030204" pitchFamily="34" charset="0"/>
+                <a:cs typeface="Times New Roman" panose="02020603050405020304" pitchFamily="18" charset="0"/>
+              </a:rPr>
+              <a:t>[</a:t>
+            </a:r>
+            <a:r>
+              <a:rPr lang="en-US" sz="2200" dirty="0">
+                <a:solidFill>
+                  <a:srgbClr val="4070A0"/>
+                </a:solidFill>
+                <a:latin typeface="Consolas" panose="020B0609020204030204" pitchFamily="49" charset="0"/>
+                <a:ea typeface="Calibri" panose="020F0502020204030204" pitchFamily="34" charset="0"/>
+                <a:cs typeface="Times New Roman" panose="02020603050405020304" pitchFamily="18" charset="0"/>
+              </a:rPr>
+              <a:t>'</a:t>
+            </a:r>
+            <a:r>
+              <a:rPr lang="en-US" sz="2200" dirty="0" err="1">
+                <a:solidFill>
+                  <a:srgbClr val="4070A0"/>
+                </a:solidFill>
+                <a:latin typeface="Consolas" panose="020B0609020204030204" pitchFamily="49" charset="0"/>
+                <a:ea typeface="Calibri" panose="020F0502020204030204" pitchFamily="34" charset="0"/>
+                <a:cs typeface="Times New Roman" panose="02020603050405020304" pitchFamily="18" charset="0"/>
+              </a:rPr>
+              <a:t>new_type</a:t>
+            </a:r>
+            <a:r>
+              <a:rPr lang="en-US" sz="2200" dirty="0">
+                <a:solidFill>
+                  <a:srgbClr val="4070A0"/>
+                </a:solidFill>
+                <a:latin typeface="Consolas" panose="020B0609020204030204" pitchFamily="49" charset="0"/>
+                <a:ea typeface="Calibri" panose="020F0502020204030204" pitchFamily="34" charset="0"/>
+                <a:cs typeface="Times New Roman" panose="02020603050405020304" pitchFamily="18" charset="0"/>
+              </a:rPr>
+              <a:t>'</a:t>
+            </a:r>
+            <a:r>
+              <a:rPr lang="en-US" sz="2200" dirty="0">
+                <a:latin typeface="Consolas" panose="020B0609020204030204" pitchFamily="49" charset="0"/>
+                <a:ea typeface="Calibri" panose="020F0502020204030204" pitchFamily="34" charset="0"/>
+                <a:cs typeface="Times New Roman" panose="02020603050405020304" pitchFamily="18" charset="0"/>
+              </a:rPr>
+              <a:t>])</a:t>
+            </a:r>
+          </a:p>
+          <a:p>
+            <a:pPr marL="0" marR="0" indent="0" latinLnBrk="1">
+              <a:spcBef>
+                <a:spcPts val="900"/>
+              </a:spcBef>
+              <a:spcAft>
+                <a:spcPts val="900"/>
+              </a:spcAft>
+              <a:buNone/>
+            </a:pPr>
+            <a:r>
+              <a:rPr lang="en-US" sz="2200" dirty="0" err="1">
+                <a:latin typeface="Consolas" panose="020B0609020204030204" pitchFamily="49" charset="0"/>
+                <a:ea typeface="Calibri" panose="020F0502020204030204" pitchFamily="34" charset="0"/>
+                <a:cs typeface="Times New Roman" panose="02020603050405020304" pitchFamily="18" charset="0"/>
+              </a:rPr>
+              <a:t>MultiLabelBinarizer</a:t>
+            </a:r>
+            <a:r>
+              <a:rPr lang="en-US" sz="2200" dirty="0">
+                <a:latin typeface="Consolas" panose="020B0609020204030204" pitchFamily="49" charset="0"/>
+                <a:ea typeface="Calibri" panose="020F0502020204030204" pitchFamily="34" charset="0"/>
+                <a:cs typeface="Times New Roman" panose="02020603050405020304" pitchFamily="18" charset="0"/>
+              </a:rPr>
+              <a:t>(classes=None, </a:t>
+            </a:r>
+            <a:r>
+              <a:rPr lang="en-US" sz="2200" dirty="0" err="1">
+                <a:latin typeface="Consolas" panose="020B0609020204030204" pitchFamily="49" charset="0"/>
+                <a:ea typeface="Calibri" panose="020F0502020204030204" pitchFamily="34" charset="0"/>
+                <a:cs typeface="Times New Roman" panose="02020603050405020304" pitchFamily="18" charset="0"/>
+              </a:rPr>
+              <a:t>sparse_output</a:t>
+            </a:r>
+            <a:r>
+              <a:rPr lang="en-US" sz="2200" dirty="0">
+                <a:latin typeface="Consolas" panose="020B0609020204030204" pitchFamily="49" charset="0"/>
+                <a:ea typeface="Calibri" panose="020F0502020204030204" pitchFamily="34" charset="0"/>
+                <a:cs typeface="Times New Roman" panose="02020603050405020304" pitchFamily="18" charset="0"/>
+              </a:rPr>
+              <a:t>=False)</a:t>
+            </a:r>
+          </a:p>
+          <a:p>
+            <a:pPr marL="0" marR="0" indent="0" latinLnBrk="1">
+              <a:spcBef>
+                <a:spcPts val="900"/>
+              </a:spcBef>
+              <a:spcAft>
+                <a:spcPts val="900"/>
+              </a:spcAft>
+              <a:buNone/>
+            </a:pPr>
+            <a:r>
+              <a:rPr lang="en-US" sz="2200" i="1" dirty="0">
+                <a:solidFill>
+                  <a:srgbClr val="60A0B0"/>
+                </a:solidFill>
+                <a:latin typeface="Consolas" panose="020B0609020204030204" pitchFamily="49" charset="0"/>
+                <a:ea typeface="Calibri" panose="020F0502020204030204" pitchFamily="34" charset="0"/>
+                <a:cs typeface="Times New Roman" panose="02020603050405020304" pitchFamily="18" charset="0"/>
+              </a:rPr>
+              <a:t># transform target variable</a:t>
+            </a:r>
+            <a:br>
+              <a:rPr lang="en-US" sz="2200" dirty="0">
+                <a:latin typeface="Consolas" panose="020B0609020204030204" pitchFamily="49" charset="0"/>
+                <a:ea typeface="Calibri" panose="020F0502020204030204" pitchFamily="34" charset="0"/>
+                <a:cs typeface="Times New Roman" panose="02020603050405020304" pitchFamily="18" charset="0"/>
+              </a:rPr>
+            </a:br>
+            <a:r>
+              <a:rPr lang="en-US" sz="2200" dirty="0" err="1">
+                <a:latin typeface="Consolas" panose="020B0609020204030204" pitchFamily="49" charset="0"/>
+                <a:ea typeface="Calibri" panose="020F0502020204030204" pitchFamily="34" charset="0"/>
+                <a:cs typeface="Times New Roman" panose="02020603050405020304" pitchFamily="18" charset="0"/>
+              </a:rPr>
+              <a:t>ytrain</a:t>
+            </a:r>
+            <a:r>
+              <a:rPr lang="en-US" sz="2200" dirty="0">
+                <a:latin typeface="Consolas" panose="020B0609020204030204" pitchFamily="49" charset="0"/>
+                <a:ea typeface="Calibri" panose="020F0502020204030204" pitchFamily="34" charset="0"/>
+                <a:cs typeface="Times New Roman" panose="02020603050405020304" pitchFamily="18" charset="0"/>
+              </a:rPr>
+              <a:t> = </a:t>
+            </a:r>
+            <a:r>
+              <a:rPr lang="en-US" sz="2200" dirty="0" err="1">
+                <a:latin typeface="Consolas" panose="020B0609020204030204" pitchFamily="49" charset="0"/>
+                <a:ea typeface="Calibri" panose="020F0502020204030204" pitchFamily="34" charset="0"/>
+                <a:cs typeface="Times New Roman" panose="02020603050405020304" pitchFamily="18" charset="0"/>
+              </a:rPr>
+              <a:t>multilabel_binarizer.transform</a:t>
+            </a:r>
+            <a:r>
+              <a:rPr lang="en-US" sz="2200" dirty="0">
+                <a:latin typeface="Consolas" panose="020B0609020204030204" pitchFamily="49" charset="0"/>
+                <a:ea typeface="Calibri" panose="020F0502020204030204" pitchFamily="34" charset="0"/>
+                <a:cs typeface="Times New Roman" panose="02020603050405020304" pitchFamily="18" charset="0"/>
+              </a:rPr>
+              <a:t>(</a:t>
+            </a:r>
+            <a:r>
+              <a:rPr lang="en-US" sz="2200" dirty="0" err="1">
+                <a:latin typeface="Consolas" panose="020B0609020204030204" pitchFamily="49" charset="0"/>
+                <a:ea typeface="Calibri" panose="020F0502020204030204" pitchFamily="34" charset="0"/>
+                <a:cs typeface="Times New Roman" panose="02020603050405020304" pitchFamily="18" charset="0"/>
+              </a:rPr>
+              <a:t>df_train_y</a:t>
+            </a:r>
+            <a:r>
+              <a:rPr lang="en-US" sz="2200" dirty="0">
+                <a:latin typeface="Consolas" panose="020B0609020204030204" pitchFamily="49" charset="0"/>
+                <a:ea typeface="Calibri" panose="020F0502020204030204" pitchFamily="34" charset="0"/>
+                <a:cs typeface="Times New Roman" panose="02020603050405020304" pitchFamily="18" charset="0"/>
+              </a:rPr>
+              <a:t>[</a:t>
+            </a:r>
+            <a:r>
+              <a:rPr lang="en-US" sz="2200" dirty="0">
+                <a:solidFill>
+                  <a:srgbClr val="4070A0"/>
+                </a:solidFill>
+                <a:latin typeface="Consolas" panose="020B0609020204030204" pitchFamily="49" charset="0"/>
+                <a:ea typeface="Calibri" panose="020F0502020204030204" pitchFamily="34" charset="0"/>
+                <a:cs typeface="Times New Roman" panose="02020603050405020304" pitchFamily="18" charset="0"/>
+              </a:rPr>
+              <a:t>'</a:t>
+            </a:r>
+            <a:r>
+              <a:rPr lang="en-US" sz="2200" dirty="0" err="1">
+                <a:solidFill>
+                  <a:srgbClr val="4070A0"/>
+                </a:solidFill>
+                <a:latin typeface="Consolas" panose="020B0609020204030204" pitchFamily="49" charset="0"/>
+                <a:ea typeface="Calibri" panose="020F0502020204030204" pitchFamily="34" charset="0"/>
+                <a:cs typeface="Times New Roman" panose="02020603050405020304" pitchFamily="18" charset="0"/>
+              </a:rPr>
+              <a:t>new_type</a:t>
+            </a:r>
+            <a:r>
+              <a:rPr lang="en-US" sz="2200" dirty="0">
+                <a:solidFill>
+                  <a:srgbClr val="4070A0"/>
+                </a:solidFill>
+                <a:latin typeface="Consolas" panose="020B0609020204030204" pitchFamily="49" charset="0"/>
+                <a:ea typeface="Calibri" panose="020F0502020204030204" pitchFamily="34" charset="0"/>
+                <a:cs typeface="Times New Roman" panose="02020603050405020304" pitchFamily="18" charset="0"/>
+              </a:rPr>
+              <a:t>'</a:t>
+            </a:r>
+            <a:r>
+              <a:rPr lang="en-US" sz="2200" dirty="0">
+                <a:latin typeface="Consolas" panose="020B0609020204030204" pitchFamily="49" charset="0"/>
+                <a:ea typeface="Calibri" panose="020F0502020204030204" pitchFamily="34" charset="0"/>
+                <a:cs typeface="Times New Roman" panose="02020603050405020304" pitchFamily="18" charset="0"/>
+              </a:rPr>
+              <a:t>])</a:t>
+            </a:r>
+            <a:br>
+              <a:rPr lang="en-US" sz="2200" dirty="0">
+                <a:latin typeface="Consolas" panose="020B0609020204030204" pitchFamily="49" charset="0"/>
+                <a:ea typeface="Calibri" panose="020F0502020204030204" pitchFamily="34" charset="0"/>
+                <a:cs typeface="Times New Roman" panose="02020603050405020304" pitchFamily="18" charset="0"/>
+              </a:rPr>
+            </a:br>
+            <a:r>
+              <a:rPr lang="en-US" sz="2200" dirty="0" err="1">
+                <a:latin typeface="Consolas" panose="020B0609020204030204" pitchFamily="49" charset="0"/>
+                <a:ea typeface="Calibri" panose="020F0502020204030204" pitchFamily="34" charset="0"/>
+                <a:cs typeface="Times New Roman" panose="02020603050405020304" pitchFamily="18" charset="0"/>
+              </a:rPr>
+              <a:t>yval</a:t>
+            </a:r>
+            <a:r>
+              <a:rPr lang="en-US" sz="2200" dirty="0">
+                <a:latin typeface="Consolas" panose="020B0609020204030204" pitchFamily="49" charset="0"/>
+                <a:ea typeface="Calibri" panose="020F0502020204030204" pitchFamily="34" charset="0"/>
+                <a:cs typeface="Times New Roman" panose="02020603050405020304" pitchFamily="18" charset="0"/>
+              </a:rPr>
+              <a:t> = </a:t>
+            </a:r>
+            <a:r>
+              <a:rPr lang="en-US" sz="2200" dirty="0" err="1">
+                <a:latin typeface="Consolas" panose="020B0609020204030204" pitchFamily="49" charset="0"/>
+                <a:ea typeface="Calibri" panose="020F0502020204030204" pitchFamily="34" charset="0"/>
+                <a:cs typeface="Times New Roman" panose="02020603050405020304" pitchFamily="18" charset="0"/>
+              </a:rPr>
+              <a:t>multilabel_binarizer.transform</a:t>
+            </a:r>
+            <a:r>
+              <a:rPr lang="en-US" sz="2200" dirty="0">
+                <a:latin typeface="Consolas" panose="020B0609020204030204" pitchFamily="49" charset="0"/>
+                <a:ea typeface="Calibri" panose="020F0502020204030204" pitchFamily="34" charset="0"/>
+                <a:cs typeface="Times New Roman" panose="02020603050405020304" pitchFamily="18" charset="0"/>
+              </a:rPr>
+              <a:t>(</a:t>
+            </a:r>
+            <a:r>
+              <a:rPr lang="en-US" sz="2200" dirty="0" err="1">
+                <a:latin typeface="Consolas" panose="020B0609020204030204" pitchFamily="49" charset="0"/>
+                <a:ea typeface="Calibri" panose="020F0502020204030204" pitchFamily="34" charset="0"/>
+                <a:cs typeface="Times New Roman" panose="02020603050405020304" pitchFamily="18" charset="0"/>
+              </a:rPr>
+              <a:t>df_test_y</a:t>
+            </a:r>
+            <a:r>
+              <a:rPr lang="en-US" sz="2200" dirty="0">
+                <a:latin typeface="Consolas" panose="020B0609020204030204" pitchFamily="49" charset="0"/>
+                <a:ea typeface="Calibri" panose="020F0502020204030204" pitchFamily="34" charset="0"/>
+                <a:cs typeface="Times New Roman" panose="02020603050405020304" pitchFamily="18" charset="0"/>
+              </a:rPr>
+              <a:t>[</a:t>
+            </a:r>
+            <a:r>
+              <a:rPr lang="en-US" sz="2200" dirty="0">
+                <a:solidFill>
+                  <a:srgbClr val="4070A0"/>
+                </a:solidFill>
+                <a:latin typeface="Consolas" panose="020B0609020204030204" pitchFamily="49" charset="0"/>
+                <a:ea typeface="Calibri" panose="020F0502020204030204" pitchFamily="34" charset="0"/>
+                <a:cs typeface="Times New Roman" panose="02020603050405020304" pitchFamily="18" charset="0"/>
+              </a:rPr>
+              <a:t>'</a:t>
+            </a:r>
+            <a:r>
+              <a:rPr lang="en-US" sz="2200" dirty="0" err="1">
+                <a:solidFill>
+                  <a:srgbClr val="4070A0"/>
+                </a:solidFill>
+                <a:latin typeface="Consolas" panose="020B0609020204030204" pitchFamily="49" charset="0"/>
+                <a:ea typeface="Calibri" panose="020F0502020204030204" pitchFamily="34" charset="0"/>
+                <a:cs typeface="Times New Roman" panose="02020603050405020304" pitchFamily="18" charset="0"/>
+              </a:rPr>
+              <a:t>new_type</a:t>
+            </a:r>
+            <a:r>
+              <a:rPr lang="en-US" sz="2200" dirty="0">
+                <a:solidFill>
+                  <a:srgbClr val="4070A0"/>
+                </a:solidFill>
+                <a:latin typeface="Consolas" panose="020B0609020204030204" pitchFamily="49" charset="0"/>
+                <a:ea typeface="Calibri" panose="020F0502020204030204" pitchFamily="34" charset="0"/>
+                <a:cs typeface="Times New Roman" panose="02020603050405020304" pitchFamily="18" charset="0"/>
+              </a:rPr>
+              <a:t>'</a:t>
+            </a:r>
+            <a:r>
+              <a:rPr lang="en-US" sz="2200" dirty="0">
+                <a:latin typeface="Consolas" panose="020B0609020204030204" pitchFamily="49" charset="0"/>
+                <a:ea typeface="Calibri" panose="020F0502020204030204" pitchFamily="34" charset="0"/>
+                <a:cs typeface="Times New Roman" panose="02020603050405020304" pitchFamily="18" charset="0"/>
+              </a:rPr>
+              <a:t>])</a:t>
+            </a:r>
+          </a:p>
+          <a:p>
+            <a:pPr marL="0" indent="0">
+              <a:buNone/>
+            </a:pPr>
+            <a:endParaRPr lang="en-US" dirty="0"/>
+          </a:p>
+        </p:txBody>
+      </p:sp>
+    </p:spTree>
+    <p:extLst>
+      <p:ext uri="{BB962C8B-B14F-4D97-AF65-F5344CB8AC3E}">
+        <p14:creationId xmlns:p14="http://schemas.microsoft.com/office/powerpoint/2010/main" val="3020508558"/>
+      </p:ext>
+    </p:extLst>
+  </p:cSld>
+  <p:clrMapOvr>
+    <a:masterClrMapping/>
+  </p:clrMapOvr>
+</p:sld>
+</file>
+
+<file path=ppt/slides/slide27.xml><?xml version="1.0" encoding="utf-8"?>
+<p:sld xmlns:a="http://schemas.openxmlformats.org/drawingml/2006/main" xmlns:r="http://schemas.openxmlformats.org/officeDocument/2006/relationships" xmlns:p="http://schemas.openxmlformats.org/presentationml/2006/main">
+  <p:cSld>
+    <p:spTree>
+      <p:nvGrpSpPr>
+        <p:cNvPr id="1" name=""/>
+        <p:cNvGrpSpPr/>
+        <p:nvPr/>
+      </p:nvGrpSpPr>
+      <p:grpSpPr>
+        <a:xfrm>
+          <a:off x="0" y="0"/>
+          <a:ext cx="0" cy="0"/>
+          <a:chOff x="0" y="0"/>
+          <a:chExt cx="0" cy="0"/>
+        </a:xfrm>
+      </p:grpSpPr>
+      <p:sp>
+        <p:nvSpPr>
+          <p:cNvPr id="2" name="Title 1">
+            <a:extLst>
+              <a:ext uri="{FF2B5EF4-FFF2-40B4-BE49-F238E27FC236}">
+                <a16:creationId xmlns:a16="http://schemas.microsoft.com/office/drawing/2014/main" id="{948459EF-C0F3-433C-A3B8-E01B0C0A6E5F}"/>
+              </a:ext>
+            </a:extLst>
+          </p:cNvPr>
+          <p:cNvSpPr>
+            <a:spLocks noGrp="1"/>
+          </p:cNvSpPr>
+          <p:nvPr>
+            <p:ph type="title"/>
+          </p:nvPr>
+        </p:nvSpPr>
+        <p:spPr/>
+        <p:txBody>
+          <a:bodyPr>
+            <a:normAutofit/>
+          </a:bodyPr>
+          <a:lstStyle/>
+          <a:p>
+            <a:r>
+              <a:rPr lang="en-US" sz="4000" dirty="0"/>
+              <a:t>Create the NLP prediction model </a:t>
+            </a:r>
+          </a:p>
+        </p:txBody>
+      </p:sp>
+      <p:sp>
+        <p:nvSpPr>
+          <p:cNvPr id="3" name="Content Placeholder 2">
+            <a:extLst>
+              <a:ext uri="{FF2B5EF4-FFF2-40B4-BE49-F238E27FC236}">
+                <a16:creationId xmlns:a16="http://schemas.microsoft.com/office/drawing/2014/main" id="{573670FE-3B9A-4AA8-8D0C-082BFB54031E}"/>
+              </a:ext>
+            </a:extLst>
+          </p:cNvPr>
+          <p:cNvSpPr>
+            <a:spLocks noGrp="1"/>
+          </p:cNvSpPr>
+          <p:nvPr>
+            <p:ph idx="1"/>
+          </p:nvPr>
+        </p:nvSpPr>
+        <p:spPr>
+          <a:xfrm>
+            <a:off x="1451579" y="2015732"/>
+            <a:ext cx="9603275" cy="3848355"/>
+          </a:xfrm>
+        </p:spPr>
+        <p:txBody>
+          <a:bodyPr>
+            <a:normAutofit lnSpcReduction="10000"/>
+          </a:bodyPr>
+          <a:lstStyle/>
+          <a:p>
+            <a:pPr marL="0" marR="0" indent="0">
+              <a:lnSpc>
+                <a:spcPct val="107000"/>
+              </a:lnSpc>
+              <a:spcBef>
+                <a:spcPts val="1200"/>
+              </a:spcBef>
+              <a:spcAft>
+                <a:spcPts val="800"/>
+              </a:spcAft>
+              <a:buNone/>
+            </a:pPr>
+            <a:r>
+              <a:rPr lang="en-US" sz="2400" i="1" dirty="0">
+                <a:solidFill>
+                  <a:srgbClr val="60A0B0"/>
+                </a:solidFill>
+                <a:latin typeface="Consolas" panose="020B0609020204030204" pitchFamily="49" charset="0"/>
+                <a:ea typeface="Calibri" panose="020F0502020204030204" pitchFamily="34" charset="0"/>
+                <a:cs typeface="Times New Roman" panose="02020603050405020304" pitchFamily="18" charset="0"/>
+              </a:rPr>
+              <a:t>#Use </a:t>
+            </a:r>
+            <a:r>
+              <a:rPr lang="en-US" sz="2400" i="1" dirty="0" err="1">
+                <a:solidFill>
+                  <a:srgbClr val="60A0B0"/>
+                </a:solidFill>
+                <a:latin typeface="Consolas" panose="020B0609020204030204" pitchFamily="49" charset="0"/>
+                <a:ea typeface="Calibri" panose="020F0502020204030204" pitchFamily="34" charset="0"/>
+                <a:cs typeface="Times New Roman" panose="02020603050405020304" pitchFamily="18" charset="0"/>
+              </a:rPr>
+              <a:t>sk-learn’s</a:t>
+            </a:r>
+            <a:r>
+              <a:rPr lang="en-US" sz="2400" i="1" dirty="0">
+                <a:solidFill>
+                  <a:srgbClr val="60A0B0"/>
+                </a:solidFill>
+                <a:latin typeface="Consolas" panose="020B0609020204030204" pitchFamily="49" charset="0"/>
+                <a:ea typeface="Calibri" panose="020F0502020204030204" pitchFamily="34" charset="0"/>
+                <a:cs typeface="Times New Roman" panose="02020603050405020304" pitchFamily="18" charset="0"/>
+              </a:rPr>
+              <a:t> </a:t>
+            </a:r>
+            <a:r>
+              <a:rPr lang="en-US" sz="2400" i="1" dirty="0" err="1">
+                <a:solidFill>
+                  <a:srgbClr val="60A0B0"/>
+                </a:solidFill>
+                <a:latin typeface="Consolas" panose="020B0609020204030204" pitchFamily="49" charset="0"/>
+                <a:ea typeface="Calibri" panose="020F0502020204030204" pitchFamily="34" charset="0"/>
+                <a:cs typeface="Times New Roman" panose="02020603050405020304" pitchFamily="18" charset="0"/>
+              </a:rPr>
+              <a:t>OneVsRestClassifier</a:t>
+            </a:r>
+            <a:r>
+              <a:rPr lang="en-US" sz="2400" i="1" dirty="0">
+                <a:solidFill>
+                  <a:srgbClr val="60A0B0"/>
+                </a:solidFill>
+                <a:latin typeface="Consolas" panose="020B0609020204030204" pitchFamily="49" charset="0"/>
+                <a:ea typeface="Calibri" panose="020F0502020204030204" pitchFamily="34" charset="0"/>
+                <a:cs typeface="Times New Roman" panose="02020603050405020304" pitchFamily="18" charset="0"/>
+              </a:rPr>
+              <a:t> class to solve this problem as a Binary Relevance or one-vs-all problem</a:t>
+            </a:r>
+            <a:br>
+              <a:rPr lang="en-US" sz="2400" dirty="0">
+                <a:latin typeface="Calibri" panose="020F0502020204030204" pitchFamily="34" charset="0"/>
+                <a:ea typeface="Calibri" panose="020F0502020204030204" pitchFamily="34" charset="0"/>
+                <a:cs typeface="Times New Roman" panose="02020603050405020304" pitchFamily="18" charset="0"/>
+              </a:rPr>
+            </a:br>
+            <a:r>
+              <a:rPr lang="en-US" sz="2400" dirty="0" err="1">
+                <a:latin typeface="Consolas" panose="020B0609020204030204" pitchFamily="49" charset="0"/>
+                <a:ea typeface="Calibri" panose="020F0502020204030204" pitchFamily="34" charset="0"/>
+                <a:cs typeface="Times New Roman" panose="02020603050405020304" pitchFamily="18" charset="0"/>
+              </a:rPr>
+              <a:t>lr</a:t>
+            </a:r>
+            <a:r>
+              <a:rPr lang="en-US" sz="2400" dirty="0">
+                <a:latin typeface="Consolas" panose="020B0609020204030204" pitchFamily="49" charset="0"/>
+                <a:ea typeface="Calibri" panose="020F0502020204030204" pitchFamily="34" charset="0"/>
+                <a:cs typeface="Times New Roman" panose="02020603050405020304" pitchFamily="18" charset="0"/>
+              </a:rPr>
+              <a:t> = </a:t>
+            </a:r>
+            <a:r>
+              <a:rPr lang="en-US" sz="2400" dirty="0" err="1">
+                <a:latin typeface="Consolas" panose="020B0609020204030204" pitchFamily="49" charset="0"/>
+                <a:ea typeface="Calibri" panose="020F0502020204030204" pitchFamily="34" charset="0"/>
+                <a:cs typeface="Times New Roman" panose="02020603050405020304" pitchFamily="18" charset="0"/>
+              </a:rPr>
+              <a:t>LogisticRegression</a:t>
+            </a:r>
+            <a:r>
+              <a:rPr lang="en-US" sz="2400" dirty="0">
+                <a:latin typeface="Consolas" panose="020B0609020204030204" pitchFamily="49" charset="0"/>
+                <a:ea typeface="Calibri" panose="020F0502020204030204" pitchFamily="34" charset="0"/>
+                <a:cs typeface="Times New Roman" panose="02020603050405020304" pitchFamily="18" charset="0"/>
+              </a:rPr>
+              <a:t>()</a:t>
+            </a:r>
+            <a:br>
+              <a:rPr lang="en-US" sz="2400" dirty="0">
+                <a:latin typeface="Calibri" panose="020F0502020204030204" pitchFamily="34" charset="0"/>
+                <a:ea typeface="Calibri" panose="020F0502020204030204" pitchFamily="34" charset="0"/>
+                <a:cs typeface="Times New Roman" panose="02020603050405020304" pitchFamily="18" charset="0"/>
+              </a:rPr>
+            </a:br>
+            <a:r>
+              <a:rPr lang="en-US" sz="2400" dirty="0" err="1">
+                <a:latin typeface="Consolas" panose="020B0609020204030204" pitchFamily="49" charset="0"/>
+                <a:ea typeface="Calibri" panose="020F0502020204030204" pitchFamily="34" charset="0"/>
+                <a:cs typeface="Times New Roman" panose="02020603050405020304" pitchFamily="18" charset="0"/>
+              </a:rPr>
+              <a:t>clf</a:t>
+            </a:r>
+            <a:r>
+              <a:rPr lang="en-US" sz="2400" dirty="0">
+                <a:latin typeface="Consolas" panose="020B0609020204030204" pitchFamily="49" charset="0"/>
+                <a:ea typeface="Calibri" panose="020F0502020204030204" pitchFamily="34" charset="0"/>
+                <a:cs typeface="Times New Roman" panose="02020603050405020304" pitchFamily="18" charset="0"/>
+              </a:rPr>
+              <a:t> = </a:t>
+            </a:r>
+            <a:r>
+              <a:rPr lang="en-US" sz="2400" dirty="0" err="1">
+                <a:latin typeface="Consolas" panose="020B0609020204030204" pitchFamily="49" charset="0"/>
+                <a:ea typeface="Calibri" panose="020F0502020204030204" pitchFamily="34" charset="0"/>
+                <a:cs typeface="Times New Roman" panose="02020603050405020304" pitchFamily="18" charset="0"/>
+              </a:rPr>
+              <a:t>OneVsRestClassifier</a:t>
+            </a:r>
+            <a:r>
+              <a:rPr lang="en-US" sz="2400" dirty="0">
+                <a:latin typeface="Consolas" panose="020B0609020204030204" pitchFamily="49" charset="0"/>
+                <a:ea typeface="Calibri" panose="020F0502020204030204" pitchFamily="34" charset="0"/>
+                <a:cs typeface="Times New Roman" panose="02020603050405020304" pitchFamily="18" charset="0"/>
+              </a:rPr>
+              <a:t>(</a:t>
+            </a:r>
+            <a:r>
+              <a:rPr lang="en-US" sz="2400" dirty="0" err="1">
+                <a:latin typeface="Consolas" panose="020B0609020204030204" pitchFamily="49" charset="0"/>
+                <a:ea typeface="Calibri" panose="020F0502020204030204" pitchFamily="34" charset="0"/>
+                <a:cs typeface="Times New Roman" panose="02020603050405020304" pitchFamily="18" charset="0"/>
+              </a:rPr>
+              <a:t>lr</a:t>
+            </a:r>
+            <a:r>
+              <a:rPr lang="en-US" sz="2400" dirty="0">
+                <a:latin typeface="Consolas" panose="020B0609020204030204" pitchFamily="49" charset="0"/>
+                <a:ea typeface="Calibri" panose="020F0502020204030204" pitchFamily="34" charset="0"/>
+                <a:cs typeface="Times New Roman" panose="02020603050405020304" pitchFamily="18" charset="0"/>
+              </a:rPr>
+              <a:t>)</a:t>
+            </a:r>
+          </a:p>
+          <a:p>
+            <a:pPr marL="0" marR="0" indent="0" latinLnBrk="1">
+              <a:spcBef>
+                <a:spcPts val="900"/>
+              </a:spcBef>
+              <a:spcAft>
+                <a:spcPts val="900"/>
+              </a:spcAft>
+              <a:buNone/>
+            </a:pPr>
+            <a:r>
+              <a:rPr lang="en-US" sz="2400" i="1" dirty="0">
+                <a:solidFill>
+                  <a:srgbClr val="60A0B0"/>
+                </a:solidFill>
+                <a:latin typeface="Consolas" panose="020B0609020204030204" pitchFamily="49" charset="0"/>
+                <a:ea typeface="Calibri" panose="020F0502020204030204" pitchFamily="34" charset="0"/>
+                <a:cs typeface="Times New Roman" panose="02020603050405020304" pitchFamily="18" charset="0"/>
+              </a:rPr>
+              <a:t>#Fit model on train data</a:t>
+            </a:r>
+            <a:br>
+              <a:rPr lang="en-US" sz="2400" dirty="0">
+                <a:latin typeface="Consolas" panose="020B0609020204030204" pitchFamily="49" charset="0"/>
+                <a:ea typeface="Calibri" panose="020F0502020204030204" pitchFamily="34" charset="0"/>
+                <a:cs typeface="Times New Roman" panose="02020603050405020304" pitchFamily="18" charset="0"/>
+              </a:rPr>
+            </a:br>
+            <a:r>
+              <a:rPr lang="en-US" sz="2400" dirty="0" err="1">
+                <a:latin typeface="Consolas" panose="020B0609020204030204" pitchFamily="49" charset="0"/>
+                <a:ea typeface="Calibri" panose="020F0502020204030204" pitchFamily="34" charset="0"/>
+                <a:cs typeface="Times New Roman" panose="02020603050405020304" pitchFamily="18" charset="0"/>
+              </a:rPr>
+              <a:t>clf.fit</a:t>
+            </a:r>
+            <a:r>
+              <a:rPr lang="en-US" sz="2400" dirty="0">
+                <a:latin typeface="Consolas" panose="020B0609020204030204" pitchFamily="49" charset="0"/>
+                <a:ea typeface="Calibri" panose="020F0502020204030204" pitchFamily="34" charset="0"/>
+                <a:cs typeface="Times New Roman" panose="02020603050405020304" pitchFamily="18" charset="0"/>
+              </a:rPr>
+              <a:t>(</a:t>
+            </a:r>
+            <a:r>
+              <a:rPr lang="en-US" sz="2400" dirty="0" err="1">
+                <a:latin typeface="Consolas" panose="020B0609020204030204" pitchFamily="49" charset="0"/>
+                <a:ea typeface="Calibri" panose="020F0502020204030204" pitchFamily="34" charset="0"/>
+                <a:cs typeface="Times New Roman" panose="02020603050405020304" pitchFamily="18" charset="0"/>
+              </a:rPr>
+              <a:t>xtrain_tfidf</a:t>
+            </a:r>
+            <a:r>
+              <a:rPr lang="en-US" sz="2400" dirty="0">
+                <a:latin typeface="Consolas" panose="020B0609020204030204" pitchFamily="49" charset="0"/>
+                <a:ea typeface="Calibri" panose="020F0502020204030204" pitchFamily="34" charset="0"/>
+                <a:cs typeface="Times New Roman" panose="02020603050405020304" pitchFamily="18" charset="0"/>
+              </a:rPr>
+              <a:t>, </a:t>
+            </a:r>
+            <a:r>
+              <a:rPr lang="en-US" sz="2400" dirty="0" err="1">
+                <a:latin typeface="Consolas" panose="020B0609020204030204" pitchFamily="49" charset="0"/>
+                <a:ea typeface="Calibri" panose="020F0502020204030204" pitchFamily="34" charset="0"/>
+                <a:cs typeface="Times New Roman" panose="02020603050405020304" pitchFamily="18" charset="0"/>
+              </a:rPr>
+              <a:t>ytrain</a:t>
+            </a:r>
+            <a:r>
+              <a:rPr lang="en-US" sz="2400" dirty="0">
+                <a:latin typeface="Consolas" panose="020B0609020204030204" pitchFamily="49" charset="0"/>
+                <a:ea typeface="Calibri" panose="020F0502020204030204" pitchFamily="34" charset="0"/>
+                <a:cs typeface="Times New Roman" panose="02020603050405020304" pitchFamily="18" charset="0"/>
+              </a:rPr>
+              <a:t>)</a:t>
+            </a:r>
+          </a:p>
+          <a:p>
+            <a:pPr marL="0" marR="0" indent="0" latinLnBrk="1">
+              <a:spcBef>
+                <a:spcPts val="900"/>
+              </a:spcBef>
+              <a:spcAft>
+                <a:spcPts val="900"/>
+              </a:spcAft>
+              <a:buNone/>
+            </a:pPr>
+            <a:r>
+              <a:rPr lang="en-US" sz="2400" i="1" dirty="0">
+                <a:solidFill>
+                  <a:srgbClr val="60A0B0"/>
+                </a:solidFill>
+                <a:latin typeface="Consolas" panose="020B0609020204030204" pitchFamily="49" charset="0"/>
+                <a:ea typeface="Calibri" panose="020F0502020204030204" pitchFamily="34" charset="0"/>
+                <a:cs typeface="Times New Roman" panose="02020603050405020304" pitchFamily="18" charset="0"/>
+              </a:rPr>
+              <a:t>#Make predictions for validation set</a:t>
+            </a:r>
+            <a:br>
+              <a:rPr lang="en-US" sz="2400" dirty="0">
+                <a:latin typeface="Consolas" panose="020B0609020204030204" pitchFamily="49" charset="0"/>
+                <a:ea typeface="Calibri" panose="020F0502020204030204" pitchFamily="34" charset="0"/>
+                <a:cs typeface="Times New Roman" panose="02020603050405020304" pitchFamily="18" charset="0"/>
+              </a:rPr>
+            </a:br>
+            <a:r>
+              <a:rPr lang="en-US" sz="2400" dirty="0" err="1">
+                <a:latin typeface="Consolas" panose="020B0609020204030204" pitchFamily="49" charset="0"/>
+                <a:ea typeface="Calibri" panose="020F0502020204030204" pitchFamily="34" charset="0"/>
+                <a:cs typeface="Times New Roman" panose="02020603050405020304" pitchFamily="18" charset="0"/>
+              </a:rPr>
+              <a:t>y_pred</a:t>
+            </a:r>
+            <a:r>
+              <a:rPr lang="en-US" sz="2400" dirty="0">
+                <a:latin typeface="Consolas" panose="020B0609020204030204" pitchFamily="49" charset="0"/>
+                <a:ea typeface="Calibri" panose="020F0502020204030204" pitchFamily="34" charset="0"/>
+                <a:cs typeface="Times New Roman" panose="02020603050405020304" pitchFamily="18" charset="0"/>
+              </a:rPr>
+              <a:t> = </a:t>
+            </a:r>
+            <a:r>
+              <a:rPr lang="en-US" sz="2400" dirty="0" err="1">
+                <a:latin typeface="Consolas" panose="020B0609020204030204" pitchFamily="49" charset="0"/>
+                <a:ea typeface="Calibri" panose="020F0502020204030204" pitchFamily="34" charset="0"/>
+                <a:cs typeface="Times New Roman" panose="02020603050405020304" pitchFamily="18" charset="0"/>
+              </a:rPr>
+              <a:t>clf.predict</a:t>
+            </a:r>
+            <a:r>
+              <a:rPr lang="en-US" sz="2400" dirty="0">
+                <a:latin typeface="Consolas" panose="020B0609020204030204" pitchFamily="49" charset="0"/>
+                <a:ea typeface="Calibri" panose="020F0502020204030204" pitchFamily="34" charset="0"/>
+                <a:cs typeface="Times New Roman" panose="02020603050405020304" pitchFamily="18" charset="0"/>
+              </a:rPr>
+              <a:t>(</a:t>
+            </a:r>
+            <a:r>
+              <a:rPr lang="en-US" sz="2400" dirty="0" err="1">
+                <a:latin typeface="Consolas" panose="020B0609020204030204" pitchFamily="49" charset="0"/>
+                <a:ea typeface="Calibri" panose="020F0502020204030204" pitchFamily="34" charset="0"/>
+                <a:cs typeface="Times New Roman" panose="02020603050405020304" pitchFamily="18" charset="0"/>
+              </a:rPr>
+              <a:t>xval_tfidf</a:t>
+            </a:r>
+            <a:r>
+              <a:rPr lang="en-US" sz="2400" dirty="0">
+                <a:latin typeface="Consolas" panose="020B0609020204030204" pitchFamily="49" charset="0"/>
+                <a:ea typeface="Calibri" panose="020F0502020204030204" pitchFamily="34" charset="0"/>
+                <a:cs typeface="Times New Roman" panose="02020603050405020304" pitchFamily="18" charset="0"/>
+              </a:rPr>
+              <a:t>)</a:t>
+            </a:r>
+          </a:p>
+          <a:p>
+            <a:pPr marL="0" marR="0" indent="0">
+              <a:lnSpc>
+                <a:spcPct val="107000"/>
+              </a:lnSpc>
+              <a:spcBef>
+                <a:spcPts val="1200"/>
+              </a:spcBef>
+              <a:spcAft>
+                <a:spcPts val="800"/>
+              </a:spcAft>
+              <a:buNone/>
+            </a:pPr>
+            <a:endParaRPr lang="en-US" dirty="0">
+              <a:latin typeface="Calibri" panose="020F0502020204030204" pitchFamily="34" charset="0"/>
+              <a:ea typeface="Calibri" panose="020F0502020204030204" pitchFamily="34" charset="0"/>
+              <a:cs typeface="Times New Roman" panose="02020603050405020304" pitchFamily="18" charset="0"/>
+            </a:endParaRPr>
+          </a:p>
+          <a:p>
+            <a:endParaRPr lang="en-US" dirty="0"/>
+          </a:p>
+        </p:txBody>
+      </p:sp>
+    </p:spTree>
+    <p:extLst>
+      <p:ext uri="{BB962C8B-B14F-4D97-AF65-F5344CB8AC3E}">
+        <p14:creationId xmlns:p14="http://schemas.microsoft.com/office/powerpoint/2010/main" val="278807027"/>
+      </p:ext>
+    </p:extLst>
+  </p:cSld>
+  <p:clrMapOvr>
+    <a:masterClrMapping/>
+  </p:clrMapOvr>
+</p:sld>
+</file>
+
+<file path=ppt/slides/slide28.xml><?xml version="1.0" encoding="utf-8"?>
+<p:sld xmlns:a="http://schemas.openxmlformats.org/drawingml/2006/main" xmlns:r="http://schemas.openxmlformats.org/officeDocument/2006/relationships" xmlns:p="http://schemas.openxmlformats.org/presentationml/2006/main">
+  <p:cSld>
+    <p:spTree>
+      <p:nvGrpSpPr>
+        <p:cNvPr id="1" name=""/>
+        <p:cNvGrpSpPr/>
+        <p:nvPr/>
+      </p:nvGrpSpPr>
+      <p:grpSpPr>
+        <a:xfrm>
+          <a:off x="0" y="0"/>
+          <a:ext cx="0" cy="0"/>
+          <a:chOff x="0" y="0"/>
+          <a:chExt cx="0" cy="0"/>
+        </a:xfrm>
+      </p:grpSpPr>
+      <p:sp>
+        <p:nvSpPr>
+          <p:cNvPr id="2" name="Title 1">
+            <a:extLst>
+              <a:ext uri="{FF2B5EF4-FFF2-40B4-BE49-F238E27FC236}">
+                <a16:creationId xmlns:a16="http://schemas.microsoft.com/office/drawing/2014/main" id="{E2680932-D9EA-4DE9-BBF0-4442BED65E47}"/>
+              </a:ext>
+            </a:extLst>
+          </p:cNvPr>
+          <p:cNvSpPr>
+            <a:spLocks noGrp="1"/>
+          </p:cNvSpPr>
+          <p:nvPr>
+            <p:ph type="title"/>
+          </p:nvPr>
+        </p:nvSpPr>
+        <p:spPr/>
+        <p:txBody>
+          <a:bodyPr>
+            <a:noAutofit/>
+          </a:bodyPr>
+          <a:lstStyle/>
+          <a:p>
+            <a:r>
+              <a:rPr lang="en-US" sz="3700" dirty="0"/>
+              <a:t>Checking a sample of the predictions</a:t>
+            </a:r>
+          </a:p>
+        </p:txBody>
+      </p:sp>
+      <p:sp>
+        <p:nvSpPr>
+          <p:cNvPr id="3" name="Content Placeholder 2">
+            <a:extLst>
+              <a:ext uri="{FF2B5EF4-FFF2-40B4-BE49-F238E27FC236}">
+                <a16:creationId xmlns:a16="http://schemas.microsoft.com/office/drawing/2014/main" id="{2E2FE0D8-70BC-437C-B308-31A651987EC8}"/>
+              </a:ext>
+            </a:extLst>
+          </p:cNvPr>
+          <p:cNvSpPr>
+            <a:spLocks noGrp="1"/>
+          </p:cNvSpPr>
+          <p:nvPr>
+            <p:ph idx="1"/>
+          </p:nvPr>
+        </p:nvSpPr>
+        <p:spPr>
+          <a:xfrm>
+            <a:off x="1451579" y="2015732"/>
+            <a:ext cx="9603275" cy="3838416"/>
+          </a:xfrm>
+        </p:spPr>
+        <p:txBody>
+          <a:bodyPr/>
+          <a:lstStyle/>
+          <a:p>
+            <a:pPr marL="0" marR="0" indent="0" latinLnBrk="1">
+              <a:spcBef>
+                <a:spcPts val="900"/>
+              </a:spcBef>
+              <a:spcAft>
+                <a:spcPts val="900"/>
+              </a:spcAft>
+              <a:buNone/>
+            </a:pPr>
+            <a:r>
+              <a:rPr lang="en-US" sz="2600" i="1" dirty="0">
+                <a:solidFill>
+                  <a:srgbClr val="60A0B0"/>
+                </a:solidFill>
+                <a:latin typeface="Consolas" panose="020B0609020204030204" pitchFamily="49" charset="0"/>
+                <a:ea typeface="Calibri" panose="020F0502020204030204" pitchFamily="34" charset="0"/>
+                <a:cs typeface="Times New Roman" panose="02020603050405020304" pitchFamily="18" charset="0"/>
+              </a:rPr>
+              <a:t>#Check out a sample from these predictions</a:t>
+            </a:r>
+            <a:br>
+              <a:rPr lang="en-US" sz="2600" dirty="0">
+                <a:latin typeface="Consolas" panose="020B0609020204030204" pitchFamily="49" charset="0"/>
+                <a:ea typeface="Calibri" panose="020F0502020204030204" pitchFamily="34" charset="0"/>
+                <a:cs typeface="Times New Roman" panose="02020603050405020304" pitchFamily="18" charset="0"/>
+              </a:rPr>
+            </a:br>
+            <a:r>
+              <a:rPr lang="en-US" sz="2600" dirty="0" err="1">
+                <a:latin typeface="Consolas" panose="020B0609020204030204" pitchFamily="49" charset="0"/>
+                <a:ea typeface="Calibri" panose="020F0502020204030204" pitchFamily="34" charset="0"/>
+                <a:cs typeface="Times New Roman" panose="02020603050405020304" pitchFamily="18" charset="0"/>
+              </a:rPr>
+              <a:t>y_pred</a:t>
+            </a:r>
+            <a:r>
+              <a:rPr lang="en-US" sz="2600" dirty="0">
+                <a:latin typeface="Consolas" panose="020B0609020204030204" pitchFamily="49" charset="0"/>
+                <a:ea typeface="Calibri" panose="020F0502020204030204" pitchFamily="34" charset="0"/>
+                <a:cs typeface="Times New Roman" panose="02020603050405020304" pitchFamily="18" charset="0"/>
+              </a:rPr>
+              <a:t>[</a:t>
+            </a:r>
+            <a:r>
+              <a:rPr lang="en-US" sz="2600" dirty="0">
+                <a:solidFill>
+                  <a:srgbClr val="40A070"/>
+                </a:solidFill>
+                <a:latin typeface="Consolas" panose="020B0609020204030204" pitchFamily="49" charset="0"/>
+                <a:ea typeface="Calibri" panose="020F0502020204030204" pitchFamily="34" charset="0"/>
+                <a:cs typeface="Times New Roman" panose="02020603050405020304" pitchFamily="18" charset="0"/>
+              </a:rPr>
+              <a:t>3</a:t>
+            </a:r>
+            <a:r>
+              <a:rPr lang="en-US" sz="2600" dirty="0">
+                <a:latin typeface="Consolas" panose="020B0609020204030204" pitchFamily="49" charset="0"/>
+                <a:ea typeface="Calibri" panose="020F0502020204030204" pitchFamily="34" charset="0"/>
+                <a:cs typeface="Times New Roman" panose="02020603050405020304" pitchFamily="18" charset="0"/>
+              </a:rPr>
+              <a:t>]</a:t>
+            </a:r>
+          </a:p>
+          <a:p>
+            <a:pPr marL="0" marR="0" indent="0" latinLnBrk="1">
+              <a:spcBef>
+                <a:spcPts val="900"/>
+              </a:spcBef>
+              <a:spcAft>
+                <a:spcPts val="900"/>
+              </a:spcAft>
+              <a:buNone/>
+            </a:pPr>
+            <a:r>
+              <a:rPr lang="en-US" sz="2600" dirty="0">
+                <a:latin typeface="Consolas" panose="020B0609020204030204" pitchFamily="49" charset="0"/>
+                <a:ea typeface="Calibri" panose="020F0502020204030204" pitchFamily="34" charset="0"/>
+                <a:cs typeface="Times New Roman" panose="02020603050405020304" pitchFamily="18" charset="0"/>
+              </a:rPr>
+              <a:t>array([0, 1, 0])</a:t>
+            </a:r>
+          </a:p>
+          <a:p>
+            <a:pPr marL="0" marR="0" indent="0" latinLnBrk="1">
+              <a:spcBef>
+                <a:spcPts val="900"/>
+              </a:spcBef>
+              <a:spcAft>
+                <a:spcPts val="900"/>
+              </a:spcAft>
+              <a:buNone/>
+            </a:pPr>
+            <a:r>
+              <a:rPr lang="en-US" sz="2600" i="1" dirty="0">
+                <a:solidFill>
+                  <a:srgbClr val="60A0B0"/>
+                </a:solidFill>
+                <a:latin typeface="Consolas" panose="020B0609020204030204" pitchFamily="49" charset="0"/>
+                <a:ea typeface="Calibri" panose="020F0502020204030204" pitchFamily="34" charset="0"/>
+                <a:cs typeface="Times New Roman" panose="02020603050405020304" pitchFamily="18" charset="0"/>
+              </a:rPr>
+              <a:t>#Convert the predicted arrays into event type tags</a:t>
+            </a:r>
+            <a:br>
+              <a:rPr lang="en-US" sz="2600" dirty="0">
+                <a:latin typeface="Consolas" panose="020B0609020204030204" pitchFamily="49" charset="0"/>
+                <a:ea typeface="Calibri" panose="020F0502020204030204" pitchFamily="34" charset="0"/>
+                <a:cs typeface="Times New Roman" panose="02020603050405020304" pitchFamily="18" charset="0"/>
+              </a:rPr>
+            </a:br>
+            <a:r>
+              <a:rPr lang="en-US" sz="2600" dirty="0" err="1">
+                <a:latin typeface="Consolas" panose="020B0609020204030204" pitchFamily="49" charset="0"/>
+                <a:ea typeface="Calibri" panose="020F0502020204030204" pitchFamily="34" charset="0"/>
+                <a:cs typeface="Times New Roman" panose="02020603050405020304" pitchFamily="18" charset="0"/>
+              </a:rPr>
+              <a:t>multilabel_binarizer.inverse_transform</a:t>
+            </a:r>
+            <a:r>
+              <a:rPr lang="en-US" sz="2600" dirty="0">
+                <a:latin typeface="Consolas" panose="020B0609020204030204" pitchFamily="49" charset="0"/>
+                <a:ea typeface="Calibri" panose="020F0502020204030204" pitchFamily="34" charset="0"/>
+                <a:cs typeface="Times New Roman" panose="02020603050405020304" pitchFamily="18" charset="0"/>
+              </a:rPr>
+              <a:t>(</a:t>
+            </a:r>
+            <a:r>
+              <a:rPr lang="en-US" sz="2600" dirty="0" err="1">
+                <a:latin typeface="Consolas" panose="020B0609020204030204" pitchFamily="49" charset="0"/>
+                <a:ea typeface="Calibri" panose="020F0502020204030204" pitchFamily="34" charset="0"/>
+                <a:cs typeface="Times New Roman" panose="02020603050405020304" pitchFamily="18" charset="0"/>
+              </a:rPr>
+              <a:t>y_pred</a:t>
+            </a:r>
+            <a:r>
+              <a:rPr lang="en-US" sz="2600" dirty="0">
+                <a:latin typeface="Consolas" panose="020B0609020204030204" pitchFamily="49" charset="0"/>
+                <a:ea typeface="Calibri" panose="020F0502020204030204" pitchFamily="34" charset="0"/>
+                <a:cs typeface="Times New Roman" panose="02020603050405020304" pitchFamily="18" charset="0"/>
+              </a:rPr>
+              <a:t>)[</a:t>
+            </a:r>
+            <a:r>
+              <a:rPr lang="en-US" sz="2600" dirty="0">
+                <a:solidFill>
+                  <a:srgbClr val="40A070"/>
+                </a:solidFill>
+                <a:latin typeface="Consolas" panose="020B0609020204030204" pitchFamily="49" charset="0"/>
+                <a:ea typeface="Calibri" panose="020F0502020204030204" pitchFamily="34" charset="0"/>
+                <a:cs typeface="Times New Roman" panose="02020603050405020304" pitchFamily="18" charset="0"/>
+              </a:rPr>
+              <a:t>3</a:t>
+            </a:r>
+            <a:r>
+              <a:rPr lang="en-US" sz="2600" dirty="0">
+                <a:latin typeface="Consolas" panose="020B0609020204030204" pitchFamily="49" charset="0"/>
+                <a:ea typeface="Calibri" panose="020F0502020204030204" pitchFamily="34" charset="0"/>
+                <a:cs typeface="Times New Roman" panose="02020603050405020304" pitchFamily="18" charset="0"/>
+              </a:rPr>
+              <a:t>]</a:t>
+            </a:r>
+          </a:p>
+          <a:p>
+            <a:pPr marL="0" marR="0" indent="0">
+              <a:lnSpc>
+                <a:spcPct val="107000"/>
+              </a:lnSpc>
+              <a:spcBef>
+                <a:spcPts val="0"/>
+              </a:spcBef>
+              <a:spcAft>
+                <a:spcPts val="800"/>
+              </a:spcAft>
+              <a:buNone/>
+            </a:pPr>
+            <a:r>
+              <a:rPr lang="en-US" sz="2600" dirty="0">
+                <a:latin typeface="Consolas" panose="020B0609020204030204" pitchFamily="49" charset="0"/>
+                <a:ea typeface="Calibri" panose="020F0502020204030204" pitchFamily="34" charset="0"/>
+                <a:cs typeface="Times New Roman" panose="02020603050405020304" pitchFamily="18" charset="0"/>
+              </a:rPr>
+              <a:t>('Recall',)</a:t>
+            </a:r>
+            <a:endParaRPr lang="en-US" sz="2600" dirty="0">
+              <a:latin typeface="Calibri" panose="020F0502020204030204" pitchFamily="34" charset="0"/>
+              <a:ea typeface="Calibri" panose="020F0502020204030204" pitchFamily="34" charset="0"/>
+              <a:cs typeface="Times New Roman" panose="02020603050405020304" pitchFamily="18" charset="0"/>
+            </a:endParaRPr>
+          </a:p>
+          <a:p>
+            <a:pPr marL="0" marR="0" indent="0" latinLnBrk="1">
+              <a:spcBef>
+                <a:spcPts val="900"/>
+              </a:spcBef>
+              <a:spcAft>
+                <a:spcPts val="900"/>
+              </a:spcAft>
+              <a:buNone/>
+            </a:pPr>
+            <a:endParaRPr lang="en-US" dirty="0">
+              <a:latin typeface="Consolas" panose="020B0609020204030204" pitchFamily="49" charset="0"/>
+              <a:ea typeface="Calibri" panose="020F0502020204030204" pitchFamily="34" charset="0"/>
+              <a:cs typeface="Times New Roman" panose="02020603050405020304" pitchFamily="18" charset="0"/>
+            </a:endParaRPr>
+          </a:p>
+          <a:p>
+            <a:endParaRPr lang="en-US" dirty="0"/>
+          </a:p>
+        </p:txBody>
+      </p:sp>
+    </p:spTree>
+    <p:extLst>
+      <p:ext uri="{BB962C8B-B14F-4D97-AF65-F5344CB8AC3E}">
+        <p14:creationId xmlns:p14="http://schemas.microsoft.com/office/powerpoint/2010/main" val="3948804099"/>
+      </p:ext>
+    </p:extLst>
+  </p:cSld>
+  <p:clrMapOvr>
+    <a:masterClrMapping/>
+  </p:clrMapOvr>
+</p:sld>
+</file>
+
+<file path=ppt/slides/slide29.xml><?xml version="1.0" encoding="utf-8"?>
+<p:sld xmlns:a="http://schemas.openxmlformats.org/drawingml/2006/main" xmlns:r="http://schemas.openxmlformats.org/officeDocument/2006/relationships" xmlns:p="http://schemas.openxmlformats.org/presentationml/2006/main">
+  <p:cSld>
+    <p:spTree>
+      <p:nvGrpSpPr>
+        <p:cNvPr id="1" name=""/>
+        <p:cNvGrpSpPr/>
+        <p:nvPr/>
+      </p:nvGrpSpPr>
+      <p:grpSpPr>
+        <a:xfrm>
+          <a:off x="0" y="0"/>
+          <a:ext cx="0" cy="0"/>
+          <a:chOff x="0" y="0"/>
+          <a:chExt cx="0" cy="0"/>
+        </a:xfrm>
+      </p:grpSpPr>
+      <p:sp>
+        <p:nvSpPr>
+          <p:cNvPr id="2" name="Title 1">
+            <a:extLst>
+              <a:ext uri="{FF2B5EF4-FFF2-40B4-BE49-F238E27FC236}">
+                <a16:creationId xmlns:a16="http://schemas.microsoft.com/office/drawing/2014/main" id="{E515F135-45E1-4085-ACD2-DD3326909E07}"/>
+              </a:ext>
+            </a:extLst>
+          </p:cNvPr>
+          <p:cNvSpPr>
+            <a:spLocks noGrp="1"/>
+          </p:cNvSpPr>
+          <p:nvPr>
+            <p:ph type="title"/>
+          </p:nvPr>
+        </p:nvSpPr>
+        <p:spPr/>
+        <p:txBody>
+          <a:bodyPr/>
+          <a:lstStyle/>
+          <a:p>
+            <a:r>
+              <a:rPr lang="en-US" dirty="0"/>
+              <a:t>Evaluate NLP Prediction Model’s Performance</a:t>
+            </a:r>
+          </a:p>
+        </p:txBody>
+      </p:sp>
+      <p:sp>
+        <p:nvSpPr>
+          <p:cNvPr id="3" name="Content Placeholder 2">
+            <a:extLst>
+              <a:ext uri="{FF2B5EF4-FFF2-40B4-BE49-F238E27FC236}">
+                <a16:creationId xmlns:a16="http://schemas.microsoft.com/office/drawing/2014/main" id="{CF569712-BF3C-4356-9B8E-EF67E999A04F}"/>
+              </a:ext>
+            </a:extLst>
+          </p:cNvPr>
+          <p:cNvSpPr>
+            <a:spLocks noGrp="1"/>
+          </p:cNvSpPr>
+          <p:nvPr>
+            <p:ph idx="1"/>
+          </p:nvPr>
+        </p:nvSpPr>
+        <p:spPr>
+          <a:xfrm>
+            <a:off x="1451579" y="2015732"/>
+            <a:ext cx="9603275" cy="3937807"/>
+          </a:xfrm>
+        </p:spPr>
+        <p:txBody>
+          <a:bodyPr>
+            <a:noAutofit/>
+          </a:bodyPr>
+          <a:lstStyle/>
+          <a:p>
+            <a:r>
+              <a:rPr lang="en-US" sz="2400" dirty="0"/>
+              <a:t>All of the predictions and the entire target variable of the validation set taken into consideration</a:t>
+            </a:r>
+          </a:p>
+          <a:p>
+            <a:r>
+              <a:rPr lang="en-US" sz="2400" dirty="0"/>
+              <a:t>F1 score, also known as balanced F-score or F-measure</a:t>
+            </a:r>
+          </a:p>
+          <a:p>
+            <a:pPr lvl="1"/>
+            <a:r>
+              <a:rPr lang="en-US" sz="2400" dirty="0"/>
+              <a:t>Interpreted as a weighted average of the precision and recall</a:t>
+            </a:r>
+          </a:p>
+          <a:p>
+            <a:pPr lvl="1"/>
+            <a:r>
+              <a:rPr lang="en-US" sz="2400" dirty="0"/>
+              <a:t>Ranges between 0 and 1 where 0 is worst score while 1 is best score</a:t>
+            </a:r>
+          </a:p>
+          <a:p>
+            <a:pPr lvl="1"/>
+            <a:r>
+              <a:rPr lang="en-US" sz="2400" dirty="0"/>
+              <a:t>F1 = 2 x (precision x recall) / (precision + recall)</a:t>
+            </a:r>
+          </a:p>
+          <a:p>
+            <a:pPr lvl="1"/>
+            <a:r>
+              <a:rPr lang="en-US" sz="2400" dirty="0"/>
+              <a:t>Average of each class with weighting depending on the average parameter in the multi-class and the multi-label case</a:t>
+            </a:r>
+          </a:p>
+        </p:txBody>
+      </p:sp>
+    </p:spTree>
+    <p:extLst>
+      <p:ext uri="{BB962C8B-B14F-4D97-AF65-F5344CB8AC3E}">
+        <p14:creationId xmlns:p14="http://schemas.microsoft.com/office/powerpoint/2010/main" val="2996258283"/>
       </p:ext>
     </p:extLst>
   </p:cSld>
@@ -4620,6 +9305,3222 @@
     <p:extLst>
       <p:ext uri="{BB962C8B-B14F-4D97-AF65-F5344CB8AC3E}">
         <p14:creationId xmlns:p14="http://schemas.microsoft.com/office/powerpoint/2010/main" val="362238548"/>
+      </p:ext>
+    </p:extLst>
+  </p:cSld>
+  <p:clrMapOvr>
+    <a:masterClrMapping/>
+  </p:clrMapOvr>
+</p:sld>
+</file>
+
+<file path=ppt/slides/slide30.xml><?xml version="1.0" encoding="utf-8"?>
+<p:sld xmlns:a="http://schemas.openxmlformats.org/drawingml/2006/main" xmlns:r="http://schemas.openxmlformats.org/officeDocument/2006/relationships" xmlns:p="http://schemas.openxmlformats.org/presentationml/2006/main">
+  <p:cSld>
+    <p:spTree>
+      <p:nvGrpSpPr>
+        <p:cNvPr id="1" name=""/>
+        <p:cNvGrpSpPr/>
+        <p:nvPr/>
+      </p:nvGrpSpPr>
+      <p:grpSpPr>
+        <a:xfrm>
+          <a:off x="0" y="0"/>
+          <a:ext cx="0" cy="0"/>
+          <a:chOff x="0" y="0"/>
+          <a:chExt cx="0" cy="0"/>
+        </a:xfrm>
+      </p:grpSpPr>
+      <p:sp>
+        <p:nvSpPr>
+          <p:cNvPr id="2" name="Title 1">
+            <a:extLst>
+              <a:ext uri="{FF2B5EF4-FFF2-40B4-BE49-F238E27FC236}">
+                <a16:creationId xmlns:a16="http://schemas.microsoft.com/office/drawing/2014/main" id="{2B0B06E3-89DD-4717-8E83-1BFA2CBD1A89}"/>
+              </a:ext>
+            </a:extLst>
+          </p:cNvPr>
+          <p:cNvSpPr>
+            <a:spLocks noGrp="1"/>
+          </p:cNvSpPr>
+          <p:nvPr>
+            <p:ph type="title"/>
+          </p:nvPr>
+        </p:nvSpPr>
+        <p:spPr/>
+        <p:txBody>
+          <a:bodyPr/>
+          <a:lstStyle/>
+          <a:p>
+            <a:r>
+              <a:rPr lang="en-US" dirty="0"/>
+              <a:t>Evaluate NLP Prediction Model’s Performance</a:t>
+            </a:r>
+          </a:p>
+        </p:txBody>
+      </p:sp>
+      <p:sp>
+        <p:nvSpPr>
+          <p:cNvPr id="3" name="Content Placeholder 2">
+            <a:extLst>
+              <a:ext uri="{FF2B5EF4-FFF2-40B4-BE49-F238E27FC236}">
+                <a16:creationId xmlns:a16="http://schemas.microsoft.com/office/drawing/2014/main" id="{F2F6AA82-5EDC-4C29-BC47-2188FDDAD317}"/>
+              </a:ext>
+            </a:extLst>
+          </p:cNvPr>
+          <p:cNvSpPr>
+            <a:spLocks noGrp="1"/>
+          </p:cNvSpPr>
+          <p:nvPr>
+            <p:ph idx="1"/>
+          </p:nvPr>
+        </p:nvSpPr>
+        <p:spPr>
+          <a:xfrm>
+            <a:off x="1451579" y="2015732"/>
+            <a:ext cx="9603275" cy="3957685"/>
+          </a:xfrm>
+        </p:spPr>
+        <p:txBody>
+          <a:bodyPr>
+            <a:normAutofit/>
+          </a:bodyPr>
+          <a:lstStyle/>
+          <a:p>
+            <a:pPr marL="0" marR="0" indent="0" latinLnBrk="1">
+              <a:spcBef>
+                <a:spcPts val="900"/>
+              </a:spcBef>
+              <a:spcAft>
+                <a:spcPts val="900"/>
+              </a:spcAft>
+              <a:buNone/>
+            </a:pPr>
+            <a:r>
+              <a:rPr lang="en-US" sz="3200" i="1" dirty="0">
+                <a:solidFill>
+                  <a:srgbClr val="60A0B0"/>
+                </a:solidFill>
+                <a:latin typeface="Consolas" panose="020B0609020204030204" pitchFamily="49" charset="0"/>
+                <a:ea typeface="Calibri" panose="020F0502020204030204" pitchFamily="34" charset="0"/>
+                <a:cs typeface="Times New Roman" panose="02020603050405020304" pitchFamily="18" charset="0"/>
+              </a:rPr>
+              <a:t># evaluate performance</a:t>
+            </a:r>
+            <a:br>
+              <a:rPr lang="en-US" sz="3200" dirty="0">
+                <a:latin typeface="Consolas" panose="020B0609020204030204" pitchFamily="49" charset="0"/>
+                <a:ea typeface="Calibri" panose="020F0502020204030204" pitchFamily="34" charset="0"/>
+                <a:cs typeface="Times New Roman" panose="02020603050405020304" pitchFamily="18" charset="0"/>
+              </a:rPr>
+            </a:br>
+            <a:r>
+              <a:rPr lang="en-US" sz="3200" dirty="0">
+                <a:latin typeface="Consolas" panose="020B0609020204030204" pitchFamily="49" charset="0"/>
+                <a:ea typeface="Calibri" panose="020F0502020204030204" pitchFamily="34" charset="0"/>
+                <a:cs typeface="Times New Roman" panose="02020603050405020304" pitchFamily="18" charset="0"/>
+              </a:rPr>
+              <a:t>f1_score(</a:t>
+            </a:r>
+            <a:r>
+              <a:rPr lang="en-US" sz="3200" dirty="0" err="1">
+                <a:latin typeface="Consolas" panose="020B0609020204030204" pitchFamily="49" charset="0"/>
+                <a:ea typeface="Calibri" panose="020F0502020204030204" pitchFamily="34" charset="0"/>
+                <a:cs typeface="Times New Roman" panose="02020603050405020304" pitchFamily="18" charset="0"/>
+              </a:rPr>
+              <a:t>yval</a:t>
+            </a:r>
+            <a:r>
+              <a:rPr lang="en-US" sz="3200" dirty="0">
+                <a:latin typeface="Consolas" panose="020B0609020204030204" pitchFamily="49" charset="0"/>
+                <a:ea typeface="Calibri" panose="020F0502020204030204" pitchFamily="34" charset="0"/>
+                <a:cs typeface="Times New Roman" panose="02020603050405020304" pitchFamily="18" charset="0"/>
+              </a:rPr>
+              <a:t>, </a:t>
+            </a:r>
+            <a:r>
+              <a:rPr lang="en-US" sz="3200" dirty="0" err="1">
+                <a:latin typeface="Consolas" panose="020B0609020204030204" pitchFamily="49" charset="0"/>
+                <a:ea typeface="Calibri" panose="020F0502020204030204" pitchFamily="34" charset="0"/>
+                <a:cs typeface="Times New Roman" panose="02020603050405020304" pitchFamily="18" charset="0"/>
+              </a:rPr>
+              <a:t>y_pred</a:t>
+            </a:r>
+            <a:r>
+              <a:rPr lang="en-US" sz="3200" dirty="0">
+                <a:latin typeface="Consolas" panose="020B0609020204030204" pitchFamily="49" charset="0"/>
+                <a:ea typeface="Calibri" panose="020F0502020204030204" pitchFamily="34" charset="0"/>
+                <a:cs typeface="Times New Roman" panose="02020603050405020304" pitchFamily="18" charset="0"/>
+              </a:rPr>
+              <a:t>, average=</a:t>
+            </a:r>
+            <a:r>
+              <a:rPr lang="en-US" sz="3200" dirty="0">
+                <a:solidFill>
+                  <a:srgbClr val="4070A0"/>
+                </a:solidFill>
+                <a:latin typeface="Consolas" panose="020B0609020204030204" pitchFamily="49" charset="0"/>
+                <a:ea typeface="Calibri" panose="020F0502020204030204" pitchFamily="34" charset="0"/>
+                <a:cs typeface="Times New Roman" panose="02020603050405020304" pitchFamily="18" charset="0"/>
+              </a:rPr>
+              <a:t>"micro"</a:t>
+            </a:r>
+            <a:r>
+              <a:rPr lang="en-US" sz="3200" dirty="0">
+                <a:latin typeface="Consolas" panose="020B0609020204030204" pitchFamily="49" charset="0"/>
+                <a:ea typeface="Calibri" panose="020F0502020204030204" pitchFamily="34" charset="0"/>
+                <a:cs typeface="Times New Roman" panose="02020603050405020304" pitchFamily="18" charset="0"/>
+              </a:rPr>
+              <a:t>)</a:t>
+            </a:r>
+          </a:p>
+          <a:p>
+            <a:pPr marL="0" marR="0" indent="0">
+              <a:lnSpc>
+                <a:spcPct val="107000"/>
+              </a:lnSpc>
+              <a:spcBef>
+                <a:spcPts val="0"/>
+              </a:spcBef>
+              <a:spcAft>
+                <a:spcPts val="800"/>
+              </a:spcAft>
+              <a:buNone/>
+            </a:pPr>
+            <a:r>
+              <a:rPr lang="en-US" sz="3200" dirty="0">
+                <a:latin typeface="Consolas" panose="020B0609020204030204" pitchFamily="49" charset="0"/>
+                <a:ea typeface="Calibri" panose="020F0502020204030204" pitchFamily="34" charset="0"/>
+                <a:cs typeface="Times New Roman" panose="02020603050405020304" pitchFamily="18" charset="0"/>
+              </a:rPr>
+              <a:t>0.9596819988642816</a:t>
+            </a:r>
+          </a:p>
+          <a:p>
+            <a:pPr>
+              <a:lnSpc>
+                <a:spcPct val="107000"/>
+              </a:lnSpc>
+              <a:spcBef>
+                <a:spcPts val="0"/>
+              </a:spcBef>
+              <a:spcAft>
+                <a:spcPts val="800"/>
+              </a:spcAft>
+            </a:pPr>
+            <a:r>
+              <a:rPr lang="en-US" sz="3200" dirty="0"/>
+              <a:t>F1 score calculated to be about 0.96</a:t>
+            </a:r>
+          </a:p>
+          <a:p>
+            <a:pPr>
+              <a:lnSpc>
+                <a:spcPct val="107000"/>
+              </a:lnSpc>
+              <a:spcBef>
+                <a:spcPts val="0"/>
+              </a:spcBef>
+              <a:spcAft>
+                <a:spcPts val="800"/>
+              </a:spcAft>
+            </a:pPr>
+            <a:r>
+              <a:rPr lang="en-US" sz="3200" dirty="0"/>
+              <a:t>NLP prediction model that was created in this project has nearly perfect precision and recall.</a:t>
+            </a:r>
+            <a:endParaRPr lang="en-US" sz="3200" dirty="0">
+              <a:ea typeface="Calibri" panose="020F0502020204030204" pitchFamily="34" charset="0"/>
+              <a:cs typeface="Times New Roman" panose="02020603050405020304" pitchFamily="18" charset="0"/>
+            </a:endParaRPr>
+          </a:p>
+          <a:p>
+            <a:endParaRPr lang="en-US" dirty="0"/>
+          </a:p>
+        </p:txBody>
+      </p:sp>
+    </p:spTree>
+    <p:extLst>
+      <p:ext uri="{BB962C8B-B14F-4D97-AF65-F5344CB8AC3E}">
+        <p14:creationId xmlns:p14="http://schemas.microsoft.com/office/powerpoint/2010/main" val="3855119432"/>
+      </p:ext>
+    </p:extLst>
+  </p:cSld>
+  <p:clrMapOvr>
+    <a:masterClrMapping/>
+  </p:clrMapOvr>
+</p:sld>
+</file>
+
+<file path=ppt/slides/slide31.xml><?xml version="1.0" encoding="utf-8"?>
+<p:sld xmlns:a="http://schemas.openxmlformats.org/drawingml/2006/main" xmlns:r="http://schemas.openxmlformats.org/officeDocument/2006/relationships" xmlns:p="http://schemas.openxmlformats.org/presentationml/2006/main">
+  <p:cSld>
+    <p:spTree>
+      <p:nvGrpSpPr>
+        <p:cNvPr id="1" name=""/>
+        <p:cNvGrpSpPr/>
+        <p:nvPr/>
+      </p:nvGrpSpPr>
+      <p:grpSpPr>
+        <a:xfrm>
+          <a:off x="0" y="0"/>
+          <a:ext cx="0" cy="0"/>
+          <a:chOff x="0" y="0"/>
+          <a:chExt cx="0" cy="0"/>
+        </a:xfrm>
+      </p:grpSpPr>
+      <p:sp>
+        <p:nvSpPr>
+          <p:cNvPr id="2" name="Title 1">
+            <a:extLst>
+              <a:ext uri="{FF2B5EF4-FFF2-40B4-BE49-F238E27FC236}">
+                <a16:creationId xmlns:a16="http://schemas.microsoft.com/office/drawing/2014/main" id="{48618FE4-5763-4F90-9C9B-8D256F49DAFD}"/>
+              </a:ext>
+            </a:extLst>
+          </p:cNvPr>
+          <p:cNvSpPr>
+            <a:spLocks noGrp="1"/>
+          </p:cNvSpPr>
+          <p:nvPr>
+            <p:ph type="title"/>
+          </p:nvPr>
+        </p:nvSpPr>
+        <p:spPr/>
+        <p:txBody>
+          <a:bodyPr>
+            <a:normAutofit/>
+          </a:bodyPr>
+          <a:lstStyle/>
+          <a:p>
+            <a:r>
+              <a:rPr lang="en-US" sz="4000" dirty="0"/>
+              <a:t>Creating an inference function</a:t>
+            </a:r>
+          </a:p>
+        </p:txBody>
+      </p:sp>
+      <p:sp>
+        <p:nvSpPr>
+          <p:cNvPr id="3" name="Content Placeholder 2">
+            <a:extLst>
+              <a:ext uri="{FF2B5EF4-FFF2-40B4-BE49-F238E27FC236}">
+                <a16:creationId xmlns:a16="http://schemas.microsoft.com/office/drawing/2014/main" id="{DA0F04A3-5F73-4F14-8D60-B22020016524}"/>
+              </a:ext>
+            </a:extLst>
+          </p:cNvPr>
+          <p:cNvSpPr>
+            <a:spLocks noGrp="1"/>
+          </p:cNvSpPr>
+          <p:nvPr>
+            <p:ph idx="1"/>
+          </p:nvPr>
+        </p:nvSpPr>
+        <p:spPr/>
+        <p:txBody>
+          <a:bodyPr>
+            <a:noAutofit/>
+          </a:bodyPr>
+          <a:lstStyle/>
+          <a:p>
+            <a:pPr marL="0" indent="0">
+              <a:buNone/>
+            </a:pPr>
+            <a:r>
+              <a:rPr lang="en-US" sz="3600" dirty="0"/>
+              <a:t>Take any text describing the reasons for a medical device being put under investigation as input and to give the predicted outcome of the negative event type(s) (Field Safety Notice, Recall, and/or Safety Alert) that would take place for the medical device</a:t>
+            </a:r>
+          </a:p>
+        </p:txBody>
+      </p:sp>
+    </p:spTree>
+    <p:extLst>
+      <p:ext uri="{BB962C8B-B14F-4D97-AF65-F5344CB8AC3E}">
+        <p14:creationId xmlns:p14="http://schemas.microsoft.com/office/powerpoint/2010/main" val="1311082937"/>
+      </p:ext>
+    </p:extLst>
+  </p:cSld>
+  <p:clrMapOvr>
+    <a:masterClrMapping/>
+  </p:clrMapOvr>
+</p:sld>
+</file>
+
+<file path=ppt/slides/slide32.xml><?xml version="1.0" encoding="utf-8"?>
+<p:sld xmlns:a="http://schemas.openxmlformats.org/drawingml/2006/main" xmlns:r="http://schemas.openxmlformats.org/officeDocument/2006/relationships" xmlns:p="http://schemas.openxmlformats.org/presentationml/2006/main">
+  <p:cSld>
+    <p:spTree>
+      <p:nvGrpSpPr>
+        <p:cNvPr id="1" name=""/>
+        <p:cNvGrpSpPr/>
+        <p:nvPr/>
+      </p:nvGrpSpPr>
+      <p:grpSpPr>
+        <a:xfrm>
+          <a:off x="0" y="0"/>
+          <a:ext cx="0" cy="0"/>
+          <a:chOff x="0" y="0"/>
+          <a:chExt cx="0" cy="0"/>
+        </a:xfrm>
+      </p:grpSpPr>
+      <p:sp>
+        <p:nvSpPr>
+          <p:cNvPr id="2" name="Title 1">
+            <a:extLst>
+              <a:ext uri="{FF2B5EF4-FFF2-40B4-BE49-F238E27FC236}">
+                <a16:creationId xmlns:a16="http://schemas.microsoft.com/office/drawing/2014/main" id="{A2D2027B-7BC4-49FE-9C69-71DD27339EAB}"/>
+              </a:ext>
+            </a:extLst>
+          </p:cNvPr>
+          <p:cNvSpPr>
+            <a:spLocks noGrp="1"/>
+          </p:cNvSpPr>
+          <p:nvPr>
+            <p:ph type="title"/>
+          </p:nvPr>
+        </p:nvSpPr>
+        <p:spPr/>
+        <p:txBody>
+          <a:bodyPr>
+            <a:noAutofit/>
+          </a:bodyPr>
+          <a:lstStyle/>
+          <a:p>
+            <a:r>
+              <a:rPr lang="en-US" sz="3600" dirty="0"/>
+              <a:t>Format Target Variable from Main Dataset</a:t>
+            </a:r>
+          </a:p>
+        </p:txBody>
+      </p:sp>
+      <p:sp>
+        <p:nvSpPr>
+          <p:cNvPr id="3" name="Content Placeholder 2">
+            <a:extLst>
+              <a:ext uri="{FF2B5EF4-FFF2-40B4-BE49-F238E27FC236}">
+                <a16:creationId xmlns:a16="http://schemas.microsoft.com/office/drawing/2014/main" id="{D8B8ABA2-A393-4D9F-AA4B-F0D565AA9DFD}"/>
+              </a:ext>
+            </a:extLst>
+          </p:cNvPr>
+          <p:cNvSpPr>
+            <a:spLocks noGrp="1"/>
+          </p:cNvSpPr>
+          <p:nvPr>
+            <p:ph idx="1"/>
+          </p:nvPr>
+        </p:nvSpPr>
+        <p:spPr>
+          <a:xfrm>
+            <a:off x="1451579" y="2015732"/>
+            <a:ext cx="9603275" cy="4037749"/>
+          </a:xfrm>
+        </p:spPr>
+        <p:txBody>
+          <a:bodyPr>
+            <a:normAutofit lnSpcReduction="10000"/>
+          </a:bodyPr>
+          <a:lstStyle/>
+          <a:p>
+            <a:r>
+              <a:rPr lang="en-US" sz="3200" dirty="0"/>
+              <a:t>The type column in the </a:t>
+            </a:r>
+            <a:r>
+              <a:rPr lang="en-US" sz="3200" dirty="0" err="1"/>
+              <a:t>df_final</a:t>
+            </a:r>
+            <a:r>
+              <a:rPr lang="en-US" sz="3200" dirty="0"/>
+              <a:t> dataset was split to convert the values in the column into individual lists which were stored into a new column called </a:t>
+            </a:r>
+            <a:r>
+              <a:rPr lang="en-US" sz="3200" dirty="0" err="1"/>
+              <a:t>new_type</a:t>
+            </a:r>
+            <a:r>
+              <a:rPr lang="en-US" sz="3200" dirty="0"/>
+              <a:t>. </a:t>
+            </a:r>
+          </a:p>
+          <a:p>
+            <a:pPr marL="0" marR="0" indent="0">
+              <a:lnSpc>
+                <a:spcPct val="107000"/>
+              </a:lnSpc>
+              <a:spcBef>
+                <a:spcPts val="1200"/>
+              </a:spcBef>
+              <a:spcAft>
+                <a:spcPts val="800"/>
+              </a:spcAft>
+              <a:buNone/>
+            </a:pPr>
+            <a:r>
+              <a:rPr lang="en-US" sz="3200" i="1" dirty="0">
+                <a:solidFill>
+                  <a:srgbClr val="60A0B0"/>
+                </a:solidFill>
+                <a:latin typeface="Consolas" panose="020B0609020204030204" pitchFamily="49" charset="0"/>
+                <a:ea typeface="Calibri" panose="020F0502020204030204" pitchFamily="34" charset="0"/>
+                <a:cs typeface="Times New Roman" panose="02020603050405020304" pitchFamily="18" charset="0"/>
+              </a:rPr>
+              <a:t>#Create </a:t>
+            </a:r>
+            <a:r>
+              <a:rPr lang="en-US" sz="3200" i="1" dirty="0" err="1">
+                <a:solidFill>
+                  <a:srgbClr val="60A0B0"/>
+                </a:solidFill>
+                <a:latin typeface="Consolas" panose="020B0609020204030204" pitchFamily="49" charset="0"/>
+                <a:ea typeface="Calibri" panose="020F0502020204030204" pitchFamily="34" charset="0"/>
+                <a:cs typeface="Times New Roman" panose="02020603050405020304" pitchFamily="18" charset="0"/>
+              </a:rPr>
+              <a:t>new_type</a:t>
+            </a:r>
+            <a:r>
+              <a:rPr lang="en-US" sz="3200" i="1" dirty="0">
+                <a:solidFill>
+                  <a:srgbClr val="60A0B0"/>
+                </a:solidFill>
+                <a:latin typeface="Consolas" panose="020B0609020204030204" pitchFamily="49" charset="0"/>
+                <a:ea typeface="Calibri" panose="020F0502020204030204" pitchFamily="34" charset="0"/>
+                <a:cs typeface="Times New Roman" panose="02020603050405020304" pitchFamily="18" charset="0"/>
+              </a:rPr>
+              <a:t> column in </a:t>
+            </a:r>
+            <a:r>
+              <a:rPr lang="en-US" sz="3200" i="1" dirty="0" err="1">
+                <a:solidFill>
+                  <a:srgbClr val="60A0B0"/>
+                </a:solidFill>
+                <a:latin typeface="Consolas" panose="020B0609020204030204" pitchFamily="49" charset="0"/>
+                <a:ea typeface="Calibri" panose="020F0502020204030204" pitchFamily="34" charset="0"/>
+                <a:cs typeface="Times New Roman" panose="02020603050405020304" pitchFamily="18" charset="0"/>
+              </a:rPr>
+              <a:t>df_final</a:t>
+            </a:r>
+            <a:r>
+              <a:rPr lang="en-US" sz="3200" i="1" dirty="0">
+                <a:solidFill>
+                  <a:srgbClr val="60A0B0"/>
+                </a:solidFill>
+                <a:latin typeface="Consolas" panose="020B0609020204030204" pitchFamily="49" charset="0"/>
+                <a:ea typeface="Calibri" panose="020F0502020204030204" pitchFamily="34" charset="0"/>
+                <a:cs typeface="Times New Roman" panose="02020603050405020304" pitchFamily="18" charset="0"/>
+              </a:rPr>
+              <a:t> dataset</a:t>
+            </a:r>
+            <a:br>
+              <a:rPr lang="en-US" sz="3200" dirty="0">
+                <a:latin typeface="Calibri" panose="020F0502020204030204" pitchFamily="34" charset="0"/>
+                <a:ea typeface="Calibri" panose="020F0502020204030204" pitchFamily="34" charset="0"/>
+                <a:cs typeface="Times New Roman" panose="02020603050405020304" pitchFamily="18" charset="0"/>
+              </a:rPr>
+            </a:br>
+            <a:r>
+              <a:rPr lang="en-US" sz="3200" dirty="0" err="1">
+                <a:latin typeface="Consolas" panose="020B0609020204030204" pitchFamily="49" charset="0"/>
+                <a:ea typeface="Calibri" panose="020F0502020204030204" pitchFamily="34" charset="0"/>
+                <a:cs typeface="Times New Roman" panose="02020603050405020304" pitchFamily="18" charset="0"/>
+              </a:rPr>
+              <a:t>df_final</a:t>
+            </a:r>
+            <a:r>
+              <a:rPr lang="en-US" sz="3200" dirty="0">
+                <a:latin typeface="Consolas" panose="020B0609020204030204" pitchFamily="49" charset="0"/>
+                <a:ea typeface="Calibri" panose="020F0502020204030204" pitchFamily="34" charset="0"/>
+                <a:cs typeface="Times New Roman" panose="02020603050405020304" pitchFamily="18" charset="0"/>
+              </a:rPr>
+              <a:t>[</a:t>
+            </a:r>
+            <a:r>
+              <a:rPr lang="en-US" sz="3200" dirty="0">
+                <a:solidFill>
+                  <a:srgbClr val="4070A0"/>
+                </a:solidFill>
+                <a:latin typeface="Consolas" panose="020B0609020204030204" pitchFamily="49" charset="0"/>
+                <a:ea typeface="Calibri" panose="020F0502020204030204" pitchFamily="34" charset="0"/>
+                <a:cs typeface="Times New Roman" panose="02020603050405020304" pitchFamily="18" charset="0"/>
+              </a:rPr>
+              <a:t>'</a:t>
+            </a:r>
+            <a:r>
+              <a:rPr lang="en-US" sz="3200" dirty="0" err="1">
+                <a:solidFill>
+                  <a:srgbClr val="4070A0"/>
+                </a:solidFill>
+                <a:latin typeface="Consolas" panose="020B0609020204030204" pitchFamily="49" charset="0"/>
+                <a:ea typeface="Calibri" panose="020F0502020204030204" pitchFamily="34" charset="0"/>
+                <a:cs typeface="Times New Roman" panose="02020603050405020304" pitchFamily="18" charset="0"/>
+              </a:rPr>
+              <a:t>new_type</a:t>
+            </a:r>
+            <a:r>
+              <a:rPr lang="en-US" sz="3200" dirty="0">
+                <a:solidFill>
+                  <a:srgbClr val="4070A0"/>
+                </a:solidFill>
+                <a:latin typeface="Consolas" panose="020B0609020204030204" pitchFamily="49" charset="0"/>
+                <a:ea typeface="Calibri" panose="020F0502020204030204" pitchFamily="34" charset="0"/>
+                <a:cs typeface="Times New Roman" panose="02020603050405020304" pitchFamily="18" charset="0"/>
+              </a:rPr>
+              <a:t>'</a:t>
+            </a:r>
+            <a:r>
+              <a:rPr lang="en-US" sz="3200" dirty="0">
+                <a:latin typeface="Consolas" panose="020B0609020204030204" pitchFamily="49" charset="0"/>
+                <a:ea typeface="Calibri" panose="020F0502020204030204" pitchFamily="34" charset="0"/>
+                <a:cs typeface="Times New Roman" panose="02020603050405020304" pitchFamily="18" charset="0"/>
+              </a:rPr>
+              <a:t>] = </a:t>
+            </a:r>
+            <a:r>
+              <a:rPr lang="en-US" sz="3200" dirty="0" err="1">
+                <a:latin typeface="Consolas" panose="020B0609020204030204" pitchFamily="49" charset="0"/>
+                <a:ea typeface="Calibri" panose="020F0502020204030204" pitchFamily="34" charset="0"/>
+                <a:cs typeface="Times New Roman" panose="02020603050405020304" pitchFamily="18" charset="0"/>
+              </a:rPr>
+              <a:t>df_final</a:t>
+            </a:r>
+            <a:r>
+              <a:rPr lang="en-US" sz="3200" dirty="0">
+                <a:latin typeface="Consolas" panose="020B0609020204030204" pitchFamily="49" charset="0"/>
+                <a:ea typeface="Calibri" panose="020F0502020204030204" pitchFamily="34" charset="0"/>
+                <a:cs typeface="Times New Roman" panose="02020603050405020304" pitchFamily="18" charset="0"/>
+              </a:rPr>
+              <a:t>[</a:t>
+            </a:r>
+            <a:r>
+              <a:rPr lang="en-US" sz="3200" dirty="0">
+                <a:solidFill>
+                  <a:srgbClr val="4070A0"/>
+                </a:solidFill>
+                <a:latin typeface="Consolas" panose="020B0609020204030204" pitchFamily="49" charset="0"/>
+                <a:ea typeface="Calibri" panose="020F0502020204030204" pitchFamily="34" charset="0"/>
+                <a:cs typeface="Times New Roman" panose="02020603050405020304" pitchFamily="18" charset="0"/>
+              </a:rPr>
+              <a:t>'type'</a:t>
+            </a:r>
+            <a:r>
+              <a:rPr lang="en-US" sz="3200" dirty="0">
+                <a:latin typeface="Consolas" panose="020B0609020204030204" pitchFamily="49" charset="0"/>
+                <a:ea typeface="Calibri" panose="020F0502020204030204" pitchFamily="34" charset="0"/>
+                <a:cs typeface="Times New Roman" panose="02020603050405020304" pitchFamily="18" charset="0"/>
+              </a:rPr>
+              <a:t>].</a:t>
+            </a:r>
+            <a:r>
+              <a:rPr lang="en-US" sz="3200" dirty="0" err="1">
+                <a:solidFill>
+                  <a:srgbClr val="902000"/>
+                </a:solidFill>
+                <a:latin typeface="Consolas" panose="020B0609020204030204" pitchFamily="49" charset="0"/>
+                <a:ea typeface="Calibri" panose="020F0502020204030204" pitchFamily="34" charset="0"/>
+                <a:cs typeface="Times New Roman" panose="02020603050405020304" pitchFamily="18" charset="0"/>
+              </a:rPr>
+              <a:t>str</a:t>
+            </a:r>
+            <a:r>
+              <a:rPr lang="en-US" sz="3200" dirty="0" err="1">
+                <a:latin typeface="Consolas" panose="020B0609020204030204" pitchFamily="49" charset="0"/>
+                <a:ea typeface="Calibri" panose="020F0502020204030204" pitchFamily="34" charset="0"/>
+                <a:cs typeface="Times New Roman" panose="02020603050405020304" pitchFamily="18" charset="0"/>
+              </a:rPr>
+              <a:t>.split</a:t>
+            </a:r>
+            <a:r>
+              <a:rPr lang="en-US" sz="3200" dirty="0">
+                <a:latin typeface="Consolas" panose="020B0609020204030204" pitchFamily="49" charset="0"/>
+                <a:ea typeface="Calibri" panose="020F0502020204030204" pitchFamily="34" charset="0"/>
+                <a:cs typeface="Times New Roman" panose="02020603050405020304" pitchFamily="18" charset="0"/>
+              </a:rPr>
+              <a:t>(</a:t>
+            </a:r>
+            <a:r>
+              <a:rPr lang="en-US" sz="3200" dirty="0">
+                <a:solidFill>
+                  <a:srgbClr val="4070A0"/>
+                </a:solidFill>
+                <a:latin typeface="Consolas" panose="020B0609020204030204" pitchFamily="49" charset="0"/>
+                <a:ea typeface="Calibri" panose="020F0502020204030204" pitchFamily="34" charset="0"/>
+                <a:cs typeface="Times New Roman" panose="02020603050405020304" pitchFamily="18" charset="0"/>
+              </a:rPr>
+              <a:t>' / '</a:t>
+            </a:r>
+            <a:r>
+              <a:rPr lang="en-US" sz="3200" dirty="0">
+                <a:latin typeface="Consolas" panose="020B0609020204030204" pitchFamily="49" charset="0"/>
+                <a:ea typeface="Calibri" panose="020F0502020204030204" pitchFamily="34" charset="0"/>
+                <a:cs typeface="Times New Roman" panose="02020603050405020304" pitchFamily="18" charset="0"/>
+              </a:rPr>
+              <a:t>)</a:t>
+            </a:r>
+            <a:endParaRPr lang="en-US" sz="3200" dirty="0">
+              <a:latin typeface="Calibri" panose="020F0502020204030204" pitchFamily="34" charset="0"/>
+              <a:ea typeface="Calibri" panose="020F0502020204030204" pitchFamily="34" charset="0"/>
+              <a:cs typeface="Times New Roman" panose="02020603050405020304" pitchFamily="18" charset="0"/>
+            </a:endParaRPr>
+          </a:p>
+          <a:p>
+            <a:pPr marL="0" indent="0">
+              <a:buNone/>
+            </a:pPr>
+            <a:endParaRPr lang="en-US" sz="3000" dirty="0"/>
+          </a:p>
+        </p:txBody>
+      </p:sp>
+    </p:spTree>
+    <p:extLst>
+      <p:ext uri="{BB962C8B-B14F-4D97-AF65-F5344CB8AC3E}">
+        <p14:creationId xmlns:p14="http://schemas.microsoft.com/office/powerpoint/2010/main" val="4066508417"/>
+      </p:ext>
+    </p:extLst>
+  </p:cSld>
+  <p:clrMapOvr>
+    <a:masterClrMapping/>
+  </p:clrMapOvr>
+</p:sld>
+</file>
+
+<file path=ppt/slides/slide33.xml><?xml version="1.0" encoding="utf-8"?>
+<p:sld xmlns:a="http://schemas.openxmlformats.org/drawingml/2006/main" xmlns:r="http://schemas.openxmlformats.org/officeDocument/2006/relationships" xmlns:p="http://schemas.openxmlformats.org/presentationml/2006/main">
+  <p:cSld>
+    <p:spTree>
+      <p:nvGrpSpPr>
+        <p:cNvPr id="1" name=""/>
+        <p:cNvGrpSpPr/>
+        <p:nvPr/>
+      </p:nvGrpSpPr>
+      <p:grpSpPr>
+        <a:xfrm>
+          <a:off x="0" y="0"/>
+          <a:ext cx="0" cy="0"/>
+          <a:chOff x="0" y="0"/>
+          <a:chExt cx="0" cy="0"/>
+        </a:xfrm>
+      </p:grpSpPr>
+      <p:sp>
+        <p:nvSpPr>
+          <p:cNvPr id="2" name="Title 1">
+            <a:extLst>
+              <a:ext uri="{FF2B5EF4-FFF2-40B4-BE49-F238E27FC236}">
+                <a16:creationId xmlns:a16="http://schemas.microsoft.com/office/drawing/2014/main" id="{F20136F2-C189-4CF5-A4AC-013B4F9C4CC6}"/>
+              </a:ext>
+            </a:extLst>
+          </p:cNvPr>
+          <p:cNvSpPr>
+            <a:spLocks noGrp="1"/>
+          </p:cNvSpPr>
+          <p:nvPr>
+            <p:ph type="title"/>
+          </p:nvPr>
+        </p:nvSpPr>
+        <p:spPr/>
+        <p:txBody>
+          <a:bodyPr>
+            <a:normAutofit/>
+          </a:bodyPr>
+          <a:lstStyle/>
+          <a:p>
+            <a:r>
+              <a:rPr lang="en-US" sz="3000" dirty="0"/>
+              <a:t>Load text cleaning functions created in Capstone Project 1 Dataset - Final-</a:t>
+            </a:r>
+            <a:r>
+              <a:rPr lang="en-US" sz="3000" dirty="0" err="1"/>
+              <a:t>Edited.ipynb</a:t>
+            </a:r>
+            <a:endParaRPr lang="en-US" sz="3000" dirty="0"/>
+          </a:p>
+        </p:txBody>
+      </p:sp>
+      <p:sp>
+        <p:nvSpPr>
+          <p:cNvPr id="3" name="Content Placeholder 2">
+            <a:extLst>
+              <a:ext uri="{FF2B5EF4-FFF2-40B4-BE49-F238E27FC236}">
+                <a16:creationId xmlns:a16="http://schemas.microsoft.com/office/drawing/2014/main" id="{5BDB81FC-CD6A-4853-BE2A-F4E74C5448D6}"/>
+              </a:ext>
+            </a:extLst>
+          </p:cNvPr>
+          <p:cNvSpPr>
+            <a:spLocks noGrp="1"/>
+          </p:cNvSpPr>
+          <p:nvPr>
+            <p:ph idx="1"/>
+          </p:nvPr>
+        </p:nvSpPr>
+        <p:spPr>
+          <a:xfrm>
+            <a:off x="248478" y="2015732"/>
+            <a:ext cx="12125739" cy="4166407"/>
+          </a:xfrm>
+        </p:spPr>
+        <p:txBody>
+          <a:bodyPr numCol="3">
+            <a:normAutofit/>
+          </a:bodyPr>
+          <a:lstStyle/>
+          <a:p>
+            <a:pPr marL="0" indent="0">
+              <a:buNone/>
+            </a:pPr>
+            <a:r>
+              <a:rPr lang="en-US" sz="1400" i="1" dirty="0">
+                <a:solidFill>
+                  <a:srgbClr val="60A0B0"/>
+                </a:solidFill>
+                <a:latin typeface="Consolas" panose="020B0609020204030204" pitchFamily="49" charset="0"/>
+                <a:ea typeface="Calibri" panose="020F0502020204030204" pitchFamily="34" charset="0"/>
+                <a:cs typeface="Times New Roman" panose="02020603050405020304" pitchFamily="18" charset="0"/>
+              </a:rPr>
+              <a:t># function for text cleaning </a:t>
+            </a:r>
+            <a:br>
+              <a:rPr lang="en-US" sz="1400" dirty="0">
+                <a:latin typeface="Calibri" panose="020F0502020204030204" pitchFamily="34" charset="0"/>
+                <a:ea typeface="Calibri" panose="020F0502020204030204" pitchFamily="34" charset="0"/>
+                <a:cs typeface="Times New Roman" panose="02020603050405020304" pitchFamily="18" charset="0"/>
+              </a:rPr>
+            </a:br>
+            <a:r>
+              <a:rPr lang="en-US" sz="1400" b="1" dirty="0">
+                <a:solidFill>
+                  <a:srgbClr val="007020"/>
+                </a:solidFill>
+                <a:latin typeface="Consolas" panose="020B0609020204030204" pitchFamily="49" charset="0"/>
+                <a:ea typeface="Calibri" panose="020F0502020204030204" pitchFamily="34" charset="0"/>
+                <a:cs typeface="Times New Roman" panose="02020603050405020304" pitchFamily="18" charset="0"/>
+              </a:rPr>
+              <a:t>def</a:t>
+            </a:r>
+            <a:r>
+              <a:rPr lang="en-US" sz="1400" dirty="0">
+                <a:latin typeface="Consolas" panose="020B0609020204030204" pitchFamily="49" charset="0"/>
+                <a:ea typeface="Calibri" panose="020F0502020204030204" pitchFamily="34" charset="0"/>
+                <a:cs typeface="Times New Roman" panose="02020603050405020304" pitchFamily="18" charset="0"/>
+              </a:rPr>
+              <a:t> </a:t>
+            </a:r>
+            <a:r>
+              <a:rPr lang="en-US" sz="1400" dirty="0" err="1">
+                <a:latin typeface="Consolas" panose="020B0609020204030204" pitchFamily="49" charset="0"/>
+                <a:ea typeface="Calibri" panose="020F0502020204030204" pitchFamily="34" charset="0"/>
+                <a:cs typeface="Times New Roman" panose="02020603050405020304" pitchFamily="18" charset="0"/>
+              </a:rPr>
+              <a:t>clean_text</a:t>
+            </a:r>
+            <a:r>
+              <a:rPr lang="en-US" sz="1400" dirty="0">
+                <a:latin typeface="Consolas" panose="020B0609020204030204" pitchFamily="49" charset="0"/>
+                <a:ea typeface="Calibri" panose="020F0502020204030204" pitchFamily="34" charset="0"/>
+                <a:cs typeface="Times New Roman" panose="02020603050405020304" pitchFamily="18" charset="0"/>
+              </a:rPr>
+              <a:t>(text): </a:t>
+            </a:r>
+            <a:br>
+              <a:rPr lang="en-US" sz="1400" dirty="0">
+                <a:latin typeface="Calibri" panose="020F0502020204030204" pitchFamily="34" charset="0"/>
+                <a:ea typeface="Calibri" panose="020F0502020204030204" pitchFamily="34" charset="0"/>
+                <a:cs typeface="Times New Roman" panose="02020603050405020304" pitchFamily="18" charset="0"/>
+              </a:rPr>
+            </a:br>
+            <a:r>
+              <a:rPr lang="en-US" sz="1400" dirty="0">
+                <a:latin typeface="Consolas" panose="020B0609020204030204" pitchFamily="49" charset="0"/>
+                <a:ea typeface="Calibri" panose="020F0502020204030204" pitchFamily="34" charset="0"/>
+                <a:cs typeface="Times New Roman" panose="02020603050405020304" pitchFamily="18" charset="0"/>
+              </a:rPr>
+              <a:t>    </a:t>
+            </a:r>
+            <a:r>
+              <a:rPr lang="en-US" sz="1400" i="1" dirty="0">
+                <a:solidFill>
+                  <a:srgbClr val="60A0B0"/>
+                </a:solidFill>
+                <a:latin typeface="Consolas" panose="020B0609020204030204" pitchFamily="49" charset="0"/>
+                <a:ea typeface="Calibri" panose="020F0502020204030204" pitchFamily="34" charset="0"/>
+                <a:cs typeface="Times New Roman" panose="02020603050405020304" pitchFamily="18" charset="0"/>
+              </a:rPr>
+              <a:t># remove everything except alphabets </a:t>
+            </a:r>
+            <a:br>
+              <a:rPr lang="en-US" sz="1400" dirty="0">
+                <a:latin typeface="Calibri" panose="020F0502020204030204" pitchFamily="34" charset="0"/>
+                <a:ea typeface="Calibri" panose="020F0502020204030204" pitchFamily="34" charset="0"/>
+                <a:cs typeface="Times New Roman" panose="02020603050405020304" pitchFamily="18" charset="0"/>
+              </a:rPr>
+            </a:br>
+            <a:r>
+              <a:rPr lang="en-US" sz="1400" dirty="0">
+                <a:latin typeface="Consolas" panose="020B0609020204030204" pitchFamily="49" charset="0"/>
+                <a:ea typeface="Calibri" panose="020F0502020204030204" pitchFamily="34" charset="0"/>
+                <a:cs typeface="Times New Roman" panose="02020603050405020304" pitchFamily="18" charset="0"/>
+              </a:rPr>
+              <a:t>    text = </a:t>
+            </a:r>
+            <a:r>
+              <a:rPr lang="en-US" sz="1400" dirty="0" err="1">
+                <a:latin typeface="Consolas" panose="020B0609020204030204" pitchFamily="49" charset="0"/>
+                <a:ea typeface="Calibri" panose="020F0502020204030204" pitchFamily="34" charset="0"/>
+                <a:cs typeface="Times New Roman" panose="02020603050405020304" pitchFamily="18" charset="0"/>
+              </a:rPr>
+              <a:t>re.sub</a:t>
+            </a:r>
+            <a:r>
+              <a:rPr lang="en-US" sz="1400" dirty="0">
+                <a:latin typeface="Consolas" panose="020B0609020204030204" pitchFamily="49" charset="0"/>
+                <a:ea typeface="Calibri" panose="020F0502020204030204" pitchFamily="34" charset="0"/>
+                <a:cs typeface="Times New Roman" panose="02020603050405020304" pitchFamily="18" charset="0"/>
+              </a:rPr>
+              <a:t>(</a:t>
+            </a:r>
+            <a:r>
+              <a:rPr lang="en-US" sz="1400" dirty="0">
+                <a:solidFill>
+                  <a:srgbClr val="4070A0"/>
+                </a:solidFill>
+                <a:latin typeface="Consolas" panose="020B0609020204030204" pitchFamily="49" charset="0"/>
+                <a:ea typeface="Calibri" panose="020F0502020204030204" pitchFamily="34" charset="0"/>
+                <a:cs typeface="Times New Roman" panose="02020603050405020304" pitchFamily="18" charset="0"/>
+              </a:rPr>
+              <a:t>"[^a-</a:t>
+            </a:r>
+            <a:r>
+              <a:rPr lang="en-US" sz="1400" dirty="0" err="1">
+                <a:solidFill>
+                  <a:srgbClr val="4070A0"/>
+                </a:solidFill>
+                <a:latin typeface="Consolas" panose="020B0609020204030204" pitchFamily="49" charset="0"/>
+                <a:ea typeface="Calibri" panose="020F0502020204030204" pitchFamily="34" charset="0"/>
+                <a:cs typeface="Times New Roman" panose="02020603050405020304" pitchFamily="18" charset="0"/>
+              </a:rPr>
+              <a:t>zA</a:t>
+            </a:r>
+            <a:r>
+              <a:rPr lang="en-US" sz="1400" dirty="0">
+                <a:solidFill>
+                  <a:srgbClr val="4070A0"/>
+                </a:solidFill>
+                <a:latin typeface="Consolas" panose="020B0609020204030204" pitchFamily="49" charset="0"/>
+                <a:ea typeface="Calibri" panose="020F0502020204030204" pitchFamily="34" charset="0"/>
+                <a:cs typeface="Times New Roman" panose="02020603050405020304" pitchFamily="18" charset="0"/>
+              </a:rPr>
+              <a:t>-Z]"</a:t>
+            </a:r>
+            <a:r>
+              <a:rPr lang="en-US" sz="1400" dirty="0">
+                <a:latin typeface="Consolas" panose="020B0609020204030204" pitchFamily="49" charset="0"/>
+                <a:ea typeface="Calibri" panose="020F0502020204030204" pitchFamily="34" charset="0"/>
+                <a:cs typeface="Times New Roman" panose="02020603050405020304" pitchFamily="18" charset="0"/>
+              </a:rPr>
+              <a:t>,</a:t>
+            </a:r>
+            <a:r>
+              <a:rPr lang="en-US" sz="1400" dirty="0">
+                <a:solidFill>
+                  <a:srgbClr val="4070A0"/>
+                </a:solidFill>
+                <a:latin typeface="Consolas" panose="020B0609020204030204" pitchFamily="49" charset="0"/>
+                <a:ea typeface="Calibri" panose="020F0502020204030204" pitchFamily="34" charset="0"/>
+                <a:cs typeface="Times New Roman" panose="02020603050405020304" pitchFamily="18" charset="0"/>
+              </a:rPr>
+              <a:t>" "</a:t>
+            </a:r>
+            <a:r>
+              <a:rPr lang="en-US" sz="1400" dirty="0">
+                <a:latin typeface="Consolas" panose="020B0609020204030204" pitchFamily="49" charset="0"/>
+                <a:ea typeface="Calibri" panose="020F0502020204030204" pitchFamily="34" charset="0"/>
+                <a:cs typeface="Times New Roman" panose="02020603050405020304" pitchFamily="18" charset="0"/>
+              </a:rPr>
+              <a:t>,text) </a:t>
+            </a:r>
+            <a:br>
+              <a:rPr lang="en-US" sz="1400" dirty="0">
+                <a:latin typeface="Calibri" panose="020F0502020204030204" pitchFamily="34" charset="0"/>
+                <a:ea typeface="Calibri" panose="020F0502020204030204" pitchFamily="34" charset="0"/>
+                <a:cs typeface="Times New Roman" panose="02020603050405020304" pitchFamily="18" charset="0"/>
+              </a:rPr>
+            </a:br>
+            <a:r>
+              <a:rPr lang="en-US" sz="1400" dirty="0">
+                <a:latin typeface="Consolas" panose="020B0609020204030204" pitchFamily="49" charset="0"/>
+                <a:ea typeface="Calibri" panose="020F0502020204030204" pitchFamily="34" charset="0"/>
+                <a:cs typeface="Times New Roman" panose="02020603050405020304" pitchFamily="18" charset="0"/>
+              </a:rPr>
+              <a:t>    </a:t>
+            </a:r>
+            <a:r>
+              <a:rPr lang="en-US" sz="1400" i="1" dirty="0">
+                <a:solidFill>
+                  <a:srgbClr val="60A0B0"/>
+                </a:solidFill>
+                <a:latin typeface="Consolas" panose="020B0609020204030204" pitchFamily="49" charset="0"/>
+                <a:ea typeface="Calibri" panose="020F0502020204030204" pitchFamily="34" charset="0"/>
+                <a:cs typeface="Times New Roman" panose="02020603050405020304" pitchFamily="18" charset="0"/>
+              </a:rPr>
+              <a:t># remove whitespaces </a:t>
+            </a:r>
+            <a:br>
+              <a:rPr lang="en-US" sz="1400" dirty="0">
+                <a:latin typeface="Calibri" panose="020F0502020204030204" pitchFamily="34" charset="0"/>
+                <a:ea typeface="Calibri" panose="020F0502020204030204" pitchFamily="34" charset="0"/>
+                <a:cs typeface="Times New Roman" panose="02020603050405020304" pitchFamily="18" charset="0"/>
+              </a:rPr>
+            </a:br>
+            <a:r>
+              <a:rPr lang="en-US" sz="1400" dirty="0">
+                <a:latin typeface="Consolas" panose="020B0609020204030204" pitchFamily="49" charset="0"/>
+                <a:ea typeface="Calibri" panose="020F0502020204030204" pitchFamily="34" charset="0"/>
+                <a:cs typeface="Times New Roman" panose="02020603050405020304" pitchFamily="18" charset="0"/>
+              </a:rPr>
+              <a:t>    text = </a:t>
+            </a:r>
+            <a:r>
+              <a:rPr lang="en-US" sz="1400" dirty="0">
+                <a:solidFill>
+                  <a:srgbClr val="4070A0"/>
+                </a:solidFill>
+                <a:latin typeface="Consolas" panose="020B0609020204030204" pitchFamily="49" charset="0"/>
+                <a:ea typeface="Calibri" panose="020F0502020204030204" pitchFamily="34" charset="0"/>
+                <a:cs typeface="Times New Roman" panose="02020603050405020304" pitchFamily="18" charset="0"/>
+              </a:rPr>
+              <a:t>' '</a:t>
+            </a:r>
+            <a:r>
+              <a:rPr lang="en-US" sz="1400" dirty="0">
+                <a:latin typeface="Consolas" panose="020B0609020204030204" pitchFamily="49" charset="0"/>
+                <a:ea typeface="Calibri" panose="020F0502020204030204" pitchFamily="34" charset="0"/>
+                <a:cs typeface="Times New Roman" panose="02020603050405020304" pitchFamily="18" charset="0"/>
+              </a:rPr>
+              <a:t>.join(</a:t>
+            </a:r>
+            <a:r>
+              <a:rPr lang="en-US" sz="1400" dirty="0" err="1">
+                <a:latin typeface="Consolas" panose="020B0609020204030204" pitchFamily="49" charset="0"/>
+                <a:ea typeface="Calibri" panose="020F0502020204030204" pitchFamily="34" charset="0"/>
+                <a:cs typeface="Times New Roman" panose="02020603050405020304" pitchFamily="18" charset="0"/>
+              </a:rPr>
+              <a:t>text.split</a:t>
+            </a:r>
+            <a:r>
+              <a:rPr lang="en-US" sz="1400" dirty="0">
+                <a:latin typeface="Consolas" panose="020B0609020204030204" pitchFamily="49" charset="0"/>
+                <a:ea typeface="Calibri" panose="020F0502020204030204" pitchFamily="34" charset="0"/>
+                <a:cs typeface="Times New Roman" panose="02020603050405020304" pitchFamily="18" charset="0"/>
+              </a:rPr>
+              <a:t>()) </a:t>
+            </a:r>
+            <a:br>
+              <a:rPr lang="en-US" sz="1400" dirty="0">
+                <a:latin typeface="Calibri" panose="020F0502020204030204" pitchFamily="34" charset="0"/>
+                <a:ea typeface="Calibri" panose="020F0502020204030204" pitchFamily="34" charset="0"/>
+                <a:cs typeface="Times New Roman" panose="02020603050405020304" pitchFamily="18" charset="0"/>
+              </a:rPr>
+            </a:br>
+            <a:r>
+              <a:rPr lang="en-US" sz="1400" dirty="0">
+                <a:latin typeface="Consolas" panose="020B0609020204030204" pitchFamily="49" charset="0"/>
+                <a:ea typeface="Calibri" panose="020F0502020204030204" pitchFamily="34" charset="0"/>
+                <a:cs typeface="Times New Roman" panose="02020603050405020304" pitchFamily="18" charset="0"/>
+              </a:rPr>
+              <a:t>    </a:t>
+            </a:r>
+            <a:r>
+              <a:rPr lang="en-US" sz="1400" i="1" dirty="0">
+                <a:solidFill>
+                  <a:srgbClr val="60A0B0"/>
+                </a:solidFill>
+                <a:latin typeface="Consolas" panose="020B0609020204030204" pitchFamily="49" charset="0"/>
+                <a:ea typeface="Calibri" panose="020F0502020204030204" pitchFamily="34" charset="0"/>
+                <a:cs typeface="Times New Roman" panose="02020603050405020304" pitchFamily="18" charset="0"/>
+              </a:rPr>
+              <a:t># convert text to lowercase </a:t>
+            </a:r>
+            <a:br>
+              <a:rPr lang="en-US" sz="1400" dirty="0">
+                <a:latin typeface="Calibri" panose="020F0502020204030204" pitchFamily="34" charset="0"/>
+                <a:ea typeface="Calibri" panose="020F0502020204030204" pitchFamily="34" charset="0"/>
+                <a:cs typeface="Times New Roman" panose="02020603050405020304" pitchFamily="18" charset="0"/>
+              </a:rPr>
+            </a:br>
+            <a:r>
+              <a:rPr lang="en-US" sz="1400" dirty="0">
+                <a:latin typeface="Consolas" panose="020B0609020204030204" pitchFamily="49" charset="0"/>
+                <a:ea typeface="Calibri" panose="020F0502020204030204" pitchFamily="34" charset="0"/>
+                <a:cs typeface="Times New Roman" panose="02020603050405020304" pitchFamily="18" charset="0"/>
+              </a:rPr>
+              <a:t>    text = </a:t>
+            </a:r>
+            <a:r>
+              <a:rPr lang="en-US" sz="1400" dirty="0" err="1">
+                <a:latin typeface="Consolas" panose="020B0609020204030204" pitchFamily="49" charset="0"/>
+                <a:ea typeface="Calibri" panose="020F0502020204030204" pitchFamily="34" charset="0"/>
+                <a:cs typeface="Times New Roman" panose="02020603050405020304" pitchFamily="18" charset="0"/>
+              </a:rPr>
+              <a:t>text.lower</a:t>
+            </a:r>
+            <a:r>
+              <a:rPr lang="en-US" sz="1400" dirty="0">
+                <a:latin typeface="Consolas" panose="020B0609020204030204" pitchFamily="49" charset="0"/>
+                <a:ea typeface="Calibri" panose="020F0502020204030204" pitchFamily="34" charset="0"/>
+                <a:cs typeface="Times New Roman" panose="02020603050405020304" pitchFamily="18" charset="0"/>
+              </a:rPr>
+              <a:t>() </a:t>
+            </a:r>
+            <a:br>
+              <a:rPr lang="en-US" sz="1400" dirty="0">
+                <a:latin typeface="Calibri" panose="020F0502020204030204" pitchFamily="34" charset="0"/>
+                <a:ea typeface="Calibri" panose="020F0502020204030204" pitchFamily="34" charset="0"/>
+                <a:cs typeface="Times New Roman" panose="02020603050405020304" pitchFamily="18" charset="0"/>
+              </a:rPr>
+            </a:br>
+            <a:r>
+              <a:rPr lang="en-US" sz="1400" dirty="0">
+                <a:latin typeface="Consolas" panose="020B0609020204030204" pitchFamily="49" charset="0"/>
+                <a:ea typeface="Calibri" panose="020F0502020204030204" pitchFamily="34" charset="0"/>
+                <a:cs typeface="Times New Roman" panose="02020603050405020304" pitchFamily="18" charset="0"/>
+              </a:rPr>
+              <a:t>    </a:t>
+            </a:r>
+            <a:br>
+              <a:rPr lang="en-US" sz="1400" dirty="0">
+                <a:latin typeface="Calibri" panose="020F0502020204030204" pitchFamily="34" charset="0"/>
+                <a:ea typeface="Calibri" panose="020F0502020204030204" pitchFamily="34" charset="0"/>
+                <a:cs typeface="Times New Roman" panose="02020603050405020304" pitchFamily="18" charset="0"/>
+              </a:rPr>
+            </a:br>
+            <a:r>
+              <a:rPr lang="en-US" sz="1400" dirty="0">
+                <a:latin typeface="Consolas" panose="020B0609020204030204" pitchFamily="49" charset="0"/>
+                <a:ea typeface="Calibri" panose="020F0502020204030204" pitchFamily="34" charset="0"/>
+                <a:cs typeface="Times New Roman" panose="02020603050405020304" pitchFamily="18" charset="0"/>
+              </a:rPr>
+              <a:t>    </a:t>
+            </a:r>
+            <a:r>
+              <a:rPr lang="en-US" sz="1400" b="1" dirty="0">
+                <a:solidFill>
+                  <a:srgbClr val="007020"/>
+                </a:solidFill>
+                <a:latin typeface="Consolas" panose="020B0609020204030204" pitchFamily="49" charset="0"/>
+                <a:ea typeface="Calibri" panose="020F0502020204030204" pitchFamily="34" charset="0"/>
+                <a:cs typeface="Times New Roman" panose="02020603050405020304" pitchFamily="18" charset="0"/>
+              </a:rPr>
+              <a:t>return</a:t>
+            </a:r>
+            <a:r>
+              <a:rPr lang="en-US" sz="1400" dirty="0">
+                <a:latin typeface="Consolas" panose="020B0609020204030204" pitchFamily="49" charset="0"/>
+                <a:ea typeface="Calibri" panose="020F0502020204030204" pitchFamily="34" charset="0"/>
+                <a:cs typeface="Times New Roman" panose="02020603050405020304" pitchFamily="18" charset="0"/>
+              </a:rPr>
+              <a:t> text</a:t>
+            </a:r>
+            <a:br>
+              <a:rPr lang="en-US" sz="1400" dirty="0">
+                <a:latin typeface="Calibri" panose="020F0502020204030204" pitchFamily="34" charset="0"/>
+                <a:ea typeface="Calibri" panose="020F0502020204030204" pitchFamily="34" charset="0"/>
+                <a:cs typeface="Times New Roman" panose="02020603050405020304" pitchFamily="18" charset="0"/>
+              </a:rPr>
+            </a:br>
+            <a:endParaRPr lang="en-US" sz="1400" dirty="0">
+              <a:latin typeface="Calibri" panose="020F0502020204030204" pitchFamily="34" charset="0"/>
+              <a:ea typeface="Calibri" panose="020F0502020204030204" pitchFamily="34" charset="0"/>
+              <a:cs typeface="Times New Roman" panose="02020603050405020304" pitchFamily="18" charset="0"/>
+            </a:endParaRPr>
+          </a:p>
+          <a:p>
+            <a:pPr marL="0" indent="0">
+              <a:buNone/>
+            </a:pPr>
+            <a:endParaRPr lang="en-US" sz="1400" i="1" dirty="0">
+              <a:solidFill>
+                <a:srgbClr val="60A0B0"/>
+              </a:solidFill>
+              <a:latin typeface="Calibri" panose="020F0502020204030204" pitchFamily="34" charset="0"/>
+              <a:ea typeface="Calibri" panose="020F0502020204030204" pitchFamily="34" charset="0"/>
+              <a:cs typeface="Times New Roman" panose="02020603050405020304" pitchFamily="18" charset="0"/>
+            </a:endParaRPr>
+          </a:p>
+          <a:p>
+            <a:pPr marL="0" indent="0">
+              <a:buNone/>
+            </a:pPr>
+            <a:endParaRPr lang="en-US" sz="1400" i="1" dirty="0">
+              <a:solidFill>
+                <a:srgbClr val="60A0B0"/>
+              </a:solidFill>
+              <a:latin typeface="Calibri" panose="020F0502020204030204" pitchFamily="34" charset="0"/>
+              <a:ea typeface="Calibri" panose="020F0502020204030204" pitchFamily="34" charset="0"/>
+              <a:cs typeface="Times New Roman" panose="02020603050405020304" pitchFamily="18" charset="0"/>
+            </a:endParaRPr>
+          </a:p>
+          <a:p>
+            <a:pPr marL="0" indent="0">
+              <a:buNone/>
+            </a:pPr>
+            <a:endParaRPr lang="en-US" sz="1400" i="1" dirty="0">
+              <a:solidFill>
+                <a:srgbClr val="60A0B0"/>
+              </a:solidFill>
+              <a:latin typeface="Consolas" panose="020B0609020204030204" pitchFamily="49" charset="0"/>
+              <a:ea typeface="Calibri" panose="020F0502020204030204" pitchFamily="34" charset="0"/>
+              <a:cs typeface="Times New Roman" panose="02020603050405020304" pitchFamily="18" charset="0"/>
+            </a:endParaRPr>
+          </a:p>
+          <a:p>
+            <a:pPr marL="0" indent="0">
+              <a:buNone/>
+            </a:pPr>
+            <a:r>
+              <a:rPr lang="en-US" sz="1400" i="1" dirty="0">
+                <a:solidFill>
+                  <a:srgbClr val="60A0B0"/>
+                </a:solidFill>
+                <a:latin typeface="Consolas" panose="020B0609020204030204" pitchFamily="49" charset="0"/>
+                <a:ea typeface="Calibri" panose="020F0502020204030204" pitchFamily="34" charset="0"/>
+                <a:cs typeface="Times New Roman" panose="02020603050405020304" pitchFamily="18" charset="0"/>
+              </a:rPr>
+              <a:t># function for stemming words</a:t>
+            </a:r>
+            <a:br>
+              <a:rPr lang="en-US" sz="1400" dirty="0">
+                <a:latin typeface="Calibri" panose="020F0502020204030204" pitchFamily="34" charset="0"/>
+                <a:ea typeface="Calibri" panose="020F0502020204030204" pitchFamily="34" charset="0"/>
+                <a:cs typeface="Times New Roman" panose="02020603050405020304" pitchFamily="18" charset="0"/>
+              </a:rPr>
+            </a:br>
+            <a:r>
+              <a:rPr lang="en-US" sz="1400" b="1" dirty="0">
+                <a:solidFill>
+                  <a:srgbClr val="007020"/>
+                </a:solidFill>
+                <a:latin typeface="Consolas" panose="020B0609020204030204" pitchFamily="49" charset="0"/>
+                <a:ea typeface="Calibri" panose="020F0502020204030204" pitchFamily="34" charset="0"/>
+                <a:cs typeface="Times New Roman" panose="02020603050405020304" pitchFamily="18" charset="0"/>
+              </a:rPr>
+              <a:t>def</a:t>
+            </a:r>
+            <a:r>
+              <a:rPr lang="en-US" sz="1400" dirty="0">
+                <a:latin typeface="Consolas" panose="020B0609020204030204" pitchFamily="49" charset="0"/>
+                <a:ea typeface="Calibri" panose="020F0502020204030204" pitchFamily="34" charset="0"/>
+                <a:cs typeface="Times New Roman" panose="02020603050405020304" pitchFamily="18" charset="0"/>
+              </a:rPr>
+              <a:t> </a:t>
+            </a:r>
+            <a:r>
+              <a:rPr lang="en-US" sz="1400" dirty="0" err="1">
+                <a:latin typeface="Consolas" panose="020B0609020204030204" pitchFamily="49" charset="0"/>
+                <a:ea typeface="Calibri" panose="020F0502020204030204" pitchFamily="34" charset="0"/>
+                <a:cs typeface="Times New Roman" panose="02020603050405020304" pitchFamily="18" charset="0"/>
+              </a:rPr>
+              <a:t>stem_text</a:t>
+            </a:r>
+            <a:r>
+              <a:rPr lang="en-US" sz="1400" dirty="0">
+                <a:latin typeface="Consolas" panose="020B0609020204030204" pitchFamily="49" charset="0"/>
+                <a:ea typeface="Calibri" panose="020F0502020204030204" pitchFamily="34" charset="0"/>
+                <a:cs typeface="Times New Roman" panose="02020603050405020304" pitchFamily="18" charset="0"/>
+              </a:rPr>
+              <a:t>(text):</a:t>
+            </a:r>
+            <a:br>
+              <a:rPr lang="en-US" sz="1400" dirty="0">
+                <a:latin typeface="Calibri" panose="020F0502020204030204" pitchFamily="34" charset="0"/>
+                <a:ea typeface="Calibri" panose="020F0502020204030204" pitchFamily="34" charset="0"/>
+                <a:cs typeface="Times New Roman" panose="02020603050405020304" pitchFamily="18" charset="0"/>
+              </a:rPr>
+            </a:br>
+            <a:r>
+              <a:rPr lang="en-US" sz="1400" dirty="0">
+                <a:latin typeface="Consolas" panose="020B0609020204030204" pitchFamily="49" charset="0"/>
+                <a:ea typeface="Calibri" panose="020F0502020204030204" pitchFamily="34" charset="0"/>
+                <a:cs typeface="Times New Roman" panose="02020603050405020304" pitchFamily="18" charset="0"/>
+              </a:rPr>
+              <a:t>    </a:t>
+            </a:r>
+            <a:r>
+              <a:rPr lang="en-US" sz="1400" dirty="0" err="1">
+                <a:latin typeface="Consolas" panose="020B0609020204030204" pitchFamily="49" charset="0"/>
+                <a:ea typeface="Calibri" panose="020F0502020204030204" pitchFamily="34" charset="0"/>
+                <a:cs typeface="Times New Roman" panose="02020603050405020304" pitchFamily="18" charset="0"/>
+              </a:rPr>
+              <a:t>ps</a:t>
+            </a:r>
+            <a:r>
+              <a:rPr lang="en-US" sz="1400" dirty="0">
+                <a:latin typeface="Consolas" panose="020B0609020204030204" pitchFamily="49" charset="0"/>
+                <a:ea typeface="Calibri" panose="020F0502020204030204" pitchFamily="34" charset="0"/>
+                <a:cs typeface="Times New Roman" panose="02020603050405020304" pitchFamily="18" charset="0"/>
+              </a:rPr>
+              <a:t> = </a:t>
+            </a:r>
+            <a:r>
+              <a:rPr lang="en-US" sz="1400" dirty="0" err="1">
+                <a:latin typeface="Consolas" panose="020B0609020204030204" pitchFamily="49" charset="0"/>
+                <a:ea typeface="Calibri" panose="020F0502020204030204" pitchFamily="34" charset="0"/>
+                <a:cs typeface="Times New Roman" panose="02020603050405020304" pitchFamily="18" charset="0"/>
+              </a:rPr>
+              <a:t>PorterStemmer</a:t>
+            </a:r>
+            <a:r>
+              <a:rPr lang="en-US" sz="1400" dirty="0">
+                <a:latin typeface="Consolas" panose="020B0609020204030204" pitchFamily="49" charset="0"/>
+                <a:ea typeface="Calibri" panose="020F0502020204030204" pitchFamily="34" charset="0"/>
+                <a:cs typeface="Times New Roman" panose="02020603050405020304" pitchFamily="18" charset="0"/>
+              </a:rPr>
+              <a:t>()</a:t>
+            </a:r>
+            <a:br>
+              <a:rPr lang="en-US" sz="1400" dirty="0">
+                <a:latin typeface="Calibri" panose="020F0502020204030204" pitchFamily="34" charset="0"/>
+                <a:ea typeface="Calibri" panose="020F0502020204030204" pitchFamily="34" charset="0"/>
+                <a:cs typeface="Times New Roman" panose="02020603050405020304" pitchFamily="18" charset="0"/>
+              </a:rPr>
+            </a:br>
+            <a:r>
+              <a:rPr lang="en-US" sz="1400" dirty="0">
+                <a:latin typeface="Consolas" panose="020B0609020204030204" pitchFamily="49" charset="0"/>
+                <a:ea typeface="Calibri" panose="020F0502020204030204" pitchFamily="34" charset="0"/>
+                <a:cs typeface="Times New Roman" panose="02020603050405020304" pitchFamily="18" charset="0"/>
+              </a:rPr>
+              <a:t>    </a:t>
+            </a:r>
+            <a:r>
+              <a:rPr lang="en-US" sz="1400" dirty="0" err="1">
+                <a:latin typeface="Consolas" panose="020B0609020204030204" pitchFamily="49" charset="0"/>
+                <a:ea typeface="Calibri" panose="020F0502020204030204" pitchFamily="34" charset="0"/>
+                <a:cs typeface="Times New Roman" panose="02020603050405020304" pitchFamily="18" charset="0"/>
+              </a:rPr>
+              <a:t>token_words</a:t>
+            </a:r>
+            <a:r>
+              <a:rPr lang="en-US" sz="1400" dirty="0">
+                <a:latin typeface="Consolas" panose="020B0609020204030204" pitchFamily="49" charset="0"/>
+                <a:ea typeface="Calibri" panose="020F0502020204030204" pitchFamily="34" charset="0"/>
+                <a:cs typeface="Times New Roman" panose="02020603050405020304" pitchFamily="18" charset="0"/>
+              </a:rPr>
+              <a:t>=</a:t>
+            </a:r>
+            <a:r>
+              <a:rPr lang="en-US" sz="1400" dirty="0" err="1">
+                <a:latin typeface="Consolas" panose="020B0609020204030204" pitchFamily="49" charset="0"/>
+                <a:ea typeface="Calibri" panose="020F0502020204030204" pitchFamily="34" charset="0"/>
+                <a:cs typeface="Times New Roman" panose="02020603050405020304" pitchFamily="18" charset="0"/>
+              </a:rPr>
+              <a:t>word_tokenize</a:t>
+            </a:r>
+            <a:r>
+              <a:rPr lang="en-US" sz="1400" dirty="0">
+                <a:latin typeface="Consolas" panose="020B0609020204030204" pitchFamily="49" charset="0"/>
+                <a:ea typeface="Calibri" panose="020F0502020204030204" pitchFamily="34" charset="0"/>
+                <a:cs typeface="Times New Roman" panose="02020603050405020304" pitchFamily="18" charset="0"/>
+              </a:rPr>
+              <a:t>(</a:t>
+            </a:r>
+            <a:r>
+              <a:rPr lang="en-US" sz="1400" dirty="0">
+                <a:solidFill>
+                  <a:srgbClr val="902000"/>
+                </a:solidFill>
+                <a:latin typeface="Consolas" panose="020B0609020204030204" pitchFamily="49" charset="0"/>
+                <a:ea typeface="Calibri" panose="020F0502020204030204" pitchFamily="34" charset="0"/>
+                <a:cs typeface="Times New Roman" panose="02020603050405020304" pitchFamily="18" charset="0"/>
+              </a:rPr>
+              <a:t>str</a:t>
+            </a:r>
+            <a:r>
+              <a:rPr lang="en-US" sz="1400" dirty="0">
+                <a:latin typeface="Consolas" panose="020B0609020204030204" pitchFamily="49" charset="0"/>
+                <a:ea typeface="Calibri" panose="020F0502020204030204" pitchFamily="34" charset="0"/>
+                <a:cs typeface="Times New Roman" panose="02020603050405020304" pitchFamily="18" charset="0"/>
+              </a:rPr>
+              <a:t>(text))</a:t>
+            </a:r>
+            <a:br>
+              <a:rPr lang="en-US" sz="1400" dirty="0">
+                <a:latin typeface="Calibri" panose="020F0502020204030204" pitchFamily="34" charset="0"/>
+                <a:ea typeface="Calibri" panose="020F0502020204030204" pitchFamily="34" charset="0"/>
+                <a:cs typeface="Times New Roman" panose="02020603050405020304" pitchFamily="18" charset="0"/>
+              </a:rPr>
+            </a:br>
+            <a:r>
+              <a:rPr lang="en-US" sz="1400" dirty="0">
+                <a:latin typeface="Consolas" panose="020B0609020204030204" pitchFamily="49" charset="0"/>
+                <a:ea typeface="Calibri" panose="020F0502020204030204" pitchFamily="34" charset="0"/>
+                <a:cs typeface="Times New Roman" panose="02020603050405020304" pitchFamily="18" charset="0"/>
+              </a:rPr>
+              <a:t>    </a:t>
+            </a:r>
+            <a:r>
+              <a:rPr lang="en-US" sz="1400" dirty="0" err="1">
+                <a:latin typeface="Consolas" panose="020B0609020204030204" pitchFamily="49" charset="0"/>
+                <a:ea typeface="Calibri" panose="020F0502020204030204" pitchFamily="34" charset="0"/>
+                <a:cs typeface="Times New Roman" panose="02020603050405020304" pitchFamily="18" charset="0"/>
+              </a:rPr>
+              <a:t>token_words</a:t>
+            </a:r>
+            <a:br>
+              <a:rPr lang="en-US" sz="1400" dirty="0">
+                <a:latin typeface="Calibri" panose="020F0502020204030204" pitchFamily="34" charset="0"/>
+                <a:ea typeface="Calibri" panose="020F0502020204030204" pitchFamily="34" charset="0"/>
+                <a:cs typeface="Times New Roman" panose="02020603050405020304" pitchFamily="18" charset="0"/>
+              </a:rPr>
+            </a:br>
+            <a:r>
+              <a:rPr lang="en-US" sz="1400" dirty="0">
+                <a:latin typeface="Consolas" panose="020B0609020204030204" pitchFamily="49" charset="0"/>
+                <a:ea typeface="Calibri" panose="020F0502020204030204" pitchFamily="34" charset="0"/>
+                <a:cs typeface="Times New Roman" panose="02020603050405020304" pitchFamily="18" charset="0"/>
+              </a:rPr>
+              <a:t>    </a:t>
+            </a:r>
+            <a:r>
+              <a:rPr lang="en-US" sz="1400" dirty="0" err="1">
+                <a:latin typeface="Consolas" panose="020B0609020204030204" pitchFamily="49" charset="0"/>
+                <a:ea typeface="Calibri" panose="020F0502020204030204" pitchFamily="34" charset="0"/>
+                <a:cs typeface="Times New Roman" panose="02020603050405020304" pitchFamily="18" charset="0"/>
+              </a:rPr>
+              <a:t>stem_text</a:t>
+            </a:r>
+            <a:r>
+              <a:rPr lang="en-US" sz="1400" dirty="0">
+                <a:latin typeface="Consolas" panose="020B0609020204030204" pitchFamily="49" charset="0"/>
+                <a:ea typeface="Calibri" panose="020F0502020204030204" pitchFamily="34" charset="0"/>
+                <a:cs typeface="Times New Roman" panose="02020603050405020304" pitchFamily="18" charset="0"/>
+              </a:rPr>
+              <a:t>=[]</a:t>
+            </a:r>
+            <a:br>
+              <a:rPr lang="en-US" sz="1400" dirty="0">
+                <a:latin typeface="Calibri" panose="020F0502020204030204" pitchFamily="34" charset="0"/>
+                <a:ea typeface="Calibri" panose="020F0502020204030204" pitchFamily="34" charset="0"/>
+                <a:cs typeface="Times New Roman" panose="02020603050405020304" pitchFamily="18" charset="0"/>
+              </a:rPr>
+            </a:br>
+            <a:r>
+              <a:rPr lang="en-US" sz="1400" dirty="0">
+                <a:latin typeface="Consolas" panose="020B0609020204030204" pitchFamily="49" charset="0"/>
+                <a:ea typeface="Calibri" panose="020F0502020204030204" pitchFamily="34" charset="0"/>
+                <a:cs typeface="Times New Roman" panose="02020603050405020304" pitchFamily="18" charset="0"/>
+              </a:rPr>
+              <a:t>    </a:t>
+            </a:r>
+            <a:r>
+              <a:rPr lang="en-US" sz="1400" b="1" dirty="0">
+                <a:solidFill>
+                  <a:srgbClr val="007020"/>
+                </a:solidFill>
+                <a:latin typeface="Consolas" panose="020B0609020204030204" pitchFamily="49" charset="0"/>
+                <a:ea typeface="Calibri" panose="020F0502020204030204" pitchFamily="34" charset="0"/>
+                <a:cs typeface="Times New Roman" panose="02020603050405020304" pitchFamily="18" charset="0"/>
+              </a:rPr>
+              <a:t>for</a:t>
+            </a:r>
+            <a:r>
+              <a:rPr lang="en-US" sz="1400" dirty="0">
+                <a:latin typeface="Consolas" panose="020B0609020204030204" pitchFamily="49" charset="0"/>
+                <a:ea typeface="Calibri" panose="020F0502020204030204" pitchFamily="34" charset="0"/>
+                <a:cs typeface="Times New Roman" panose="02020603050405020304" pitchFamily="18" charset="0"/>
+              </a:rPr>
+              <a:t> word in </a:t>
+            </a:r>
+            <a:r>
+              <a:rPr lang="en-US" sz="1400" dirty="0" err="1">
+                <a:latin typeface="Consolas" panose="020B0609020204030204" pitchFamily="49" charset="0"/>
+                <a:ea typeface="Calibri" panose="020F0502020204030204" pitchFamily="34" charset="0"/>
+                <a:cs typeface="Times New Roman" panose="02020603050405020304" pitchFamily="18" charset="0"/>
+              </a:rPr>
+              <a:t>token_words</a:t>
+            </a:r>
+            <a:r>
+              <a:rPr lang="en-US" sz="1400" dirty="0">
+                <a:latin typeface="Consolas" panose="020B0609020204030204" pitchFamily="49" charset="0"/>
+                <a:ea typeface="Calibri" panose="020F0502020204030204" pitchFamily="34" charset="0"/>
+                <a:cs typeface="Times New Roman" panose="02020603050405020304" pitchFamily="18" charset="0"/>
+              </a:rPr>
+              <a:t>:</a:t>
+            </a:r>
+            <a:br>
+              <a:rPr lang="en-US" sz="1400" dirty="0">
+                <a:latin typeface="Calibri" panose="020F0502020204030204" pitchFamily="34" charset="0"/>
+                <a:ea typeface="Calibri" panose="020F0502020204030204" pitchFamily="34" charset="0"/>
+                <a:cs typeface="Times New Roman" panose="02020603050405020304" pitchFamily="18" charset="0"/>
+              </a:rPr>
+            </a:br>
+            <a:r>
+              <a:rPr lang="en-US" sz="1400" dirty="0">
+                <a:latin typeface="Consolas" panose="020B0609020204030204" pitchFamily="49" charset="0"/>
+                <a:ea typeface="Calibri" panose="020F0502020204030204" pitchFamily="34" charset="0"/>
+                <a:cs typeface="Times New Roman" panose="02020603050405020304" pitchFamily="18" charset="0"/>
+              </a:rPr>
+              <a:t>        </a:t>
+            </a:r>
+            <a:r>
+              <a:rPr lang="en-US" sz="1400" dirty="0" err="1">
+                <a:latin typeface="Consolas" panose="020B0609020204030204" pitchFamily="49" charset="0"/>
+                <a:ea typeface="Calibri" panose="020F0502020204030204" pitchFamily="34" charset="0"/>
+                <a:cs typeface="Times New Roman" panose="02020603050405020304" pitchFamily="18" charset="0"/>
+              </a:rPr>
+              <a:t>stem_text.append</a:t>
+            </a:r>
+            <a:r>
+              <a:rPr lang="en-US" sz="1400" dirty="0">
+                <a:latin typeface="Consolas" panose="020B0609020204030204" pitchFamily="49" charset="0"/>
+                <a:ea typeface="Calibri" panose="020F0502020204030204" pitchFamily="34" charset="0"/>
+                <a:cs typeface="Times New Roman" panose="02020603050405020304" pitchFamily="18" charset="0"/>
+              </a:rPr>
+              <a:t>(</a:t>
+            </a:r>
+            <a:r>
+              <a:rPr lang="en-US" sz="1400" dirty="0" err="1">
+                <a:latin typeface="Consolas" panose="020B0609020204030204" pitchFamily="49" charset="0"/>
+                <a:ea typeface="Calibri" panose="020F0502020204030204" pitchFamily="34" charset="0"/>
+                <a:cs typeface="Times New Roman" panose="02020603050405020304" pitchFamily="18" charset="0"/>
+              </a:rPr>
+              <a:t>ps.stem</a:t>
+            </a:r>
+            <a:r>
+              <a:rPr lang="en-US" sz="1400" dirty="0">
+                <a:latin typeface="Consolas" panose="020B0609020204030204" pitchFamily="49" charset="0"/>
+                <a:ea typeface="Calibri" panose="020F0502020204030204" pitchFamily="34" charset="0"/>
+                <a:cs typeface="Times New Roman" panose="02020603050405020304" pitchFamily="18" charset="0"/>
+              </a:rPr>
+              <a:t>(word))</a:t>
+            </a:r>
+            <a:br>
+              <a:rPr lang="en-US" sz="1400" dirty="0">
+                <a:latin typeface="Calibri" panose="020F0502020204030204" pitchFamily="34" charset="0"/>
+                <a:ea typeface="Calibri" panose="020F0502020204030204" pitchFamily="34" charset="0"/>
+                <a:cs typeface="Times New Roman" panose="02020603050405020304" pitchFamily="18" charset="0"/>
+              </a:rPr>
+            </a:br>
+            <a:r>
+              <a:rPr lang="en-US" sz="1400" dirty="0">
+                <a:latin typeface="Consolas" panose="020B0609020204030204" pitchFamily="49" charset="0"/>
+                <a:ea typeface="Calibri" panose="020F0502020204030204" pitchFamily="34" charset="0"/>
+                <a:cs typeface="Times New Roman" panose="02020603050405020304" pitchFamily="18" charset="0"/>
+              </a:rPr>
+              <a:t>        </a:t>
+            </a:r>
+            <a:r>
+              <a:rPr lang="en-US" sz="1400" dirty="0" err="1">
+                <a:latin typeface="Consolas" panose="020B0609020204030204" pitchFamily="49" charset="0"/>
+                <a:ea typeface="Calibri" panose="020F0502020204030204" pitchFamily="34" charset="0"/>
+                <a:cs typeface="Times New Roman" panose="02020603050405020304" pitchFamily="18" charset="0"/>
+              </a:rPr>
+              <a:t>stem_text.append</a:t>
+            </a:r>
+            <a:r>
+              <a:rPr lang="en-US" sz="1400" dirty="0">
+                <a:latin typeface="Consolas" panose="020B0609020204030204" pitchFamily="49" charset="0"/>
+                <a:ea typeface="Calibri" panose="020F0502020204030204" pitchFamily="34" charset="0"/>
+                <a:cs typeface="Times New Roman" panose="02020603050405020304" pitchFamily="18" charset="0"/>
+              </a:rPr>
+              <a:t>(</a:t>
+            </a:r>
+            <a:r>
+              <a:rPr lang="en-US" sz="1400" dirty="0">
+                <a:solidFill>
+                  <a:srgbClr val="4070A0"/>
+                </a:solidFill>
+                <a:latin typeface="Consolas" panose="020B0609020204030204" pitchFamily="49" charset="0"/>
+                <a:ea typeface="Calibri" panose="020F0502020204030204" pitchFamily="34" charset="0"/>
+                <a:cs typeface="Times New Roman" panose="02020603050405020304" pitchFamily="18" charset="0"/>
+              </a:rPr>
+              <a:t>" "</a:t>
+            </a:r>
+            <a:r>
+              <a:rPr lang="en-US" sz="1400" dirty="0">
+                <a:latin typeface="Consolas" panose="020B0609020204030204" pitchFamily="49" charset="0"/>
+                <a:ea typeface="Calibri" panose="020F0502020204030204" pitchFamily="34" charset="0"/>
+                <a:cs typeface="Times New Roman" panose="02020603050405020304" pitchFamily="18" charset="0"/>
+              </a:rPr>
+              <a:t>)</a:t>
+            </a:r>
+            <a:br>
+              <a:rPr lang="en-US" sz="1400" dirty="0">
+                <a:latin typeface="Calibri" panose="020F0502020204030204" pitchFamily="34" charset="0"/>
+                <a:ea typeface="Calibri" panose="020F0502020204030204" pitchFamily="34" charset="0"/>
+                <a:cs typeface="Times New Roman" panose="02020603050405020304" pitchFamily="18" charset="0"/>
+              </a:rPr>
+            </a:br>
+            <a:r>
+              <a:rPr lang="en-US" sz="1400" dirty="0">
+                <a:latin typeface="Consolas" panose="020B0609020204030204" pitchFamily="49" charset="0"/>
+                <a:ea typeface="Calibri" panose="020F0502020204030204" pitchFamily="34" charset="0"/>
+                <a:cs typeface="Times New Roman" panose="02020603050405020304" pitchFamily="18" charset="0"/>
+              </a:rPr>
+              <a:t>    </a:t>
+            </a:r>
+            <a:r>
+              <a:rPr lang="en-US" sz="1400" b="1" dirty="0">
+                <a:solidFill>
+                  <a:srgbClr val="007020"/>
+                </a:solidFill>
+                <a:latin typeface="Consolas" panose="020B0609020204030204" pitchFamily="49" charset="0"/>
+                <a:ea typeface="Calibri" panose="020F0502020204030204" pitchFamily="34" charset="0"/>
+                <a:cs typeface="Times New Roman" panose="02020603050405020304" pitchFamily="18" charset="0"/>
+              </a:rPr>
+              <a:t>return</a:t>
+            </a:r>
+            <a:r>
+              <a:rPr lang="en-US" sz="1400" dirty="0">
+                <a:latin typeface="Consolas" panose="020B0609020204030204" pitchFamily="49" charset="0"/>
+                <a:ea typeface="Calibri" panose="020F0502020204030204" pitchFamily="34" charset="0"/>
+                <a:cs typeface="Times New Roman" panose="02020603050405020304" pitchFamily="18" charset="0"/>
+              </a:rPr>
+              <a:t> </a:t>
+            </a:r>
+            <a:r>
+              <a:rPr lang="en-US" sz="1400" dirty="0">
+                <a:solidFill>
+                  <a:srgbClr val="4070A0"/>
+                </a:solidFill>
+                <a:latin typeface="Consolas" panose="020B0609020204030204" pitchFamily="49" charset="0"/>
+                <a:ea typeface="Calibri" panose="020F0502020204030204" pitchFamily="34" charset="0"/>
+                <a:cs typeface="Times New Roman" panose="02020603050405020304" pitchFamily="18" charset="0"/>
+              </a:rPr>
+              <a:t>""</a:t>
+            </a:r>
+            <a:r>
+              <a:rPr lang="en-US" sz="1400" dirty="0">
+                <a:latin typeface="Consolas" panose="020B0609020204030204" pitchFamily="49" charset="0"/>
+                <a:ea typeface="Calibri" panose="020F0502020204030204" pitchFamily="34" charset="0"/>
+                <a:cs typeface="Times New Roman" panose="02020603050405020304" pitchFamily="18" charset="0"/>
+              </a:rPr>
+              <a:t>.join(</a:t>
+            </a:r>
+            <a:r>
+              <a:rPr lang="en-US" sz="1400" dirty="0" err="1">
+                <a:latin typeface="Consolas" panose="020B0609020204030204" pitchFamily="49" charset="0"/>
+                <a:ea typeface="Calibri" panose="020F0502020204030204" pitchFamily="34" charset="0"/>
+                <a:cs typeface="Times New Roman" panose="02020603050405020304" pitchFamily="18" charset="0"/>
+              </a:rPr>
+              <a:t>stem_text</a:t>
+            </a:r>
+            <a:r>
+              <a:rPr lang="en-US" sz="1400" dirty="0">
+                <a:latin typeface="Consolas" panose="020B0609020204030204" pitchFamily="49" charset="0"/>
+                <a:ea typeface="Calibri" panose="020F0502020204030204" pitchFamily="34" charset="0"/>
+                <a:cs typeface="Times New Roman" panose="02020603050405020304" pitchFamily="18" charset="0"/>
+              </a:rPr>
+              <a:t>)</a:t>
+            </a:r>
+            <a:br>
+              <a:rPr lang="en-US" sz="1400" dirty="0">
+                <a:latin typeface="Calibri" panose="020F0502020204030204" pitchFamily="34" charset="0"/>
+                <a:ea typeface="Calibri" panose="020F0502020204030204" pitchFamily="34" charset="0"/>
+                <a:cs typeface="Times New Roman" panose="02020603050405020304" pitchFamily="18" charset="0"/>
+              </a:rPr>
+            </a:br>
+            <a:endParaRPr lang="en-US" sz="1400" dirty="0">
+              <a:latin typeface="Calibri" panose="020F0502020204030204" pitchFamily="34" charset="0"/>
+              <a:ea typeface="Calibri" panose="020F0502020204030204" pitchFamily="34" charset="0"/>
+              <a:cs typeface="Times New Roman" panose="02020603050405020304" pitchFamily="18" charset="0"/>
+            </a:endParaRPr>
+          </a:p>
+          <a:p>
+            <a:pPr marL="0" indent="0">
+              <a:buNone/>
+            </a:pPr>
+            <a:endParaRPr lang="en-US" sz="1400" i="1" dirty="0">
+              <a:solidFill>
+                <a:srgbClr val="60A0B0"/>
+              </a:solidFill>
+              <a:latin typeface="Calibri" panose="020F0502020204030204" pitchFamily="34" charset="0"/>
+              <a:ea typeface="Calibri" panose="020F0502020204030204" pitchFamily="34" charset="0"/>
+              <a:cs typeface="Times New Roman" panose="02020603050405020304" pitchFamily="18" charset="0"/>
+            </a:endParaRPr>
+          </a:p>
+          <a:p>
+            <a:pPr marL="0" indent="0">
+              <a:buNone/>
+            </a:pPr>
+            <a:endParaRPr lang="en-US" sz="1400" i="1" dirty="0">
+              <a:solidFill>
+                <a:srgbClr val="60A0B0"/>
+              </a:solidFill>
+              <a:latin typeface="Calibri" panose="020F0502020204030204" pitchFamily="34" charset="0"/>
+              <a:ea typeface="Calibri" panose="020F0502020204030204" pitchFamily="34" charset="0"/>
+              <a:cs typeface="Times New Roman" panose="02020603050405020304" pitchFamily="18" charset="0"/>
+            </a:endParaRPr>
+          </a:p>
+          <a:p>
+            <a:pPr marL="0" indent="0">
+              <a:buNone/>
+            </a:pPr>
+            <a:endParaRPr lang="en-US" sz="1400" i="1" dirty="0">
+              <a:solidFill>
+                <a:srgbClr val="60A0B0"/>
+              </a:solidFill>
+              <a:latin typeface="Consolas" panose="020B0609020204030204" pitchFamily="49" charset="0"/>
+              <a:ea typeface="Calibri" panose="020F0502020204030204" pitchFamily="34" charset="0"/>
+              <a:cs typeface="Times New Roman" panose="02020603050405020304" pitchFamily="18" charset="0"/>
+            </a:endParaRPr>
+          </a:p>
+          <a:p>
+            <a:pPr marL="0" indent="0">
+              <a:buNone/>
+            </a:pPr>
+            <a:r>
+              <a:rPr lang="en-US" sz="1400" i="1" dirty="0">
+                <a:solidFill>
+                  <a:srgbClr val="60A0B0"/>
+                </a:solidFill>
+                <a:latin typeface="Consolas" panose="020B0609020204030204" pitchFamily="49" charset="0"/>
+                <a:ea typeface="Calibri" panose="020F0502020204030204" pitchFamily="34" charset="0"/>
+                <a:cs typeface="Times New Roman" panose="02020603050405020304" pitchFamily="18" charset="0"/>
+              </a:rPr>
+              <a:t># function to remove </a:t>
+            </a:r>
+            <a:r>
+              <a:rPr lang="en-US" sz="1400" i="1" dirty="0" err="1">
+                <a:solidFill>
+                  <a:srgbClr val="60A0B0"/>
+                </a:solidFill>
+                <a:latin typeface="Consolas" panose="020B0609020204030204" pitchFamily="49" charset="0"/>
+                <a:ea typeface="Calibri" panose="020F0502020204030204" pitchFamily="34" charset="0"/>
+                <a:cs typeface="Times New Roman" panose="02020603050405020304" pitchFamily="18" charset="0"/>
+              </a:rPr>
+              <a:t>stopwords</a:t>
+            </a:r>
+            <a:br>
+              <a:rPr lang="en-US" sz="1400" dirty="0">
+                <a:latin typeface="Calibri" panose="020F0502020204030204" pitchFamily="34" charset="0"/>
+                <a:ea typeface="Calibri" panose="020F0502020204030204" pitchFamily="34" charset="0"/>
+                <a:cs typeface="Times New Roman" panose="02020603050405020304" pitchFamily="18" charset="0"/>
+              </a:rPr>
+            </a:br>
+            <a:r>
+              <a:rPr lang="en-US" sz="1400" b="1" dirty="0">
+                <a:solidFill>
+                  <a:srgbClr val="007020"/>
+                </a:solidFill>
+                <a:latin typeface="Consolas" panose="020B0609020204030204" pitchFamily="49" charset="0"/>
+                <a:ea typeface="Calibri" panose="020F0502020204030204" pitchFamily="34" charset="0"/>
+                <a:cs typeface="Times New Roman" panose="02020603050405020304" pitchFamily="18" charset="0"/>
+              </a:rPr>
+              <a:t>def</a:t>
+            </a:r>
+            <a:r>
+              <a:rPr lang="en-US" sz="1400" dirty="0">
+                <a:latin typeface="Consolas" panose="020B0609020204030204" pitchFamily="49" charset="0"/>
+                <a:ea typeface="Calibri" panose="020F0502020204030204" pitchFamily="34" charset="0"/>
+                <a:cs typeface="Times New Roman" panose="02020603050405020304" pitchFamily="18" charset="0"/>
+              </a:rPr>
+              <a:t> </a:t>
+            </a:r>
+            <a:r>
+              <a:rPr lang="en-US" sz="1400" dirty="0" err="1">
+                <a:latin typeface="Consolas" panose="020B0609020204030204" pitchFamily="49" charset="0"/>
+                <a:ea typeface="Calibri" panose="020F0502020204030204" pitchFamily="34" charset="0"/>
+                <a:cs typeface="Times New Roman" panose="02020603050405020304" pitchFamily="18" charset="0"/>
+              </a:rPr>
+              <a:t>remove_stopwords</a:t>
+            </a:r>
+            <a:r>
+              <a:rPr lang="en-US" sz="1400" dirty="0">
+                <a:latin typeface="Consolas" panose="020B0609020204030204" pitchFamily="49" charset="0"/>
+                <a:ea typeface="Calibri" panose="020F0502020204030204" pitchFamily="34" charset="0"/>
+                <a:cs typeface="Times New Roman" panose="02020603050405020304" pitchFamily="18" charset="0"/>
+              </a:rPr>
+              <a:t>(text):</a:t>
+            </a:r>
+            <a:br>
+              <a:rPr lang="en-US" sz="1400" dirty="0">
+                <a:latin typeface="Calibri" panose="020F0502020204030204" pitchFamily="34" charset="0"/>
+                <a:ea typeface="Calibri" panose="020F0502020204030204" pitchFamily="34" charset="0"/>
+                <a:cs typeface="Times New Roman" panose="02020603050405020304" pitchFamily="18" charset="0"/>
+              </a:rPr>
+            </a:br>
+            <a:r>
+              <a:rPr lang="en-US" sz="1400" dirty="0">
+                <a:latin typeface="Consolas" panose="020B0609020204030204" pitchFamily="49" charset="0"/>
+                <a:ea typeface="Calibri" panose="020F0502020204030204" pitchFamily="34" charset="0"/>
+                <a:cs typeface="Times New Roman" panose="02020603050405020304" pitchFamily="18" charset="0"/>
+              </a:rPr>
+              <a:t>    </a:t>
+            </a:r>
+            <a:r>
+              <a:rPr lang="en-US" sz="1400" dirty="0" err="1">
+                <a:latin typeface="Consolas" panose="020B0609020204030204" pitchFamily="49" charset="0"/>
+                <a:ea typeface="Calibri" panose="020F0502020204030204" pitchFamily="34" charset="0"/>
+                <a:cs typeface="Times New Roman" panose="02020603050405020304" pitchFamily="18" charset="0"/>
+              </a:rPr>
+              <a:t>stop_words</a:t>
+            </a:r>
+            <a:r>
+              <a:rPr lang="en-US" sz="1400" dirty="0">
+                <a:latin typeface="Consolas" panose="020B0609020204030204" pitchFamily="49" charset="0"/>
+                <a:ea typeface="Calibri" panose="020F0502020204030204" pitchFamily="34" charset="0"/>
+                <a:cs typeface="Times New Roman" panose="02020603050405020304" pitchFamily="18" charset="0"/>
+              </a:rPr>
+              <a:t> = </a:t>
+            </a:r>
+            <a:r>
+              <a:rPr lang="en-US" sz="1400" dirty="0">
+                <a:solidFill>
+                  <a:srgbClr val="902000"/>
+                </a:solidFill>
+                <a:latin typeface="Consolas" panose="020B0609020204030204" pitchFamily="49" charset="0"/>
+                <a:ea typeface="Calibri" panose="020F0502020204030204" pitchFamily="34" charset="0"/>
+                <a:cs typeface="Times New Roman" panose="02020603050405020304" pitchFamily="18" charset="0"/>
+              </a:rPr>
+              <a:t>set</a:t>
+            </a:r>
+            <a:r>
+              <a:rPr lang="en-US" sz="1400" dirty="0">
+                <a:latin typeface="Consolas" panose="020B0609020204030204" pitchFamily="49" charset="0"/>
+                <a:ea typeface="Calibri" panose="020F0502020204030204" pitchFamily="34" charset="0"/>
+                <a:cs typeface="Times New Roman" panose="02020603050405020304" pitchFamily="18" charset="0"/>
+              </a:rPr>
+              <a:t>(</a:t>
+            </a:r>
+            <a:r>
+              <a:rPr lang="en-US" sz="1400" dirty="0" err="1">
+                <a:latin typeface="Consolas" panose="020B0609020204030204" pitchFamily="49" charset="0"/>
+                <a:ea typeface="Calibri" panose="020F0502020204030204" pitchFamily="34" charset="0"/>
+                <a:cs typeface="Times New Roman" panose="02020603050405020304" pitchFamily="18" charset="0"/>
+              </a:rPr>
+              <a:t>stopwords.words</a:t>
+            </a:r>
+            <a:r>
+              <a:rPr lang="en-US" sz="1400" dirty="0">
+                <a:latin typeface="Consolas" panose="020B0609020204030204" pitchFamily="49" charset="0"/>
+                <a:ea typeface="Calibri" panose="020F0502020204030204" pitchFamily="34" charset="0"/>
+                <a:cs typeface="Times New Roman" panose="02020603050405020304" pitchFamily="18" charset="0"/>
+              </a:rPr>
+              <a:t>(</a:t>
+            </a:r>
+            <a:r>
+              <a:rPr lang="en-US" sz="1400" dirty="0">
+                <a:solidFill>
+                  <a:srgbClr val="4070A0"/>
+                </a:solidFill>
+                <a:latin typeface="Consolas" panose="020B0609020204030204" pitchFamily="49" charset="0"/>
+                <a:ea typeface="Calibri" panose="020F0502020204030204" pitchFamily="34" charset="0"/>
+                <a:cs typeface="Times New Roman" panose="02020603050405020304" pitchFamily="18" charset="0"/>
+              </a:rPr>
+              <a:t>'</a:t>
+            </a:r>
+            <a:r>
+              <a:rPr lang="en-US" sz="1400" dirty="0" err="1">
+                <a:solidFill>
+                  <a:srgbClr val="4070A0"/>
+                </a:solidFill>
+                <a:latin typeface="Consolas" panose="020B0609020204030204" pitchFamily="49" charset="0"/>
+                <a:ea typeface="Calibri" panose="020F0502020204030204" pitchFamily="34" charset="0"/>
+                <a:cs typeface="Times New Roman" panose="02020603050405020304" pitchFamily="18" charset="0"/>
+              </a:rPr>
+              <a:t>english</a:t>
+            </a:r>
+            <a:r>
+              <a:rPr lang="en-US" sz="1400" dirty="0">
+                <a:solidFill>
+                  <a:srgbClr val="4070A0"/>
+                </a:solidFill>
+                <a:latin typeface="Consolas" panose="020B0609020204030204" pitchFamily="49" charset="0"/>
+                <a:ea typeface="Calibri" panose="020F0502020204030204" pitchFamily="34" charset="0"/>
+                <a:cs typeface="Times New Roman" panose="02020603050405020304" pitchFamily="18" charset="0"/>
+              </a:rPr>
+              <a:t>'</a:t>
+            </a:r>
+            <a:r>
+              <a:rPr lang="en-US" sz="1400" dirty="0">
+                <a:latin typeface="Consolas" panose="020B0609020204030204" pitchFamily="49" charset="0"/>
+                <a:ea typeface="Calibri" panose="020F0502020204030204" pitchFamily="34" charset="0"/>
+                <a:cs typeface="Times New Roman" panose="02020603050405020304" pitchFamily="18" charset="0"/>
+              </a:rPr>
+              <a:t>))</a:t>
+            </a:r>
+            <a:br>
+              <a:rPr lang="en-US" sz="1400" dirty="0">
+                <a:latin typeface="Calibri" panose="020F0502020204030204" pitchFamily="34" charset="0"/>
+                <a:ea typeface="Calibri" panose="020F0502020204030204" pitchFamily="34" charset="0"/>
+                <a:cs typeface="Times New Roman" panose="02020603050405020304" pitchFamily="18" charset="0"/>
+              </a:rPr>
+            </a:br>
+            <a:r>
+              <a:rPr lang="en-US" sz="1400" dirty="0">
+                <a:latin typeface="Consolas" panose="020B0609020204030204" pitchFamily="49" charset="0"/>
+                <a:ea typeface="Calibri" panose="020F0502020204030204" pitchFamily="34" charset="0"/>
+                <a:cs typeface="Times New Roman" panose="02020603050405020304" pitchFamily="18" charset="0"/>
+              </a:rPr>
+              <a:t>    </a:t>
+            </a:r>
+            <a:r>
+              <a:rPr lang="en-US" sz="1400" dirty="0" err="1">
+                <a:latin typeface="Consolas" panose="020B0609020204030204" pitchFamily="49" charset="0"/>
+                <a:ea typeface="Calibri" panose="020F0502020204030204" pitchFamily="34" charset="0"/>
+                <a:cs typeface="Times New Roman" panose="02020603050405020304" pitchFamily="18" charset="0"/>
+              </a:rPr>
+              <a:t>no_stopword_text</a:t>
+            </a:r>
+            <a:r>
+              <a:rPr lang="en-US" sz="1400" dirty="0">
+                <a:latin typeface="Consolas" panose="020B0609020204030204" pitchFamily="49" charset="0"/>
+                <a:ea typeface="Calibri" panose="020F0502020204030204" pitchFamily="34" charset="0"/>
+                <a:cs typeface="Times New Roman" panose="02020603050405020304" pitchFamily="18" charset="0"/>
+              </a:rPr>
+              <a:t> = [w </a:t>
+            </a:r>
+            <a:r>
+              <a:rPr lang="en-US" sz="1400" b="1" dirty="0">
+                <a:solidFill>
+                  <a:srgbClr val="007020"/>
+                </a:solidFill>
+                <a:latin typeface="Consolas" panose="020B0609020204030204" pitchFamily="49" charset="0"/>
+                <a:ea typeface="Calibri" panose="020F0502020204030204" pitchFamily="34" charset="0"/>
+                <a:cs typeface="Times New Roman" panose="02020603050405020304" pitchFamily="18" charset="0"/>
+              </a:rPr>
+              <a:t>for</a:t>
+            </a:r>
+            <a:r>
+              <a:rPr lang="en-US" sz="1400" dirty="0">
+                <a:latin typeface="Consolas" panose="020B0609020204030204" pitchFamily="49" charset="0"/>
+                <a:ea typeface="Calibri" panose="020F0502020204030204" pitchFamily="34" charset="0"/>
+                <a:cs typeface="Times New Roman" panose="02020603050405020304" pitchFamily="18" charset="0"/>
+              </a:rPr>
+              <a:t> w in </a:t>
+            </a:r>
+            <a:r>
+              <a:rPr lang="en-US" sz="1400" dirty="0">
+                <a:solidFill>
+                  <a:srgbClr val="902000"/>
+                </a:solidFill>
+                <a:latin typeface="Consolas" panose="020B0609020204030204" pitchFamily="49" charset="0"/>
+                <a:ea typeface="Calibri" panose="020F0502020204030204" pitchFamily="34" charset="0"/>
+                <a:cs typeface="Times New Roman" panose="02020603050405020304" pitchFamily="18" charset="0"/>
+              </a:rPr>
+              <a:t>str</a:t>
+            </a:r>
+            <a:r>
+              <a:rPr lang="en-US" sz="1400" dirty="0">
+                <a:latin typeface="Consolas" panose="020B0609020204030204" pitchFamily="49" charset="0"/>
+                <a:ea typeface="Calibri" panose="020F0502020204030204" pitchFamily="34" charset="0"/>
+                <a:cs typeface="Times New Roman" panose="02020603050405020304" pitchFamily="18" charset="0"/>
+              </a:rPr>
+              <a:t>(text).split() </a:t>
+            </a:r>
+            <a:r>
+              <a:rPr lang="en-US" sz="1400" b="1" dirty="0">
+                <a:solidFill>
+                  <a:srgbClr val="007020"/>
+                </a:solidFill>
+                <a:latin typeface="Consolas" panose="020B0609020204030204" pitchFamily="49" charset="0"/>
+                <a:ea typeface="Calibri" panose="020F0502020204030204" pitchFamily="34" charset="0"/>
+                <a:cs typeface="Times New Roman" panose="02020603050405020304" pitchFamily="18" charset="0"/>
+              </a:rPr>
+              <a:t>if</a:t>
+            </a:r>
+            <a:r>
+              <a:rPr lang="en-US" sz="1400" dirty="0">
+                <a:latin typeface="Consolas" panose="020B0609020204030204" pitchFamily="49" charset="0"/>
+                <a:ea typeface="Calibri" panose="020F0502020204030204" pitchFamily="34" charset="0"/>
+                <a:cs typeface="Times New Roman" panose="02020603050405020304" pitchFamily="18" charset="0"/>
+              </a:rPr>
+              <a:t> not w in </a:t>
+            </a:r>
+            <a:r>
+              <a:rPr lang="en-US" sz="1400" dirty="0" err="1">
+                <a:latin typeface="Consolas" panose="020B0609020204030204" pitchFamily="49" charset="0"/>
+                <a:ea typeface="Calibri" panose="020F0502020204030204" pitchFamily="34" charset="0"/>
+                <a:cs typeface="Times New Roman" panose="02020603050405020304" pitchFamily="18" charset="0"/>
+              </a:rPr>
+              <a:t>stop_words</a:t>
+            </a:r>
+            <a:r>
+              <a:rPr lang="en-US" sz="1400" dirty="0">
+                <a:latin typeface="Consolas" panose="020B0609020204030204" pitchFamily="49" charset="0"/>
+                <a:ea typeface="Calibri" panose="020F0502020204030204" pitchFamily="34" charset="0"/>
+                <a:cs typeface="Times New Roman" panose="02020603050405020304" pitchFamily="18" charset="0"/>
+              </a:rPr>
+              <a:t>]</a:t>
+            </a:r>
+            <a:br>
+              <a:rPr lang="en-US" sz="1400" dirty="0">
+                <a:latin typeface="Calibri" panose="020F0502020204030204" pitchFamily="34" charset="0"/>
+                <a:ea typeface="Calibri" panose="020F0502020204030204" pitchFamily="34" charset="0"/>
+                <a:cs typeface="Times New Roman" panose="02020603050405020304" pitchFamily="18" charset="0"/>
+              </a:rPr>
+            </a:br>
+            <a:r>
+              <a:rPr lang="en-US" sz="1400" dirty="0">
+                <a:latin typeface="Consolas" panose="020B0609020204030204" pitchFamily="49" charset="0"/>
+                <a:ea typeface="Calibri" panose="020F0502020204030204" pitchFamily="34" charset="0"/>
+                <a:cs typeface="Times New Roman" panose="02020603050405020304" pitchFamily="18" charset="0"/>
+              </a:rPr>
+              <a:t>    </a:t>
+            </a:r>
+            <a:r>
+              <a:rPr lang="en-US" sz="1400" b="1" dirty="0">
+                <a:solidFill>
+                  <a:srgbClr val="007020"/>
+                </a:solidFill>
+                <a:latin typeface="Consolas" panose="020B0609020204030204" pitchFamily="49" charset="0"/>
+                <a:ea typeface="Calibri" panose="020F0502020204030204" pitchFamily="34" charset="0"/>
+                <a:cs typeface="Times New Roman" panose="02020603050405020304" pitchFamily="18" charset="0"/>
+              </a:rPr>
+              <a:t>return</a:t>
+            </a:r>
+            <a:r>
+              <a:rPr lang="en-US" sz="1400" dirty="0">
+                <a:latin typeface="Consolas" panose="020B0609020204030204" pitchFamily="49" charset="0"/>
+                <a:ea typeface="Calibri" panose="020F0502020204030204" pitchFamily="34" charset="0"/>
+                <a:cs typeface="Times New Roman" panose="02020603050405020304" pitchFamily="18" charset="0"/>
+              </a:rPr>
+              <a:t> </a:t>
+            </a:r>
+            <a:r>
+              <a:rPr lang="en-US" sz="1400" dirty="0">
+                <a:solidFill>
+                  <a:srgbClr val="4070A0"/>
+                </a:solidFill>
+                <a:latin typeface="Consolas" panose="020B0609020204030204" pitchFamily="49" charset="0"/>
+                <a:ea typeface="Calibri" panose="020F0502020204030204" pitchFamily="34" charset="0"/>
+                <a:cs typeface="Times New Roman" panose="02020603050405020304" pitchFamily="18" charset="0"/>
+              </a:rPr>
+              <a:t>' '</a:t>
+            </a:r>
+            <a:r>
+              <a:rPr lang="en-US" sz="1400" dirty="0">
+                <a:latin typeface="Consolas" panose="020B0609020204030204" pitchFamily="49" charset="0"/>
+                <a:ea typeface="Calibri" panose="020F0502020204030204" pitchFamily="34" charset="0"/>
+                <a:cs typeface="Times New Roman" panose="02020603050405020304" pitchFamily="18" charset="0"/>
+              </a:rPr>
+              <a:t>.join(</a:t>
+            </a:r>
+            <a:r>
+              <a:rPr lang="en-US" sz="1400" dirty="0" err="1">
+                <a:latin typeface="Consolas" panose="020B0609020204030204" pitchFamily="49" charset="0"/>
+                <a:ea typeface="Calibri" panose="020F0502020204030204" pitchFamily="34" charset="0"/>
+                <a:cs typeface="Times New Roman" panose="02020603050405020304" pitchFamily="18" charset="0"/>
+              </a:rPr>
+              <a:t>no_stopword_text</a:t>
+            </a:r>
+            <a:r>
+              <a:rPr lang="en-US" sz="1400" dirty="0">
+                <a:latin typeface="Consolas" panose="020B0609020204030204" pitchFamily="49" charset="0"/>
+                <a:ea typeface="Calibri" panose="020F0502020204030204" pitchFamily="34" charset="0"/>
+                <a:cs typeface="Times New Roman" panose="02020603050405020304" pitchFamily="18" charset="0"/>
+              </a:rPr>
+              <a:t>)</a:t>
+            </a:r>
+            <a:endParaRPr lang="en-US" sz="1400" dirty="0"/>
+          </a:p>
+        </p:txBody>
+      </p:sp>
+    </p:spTree>
+    <p:extLst>
+      <p:ext uri="{BB962C8B-B14F-4D97-AF65-F5344CB8AC3E}">
+        <p14:creationId xmlns:p14="http://schemas.microsoft.com/office/powerpoint/2010/main" val="3843687501"/>
+      </p:ext>
+    </p:extLst>
+  </p:cSld>
+  <p:clrMapOvr>
+    <a:masterClrMapping/>
+  </p:clrMapOvr>
+</p:sld>
+</file>
+
+<file path=ppt/slides/slide34.xml><?xml version="1.0" encoding="utf-8"?>
+<p:sld xmlns:a="http://schemas.openxmlformats.org/drawingml/2006/main" xmlns:r="http://schemas.openxmlformats.org/officeDocument/2006/relationships" xmlns:p="http://schemas.openxmlformats.org/presentationml/2006/main">
+  <p:cSld>
+    <p:spTree>
+      <p:nvGrpSpPr>
+        <p:cNvPr id="1" name=""/>
+        <p:cNvGrpSpPr/>
+        <p:nvPr/>
+      </p:nvGrpSpPr>
+      <p:grpSpPr>
+        <a:xfrm>
+          <a:off x="0" y="0"/>
+          <a:ext cx="0" cy="0"/>
+          <a:chOff x="0" y="0"/>
+          <a:chExt cx="0" cy="0"/>
+        </a:xfrm>
+      </p:grpSpPr>
+      <p:sp>
+        <p:nvSpPr>
+          <p:cNvPr id="2" name="Title 1">
+            <a:extLst>
+              <a:ext uri="{FF2B5EF4-FFF2-40B4-BE49-F238E27FC236}">
+                <a16:creationId xmlns:a16="http://schemas.microsoft.com/office/drawing/2014/main" id="{93C52314-8CC2-4743-9ECB-89E9F0AA8EC2}"/>
+              </a:ext>
+            </a:extLst>
+          </p:cNvPr>
+          <p:cNvSpPr>
+            <a:spLocks noGrp="1"/>
+          </p:cNvSpPr>
+          <p:nvPr>
+            <p:ph type="title"/>
+          </p:nvPr>
+        </p:nvSpPr>
+        <p:spPr/>
+        <p:txBody>
+          <a:bodyPr>
+            <a:normAutofit/>
+          </a:bodyPr>
+          <a:lstStyle/>
+          <a:p>
+            <a:r>
+              <a:rPr lang="en-US" sz="4000" dirty="0"/>
+              <a:t>Create Inference Function</a:t>
+            </a:r>
+          </a:p>
+        </p:txBody>
+      </p:sp>
+      <p:sp>
+        <p:nvSpPr>
+          <p:cNvPr id="3" name="Content Placeholder 2">
+            <a:extLst>
+              <a:ext uri="{FF2B5EF4-FFF2-40B4-BE49-F238E27FC236}">
+                <a16:creationId xmlns:a16="http://schemas.microsoft.com/office/drawing/2014/main" id="{0CFD36A2-E5A9-49E6-B124-1005AB90F6B0}"/>
+              </a:ext>
+            </a:extLst>
+          </p:cNvPr>
+          <p:cNvSpPr>
+            <a:spLocks noGrp="1"/>
+          </p:cNvSpPr>
+          <p:nvPr>
+            <p:ph idx="1"/>
+          </p:nvPr>
+        </p:nvSpPr>
+        <p:spPr>
+          <a:xfrm>
+            <a:off x="1451579" y="2015732"/>
+            <a:ext cx="9603275" cy="4037749"/>
+          </a:xfrm>
+        </p:spPr>
+        <p:txBody>
+          <a:bodyPr>
+            <a:noAutofit/>
+          </a:bodyPr>
+          <a:lstStyle/>
+          <a:p>
+            <a:pPr marL="0" indent="0">
+              <a:buNone/>
+            </a:pPr>
+            <a:r>
+              <a:rPr lang="en-US" sz="2400" i="1" dirty="0">
+                <a:solidFill>
+                  <a:srgbClr val="60A0B0"/>
+                </a:solidFill>
+                <a:latin typeface="Consolas" panose="020B0609020204030204" pitchFamily="49" charset="0"/>
+                <a:ea typeface="Calibri" panose="020F0502020204030204" pitchFamily="34" charset="0"/>
+                <a:cs typeface="Times New Roman" panose="02020603050405020304" pitchFamily="18" charset="0"/>
+              </a:rPr>
+              <a:t>#Create inference function</a:t>
+            </a:r>
+            <a:br>
+              <a:rPr lang="en-US" sz="2400" dirty="0">
+                <a:latin typeface="Calibri" panose="020F0502020204030204" pitchFamily="34" charset="0"/>
+                <a:ea typeface="Calibri" panose="020F0502020204030204" pitchFamily="34" charset="0"/>
+                <a:cs typeface="Times New Roman" panose="02020603050405020304" pitchFamily="18" charset="0"/>
+              </a:rPr>
+            </a:br>
+            <a:r>
+              <a:rPr lang="en-US" sz="2400" b="1" dirty="0">
+                <a:solidFill>
+                  <a:srgbClr val="007020"/>
+                </a:solidFill>
+                <a:latin typeface="Consolas" panose="020B0609020204030204" pitchFamily="49" charset="0"/>
+                <a:ea typeface="Calibri" panose="020F0502020204030204" pitchFamily="34" charset="0"/>
+                <a:cs typeface="Times New Roman" panose="02020603050405020304" pitchFamily="18" charset="0"/>
+              </a:rPr>
+              <a:t>def</a:t>
+            </a:r>
+            <a:r>
+              <a:rPr lang="en-US" sz="2400" dirty="0">
+                <a:latin typeface="Consolas" panose="020B0609020204030204" pitchFamily="49" charset="0"/>
+                <a:ea typeface="Calibri" panose="020F0502020204030204" pitchFamily="34" charset="0"/>
+                <a:cs typeface="Times New Roman" panose="02020603050405020304" pitchFamily="18" charset="0"/>
+              </a:rPr>
+              <a:t> </a:t>
+            </a:r>
+            <a:r>
+              <a:rPr lang="en-US" sz="2400" dirty="0" err="1">
+                <a:latin typeface="Consolas" panose="020B0609020204030204" pitchFamily="49" charset="0"/>
+                <a:ea typeface="Calibri" panose="020F0502020204030204" pitchFamily="34" charset="0"/>
+                <a:cs typeface="Times New Roman" panose="02020603050405020304" pitchFamily="18" charset="0"/>
+              </a:rPr>
+              <a:t>infer_event</a:t>
+            </a:r>
+            <a:r>
+              <a:rPr lang="en-US" sz="2400" dirty="0">
+                <a:latin typeface="Consolas" panose="020B0609020204030204" pitchFamily="49" charset="0"/>
+                <a:ea typeface="Calibri" panose="020F0502020204030204" pitchFamily="34" charset="0"/>
+                <a:cs typeface="Times New Roman" panose="02020603050405020304" pitchFamily="18" charset="0"/>
+              </a:rPr>
+              <a:t>(q):</a:t>
+            </a:r>
+            <a:br>
+              <a:rPr lang="en-US" sz="2400" dirty="0">
+                <a:latin typeface="Calibri" panose="020F0502020204030204" pitchFamily="34" charset="0"/>
+                <a:ea typeface="Calibri" panose="020F0502020204030204" pitchFamily="34" charset="0"/>
+                <a:cs typeface="Times New Roman" panose="02020603050405020304" pitchFamily="18" charset="0"/>
+              </a:rPr>
+            </a:br>
+            <a:r>
+              <a:rPr lang="en-US" sz="2400" dirty="0">
+                <a:latin typeface="Consolas" panose="020B0609020204030204" pitchFamily="49" charset="0"/>
+                <a:ea typeface="Calibri" panose="020F0502020204030204" pitchFamily="34" charset="0"/>
+                <a:cs typeface="Times New Roman" panose="02020603050405020304" pitchFamily="18" charset="0"/>
+              </a:rPr>
+              <a:t>    q = </a:t>
+            </a:r>
+            <a:r>
+              <a:rPr lang="en-US" sz="2400" dirty="0" err="1">
+                <a:latin typeface="Consolas" panose="020B0609020204030204" pitchFamily="49" charset="0"/>
+                <a:ea typeface="Calibri" panose="020F0502020204030204" pitchFamily="34" charset="0"/>
+                <a:cs typeface="Times New Roman" panose="02020603050405020304" pitchFamily="18" charset="0"/>
+              </a:rPr>
+              <a:t>clean_text</a:t>
+            </a:r>
+            <a:r>
+              <a:rPr lang="en-US" sz="2400" dirty="0">
+                <a:latin typeface="Consolas" panose="020B0609020204030204" pitchFamily="49" charset="0"/>
+                <a:ea typeface="Calibri" panose="020F0502020204030204" pitchFamily="34" charset="0"/>
+                <a:cs typeface="Times New Roman" panose="02020603050405020304" pitchFamily="18" charset="0"/>
+              </a:rPr>
+              <a:t>(q)</a:t>
+            </a:r>
+            <a:br>
+              <a:rPr lang="en-US" sz="2400" dirty="0">
+                <a:latin typeface="Calibri" panose="020F0502020204030204" pitchFamily="34" charset="0"/>
+                <a:ea typeface="Calibri" panose="020F0502020204030204" pitchFamily="34" charset="0"/>
+                <a:cs typeface="Times New Roman" panose="02020603050405020304" pitchFamily="18" charset="0"/>
+              </a:rPr>
+            </a:br>
+            <a:r>
+              <a:rPr lang="en-US" sz="2400" dirty="0">
+                <a:latin typeface="Consolas" panose="020B0609020204030204" pitchFamily="49" charset="0"/>
+                <a:ea typeface="Calibri" panose="020F0502020204030204" pitchFamily="34" charset="0"/>
+                <a:cs typeface="Times New Roman" panose="02020603050405020304" pitchFamily="18" charset="0"/>
+              </a:rPr>
+              <a:t>    q = </a:t>
+            </a:r>
+            <a:r>
+              <a:rPr lang="en-US" sz="2400" dirty="0" err="1">
+                <a:latin typeface="Consolas" panose="020B0609020204030204" pitchFamily="49" charset="0"/>
+                <a:ea typeface="Calibri" panose="020F0502020204030204" pitchFamily="34" charset="0"/>
+                <a:cs typeface="Times New Roman" panose="02020603050405020304" pitchFamily="18" charset="0"/>
+              </a:rPr>
+              <a:t>stem_text</a:t>
+            </a:r>
+            <a:r>
+              <a:rPr lang="en-US" sz="2400" dirty="0">
+                <a:latin typeface="Consolas" panose="020B0609020204030204" pitchFamily="49" charset="0"/>
+                <a:ea typeface="Calibri" panose="020F0502020204030204" pitchFamily="34" charset="0"/>
+                <a:cs typeface="Times New Roman" panose="02020603050405020304" pitchFamily="18" charset="0"/>
+              </a:rPr>
+              <a:t>(q)</a:t>
+            </a:r>
+            <a:br>
+              <a:rPr lang="en-US" sz="2400" dirty="0">
+                <a:latin typeface="Calibri" panose="020F0502020204030204" pitchFamily="34" charset="0"/>
+                <a:ea typeface="Calibri" panose="020F0502020204030204" pitchFamily="34" charset="0"/>
+                <a:cs typeface="Times New Roman" panose="02020603050405020304" pitchFamily="18" charset="0"/>
+              </a:rPr>
+            </a:br>
+            <a:r>
+              <a:rPr lang="en-US" sz="2400" dirty="0">
+                <a:latin typeface="Consolas" panose="020B0609020204030204" pitchFamily="49" charset="0"/>
+                <a:ea typeface="Calibri" panose="020F0502020204030204" pitchFamily="34" charset="0"/>
+                <a:cs typeface="Times New Roman" panose="02020603050405020304" pitchFamily="18" charset="0"/>
+              </a:rPr>
+              <a:t>    q = </a:t>
+            </a:r>
+            <a:r>
+              <a:rPr lang="en-US" sz="2400" dirty="0" err="1">
+                <a:latin typeface="Consolas" panose="020B0609020204030204" pitchFamily="49" charset="0"/>
+                <a:ea typeface="Calibri" panose="020F0502020204030204" pitchFamily="34" charset="0"/>
+                <a:cs typeface="Times New Roman" panose="02020603050405020304" pitchFamily="18" charset="0"/>
+              </a:rPr>
+              <a:t>remove_stopwords</a:t>
+            </a:r>
+            <a:r>
+              <a:rPr lang="en-US" sz="2400" dirty="0">
+                <a:latin typeface="Consolas" panose="020B0609020204030204" pitchFamily="49" charset="0"/>
+                <a:ea typeface="Calibri" panose="020F0502020204030204" pitchFamily="34" charset="0"/>
+                <a:cs typeface="Times New Roman" panose="02020603050405020304" pitchFamily="18" charset="0"/>
+              </a:rPr>
+              <a:t>(q)</a:t>
+            </a:r>
+            <a:br>
+              <a:rPr lang="en-US" sz="2400" dirty="0">
+                <a:latin typeface="Calibri" panose="020F0502020204030204" pitchFamily="34" charset="0"/>
+                <a:ea typeface="Calibri" panose="020F0502020204030204" pitchFamily="34" charset="0"/>
+                <a:cs typeface="Times New Roman" panose="02020603050405020304" pitchFamily="18" charset="0"/>
+              </a:rPr>
+            </a:br>
+            <a:r>
+              <a:rPr lang="en-US" sz="2400" dirty="0">
+                <a:latin typeface="Consolas" panose="020B0609020204030204" pitchFamily="49" charset="0"/>
+                <a:ea typeface="Calibri" panose="020F0502020204030204" pitchFamily="34" charset="0"/>
+                <a:cs typeface="Times New Roman" panose="02020603050405020304" pitchFamily="18" charset="0"/>
+              </a:rPr>
+              <a:t>    </a:t>
+            </a:r>
+            <a:r>
+              <a:rPr lang="en-US" sz="2400" dirty="0" err="1">
+                <a:latin typeface="Consolas" panose="020B0609020204030204" pitchFamily="49" charset="0"/>
+                <a:ea typeface="Calibri" panose="020F0502020204030204" pitchFamily="34" charset="0"/>
+                <a:cs typeface="Times New Roman" panose="02020603050405020304" pitchFamily="18" charset="0"/>
+              </a:rPr>
+              <a:t>q_vec</a:t>
+            </a:r>
+            <a:r>
+              <a:rPr lang="en-US" sz="2400" dirty="0">
+                <a:latin typeface="Consolas" panose="020B0609020204030204" pitchFamily="49" charset="0"/>
+                <a:ea typeface="Calibri" panose="020F0502020204030204" pitchFamily="34" charset="0"/>
+                <a:cs typeface="Times New Roman" panose="02020603050405020304" pitchFamily="18" charset="0"/>
+              </a:rPr>
+              <a:t> = </a:t>
+            </a:r>
+            <a:r>
+              <a:rPr lang="en-US" sz="2400" dirty="0" err="1">
+                <a:latin typeface="Consolas" panose="020B0609020204030204" pitchFamily="49" charset="0"/>
+                <a:ea typeface="Calibri" panose="020F0502020204030204" pitchFamily="34" charset="0"/>
+                <a:cs typeface="Times New Roman" panose="02020603050405020304" pitchFamily="18" charset="0"/>
+              </a:rPr>
+              <a:t>tfidf_vectorizer.transform</a:t>
+            </a:r>
+            <a:r>
+              <a:rPr lang="en-US" sz="2400" dirty="0">
+                <a:latin typeface="Consolas" panose="020B0609020204030204" pitchFamily="49" charset="0"/>
+                <a:ea typeface="Calibri" panose="020F0502020204030204" pitchFamily="34" charset="0"/>
+                <a:cs typeface="Times New Roman" panose="02020603050405020304" pitchFamily="18" charset="0"/>
+              </a:rPr>
+              <a:t>([q])</a:t>
+            </a:r>
+            <a:br>
+              <a:rPr lang="en-US" sz="2400" dirty="0">
+                <a:latin typeface="Calibri" panose="020F0502020204030204" pitchFamily="34" charset="0"/>
+                <a:ea typeface="Calibri" panose="020F0502020204030204" pitchFamily="34" charset="0"/>
+                <a:cs typeface="Times New Roman" panose="02020603050405020304" pitchFamily="18" charset="0"/>
+              </a:rPr>
+            </a:br>
+            <a:r>
+              <a:rPr lang="en-US" sz="2400" dirty="0">
+                <a:latin typeface="Consolas" panose="020B0609020204030204" pitchFamily="49" charset="0"/>
+                <a:ea typeface="Calibri" panose="020F0502020204030204" pitchFamily="34" charset="0"/>
+                <a:cs typeface="Times New Roman" panose="02020603050405020304" pitchFamily="18" charset="0"/>
+              </a:rPr>
+              <a:t>    </a:t>
+            </a:r>
+            <a:r>
+              <a:rPr lang="en-US" sz="2400" dirty="0" err="1">
+                <a:latin typeface="Consolas" panose="020B0609020204030204" pitchFamily="49" charset="0"/>
+                <a:ea typeface="Calibri" panose="020F0502020204030204" pitchFamily="34" charset="0"/>
+                <a:cs typeface="Times New Roman" panose="02020603050405020304" pitchFamily="18" charset="0"/>
+              </a:rPr>
+              <a:t>q_pred</a:t>
+            </a:r>
+            <a:r>
+              <a:rPr lang="en-US" sz="2400" dirty="0">
+                <a:latin typeface="Consolas" panose="020B0609020204030204" pitchFamily="49" charset="0"/>
+                <a:ea typeface="Calibri" panose="020F0502020204030204" pitchFamily="34" charset="0"/>
+                <a:cs typeface="Times New Roman" panose="02020603050405020304" pitchFamily="18" charset="0"/>
+              </a:rPr>
+              <a:t> = </a:t>
+            </a:r>
+            <a:r>
+              <a:rPr lang="en-US" sz="2400" dirty="0" err="1">
+                <a:latin typeface="Consolas" panose="020B0609020204030204" pitchFamily="49" charset="0"/>
+                <a:ea typeface="Calibri" panose="020F0502020204030204" pitchFamily="34" charset="0"/>
+                <a:cs typeface="Times New Roman" panose="02020603050405020304" pitchFamily="18" charset="0"/>
+              </a:rPr>
+              <a:t>clf.predict</a:t>
+            </a:r>
+            <a:r>
+              <a:rPr lang="en-US" sz="2400" dirty="0">
+                <a:latin typeface="Consolas" panose="020B0609020204030204" pitchFamily="49" charset="0"/>
+                <a:ea typeface="Calibri" panose="020F0502020204030204" pitchFamily="34" charset="0"/>
+                <a:cs typeface="Times New Roman" panose="02020603050405020304" pitchFamily="18" charset="0"/>
+              </a:rPr>
+              <a:t>(</a:t>
+            </a:r>
+            <a:r>
+              <a:rPr lang="en-US" sz="2400" dirty="0" err="1">
+                <a:latin typeface="Consolas" panose="020B0609020204030204" pitchFamily="49" charset="0"/>
+                <a:ea typeface="Calibri" panose="020F0502020204030204" pitchFamily="34" charset="0"/>
+                <a:cs typeface="Times New Roman" panose="02020603050405020304" pitchFamily="18" charset="0"/>
+              </a:rPr>
+              <a:t>q_vec</a:t>
+            </a:r>
+            <a:r>
+              <a:rPr lang="en-US" sz="2400" dirty="0">
+                <a:latin typeface="Consolas" panose="020B0609020204030204" pitchFamily="49" charset="0"/>
+                <a:ea typeface="Calibri" panose="020F0502020204030204" pitchFamily="34" charset="0"/>
+                <a:cs typeface="Times New Roman" panose="02020603050405020304" pitchFamily="18" charset="0"/>
+              </a:rPr>
+              <a:t>)</a:t>
+            </a:r>
+            <a:br>
+              <a:rPr lang="en-US" sz="2400" dirty="0">
+                <a:latin typeface="Calibri" panose="020F0502020204030204" pitchFamily="34" charset="0"/>
+                <a:ea typeface="Calibri" panose="020F0502020204030204" pitchFamily="34" charset="0"/>
+                <a:cs typeface="Times New Roman" panose="02020603050405020304" pitchFamily="18" charset="0"/>
+              </a:rPr>
+            </a:br>
+            <a:r>
+              <a:rPr lang="en-US" sz="2400" dirty="0">
+                <a:latin typeface="Consolas" panose="020B0609020204030204" pitchFamily="49" charset="0"/>
+                <a:ea typeface="Calibri" panose="020F0502020204030204" pitchFamily="34" charset="0"/>
+                <a:cs typeface="Times New Roman" panose="02020603050405020304" pitchFamily="18" charset="0"/>
+              </a:rPr>
+              <a:t>    </a:t>
+            </a:r>
+            <a:r>
+              <a:rPr lang="en-US" sz="2400" b="1" dirty="0">
+                <a:solidFill>
+                  <a:srgbClr val="007020"/>
+                </a:solidFill>
+                <a:latin typeface="Consolas" panose="020B0609020204030204" pitchFamily="49" charset="0"/>
+                <a:ea typeface="Calibri" panose="020F0502020204030204" pitchFamily="34" charset="0"/>
+                <a:cs typeface="Times New Roman" panose="02020603050405020304" pitchFamily="18" charset="0"/>
+              </a:rPr>
+              <a:t>return</a:t>
+            </a:r>
+            <a:r>
+              <a:rPr lang="en-US" sz="2400" dirty="0">
+                <a:latin typeface="Consolas" panose="020B0609020204030204" pitchFamily="49" charset="0"/>
+                <a:ea typeface="Calibri" panose="020F0502020204030204" pitchFamily="34" charset="0"/>
+                <a:cs typeface="Times New Roman" panose="02020603050405020304" pitchFamily="18" charset="0"/>
+              </a:rPr>
+              <a:t> </a:t>
+            </a:r>
+            <a:r>
+              <a:rPr lang="en-US" sz="2400" dirty="0" err="1">
+                <a:latin typeface="Consolas" panose="020B0609020204030204" pitchFamily="49" charset="0"/>
+                <a:ea typeface="Calibri" panose="020F0502020204030204" pitchFamily="34" charset="0"/>
+                <a:cs typeface="Times New Roman" panose="02020603050405020304" pitchFamily="18" charset="0"/>
+              </a:rPr>
+              <a:t>multilabel_binarizer.inverse_transform</a:t>
+            </a:r>
+            <a:r>
+              <a:rPr lang="en-US" sz="2400" dirty="0">
+                <a:latin typeface="Consolas" panose="020B0609020204030204" pitchFamily="49" charset="0"/>
+                <a:ea typeface="Calibri" panose="020F0502020204030204" pitchFamily="34" charset="0"/>
+                <a:cs typeface="Times New Roman" panose="02020603050405020304" pitchFamily="18" charset="0"/>
+              </a:rPr>
+              <a:t>(</a:t>
+            </a:r>
+            <a:r>
+              <a:rPr lang="en-US" sz="2400" dirty="0" err="1">
+                <a:latin typeface="Consolas" panose="020B0609020204030204" pitchFamily="49" charset="0"/>
+                <a:ea typeface="Calibri" panose="020F0502020204030204" pitchFamily="34" charset="0"/>
+                <a:cs typeface="Times New Roman" panose="02020603050405020304" pitchFamily="18" charset="0"/>
+              </a:rPr>
+              <a:t>q_pred</a:t>
+            </a:r>
+            <a:r>
+              <a:rPr lang="en-US" sz="2400" dirty="0">
+                <a:latin typeface="Consolas" panose="020B0609020204030204" pitchFamily="49" charset="0"/>
+                <a:ea typeface="Calibri" panose="020F0502020204030204" pitchFamily="34" charset="0"/>
+                <a:cs typeface="Times New Roman" panose="02020603050405020304" pitchFamily="18" charset="0"/>
+              </a:rPr>
+              <a:t>)</a:t>
+            </a:r>
+            <a:endParaRPr lang="en-US" sz="2400" dirty="0"/>
+          </a:p>
+        </p:txBody>
+      </p:sp>
+    </p:spTree>
+    <p:extLst>
+      <p:ext uri="{BB962C8B-B14F-4D97-AF65-F5344CB8AC3E}">
+        <p14:creationId xmlns:p14="http://schemas.microsoft.com/office/powerpoint/2010/main" val="3639612232"/>
+      </p:ext>
+    </p:extLst>
+  </p:cSld>
+  <p:clrMapOvr>
+    <a:masterClrMapping/>
+  </p:clrMapOvr>
+</p:sld>
+</file>
+
+<file path=ppt/slides/slide35.xml><?xml version="1.0" encoding="utf-8"?>
+<p:sld xmlns:a="http://schemas.openxmlformats.org/drawingml/2006/main" xmlns:r="http://schemas.openxmlformats.org/officeDocument/2006/relationships" xmlns:p="http://schemas.openxmlformats.org/presentationml/2006/main">
+  <p:cSld>
+    <p:spTree>
+      <p:nvGrpSpPr>
+        <p:cNvPr id="1" name=""/>
+        <p:cNvGrpSpPr/>
+        <p:nvPr/>
+      </p:nvGrpSpPr>
+      <p:grpSpPr>
+        <a:xfrm>
+          <a:off x="0" y="0"/>
+          <a:ext cx="0" cy="0"/>
+          <a:chOff x="0" y="0"/>
+          <a:chExt cx="0" cy="0"/>
+        </a:xfrm>
+      </p:grpSpPr>
+      <p:sp>
+        <p:nvSpPr>
+          <p:cNvPr id="2" name="Title 1">
+            <a:extLst>
+              <a:ext uri="{FF2B5EF4-FFF2-40B4-BE49-F238E27FC236}">
+                <a16:creationId xmlns:a16="http://schemas.microsoft.com/office/drawing/2014/main" id="{26A45A4E-815A-419D-A8CB-6CAB4CC3B195}"/>
+              </a:ext>
+            </a:extLst>
+          </p:cNvPr>
+          <p:cNvSpPr>
+            <a:spLocks noGrp="1"/>
+          </p:cNvSpPr>
+          <p:nvPr>
+            <p:ph type="title"/>
+          </p:nvPr>
+        </p:nvSpPr>
+        <p:spPr/>
+        <p:txBody>
+          <a:bodyPr>
+            <a:noAutofit/>
+          </a:bodyPr>
+          <a:lstStyle/>
+          <a:p>
+            <a:r>
+              <a:rPr lang="en-US" sz="3700" dirty="0"/>
+              <a:t>Display Results of Inference Function</a:t>
+            </a:r>
+          </a:p>
+        </p:txBody>
+      </p:sp>
+      <p:sp>
+        <p:nvSpPr>
+          <p:cNvPr id="3" name="Content Placeholder 2">
+            <a:extLst>
+              <a:ext uri="{FF2B5EF4-FFF2-40B4-BE49-F238E27FC236}">
+                <a16:creationId xmlns:a16="http://schemas.microsoft.com/office/drawing/2014/main" id="{3C22C73A-C5EA-4FF5-AD7C-FFB68068593B}"/>
+              </a:ext>
+            </a:extLst>
+          </p:cNvPr>
+          <p:cNvSpPr>
+            <a:spLocks noGrp="1"/>
+          </p:cNvSpPr>
+          <p:nvPr>
+            <p:ph idx="1"/>
+          </p:nvPr>
+        </p:nvSpPr>
+        <p:spPr>
+          <a:xfrm>
+            <a:off x="1451579" y="2015732"/>
+            <a:ext cx="9603275" cy="3947746"/>
+          </a:xfrm>
+        </p:spPr>
+        <p:txBody>
+          <a:bodyPr>
+            <a:normAutofit lnSpcReduction="10000"/>
+          </a:bodyPr>
+          <a:lstStyle/>
+          <a:p>
+            <a:pPr marL="0" marR="0" indent="0">
+              <a:lnSpc>
+                <a:spcPct val="107000"/>
+              </a:lnSpc>
+              <a:spcBef>
+                <a:spcPts val="1200"/>
+              </a:spcBef>
+              <a:spcAft>
+                <a:spcPts val="0"/>
+              </a:spcAft>
+              <a:buNone/>
+            </a:pPr>
+            <a:r>
+              <a:rPr lang="en-US" sz="3100" b="1" dirty="0">
+                <a:solidFill>
+                  <a:srgbClr val="007020"/>
+                </a:solidFill>
+                <a:latin typeface="Consolas" panose="020B0609020204030204" pitchFamily="49" charset="0"/>
+                <a:ea typeface="Calibri" panose="020F0502020204030204" pitchFamily="34" charset="0"/>
+                <a:cs typeface="Times New Roman" panose="02020603050405020304" pitchFamily="18" charset="0"/>
+              </a:rPr>
+              <a:t>for</a:t>
+            </a:r>
+            <a:r>
+              <a:rPr lang="en-US" sz="3100" dirty="0">
+                <a:latin typeface="Consolas" panose="020B0609020204030204" pitchFamily="49" charset="0"/>
+                <a:ea typeface="Calibri" panose="020F0502020204030204" pitchFamily="34" charset="0"/>
+                <a:cs typeface="Times New Roman" panose="02020603050405020304" pitchFamily="18" charset="0"/>
+              </a:rPr>
+              <a:t> </a:t>
+            </a:r>
+            <a:r>
+              <a:rPr lang="en-US" sz="3100" dirty="0" err="1">
+                <a:latin typeface="Consolas" panose="020B0609020204030204" pitchFamily="49" charset="0"/>
+                <a:ea typeface="Calibri" panose="020F0502020204030204" pitchFamily="34" charset="0"/>
+                <a:cs typeface="Times New Roman" panose="02020603050405020304" pitchFamily="18" charset="0"/>
+              </a:rPr>
+              <a:t>i</a:t>
+            </a:r>
+            <a:r>
+              <a:rPr lang="en-US" sz="3100" dirty="0">
+                <a:latin typeface="Consolas" panose="020B0609020204030204" pitchFamily="49" charset="0"/>
+                <a:ea typeface="Calibri" panose="020F0502020204030204" pitchFamily="34" charset="0"/>
+                <a:cs typeface="Times New Roman" panose="02020603050405020304" pitchFamily="18" charset="0"/>
+              </a:rPr>
+              <a:t> in </a:t>
+            </a:r>
+            <a:r>
+              <a:rPr lang="en-US" sz="3100" dirty="0">
+                <a:solidFill>
+                  <a:srgbClr val="902000"/>
+                </a:solidFill>
+                <a:latin typeface="Consolas" panose="020B0609020204030204" pitchFamily="49" charset="0"/>
+                <a:ea typeface="Calibri" panose="020F0502020204030204" pitchFamily="34" charset="0"/>
+                <a:cs typeface="Times New Roman" panose="02020603050405020304" pitchFamily="18" charset="0"/>
+              </a:rPr>
+              <a:t>range</a:t>
+            </a:r>
+            <a:r>
+              <a:rPr lang="en-US" sz="3100" dirty="0">
+                <a:latin typeface="Consolas" panose="020B0609020204030204" pitchFamily="49" charset="0"/>
+                <a:ea typeface="Calibri" panose="020F0502020204030204" pitchFamily="34" charset="0"/>
+                <a:cs typeface="Times New Roman" panose="02020603050405020304" pitchFamily="18" charset="0"/>
+              </a:rPr>
+              <a:t>(</a:t>
+            </a:r>
+            <a:r>
+              <a:rPr lang="en-US" sz="3100" dirty="0">
+                <a:solidFill>
+                  <a:srgbClr val="40A070"/>
+                </a:solidFill>
+                <a:latin typeface="Consolas" panose="020B0609020204030204" pitchFamily="49" charset="0"/>
+                <a:ea typeface="Calibri" panose="020F0502020204030204" pitchFamily="34" charset="0"/>
+                <a:cs typeface="Times New Roman" panose="02020603050405020304" pitchFamily="18" charset="0"/>
+              </a:rPr>
+              <a:t>10</a:t>
+            </a:r>
+            <a:r>
+              <a:rPr lang="en-US" sz="3100" dirty="0">
+                <a:latin typeface="Consolas" panose="020B0609020204030204" pitchFamily="49" charset="0"/>
+                <a:ea typeface="Calibri" panose="020F0502020204030204" pitchFamily="34" charset="0"/>
+                <a:cs typeface="Times New Roman" panose="02020603050405020304" pitchFamily="18" charset="0"/>
+              </a:rPr>
+              <a:t>): </a:t>
+            </a:r>
+            <a:br>
+              <a:rPr lang="en-US" sz="3100" dirty="0">
+                <a:latin typeface="Calibri" panose="020F0502020204030204" pitchFamily="34" charset="0"/>
+                <a:ea typeface="Calibri" panose="020F0502020204030204" pitchFamily="34" charset="0"/>
+                <a:cs typeface="Times New Roman" panose="02020603050405020304" pitchFamily="18" charset="0"/>
+              </a:rPr>
+            </a:br>
+            <a:r>
+              <a:rPr lang="en-US" sz="3100" dirty="0">
+                <a:latin typeface="Consolas" panose="020B0609020204030204" pitchFamily="49" charset="0"/>
+                <a:ea typeface="Calibri" panose="020F0502020204030204" pitchFamily="34" charset="0"/>
+                <a:cs typeface="Times New Roman" panose="02020603050405020304" pitchFamily="18" charset="0"/>
+              </a:rPr>
+              <a:t>  k = </a:t>
+            </a:r>
+            <a:r>
+              <a:rPr lang="en-US" sz="3100" dirty="0" err="1">
+                <a:latin typeface="Consolas" panose="020B0609020204030204" pitchFamily="49" charset="0"/>
+                <a:ea typeface="Calibri" panose="020F0502020204030204" pitchFamily="34" charset="0"/>
+                <a:cs typeface="Times New Roman" panose="02020603050405020304" pitchFamily="18" charset="0"/>
+              </a:rPr>
+              <a:t>df_final</a:t>
+            </a:r>
+            <a:r>
+              <a:rPr lang="en-US" sz="3100" dirty="0">
+                <a:latin typeface="Consolas" panose="020B0609020204030204" pitchFamily="49" charset="0"/>
+                <a:ea typeface="Calibri" panose="020F0502020204030204" pitchFamily="34" charset="0"/>
+                <a:cs typeface="Times New Roman" panose="02020603050405020304" pitchFamily="18" charset="0"/>
+              </a:rPr>
+              <a:t>[</a:t>
+            </a:r>
+            <a:r>
+              <a:rPr lang="en-US" sz="3100" dirty="0">
+                <a:solidFill>
+                  <a:srgbClr val="4070A0"/>
+                </a:solidFill>
+                <a:latin typeface="Consolas" panose="020B0609020204030204" pitchFamily="49" charset="0"/>
+                <a:ea typeface="Calibri" panose="020F0502020204030204" pitchFamily="34" charset="0"/>
+                <a:cs typeface="Times New Roman" panose="02020603050405020304" pitchFamily="18" charset="0"/>
+              </a:rPr>
+              <a:t>'reason'</a:t>
+            </a:r>
+            <a:r>
+              <a:rPr lang="en-US" sz="3100" dirty="0">
+                <a:latin typeface="Consolas" panose="020B0609020204030204" pitchFamily="49" charset="0"/>
+                <a:ea typeface="Calibri" panose="020F0502020204030204" pitchFamily="34" charset="0"/>
+                <a:cs typeface="Times New Roman" panose="02020603050405020304" pitchFamily="18" charset="0"/>
+              </a:rPr>
+              <a:t>].sample(</a:t>
+            </a:r>
+            <a:r>
+              <a:rPr lang="en-US" sz="3100" dirty="0">
+                <a:solidFill>
+                  <a:srgbClr val="40A070"/>
+                </a:solidFill>
+                <a:latin typeface="Consolas" panose="020B0609020204030204" pitchFamily="49" charset="0"/>
+                <a:ea typeface="Calibri" panose="020F0502020204030204" pitchFamily="34" charset="0"/>
+                <a:cs typeface="Times New Roman" panose="02020603050405020304" pitchFamily="18" charset="0"/>
+              </a:rPr>
+              <a:t>1</a:t>
+            </a:r>
+            <a:r>
+              <a:rPr lang="en-US" sz="3100" dirty="0">
+                <a:latin typeface="Consolas" panose="020B0609020204030204" pitchFamily="49" charset="0"/>
+                <a:ea typeface="Calibri" panose="020F0502020204030204" pitchFamily="34" charset="0"/>
+                <a:cs typeface="Times New Roman" panose="02020603050405020304" pitchFamily="18" charset="0"/>
+              </a:rPr>
+              <a:t>).index[</a:t>
+            </a:r>
+            <a:r>
+              <a:rPr lang="en-US" sz="3100" dirty="0">
+                <a:solidFill>
+                  <a:srgbClr val="40A070"/>
+                </a:solidFill>
+                <a:latin typeface="Consolas" panose="020B0609020204030204" pitchFamily="49" charset="0"/>
+                <a:ea typeface="Calibri" panose="020F0502020204030204" pitchFamily="34" charset="0"/>
+                <a:cs typeface="Times New Roman" panose="02020603050405020304" pitchFamily="18" charset="0"/>
+              </a:rPr>
+              <a:t>0</a:t>
+            </a:r>
+            <a:r>
+              <a:rPr lang="en-US" sz="3100" dirty="0">
+                <a:latin typeface="Consolas" panose="020B0609020204030204" pitchFamily="49" charset="0"/>
+                <a:ea typeface="Calibri" panose="020F0502020204030204" pitchFamily="34" charset="0"/>
+                <a:cs typeface="Times New Roman" panose="02020603050405020304" pitchFamily="18" charset="0"/>
+              </a:rPr>
+              <a:t>] </a:t>
+            </a:r>
+            <a:br>
+              <a:rPr lang="en-US" sz="3100" dirty="0">
+                <a:latin typeface="Calibri" panose="020F0502020204030204" pitchFamily="34" charset="0"/>
+                <a:ea typeface="Calibri" panose="020F0502020204030204" pitchFamily="34" charset="0"/>
+                <a:cs typeface="Times New Roman" panose="02020603050405020304" pitchFamily="18" charset="0"/>
+              </a:rPr>
+            </a:br>
+            <a:r>
+              <a:rPr lang="en-US" sz="3100" dirty="0">
+                <a:latin typeface="Consolas" panose="020B0609020204030204" pitchFamily="49" charset="0"/>
+                <a:ea typeface="Calibri" panose="020F0502020204030204" pitchFamily="34" charset="0"/>
+                <a:cs typeface="Times New Roman" panose="02020603050405020304" pitchFamily="18" charset="0"/>
+              </a:rPr>
+              <a:t>  </a:t>
+            </a:r>
+            <a:r>
+              <a:rPr lang="en-US" sz="3100" dirty="0">
+                <a:solidFill>
+                  <a:srgbClr val="902000"/>
+                </a:solidFill>
+                <a:latin typeface="Consolas" panose="020B0609020204030204" pitchFamily="49" charset="0"/>
+                <a:ea typeface="Calibri" panose="020F0502020204030204" pitchFamily="34" charset="0"/>
+                <a:cs typeface="Times New Roman" panose="02020603050405020304" pitchFamily="18" charset="0"/>
+              </a:rPr>
+              <a:t>print</a:t>
+            </a:r>
+            <a:r>
+              <a:rPr lang="en-US" sz="3100" dirty="0">
+                <a:latin typeface="Consolas" panose="020B0609020204030204" pitchFamily="49" charset="0"/>
+                <a:ea typeface="Calibri" panose="020F0502020204030204" pitchFamily="34" charset="0"/>
+                <a:cs typeface="Times New Roman" panose="02020603050405020304" pitchFamily="18" charset="0"/>
+              </a:rPr>
+              <a:t>(</a:t>
+            </a:r>
+            <a:r>
+              <a:rPr lang="en-US" sz="3100" dirty="0">
+                <a:solidFill>
+                  <a:srgbClr val="4070A0"/>
+                </a:solidFill>
+                <a:latin typeface="Consolas" panose="020B0609020204030204" pitchFamily="49" charset="0"/>
+                <a:ea typeface="Calibri" panose="020F0502020204030204" pitchFamily="34" charset="0"/>
+                <a:cs typeface="Times New Roman" panose="02020603050405020304" pitchFamily="18" charset="0"/>
+              </a:rPr>
+              <a:t>"Medical Device: "</a:t>
+            </a:r>
+            <a:r>
+              <a:rPr lang="en-US" sz="3100" dirty="0">
+                <a:latin typeface="Consolas" panose="020B0609020204030204" pitchFamily="49" charset="0"/>
+                <a:ea typeface="Calibri" panose="020F0502020204030204" pitchFamily="34" charset="0"/>
+                <a:cs typeface="Times New Roman" panose="02020603050405020304" pitchFamily="18" charset="0"/>
+              </a:rPr>
+              <a:t>, </a:t>
+            </a:r>
+            <a:r>
+              <a:rPr lang="en-US" sz="3100" dirty="0" err="1">
+                <a:latin typeface="Consolas" panose="020B0609020204030204" pitchFamily="49" charset="0"/>
+                <a:ea typeface="Calibri" panose="020F0502020204030204" pitchFamily="34" charset="0"/>
+                <a:cs typeface="Times New Roman" panose="02020603050405020304" pitchFamily="18" charset="0"/>
+              </a:rPr>
+              <a:t>df_final</a:t>
+            </a:r>
+            <a:r>
+              <a:rPr lang="en-US" sz="3100" dirty="0">
+                <a:latin typeface="Consolas" panose="020B0609020204030204" pitchFamily="49" charset="0"/>
+                <a:ea typeface="Calibri" panose="020F0502020204030204" pitchFamily="34" charset="0"/>
+                <a:cs typeface="Times New Roman" panose="02020603050405020304" pitchFamily="18" charset="0"/>
+              </a:rPr>
+              <a:t>[</a:t>
+            </a:r>
+            <a:r>
+              <a:rPr lang="en-US" sz="3100" dirty="0">
+                <a:solidFill>
+                  <a:srgbClr val="4070A0"/>
+                </a:solidFill>
+                <a:latin typeface="Consolas" panose="020B0609020204030204" pitchFamily="49" charset="0"/>
+                <a:ea typeface="Calibri" panose="020F0502020204030204" pitchFamily="34" charset="0"/>
+                <a:cs typeface="Times New Roman" panose="02020603050405020304" pitchFamily="18" charset="0"/>
+              </a:rPr>
+              <a:t>'</a:t>
+            </a:r>
+            <a:r>
+              <a:rPr lang="en-US" sz="3100" dirty="0" err="1">
+                <a:solidFill>
+                  <a:srgbClr val="4070A0"/>
+                </a:solidFill>
+                <a:latin typeface="Consolas" panose="020B0609020204030204" pitchFamily="49" charset="0"/>
+                <a:ea typeface="Calibri" panose="020F0502020204030204" pitchFamily="34" charset="0"/>
+                <a:cs typeface="Times New Roman" panose="02020603050405020304" pitchFamily="18" charset="0"/>
+              </a:rPr>
+              <a:t>device_name</a:t>
+            </a:r>
+            <a:r>
+              <a:rPr lang="en-US" sz="3100" dirty="0">
+                <a:solidFill>
+                  <a:srgbClr val="4070A0"/>
+                </a:solidFill>
+                <a:latin typeface="Consolas" panose="020B0609020204030204" pitchFamily="49" charset="0"/>
+                <a:ea typeface="Calibri" panose="020F0502020204030204" pitchFamily="34" charset="0"/>
+                <a:cs typeface="Times New Roman" panose="02020603050405020304" pitchFamily="18" charset="0"/>
+              </a:rPr>
+              <a:t>'</a:t>
+            </a:r>
+            <a:r>
+              <a:rPr lang="en-US" sz="3100" dirty="0">
+                <a:latin typeface="Consolas" panose="020B0609020204030204" pitchFamily="49" charset="0"/>
+                <a:ea typeface="Calibri" panose="020F0502020204030204" pitchFamily="34" charset="0"/>
+                <a:cs typeface="Times New Roman" panose="02020603050405020304" pitchFamily="18" charset="0"/>
+              </a:rPr>
+              <a:t>][k], </a:t>
+            </a:r>
+            <a:r>
+              <a:rPr lang="en-US" sz="3100" dirty="0">
+                <a:solidFill>
+                  <a:srgbClr val="4070A0"/>
+                </a:solidFill>
+                <a:latin typeface="Consolas" panose="020B0609020204030204" pitchFamily="49" charset="0"/>
+                <a:ea typeface="Calibri" panose="020F0502020204030204" pitchFamily="34" charset="0"/>
+                <a:cs typeface="Times New Roman" panose="02020603050405020304" pitchFamily="18" charset="0"/>
+              </a:rPr>
+              <a:t>"\</a:t>
+            </a:r>
+            <a:r>
+              <a:rPr lang="en-US" sz="3100" dirty="0" err="1">
+                <a:solidFill>
+                  <a:srgbClr val="4070A0"/>
+                </a:solidFill>
+                <a:latin typeface="Consolas" panose="020B0609020204030204" pitchFamily="49" charset="0"/>
+                <a:ea typeface="Calibri" panose="020F0502020204030204" pitchFamily="34" charset="0"/>
+                <a:cs typeface="Times New Roman" panose="02020603050405020304" pitchFamily="18" charset="0"/>
+              </a:rPr>
+              <a:t>nPredicted</a:t>
+            </a:r>
+            <a:r>
+              <a:rPr lang="en-US" sz="3100" dirty="0">
+                <a:solidFill>
+                  <a:srgbClr val="4070A0"/>
+                </a:solidFill>
+                <a:latin typeface="Consolas" panose="020B0609020204030204" pitchFamily="49" charset="0"/>
+                <a:ea typeface="Calibri" panose="020F0502020204030204" pitchFamily="34" charset="0"/>
+                <a:cs typeface="Times New Roman" panose="02020603050405020304" pitchFamily="18" charset="0"/>
+              </a:rPr>
+              <a:t> Event Type: "</a:t>
+            </a:r>
+            <a:r>
+              <a:rPr lang="en-US" sz="3100" dirty="0">
+                <a:latin typeface="Consolas" panose="020B0609020204030204" pitchFamily="49" charset="0"/>
+                <a:ea typeface="Calibri" panose="020F0502020204030204" pitchFamily="34" charset="0"/>
+                <a:cs typeface="Times New Roman" panose="02020603050405020304" pitchFamily="18" charset="0"/>
+              </a:rPr>
+              <a:t>, </a:t>
+            </a:r>
+            <a:r>
+              <a:rPr lang="en-US" sz="3100" dirty="0" err="1">
+                <a:latin typeface="Consolas" panose="020B0609020204030204" pitchFamily="49" charset="0"/>
+                <a:ea typeface="Calibri" panose="020F0502020204030204" pitchFamily="34" charset="0"/>
+                <a:cs typeface="Times New Roman" panose="02020603050405020304" pitchFamily="18" charset="0"/>
+              </a:rPr>
+              <a:t>infer_event</a:t>
+            </a:r>
+            <a:r>
+              <a:rPr lang="en-US" sz="3100" dirty="0">
+                <a:latin typeface="Consolas" panose="020B0609020204030204" pitchFamily="49" charset="0"/>
+                <a:ea typeface="Calibri" panose="020F0502020204030204" pitchFamily="34" charset="0"/>
+                <a:cs typeface="Times New Roman" panose="02020603050405020304" pitchFamily="18" charset="0"/>
+              </a:rPr>
+              <a:t>(</a:t>
+            </a:r>
+            <a:r>
+              <a:rPr lang="en-US" sz="3100" dirty="0" err="1">
+                <a:latin typeface="Consolas" panose="020B0609020204030204" pitchFamily="49" charset="0"/>
+                <a:ea typeface="Calibri" panose="020F0502020204030204" pitchFamily="34" charset="0"/>
+                <a:cs typeface="Times New Roman" panose="02020603050405020304" pitchFamily="18" charset="0"/>
+              </a:rPr>
+              <a:t>df_final</a:t>
+            </a:r>
+            <a:r>
+              <a:rPr lang="en-US" sz="3100" dirty="0">
+                <a:latin typeface="Consolas" panose="020B0609020204030204" pitchFamily="49" charset="0"/>
+                <a:ea typeface="Calibri" panose="020F0502020204030204" pitchFamily="34" charset="0"/>
+                <a:cs typeface="Times New Roman" panose="02020603050405020304" pitchFamily="18" charset="0"/>
+              </a:rPr>
+              <a:t>[</a:t>
+            </a:r>
+            <a:r>
+              <a:rPr lang="en-US" sz="3100" dirty="0">
+                <a:solidFill>
+                  <a:srgbClr val="4070A0"/>
+                </a:solidFill>
+                <a:latin typeface="Consolas" panose="020B0609020204030204" pitchFamily="49" charset="0"/>
+                <a:ea typeface="Calibri" panose="020F0502020204030204" pitchFamily="34" charset="0"/>
+                <a:cs typeface="Times New Roman" panose="02020603050405020304" pitchFamily="18" charset="0"/>
+              </a:rPr>
+              <a:t>'reason'</a:t>
+            </a:r>
+            <a:r>
+              <a:rPr lang="en-US" sz="3100" dirty="0">
+                <a:latin typeface="Consolas" panose="020B0609020204030204" pitchFamily="49" charset="0"/>
+                <a:ea typeface="Calibri" panose="020F0502020204030204" pitchFamily="34" charset="0"/>
+                <a:cs typeface="Times New Roman" panose="02020603050405020304" pitchFamily="18" charset="0"/>
+              </a:rPr>
+              <a:t>][k])), </a:t>
+            </a:r>
+            <a:r>
+              <a:rPr lang="en-US" sz="3100" dirty="0">
+                <a:solidFill>
+                  <a:srgbClr val="902000"/>
+                </a:solidFill>
+                <a:latin typeface="Consolas" panose="020B0609020204030204" pitchFamily="49" charset="0"/>
+                <a:ea typeface="Calibri" panose="020F0502020204030204" pitchFamily="34" charset="0"/>
+                <a:cs typeface="Times New Roman" panose="02020603050405020304" pitchFamily="18" charset="0"/>
+              </a:rPr>
+              <a:t>print</a:t>
+            </a:r>
+            <a:r>
+              <a:rPr lang="en-US" sz="3100" dirty="0">
+                <a:latin typeface="Consolas" panose="020B0609020204030204" pitchFamily="49" charset="0"/>
+                <a:ea typeface="Calibri" panose="020F0502020204030204" pitchFamily="34" charset="0"/>
+                <a:cs typeface="Times New Roman" panose="02020603050405020304" pitchFamily="18" charset="0"/>
+              </a:rPr>
+              <a:t>(</a:t>
+            </a:r>
+            <a:r>
+              <a:rPr lang="en-US" sz="3100" dirty="0">
+                <a:solidFill>
+                  <a:srgbClr val="4070A0"/>
+                </a:solidFill>
+                <a:latin typeface="Consolas" panose="020B0609020204030204" pitchFamily="49" charset="0"/>
+                <a:ea typeface="Calibri" panose="020F0502020204030204" pitchFamily="34" charset="0"/>
+                <a:cs typeface="Times New Roman" panose="02020603050405020304" pitchFamily="18" charset="0"/>
+              </a:rPr>
+              <a:t>"Actual Event Type: "</a:t>
+            </a:r>
+            <a:r>
+              <a:rPr lang="en-US" sz="3100" dirty="0">
+                <a:latin typeface="Consolas" panose="020B0609020204030204" pitchFamily="49" charset="0"/>
+                <a:ea typeface="Calibri" panose="020F0502020204030204" pitchFamily="34" charset="0"/>
+                <a:cs typeface="Times New Roman" panose="02020603050405020304" pitchFamily="18" charset="0"/>
+              </a:rPr>
+              <a:t>,</a:t>
+            </a:r>
+            <a:r>
+              <a:rPr lang="en-US" sz="3100" dirty="0" err="1">
+                <a:latin typeface="Consolas" panose="020B0609020204030204" pitchFamily="49" charset="0"/>
+                <a:ea typeface="Calibri" panose="020F0502020204030204" pitchFamily="34" charset="0"/>
+                <a:cs typeface="Times New Roman" panose="02020603050405020304" pitchFamily="18" charset="0"/>
+              </a:rPr>
+              <a:t>df_final</a:t>
+            </a:r>
+            <a:r>
+              <a:rPr lang="en-US" sz="3100" dirty="0">
+                <a:latin typeface="Consolas" panose="020B0609020204030204" pitchFamily="49" charset="0"/>
+                <a:ea typeface="Calibri" panose="020F0502020204030204" pitchFamily="34" charset="0"/>
+                <a:cs typeface="Times New Roman" panose="02020603050405020304" pitchFamily="18" charset="0"/>
+              </a:rPr>
+              <a:t>[</a:t>
+            </a:r>
+            <a:r>
+              <a:rPr lang="en-US" sz="3100" dirty="0">
+                <a:solidFill>
+                  <a:srgbClr val="4070A0"/>
+                </a:solidFill>
+                <a:latin typeface="Consolas" panose="020B0609020204030204" pitchFamily="49" charset="0"/>
+                <a:ea typeface="Calibri" panose="020F0502020204030204" pitchFamily="34" charset="0"/>
+                <a:cs typeface="Times New Roman" panose="02020603050405020304" pitchFamily="18" charset="0"/>
+              </a:rPr>
+              <a:t>'</a:t>
+            </a:r>
+            <a:r>
+              <a:rPr lang="en-US" sz="3100" dirty="0" err="1">
+                <a:solidFill>
+                  <a:srgbClr val="4070A0"/>
+                </a:solidFill>
+                <a:latin typeface="Consolas" panose="020B0609020204030204" pitchFamily="49" charset="0"/>
+                <a:ea typeface="Calibri" panose="020F0502020204030204" pitchFamily="34" charset="0"/>
+                <a:cs typeface="Times New Roman" panose="02020603050405020304" pitchFamily="18" charset="0"/>
+              </a:rPr>
+              <a:t>new_type</a:t>
+            </a:r>
+            <a:r>
+              <a:rPr lang="en-US" sz="3100" dirty="0">
+                <a:solidFill>
+                  <a:srgbClr val="4070A0"/>
+                </a:solidFill>
+                <a:latin typeface="Consolas" panose="020B0609020204030204" pitchFamily="49" charset="0"/>
+                <a:ea typeface="Calibri" panose="020F0502020204030204" pitchFamily="34" charset="0"/>
+                <a:cs typeface="Times New Roman" panose="02020603050405020304" pitchFamily="18" charset="0"/>
+              </a:rPr>
+              <a:t>'</a:t>
+            </a:r>
+            <a:r>
+              <a:rPr lang="en-US" sz="3100" dirty="0">
+                <a:latin typeface="Consolas" panose="020B0609020204030204" pitchFamily="49" charset="0"/>
+                <a:ea typeface="Calibri" panose="020F0502020204030204" pitchFamily="34" charset="0"/>
+                <a:cs typeface="Times New Roman" panose="02020603050405020304" pitchFamily="18" charset="0"/>
+              </a:rPr>
+              <a:t>][k], </a:t>
+            </a:r>
+            <a:r>
+              <a:rPr lang="en-US" sz="3100" dirty="0">
+                <a:solidFill>
+                  <a:srgbClr val="4070A0"/>
+                </a:solidFill>
+                <a:latin typeface="Consolas" panose="020B0609020204030204" pitchFamily="49" charset="0"/>
+                <a:ea typeface="Calibri" panose="020F0502020204030204" pitchFamily="34" charset="0"/>
+                <a:cs typeface="Times New Roman" panose="02020603050405020304" pitchFamily="18" charset="0"/>
+              </a:rPr>
+              <a:t>"\n"</a:t>
+            </a:r>
+            <a:r>
+              <a:rPr lang="en-US" sz="3100" dirty="0">
+                <a:latin typeface="Consolas" panose="020B0609020204030204" pitchFamily="49" charset="0"/>
+                <a:ea typeface="Calibri" panose="020F0502020204030204" pitchFamily="34" charset="0"/>
+                <a:cs typeface="Times New Roman" panose="02020603050405020304" pitchFamily="18" charset="0"/>
+              </a:rPr>
+              <a:t>)</a:t>
+            </a:r>
+            <a:endParaRPr lang="en-US" sz="3100" dirty="0">
+              <a:latin typeface="Calibri" panose="020F0502020204030204" pitchFamily="34" charset="0"/>
+              <a:ea typeface="Calibri" panose="020F0502020204030204" pitchFamily="34" charset="0"/>
+              <a:cs typeface="Times New Roman" panose="02020603050405020304" pitchFamily="18" charset="0"/>
+            </a:endParaRPr>
+          </a:p>
+          <a:p>
+            <a:endParaRPr lang="en-US" dirty="0"/>
+          </a:p>
+        </p:txBody>
+      </p:sp>
+    </p:spTree>
+    <p:extLst>
+      <p:ext uri="{BB962C8B-B14F-4D97-AF65-F5344CB8AC3E}">
+        <p14:creationId xmlns:p14="http://schemas.microsoft.com/office/powerpoint/2010/main" val="3015297159"/>
+      </p:ext>
+    </p:extLst>
+  </p:cSld>
+  <p:clrMapOvr>
+    <a:masterClrMapping/>
+  </p:clrMapOvr>
+</p:sld>
+</file>
+
+<file path=ppt/slides/slide36.xml><?xml version="1.0" encoding="utf-8"?>
+<p:sld xmlns:a="http://schemas.openxmlformats.org/drawingml/2006/main" xmlns:r="http://schemas.openxmlformats.org/officeDocument/2006/relationships" xmlns:p="http://schemas.openxmlformats.org/presentationml/2006/main">
+  <p:cSld>
+    <p:spTree>
+      <p:nvGrpSpPr>
+        <p:cNvPr id="1" name=""/>
+        <p:cNvGrpSpPr/>
+        <p:nvPr/>
+      </p:nvGrpSpPr>
+      <p:grpSpPr>
+        <a:xfrm>
+          <a:off x="0" y="0"/>
+          <a:ext cx="0" cy="0"/>
+          <a:chOff x="0" y="0"/>
+          <a:chExt cx="0" cy="0"/>
+        </a:xfrm>
+      </p:grpSpPr>
+      <p:sp>
+        <p:nvSpPr>
+          <p:cNvPr id="2" name="Title 1">
+            <a:extLst>
+              <a:ext uri="{FF2B5EF4-FFF2-40B4-BE49-F238E27FC236}">
+                <a16:creationId xmlns:a16="http://schemas.microsoft.com/office/drawing/2014/main" id="{28A54A67-12C9-4256-9630-FF46E4A0A0DF}"/>
+              </a:ext>
+            </a:extLst>
+          </p:cNvPr>
+          <p:cNvSpPr>
+            <a:spLocks noGrp="1"/>
+          </p:cNvSpPr>
+          <p:nvPr>
+            <p:ph type="title"/>
+          </p:nvPr>
+        </p:nvSpPr>
+        <p:spPr/>
+        <p:txBody>
+          <a:bodyPr/>
+          <a:lstStyle/>
+          <a:p>
+            <a:endParaRPr lang="en-US"/>
+          </a:p>
+        </p:txBody>
+      </p:sp>
+      <p:pic>
+        <p:nvPicPr>
+          <p:cNvPr id="5" name="Content Placeholder 4">
+            <a:extLst>
+              <a:ext uri="{FF2B5EF4-FFF2-40B4-BE49-F238E27FC236}">
+                <a16:creationId xmlns:a16="http://schemas.microsoft.com/office/drawing/2014/main" id="{6881798B-0A62-4403-BCEE-D013078F1AE3}"/>
+              </a:ext>
+            </a:extLst>
+          </p:cNvPr>
+          <p:cNvPicPr>
+            <a:picLocks noGrp="1" noChangeAspect="1"/>
+          </p:cNvPicPr>
+          <p:nvPr>
+            <p:ph idx="1"/>
+          </p:nvPr>
+        </p:nvPicPr>
+        <p:blipFill>
+          <a:blip r:embed="rId2"/>
+          <a:stretch>
+            <a:fillRect/>
+          </a:stretch>
+        </p:blipFill>
+        <p:spPr>
+          <a:xfrm>
+            <a:off x="1451579" y="-149088"/>
+            <a:ext cx="9603274" cy="7007088"/>
+          </a:xfrm>
+          <a:prstGeom prst="rect">
+            <a:avLst/>
+          </a:prstGeom>
+        </p:spPr>
+      </p:pic>
+    </p:spTree>
+    <p:extLst>
+      <p:ext uri="{BB962C8B-B14F-4D97-AF65-F5344CB8AC3E}">
+        <p14:creationId xmlns:p14="http://schemas.microsoft.com/office/powerpoint/2010/main" val="329294164"/>
+      </p:ext>
+    </p:extLst>
+  </p:cSld>
+  <p:clrMapOvr>
+    <a:masterClrMapping/>
+  </p:clrMapOvr>
+</p:sld>
+</file>
+
+<file path=ppt/slides/slide37.xml><?xml version="1.0" encoding="utf-8"?>
+<p:sld xmlns:a="http://schemas.openxmlformats.org/drawingml/2006/main" xmlns:r="http://schemas.openxmlformats.org/officeDocument/2006/relationships" xmlns:p="http://schemas.openxmlformats.org/presentationml/2006/main">
+  <p:cSld>
+    <p:spTree>
+      <p:nvGrpSpPr>
+        <p:cNvPr id="1" name=""/>
+        <p:cNvGrpSpPr/>
+        <p:nvPr/>
+      </p:nvGrpSpPr>
+      <p:grpSpPr>
+        <a:xfrm>
+          <a:off x="0" y="0"/>
+          <a:ext cx="0" cy="0"/>
+          <a:chOff x="0" y="0"/>
+          <a:chExt cx="0" cy="0"/>
+        </a:xfrm>
+      </p:grpSpPr>
+      <p:sp>
+        <p:nvSpPr>
+          <p:cNvPr id="2" name="Title 1">
+            <a:extLst>
+              <a:ext uri="{FF2B5EF4-FFF2-40B4-BE49-F238E27FC236}">
+                <a16:creationId xmlns:a16="http://schemas.microsoft.com/office/drawing/2014/main" id="{0F6A4AE1-106F-48CA-9F45-5C7A15AFDEEB}"/>
+              </a:ext>
+            </a:extLst>
+          </p:cNvPr>
+          <p:cNvSpPr>
+            <a:spLocks noGrp="1"/>
+          </p:cNvSpPr>
+          <p:nvPr>
+            <p:ph type="title"/>
+          </p:nvPr>
+        </p:nvSpPr>
+        <p:spPr/>
+        <p:txBody>
+          <a:bodyPr/>
+          <a:lstStyle/>
+          <a:p>
+            <a:r>
+              <a:rPr lang="en-US" dirty="0"/>
+              <a:t>Potential Improvements to NLP Prediction Model</a:t>
+            </a:r>
+          </a:p>
+        </p:txBody>
+      </p:sp>
+      <p:sp>
+        <p:nvSpPr>
+          <p:cNvPr id="3" name="Content Placeholder 2">
+            <a:extLst>
+              <a:ext uri="{FF2B5EF4-FFF2-40B4-BE49-F238E27FC236}">
+                <a16:creationId xmlns:a16="http://schemas.microsoft.com/office/drawing/2014/main" id="{95A3DB18-F435-482F-90C5-A3F3BFD722E4}"/>
+              </a:ext>
+            </a:extLst>
+          </p:cNvPr>
+          <p:cNvSpPr>
+            <a:spLocks noGrp="1"/>
+          </p:cNvSpPr>
+          <p:nvPr>
+            <p:ph idx="1"/>
+          </p:nvPr>
+        </p:nvSpPr>
+        <p:spPr/>
+        <p:txBody>
+          <a:bodyPr>
+            <a:noAutofit/>
+          </a:bodyPr>
+          <a:lstStyle/>
+          <a:p>
+            <a:r>
+              <a:rPr lang="en-US" sz="2400" dirty="0"/>
+              <a:t>Might have limitations on medical text written in different languages other than English</a:t>
+            </a:r>
+          </a:p>
+          <a:p>
+            <a:pPr lvl="1"/>
+            <a:r>
+              <a:rPr lang="en-US" sz="2400" dirty="0"/>
+              <a:t>Different grammatical structures for different languages</a:t>
+            </a:r>
+          </a:p>
+          <a:p>
+            <a:pPr lvl="1"/>
+            <a:r>
+              <a:rPr lang="en-US" sz="2400" dirty="0"/>
+              <a:t>Different medical terminology and lingo between individual countries following different medical </a:t>
+            </a:r>
+            <a:r>
+              <a:rPr lang="en-US" sz="2400"/>
+              <a:t>policies and systems</a:t>
+            </a:r>
+            <a:endParaRPr lang="en-US" sz="2400" dirty="0"/>
+          </a:p>
+          <a:p>
+            <a:r>
+              <a:rPr lang="en-US" sz="2400" dirty="0"/>
+              <a:t>Possible to train this NLP prediction model to incorporate the different languages and medical terminology of different countries to classify the negative event types that might occur for the medical devices?</a:t>
+            </a:r>
+          </a:p>
+        </p:txBody>
+      </p:sp>
+    </p:spTree>
+    <p:extLst>
+      <p:ext uri="{BB962C8B-B14F-4D97-AF65-F5344CB8AC3E}">
+        <p14:creationId xmlns:p14="http://schemas.microsoft.com/office/powerpoint/2010/main" val="165085702"/>
       </p:ext>
     </p:extLst>
   </p:cSld>
